--- a/log-analysis-on-premise/images/figures.pptx
+++ b/log-analysis-on-premise/images/figures.pptx
@@ -5,10 +5,12 @@
     <p:sldMasterId id="2147483648" r:id="rId1"/>
   </p:sldMasterIdLst>
   <p:notesMasterIdLst>
-    <p:notesMasterId r:id="rId3"/>
+    <p:notesMasterId r:id="rId5"/>
   </p:notesMasterIdLst>
   <p:sldIdLst>
     <p:sldId id="256" r:id="rId2"/>
+    <p:sldId id="257" r:id="rId3"/>
+    <p:sldId id="258" r:id="rId4"/>
   </p:sldIdLst>
   <p:sldSz cx="12192000" cy="6858000"/>
   <p:notesSz cx="6858000" cy="9144000"/>
@@ -3998,131 +4000,3524 @@
           <a:chExt cx="0" cy="0"/>
         </a:xfrm>
       </p:grpSpPr>
-      <p:sp>
-        <p:nvSpPr>
-          <p:cNvPr id="4" name="正方形/長方形 3">
+      <p:grpSp>
+        <p:nvGrpSpPr>
+          <p:cNvPr id="46" name="グループ化 45">
             <a:extLst>
               <a:ext uri="{FF2B5EF4-FFF2-40B4-BE49-F238E27FC236}">
-                <a16:creationId xmlns:a16="http://schemas.microsoft.com/office/drawing/2014/main" id="{8B9DA110-3F30-43A8-9ED9-0E2287037A8F}"/>
+                <a16:creationId xmlns:a16="http://schemas.microsoft.com/office/drawing/2014/main" id="{0A2CEE68-E38A-4160-BD2B-3B68C8DAFC85}"/>
               </a:ext>
             </a:extLst>
           </p:cNvPr>
-          <p:cNvSpPr/>
+          <p:cNvGrpSpPr/>
           <p:nvPr/>
-        </p:nvSpPr>
-        <p:spPr>
+        </p:nvGrpSpPr>
+        <p:grpSpPr>
           <a:xfrm>
-            <a:off x="5955631" y="1801894"/>
-            <a:ext cx="5708685" cy="4507398"/>
+            <a:off x="202375" y="1793876"/>
+            <a:ext cx="11461941" cy="4564050"/>
+            <a:chOff x="202375" y="1793876"/>
+            <a:chExt cx="11461941" cy="4564050"/>
           </a:xfrm>
-          <a:prstGeom prst="rect">
-            <a:avLst/>
-          </a:prstGeom>
-          <a:noFill/>
-          <a:ln w="28575" cap="flat" cmpd="sng" algn="ctr">
-            <a:solidFill>
-              <a:srgbClr val="0179D6"/>
-            </a:solidFill>
-            <a:prstDash val="solid"/>
-            <a:miter lim="800000"/>
-          </a:ln>
-          <a:effectLst/>
-        </p:spPr>
-        <p:txBody>
-          <a:bodyPr lIns="180000" tIns="180000" rIns="180000" bIns="180000" rtlCol="0" anchor="ctr"/>
-          <a:lstStyle/>
-          <a:p>
-            <a:pPr marL="0" marR="0" lvl="0" indent="0" defTabSz="914400" eaLnBrk="1" fontAlgn="auto" latinLnBrk="0" hangingPunct="1">
-              <a:lnSpc>
-                <a:spcPct val="100000"/>
-              </a:lnSpc>
-              <a:spcBef>
-                <a:spcPts val="0"/>
-              </a:spcBef>
-              <a:spcAft>
-                <a:spcPts val="0"/>
-              </a:spcAft>
-              <a:buClrTx/>
-              <a:buSzTx/>
-              <a:buFontTx/>
-              <a:buNone/>
-              <a:tabLst/>
-              <a:defRPr/>
-            </a:pPr>
-            <a:endParaRPr kumimoji="0" lang="ja-JP" altLang="en-US" sz="3000" b="0" i="0" u="none" strike="noStrike" kern="0" cap="none" spc="0" normalizeH="0" baseline="0" noProof="0" dirty="0">
-              <a:ln>
+        </p:grpSpPr>
+        <p:sp>
+          <p:nvSpPr>
+            <p:cNvPr id="4" name="正方形/長方形 3">
+              <a:extLst>
+                <a:ext uri="{FF2B5EF4-FFF2-40B4-BE49-F238E27FC236}">
+                  <a16:creationId xmlns:a16="http://schemas.microsoft.com/office/drawing/2014/main" id="{8B9DA110-3F30-43A8-9ED9-0E2287037A8F}"/>
+                </a:ext>
+              </a:extLst>
+            </p:cNvPr>
+            <p:cNvSpPr/>
+            <p:nvPr/>
+          </p:nvSpPr>
+          <p:spPr>
+            <a:xfrm>
+              <a:off x="5955631" y="1801894"/>
+              <a:ext cx="5708685" cy="4507398"/>
+            </a:xfrm>
+            <a:prstGeom prst="rect">
+              <a:avLst/>
+            </a:prstGeom>
+            <a:noFill/>
+            <a:ln w="28575" cap="flat" cmpd="sng" algn="ctr">
+              <a:solidFill>
+                <a:srgbClr val="0179D6"/>
+              </a:solidFill>
+              <a:prstDash val="solid"/>
+              <a:miter lim="800000"/>
+            </a:ln>
+            <a:effectLst/>
+          </p:spPr>
+          <p:txBody>
+            <a:bodyPr lIns="180000" tIns="180000" rIns="180000" bIns="180000" rtlCol="0" anchor="ctr"/>
+            <a:lstStyle/>
+            <a:p>
+              <a:pPr marL="0" marR="0" lvl="0" indent="0" defTabSz="914400" eaLnBrk="1" fontAlgn="auto" latinLnBrk="0" hangingPunct="1">
+                <a:lnSpc>
+                  <a:spcPct val="100000"/>
+                </a:lnSpc>
+                <a:spcBef>
+                  <a:spcPts val="0"/>
+                </a:spcBef>
+                <a:spcAft>
+                  <a:spcPts val="0"/>
+                </a:spcAft>
+                <a:buClrTx/>
+                <a:buSzTx/>
+                <a:buFontTx/>
+                <a:buNone/>
+                <a:tabLst/>
+                <a:defRPr/>
+              </a:pPr>
+              <a:endParaRPr kumimoji="0" lang="ja-JP" altLang="en-US" sz="3000" b="0" i="0" u="none" strike="noStrike" kern="0" cap="none" spc="0" normalizeH="0" baseline="0" noProof="0" dirty="0">
+                <a:ln>
+                  <a:solidFill>
+                    <a:prstClr val="black"/>
+                  </a:solidFill>
+                </a:ln>
                 <a:solidFill>
-                  <a:prstClr val="black"/>
+                  <a:sysClr val="windowText" lastClr="000000"/>
                 </a:solidFill>
-              </a:ln>
-              <a:solidFill>
-                <a:sysClr val="windowText" lastClr="000000"/>
-              </a:solidFill>
-              <a:effectLst/>
-              <a:uLnTx/>
-              <a:uFillTx/>
-              <a:latin typeface="メイリオ" panose="020B0604030504040204" pitchFamily="50" charset="-128"/>
-              <a:ea typeface="メイリオ" panose="020B0604030504040204" pitchFamily="50" charset="-128"/>
-              <a:cs typeface="+mn-cs"/>
-            </a:endParaRPr>
-          </a:p>
-        </p:txBody>
-      </p:sp>
-      <p:sp>
-        <p:nvSpPr>
-          <p:cNvPr id="5" name="テキスト ボックス 4">
-            <a:extLst>
-              <a:ext uri="{FF2B5EF4-FFF2-40B4-BE49-F238E27FC236}">
-                <a16:creationId xmlns:a16="http://schemas.microsoft.com/office/drawing/2014/main" id="{B7891457-6B34-41F3-932B-030913B1D1B2}"/>
-              </a:ext>
-            </a:extLst>
-          </p:cNvPr>
-          <p:cNvSpPr txBox="1"/>
-          <p:nvPr/>
-        </p:nvSpPr>
-        <p:spPr>
-          <a:xfrm>
-            <a:off x="3425418" y="2041848"/>
-            <a:ext cx="1507144" cy="338554"/>
-          </a:xfrm>
-          <a:prstGeom prst="rect">
-            <a:avLst/>
-          </a:prstGeom>
-          <a:noFill/>
-        </p:spPr>
-        <p:txBody>
-          <a:bodyPr wrap="none" rtlCol="0">
-            <a:spAutoFit/>
-          </a:bodyPr>
-          <a:lstStyle/>
-          <a:p>
-            <a:pPr algn="ctr"/>
-            <a:r>
-              <a:rPr lang="en-US" altLang="ja-JP" sz="1600" dirty="0">
+                <a:effectLst/>
+                <a:uLnTx/>
+                <a:uFillTx/>
+                <a:latin typeface="メイリオ" panose="020B0604030504040204" pitchFamily="50" charset="-128"/>
+                <a:ea typeface="メイリオ" panose="020B0604030504040204" pitchFamily="50" charset="-128"/>
+                <a:cs typeface="+mn-cs"/>
+              </a:endParaRPr>
+            </a:p>
+          </p:txBody>
+        </p:sp>
+        <p:sp>
+          <p:nvSpPr>
+            <p:cNvPr id="5" name="テキスト ボックス 4">
+              <a:extLst>
+                <a:ext uri="{FF2B5EF4-FFF2-40B4-BE49-F238E27FC236}">
+                  <a16:creationId xmlns:a16="http://schemas.microsoft.com/office/drawing/2014/main" id="{B7891457-6B34-41F3-932B-030913B1D1B2}"/>
+                </a:ext>
+              </a:extLst>
+            </p:cNvPr>
+            <p:cNvSpPr txBox="1"/>
+            <p:nvPr/>
+          </p:nvSpPr>
+          <p:spPr>
+            <a:xfrm>
+              <a:off x="3425418" y="2041848"/>
+              <a:ext cx="1507144" cy="338554"/>
+            </a:xfrm>
+            <a:prstGeom prst="rect">
+              <a:avLst/>
+            </a:prstGeom>
+            <a:noFill/>
+          </p:spPr>
+          <p:txBody>
+            <a:bodyPr wrap="none" rtlCol="0">
+              <a:spAutoFit/>
+            </a:bodyPr>
+            <a:lstStyle/>
+            <a:p>
+              <a:pPr algn="ctr"/>
+              <a:r>
+                <a:rPr lang="en-US" altLang="ja-JP" sz="1600" dirty="0">
+                  <a:solidFill>
+                    <a:srgbClr val="2A2A2A"/>
+                  </a:solidFill>
+                  <a:latin typeface="メイリオ" panose="020B0604030504040204" pitchFamily="50" charset="-128"/>
+                  <a:ea typeface="メイリオ" panose="020B0604030504040204" pitchFamily="50" charset="-128"/>
+                </a:rPr>
+                <a:t>Log Analytics</a:t>
+              </a:r>
+              <a:endParaRPr lang="ja-JP" altLang="en-US" sz="1600" dirty="0">
                 <a:solidFill>
                   <a:srgbClr val="2A2A2A"/>
                 </a:solidFill>
                 <a:latin typeface="メイリオ" panose="020B0604030504040204" pitchFamily="50" charset="-128"/>
                 <a:ea typeface="メイリオ" panose="020B0604030504040204" pitchFamily="50" charset="-128"/>
-              </a:rPr>
-              <a:t>Log Analytics</a:t>
-            </a:r>
-            <a:endParaRPr lang="ja-JP" altLang="en-US" sz="1600" dirty="0">
+              </a:endParaRPr>
+            </a:p>
+          </p:txBody>
+        </p:sp>
+        <p:pic>
+          <p:nvPicPr>
+            <p:cNvPr id="6" name="図 5">
+              <a:extLst>
+                <a:ext uri="{FF2B5EF4-FFF2-40B4-BE49-F238E27FC236}">
+                  <a16:creationId xmlns:a16="http://schemas.microsoft.com/office/drawing/2014/main" id="{40D378AD-F99C-4523-8CA3-0E1A0308806B}"/>
+                </a:ext>
+              </a:extLst>
+            </p:cNvPr>
+            <p:cNvPicPr>
+              <a:picLocks noChangeAspect="1"/>
+            </p:cNvPicPr>
+            <p:nvPr/>
+          </p:nvPicPr>
+          <p:blipFill>
+            <a:blip r:embed="rId2"/>
+            <a:stretch>
+              <a:fillRect/>
+            </a:stretch>
+          </p:blipFill>
+          <p:spPr>
+            <a:xfrm>
+              <a:off x="6329145" y="3611436"/>
+              <a:ext cx="888314" cy="888314"/>
+            </a:xfrm>
+            <a:prstGeom prst="rect">
+              <a:avLst/>
+            </a:prstGeom>
+          </p:spPr>
+        </p:pic>
+        <p:sp>
+          <p:nvSpPr>
+            <p:cNvPr id="7" name="テキスト ボックス 6">
+              <a:extLst>
+                <a:ext uri="{FF2B5EF4-FFF2-40B4-BE49-F238E27FC236}">
+                  <a16:creationId xmlns:a16="http://schemas.microsoft.com/office/drawing/2014/main" id="{3B0D415B-EA92-4066-BF19-0EA5D8F8DE80}"/>
+                </a:ext>
+              </a:extLst>
+            </p:cNvPr>
+            <p:cNvSpPr txBox="1"/>
+            <p:nvPr/>
+          </p:nvSpPr>
+          <p:spPr>
+            <a:xfrm>
+              <a:off x="6168008" y="4613885"/>
+              <a:ext cx="1210589" cy="338554"/>
+            </a:xfrm>
+            <a:prstGeom prst="rect">
+              <a:avLst/>
+            </a:prstGeom>
+            <a:noFill/>
+          </p:spPr>
+          <p:txBody>
+            <a:bodyPr wrap="none" rtlCol="0">
+              <a:spAutoFit/>
+            </a:bodyPr>
+            <a:lstStyle/>
+            <a:p>
+              <a:pPr algn="ctr"/>
+              <a:r>
+                <a:rPr lang="ja-JP" altLang="en-US" sz="1600" dirty="0">
+                  <a:solidFill>
+                    <a:srgbClr val="2A2A2A"/>
+                  </a:solidFill>
+                  <a:latin typeface="メイリオ" panose="020B0604030504040204" pitchFamily="50" charset="-128"/>
+                  <a:ea typeface="メイリオ" panose="020B0604030504040204" pitchFamily="50" charset="-128"/>
+                </a:rPr>
+                <a:t>レポジトリ</a:t>
+              </a:r>
+            </a:p>
+          </p:txBody>
+        </p:sp>
+        <p:pic>
+          <p:nvPicPr>
+            <p:cNvPr id="8" name="図 7">
+              <a:extLst>
+                <a:ext uri="{FF2B5EF4-FFF2-40B4-BE49-F238E27FC236}">
+                  <a16:creationId xmlns:a16="http://schemas.microsoft.com/office/drawing/2014/main" id="{A0C92AA4-3ACA-4CB9-AB3A-B52D01EE4E80}"/>
+                </a:ext>
+              </a:extLst>
+            </p:cNvPr>
+            <p:cNvPicPr>
+              <a:picLocks noChangeAspect="1"/>
+            </p:cNvPicPr>
+            <p:nvPr/>
+          </p:nvPicPr>
+          <p:blipFill>
+            <a:blip r:embed="rId3"/>
+            <a:stretch>
+              <a:fillRect/>
+            </a:stretch>
+          </p:blipFill>
+          <p:spPr>
+            <a:xfrm>
+              <a:off x="8461545" y="3709556"/>
+              <a:ext cx="708358" cy="692074"/>
+            </a:xfrm>
+            <a:prstGeom prst="rect">
+              <a:avLst/>
+            </a:prstGeom>
+          </p:spPr>
+        </p:pic>
+        <p:sp>
+          <p:nvSpPr>
+            <p:cNvPr id="9" name="テキスト ボックス 8">
+              <a:extLst>
+                <a:ext uri="{FF2B5EF4-FFF2-40B4-BE49-F238E27FC236}">
+                  <a16:creationId xmlns:a16="http://schemas.microsoft.com/office/drawing/2014/main" id="{E2CB6F04-156D-474B-BC78-D372E4942100}"/>
+                </a:ext>
+              </a:extLst>
+            </p:cNvPr>
+            <p:cNvSpPr txBox="1"/>
+            <p:nvPr/>
+          </p:nvSpPr>
+          <p:spPr>
+            <a:xfrm>
+              <a:off x="7998766" y="4587186"/>
+              <a:ext cx="1415772" cy="338554"/>
+            </a:xfrm>
+            <a:prstGeom prst="rect">
+              <a:avLst/>
+            </a:prstGeom>
+            <a:noFill/>
+          </p:spPr>
+          <p:txBody>
+            <a:bodyPr wrap="none" rtlCol="0">
+              <a:spAutoFit/>
+            </a:bodyPr>
+            <a:lstStyle/>
+            <a:p>
+              <a:pPr algn="ctr"/>
+              <a:r>
+                <a:rPr lang="ja-JP" altLang="en-US" sz="1600" dirty="0">
+                  <a:solidFill>
+                    <a:srgbClr val="2A2A2A"/>
+                  </a:solidFill>
+                  <a:latin typeface="メイリオ" panose="020B0604030504040204" pitchFamily="50" charset="-128"/>
+                  <a:ea typeface="メイリオ" panose="020B0604030504040204" pitchFamily="50" charset="-128"/>
+                </a:rPr>
+                <a:t>クエリー検索</a:t>
+              </a:r>
+            </a:p>
+          </p:txBody>
+        </p:sp>
+        <p:pic>
+          <p:nvPicPr>
+            <p:cNvPr id="10" name="図 9">
+              <a:extLst>
+                <a:ext uri="{FF2B5EF4-FFF2-40B4-BE49-F238E27FC236}">
+                  <a16:creationId xmlns:a16="http://schemas.microsoft.com/office/drawing/2014/main" id="{9AF961FB-AD10-434D-B2A8-B47C76C7A0A0}"/>
+                </a:ext>
+              </a:extLst>
+            </p:cNvPr>
+            <p:cNvPicPr>
+              <a:picLocks noChangeAspect="1"/>
+            </p:cNvPicPr>
+            <p:nvPr/>
+          </p:nvPicPr>
+          <p:blipFill>
+            <a:blip r:embed="rId4" cstate="print">
+              <a:extLst>
+                <a:ext uri="{28A0092B-C50C-407E-A947-70E740481C1C}">
+                  <a14:useLocalDpi xmlns:a14="http://schemas.microsoft.com/office/drawing/2010/main" val="0"/>
+                </a:ext>
+              </a:extLst>
+            </a:blip>
+            <a:stretch>
+              <a:fillRect/>
+            </a:stretch>
+          </p:blipFill>
+          <p:spPr>
+            <a:xfrm>
+              <a:off x="10413987" y="3033985"/>
+              <a:ext cx="707797" cy="707797"/>
+            </a:xfrm>
+            <a:prstGeom prst="rect">
+              <a:avLst/>
+            </a:prstGeom>
+          </p:spPr>
+        </p:pic>
+        <p:pic>
+          <p:nvPicPr>
+            <p:cNvPr id="11" name="図 10">
+              <a:extLst>
+                <a:ext uri="{FF2B5EF4-FFF2-40B4-BE49-F238E27FC236}">
+                  <a16:creationId xmlns:a16="http://schemas.microsoft.com/office/drawing/2014/main" id="{6F4C3513-DC72-477D-AB65-5C8F1B147128}"/>
+                </a:ext>
+              </a:extLst>
+            </p:cNvPr>
+            <p:cNvPicPr>
+              <a:picLocks noChangeAspect="1"/>
+            </p:cNvPicPr>
+            <p:nvPr/>
+          </p:nvPicPr>
+          <p:blipFill>
+            <a:blip r:embed="rId5" cstate="print">
+              <a:extLst>
+                <a:ext uri="{28A0092B-C50C-407E-A947-70E740481C1C}">
+                  <a14:useLocalDpi xmlns:a14="http://schemas.microsoft.com/office/drawing/2010/main" val="0"/>
+                </a:ext>
+              </a:extLst>
+            </a:blip>
+            <a:stretch>
+              <a:fillRect/>
+            </a:stretch>
+          </p:blipFill>
+          <p:spPr>
+            <a:xfrm>
+              <a:off x="10378461" y="1978722"/>
+              <a:ext cx="780290" cy="780290"/>
+            </a:xfrm>
+            <a:prstGeom prst="rect">
+              <a:avLst/>
+            </a:prstGeom>
+          </p:spPr>
+        </p:pic>
+        <p:grpSp>
+          <p:nvGrpSpPr>
+            <p:cNvPr id="12" name="グループ化 11">
+              <a:extLst>
+                <a:ext uri="{FF2B5EF4-FFF2-40B4-BE49-F238E27FC236}">
+                  <a16:creationId xmlns:a16="http://schemas.microsoft.com/office/drawing/2014/main" id="{CB383079-2CF1-4565-9C46-F99B6E898868}"/>
+                </a:ext>
+              </a:extLst>
+            </p:cNvPr>
+            <p:cNvGrpSpPr/>
+            <p:nvPr/>
+          </p:nvGrpSpPr>
+          <p:grpSpPr>
+            <a:xfrm>
+              <a:off x="10478887" y="5266234"/>
+              <a:ext cx="630238" cy="615950"/>
+              <a:chOff x="5281613" y="1719263"/>
+              <a:chExt cx="630238" cy="615950"/>
+            </a:xfrm>
+            <a:solidFill>
+              <a:srgbClr val="0179D6"/>
+            </a:solidFill>
+          </p:grpSpPr>
+          <p:sp>
+            <p:nvSpPr>
+              <p:cNvPr id="13" name="Freeform 115">
+                <a:extLst>
+                  <a:ext uri="{FF2B5EF4-FFF2-40B4-BE49-F238E27FC236}">
+                    <a16:creationId xmlns:a16="http://schemas.microsoft.com/office/drawing/2014/main" id="{FB755847-671D-4506-8D86-564E532759A4}"/>
+                  </a:ext>
+                </a:extLst>
+              </p:cNvPr>
+              <p:cNvSpPr>
+                <a:spLocks/>
+              </p:cNvSpPr>
+              <p:nvPr/>
+            </p:nvSpPr>
+            <p:spPr bwMode="auto">
+              <a:xfrm>
+                <a:off x="5332413" y="1744663"/>
+                <a:ext cx="579438" cy="412750"/>
+              </a:xfrm>
+              <a:custGeom>
+                <a:avLst/>
+                <a:gdLst>
+                  <a:gd name="T0" fmla="*/ 91 w 225"/>
+                  <a:gd name="T1" fmla="*/ 160 h 160"/>
+                  <a:gd name="T2" fmla="*/ 77 w 225"/>
+                  <a:gd name="T3" fmla="*/ 148 h 160"/>
+                  <a:gd name="T4" fmla="*/ 42 w 225"/>
+                  <a:gd name="T5" fmla="*/ 117 h 160"/>
+                  <a:gd name="T6" fmla="*/ 39 w 225"/>
+                  <a:gd name="T7" fmla="*/ 117 h 160"/>
+                  <a:gd name="T8" fmla="*/ 4 w 225"/>
+                  <a:gd name="T9" fmla="*/ 147 h 160"/>
+                  <a:gd name="T10" fmla="*/ 0 w 225"/>
+                  <a:gd name="T11" fmla="*/ 150 h 160"/>
+                  <a:gd name="T12" fmla="*/ 0 w 225"/>
+                  <a:gd name="T13" fmla="*/ 148 h 160"/>
+                  <a:gd name="T14" fmla="*/ 0 w 225"/>
+                  <a:gd name="T15" fmla="*/ 105 h 160"/>
+                  <a:gd name="T16" fmla="*/ 2 w 225"/>
+                  <a:gd name="T17" fmla="*/ 100 h 160"/>
+                  <a:gd name="T18" fmla="*/ 17 w 225"/>
+                  <a:gd name="T19" fmla="*/ 79 h 160"/>
+                  <a:gd name="T20" fmla="*/ 21 w 225"/>
+                  <a:gd name="T21" fmla="*/ 77 h 160"/>
+                  <a:gd name="T22" fmla="*/ 78 w 225"/>
+                  <a:gd name="T23" fmla="*/ 93 h 160"/>
+                  <a:gd name="T24" fmla="*/ 83 w 225"/>
+                  <a:gd name="T25" fmla="*/ 92 h 160"/>
+                  <a:gd name="T26" fmla="*/ 134 w 225"/>
+                  <a:gd name="T27" fmla="*/ 32 h 160"/>
+                  <a:gd name="T28" fmla="*/ 161 w 225"/>
+                  <a:gd name="T29" fmla="*/ 1 h 160"/>
+                  <a:gd name="T30" fmla="*/ 164 w 225"/>
+                  <a:gd name="T31" fmla="*/ 0 h 160"/>
+                  <a:gd name="T32" fmla="*/ 222 w 225"/>
+                  <a:gd name="T33" fmla="*/ 13 h 160"/>
+                  <a:gd name="T34" fmla="*/ 225 w 225"/>
+                  <a:gd name="T35" fmla="*/ 17 h 160"/>
+                  <a:gd name="T36" fmla="*/ 225 w 225"/>
+                  <a:gd name="T37" fmla="*/ 111 h 160"/>
+                  <a:gd name="T38" fmla="*/ 224 w 225"/>
+                  <a:gd name="T39" fmla="*/ 114 h 160"/>
+                  <a:gd name="T40" fmla="*/ 213 w 225"/>
+                  <a:gd name="T41" fmla="*/ 107 h 160"/>
+                  <a:gd name="T42" fmla="*/ 162 w 225"/>
+                  <a:gd name="T43" fmla="*/ 78 h 160"/>
+                  <a:gd name="T44" fmla="*/ 157 w 225"/>
+                  <a:gd name="T45" fmla="*/ 78 h 160"/>
+                  <a:gd name="T46" fmla="*/ 111 w 225"/>
+                  <a:gd name="T47" fmla="*/ 136 h 160"/>
+                  <a:gd name="T48" fmla="*/ 93 w 225"/>
+                  <a:gd name="T49" fmla="*/ 158 h 160"/>
+                  <a:gd name="T50" fmla="*/ 91 w 225"/>
+                  <a:gd name="T51" fmla="*/ 160 h 160"/>
+                </a:gdLst>
+                <a:ahLst/>
+                <a:cxnLst>
+                  <a:cxn ang="0">
+                    <a:pos x="T0" y="T1"/>
+                  </a:cxn>
+                  <a:cxn ang="0">
+                    <a:pos x="T2" y="T3"/>
+                  </a:cxn>
+                  <a:cxn ang="0">
+                    <a:pos x="T4" y="T5"/>
+                  </a:cxn>
+                  <a:cxn ang="0">
+                    <a:pos x="T6" y="T7"/>
+                  </a:cxn>
+                  <a:cxn ang="0">
+                    <a:pos x="T8" y="T9"/>
+                  </a:cxn>
+                  <a:cxn ang="0">
+                    <a:pos x="T10" y="T11"/>
+                  </a:cxn>
+                  <a:cxn ang="0">
+                    <a:pos x="T12" y="T13"/>
+                  </a:cxn>
+                  <a:cxn ang="0">
+                    <a:pos x="T14" y="T15"/>
+                  </a:cxn>
+                  <a:cxn ang="0">
+                    <a:pos x="T16" y="T17"/>
+                  </a:cxn>
+                  <a:cxn ang="0">
+                    <a:pos x="T18" y="T19"/>
+                  </a:cxn>
+                  <a:cxn ang="0">
+                    <a:pos x="T20" y="T21"/>
+                  </a:cxn>
+                  <a:cxn ang="0">
+                    <a:pos x="T22" y="T23"/>
+                  </a:cxn>
+                  <a:cxn ang="0">
+                    <a:pos x="T24" y="T25"/>
+                  </a:cxn>
+                  <a:cxn ang="0">
+                    <a:pos x="T26" y="T27"/>
+                  </a:cxn>
+                  <a:cxn ang="0">
+                    <a:pos x="T28" y="T29"/>
+                  </a:cxn>
+                  <a:cxn ang="0">
+                    <a:pos x="T30" y="T31"/>
+                  </a:cxn>
+                  <a:cxn ang="0">
+                    <a:pos x="T32" y="T33"/>
+                  </a:cxn>
+                  <a:cxn ang="0">
+                    <a:pos x="T34" y="T35"/>
+                  </a:cxn>
+                  <a:cxn ang="0">
+                    <a:pos x="T36" y="T37"/>
+                  </a:cxn>
+                  <a:cxn ang="0">
+                    <a:pos x="T38" y="T39"/>
+                  </a:cxn>
+                  <a:cxn ang="0">
+                    <a:pos x="T40" y="T41"/>
+                  </a:cxn>
+                  <a:cxn ang="0">
+                    <a:pos x="T42" y="T43"/>
+                  </a:cxn>
+                  <a:cxn ang="0">
+                    <a:pos x="T44" y="T45"/>
+                  </a:cxn>
+                  <a:cxn ang="0">
+                    <a:pos x="T46" y="T47"/>
+                  </a:cxn>
+                  <a:cxn ang="0">
+                    <a:pos x="T48" y="T49"/>
+                  </a:cxn>
+                  <a:cxn ang="0">
+                    <a:pos x="T50" y="T51"/>
+                  </a:cxn>
+                </a:cxnLst>
+                <a:rect l="0" t="0" r="r" b="b"/>
+                <a:pathLst>
+                  <a:path w="225" h="160">
+                    <a:moveTo>
+                      <a:pt x="91" y="160"/>
+                    </a:moveTo>
+                    <a:cubicBezTo>
+                      <a:pt x="86" y="156"/>
+                      <a:pt x="82" y="152"/>
+                      <a:pt x="77" y="148"/>
+                    </a:cubicBezTo>
+                    <a:cubicBezTo>
+                      <a:pt x="65" y="137"/>
+                      <a:pt x="54" y="127"/>
+                      <a:pt x="42" y="117"/>
+                    </a:cubicBezTo>
+                    <a:cubicBezTo>
+                      <a:pt x="41" y="116"/>
+                      <a:pt x="40" y="116"/>
+                      <a:pt x="39" y="117"/>
+                    </a:cubicBezTo>
+                    <a:cubicBezTo>
+                      <a:pt x="27" y="127"/>
+                      <a:pt x="15" y="137"/>
+                      <a:pt x="4" y="147"/>
+                    </a:cubicBezTo>
+                    <a:cubicBezTo>
+                      <a:pt x="3" y="148"/>
+                      <a:pt x="2" y="149"/>
+                      <a:pt x="0" y="150"/>
+                    </a:cubicBezTo>
+                    <a:cubicBezTo>
+                      <a:pt x="0" y="149"/>
+                      <a:pt x="0" y="148"/>
+                      <a:pt x="0" y="148"/>
+                    </a:cubicBezTo>
+                    <a:cubicBezTo>
+                      <a:pt x="0" y="133"/>
+                      <a:pt x="0" y="119"/>
+                      <a:pt x="0" y="105"/>
+                    </a:cubicBezTo>
+                    <a:cubicBezTo>
+                      <a:pt x="0" y="103"/>
+                      <a:pt x="1" y="102"/>
+                      <a:pt x="2" y="100"/>
+                    </a:cubicBezTo>
+                    <a:cubicBezTo>
+                      <a:pt x="7" y="93"/>
+                      <a:pt x="12" y="86"/>
+                      <a:pt x="17" y="79"/>
+                    </a:cubicBezTo>
+                    <a:cubicBezTo>
+                      <a:pt x="18" y="77"/>
+                      <a:pt x="19" y="77"/>
+                      <a:pt x="21" y="77"/>
+                    </a:cubicBezTo>
+                    <a:cubicBezTo>
+                      <a:pt x="40" y="83"/>
+                      <a:pt x="59" y="88"/>
+                      <a:pt x="78" y="93"/>
+                    </a:cubicBezTo>
+                    <a:cubicBezTo>
+                      <a:pt x="80" y="94"/>
+                      <a:pt x="82" y="94"/>
+                      <a:pt x="83" y="92"/>
+                    </a:cubicBezTo>
+                    <a:cubicBezTo>
+                      <a:pt x="100" y="72"/>
+                      <a:pt x="117" y="52"/>
+                      <a:pt x="134" y="32"/>
+                    </a:cubicBezTo>
+                    <a:cubicBezTo>
+                      <a:pt x="143" y="22"/>
+                      <a:pt x="152" y="12"/>
+                      <a:pt x="161" y="1"/>
+                    </a:cubicBezTo>
+                    <a:cubicBezTo>
+                      <a:pt x="162" y="0"/>
+                      <a:pt x="163" y="0"/>
+                      <a:pt x="164" y="0"/>
+                    </a:cubicBezTo>
+                    <a:cubicBezTo>
+                      <a:pt x="183" y="5"/>
+                      <a:pt x="202" y="9"/>
+                      <a:pt x="222" y="13"/>
+                    </a:cubicBezTo>
+                    <a:cubicBezTo>
+                      <a:pt x="224" y="14"/>
+                      <a:pt x="225" y="14"/>
+                      <a:pt x="225" y="17"/>
+                    </a:cubicBezTo>
+                    <a:cubicBezTo>
+                      <a:pt x="225" y="48"/>
+                      <a:pt x="225" y="80"/>
+                      <a:pt x="225" y="111"/>
+                    </a:cubicBezTo>
+                    <a:cubicBezTo>
+                      <a:pt x="225" y="112"/>
+                      <a:pt x="224" y="113"/>
+                      <a:pt x="224" y="114"/>
+                    </a:cubicBezTo>
+                    <a:cubicBezTo>
+                      <a:pt x="220" y="112"/>
+                      <a:pt x="217" y="110"/>
+                      <a:pt x="213" y="107"/>
+                    </a:cubicBezTo>
+                    <a:cubicBezTo>
+                      <a:pt x="196" y="98"/>
+                      <a:pt x="179" y="88"/>
+                      <a:pt x="162" y="78"/>
+                    </a:cubicBezTo>
+                    <a:cubicBezTo>
+                      <a:pt x="160" y="76"/>
+                      <a:pt x="159" y="76"/>
+                      <a:pt x="157" y="78"/>
+                    </a:cubicBezTo>
+                    <a:cubicBezTo>
+                      <a:pt x="142" y="97"/>
+                      <a:pt x="127" y="116"/>
+                      <a:pt x="111" y="136"/>
+                    </a:cubicBezTo>
+                    <a:cubicBezTo>
+                      <a:pt x="105" y="143"/>
+                      <a:pt x="99" y="151"/>
+                      <a:pt x="93" y="158"/>
+                    </a:cubicBezTo>
+                    <a:cubicBezTo>
+                      <a:pt x="92" y="159"/>
+                      <a:pt x="92" y="159"/>
+                      <a:pt x="91" y="160"/>
+                    </a:cubicBezTo>
+                    <a:close/>
+                  </a:path>
+                </a:pathLst>
+              </a:custGeom>
+              <a:grpFill/>
+              <a:ln>
+                <a:noFill/>
+              </a:ln>
+              <a:extLst>
+                <a:ext uri="{91240B29-F687-4F45-9708-019B960494DF}">
+                  <a14:hiddenLine xmlns:a14="http://schemas.microsoft.com/office/drawing/2010/main" w="9525">
+                    <a:solidFill>
+                      <a:srgbClr val="000000"/>
+                    </a:solidFill>
+                    <a:round/>
+                    <a:headEnd/>
+                    <a:tailEnd/>
+                  </a14:hiddenLine>
+                </a:ext>
+              </a:extLst>
+            </p:spPr>
+            <p:txBody>
+              <a:bodyPr vert="horz" wrap="square" lIns="91440" tIns="45720" rIns="91440" bIns="45720" numCol="1" anchor="t" anchorCtr="0" compatLnSpc="1">
+                <a:prstTxWarp prst="textNoShape">
+                  <a:avLst/>
+                </a:prstTxWarp>
+              </a:bodyPr>
+              <a:lstStyle/>
+              <a:p>
+                <a:endParaRPr lang="ja-JP" altLang="en-US">
+                  <a:solidFill>
+                    <a:prstClr val="black"/>
+                  </a:solidFill>
+                  <a:latin typeface="メイリオ" panose="020B0604030504040204" pitchFamily="50" charset="-128"/>
+                  <a:ea typeface="メイリオ" panose="020B0604030504040204" pitchFamily="50" charset="-128"/>
+                </a:endParaRPr>
+              </a:p>
+            </p:txBody>
+          </p:sp>
+          <p:sp>
+            <p:nvSpPr>
+              <p:cNvPr id="14" name="Freeform 116">
+                <a:extLst>
+                  <a:ext uri="{FF2B5EF4-FFF2-40B4-BE49-F238E27FC236}">
+                    <a16:creationId xmlns:a16="http://schemas.microsoft.com/office/drawing/2014/main" id="{142FB517-D88D-4255-A8DB-B73DA6F8D58F}"/>
+                  </a:ext>
+                </a:extLst>
+              </p:cNvPr>
+              <p:cNvSpPr>
+                <a:spLocks/>
+              </p:cNvSpPr>
+              <p:nvPr/>
+            </p:nvSpPr>
+            <p:spPr bwMode="auto">
+              <a:xfrm>
+                <a:off x="5332413" y="2009775"/>
+                <a:ext cx="579438" cy="273050"/>
+              </a:xfrm>
+              <a:custGeom>
+                <a:avLst/>
+                <a:gdLst>
+                  <a:gd name="T0" fmla="*/ 167 w 225"/>
+                  <a:gd name="T1" fmla="*/ 0 h 106"/>
+                  <a:gd name="T2" fmla="*/ 208 w 225"/>
+                  <a:gd name="T3" fmla="*/ 24 h 106"/>
+                  <a:gd name="T4" fmla="*/ 223 w 225"/>
+                  <a:gd name="T5" fmla="*/ 32 h 106"/>
+                  <a:gd name="T6" fmla="*/ 225 w 225"/>
+                  <a:gd name="T7" fmla="*/ 35 h 106"/>
+                  <a:gd name="T8" fmla="*/ 225 w 225"/>
+                  <a:gd name="T9" fmla="*/ 103 h 106"/>
+                  <a:gd name="T10" fmla="*/ 222 w 225"/>
+                  <a:gd name="T11" fmla="*/ 106 h 106"/>
+                  <a:gd name="T12" fmla="*/ 3 w 225"/>
+                  <a:gd name="T13" fmla="*/ 106 h 106"/>
+                  <a:gd name="T14" fmla="*/ 0 w 225"/>
+                  <a:gd name="T15" fmla="*/ 104 h 106"/>
+                  <a:gd name="T16" fmla="*/ 0 w 225"/>
+                  <a:gd name="T17" fmla="*/ 70 h 106"/>
+                  <a:gd name="T18" fmla="*/ 3 w 225"/>
+                  <a:gd name="T19" fmla="*/ 69 h 106"/>
+                  <a:gd name="T20" fmla="*/ 38 w 225"/>
+                  <a:gd name="T21" fmla="*/ 39 h 106"/>
+                  <a:gd name="T22" fmla="*/ 43 w 225"/>
+                  <a:gd name="T23" fmla="*/ 39 h 106"/>
+                  <a:gd name="T24" fmla="*/ 95 w 225"/>
+                  <a:gd name="T25" fmla="*/ 85 h 106"/>
+                  <a:gd name="T26" fmla="*/ 99 w 225"/>
+                  <a:gd name="T27" fmla="*/ 84 h 106"/>
+                  <a:gd name="T28" fmla="*/ 165 w 225"/>
+                  <a:gd name="T29" fmla="*/ 2 h 106"/>
+                  <a:gd name="T30" fmla="*/ 167 w 225"/>
+                  <a:gd name="T31" fmla="*/ 0 h 106"/>
+                </a:gdLst>
+                <a:ahLst/>
+                <a:cxnLst>
+                  <a:cxn ang="0">
+                    <a:pos x="T0" y="T1"/>
+                  </a:cxn>
+                  <a:cxn ang="0">
+                    <a:pos x="T2" y="T3"/>
+                  </a:cxn>
+                  <a:cxn ang="0">
+                    <a:pos x="T4" y="T5"/>
+                  </a:cxn>
+                  <a:cxn ang="0">
+                    <a:pos x="T6" y="T7"/>
+                  </a:cxn>
+                  <a:cxn ang="0">
+                    <a:pos x="T8" y="T9"/>
+                  </a:cxn>
+                  <a:cxn ang="0">
+                    <a:pos x="T10" y="T11"/>
+                  </a:cxn>
+                  <a:cxn ang="0">
+                    <a:pos x="T12" y="T13"/>
+                  </a:cxn>
+                  <a:cxn ang="0">
+                    <a:pos x="T14" y="T15"/>
+                  </a:cxn>
+                  <a:cxn ang="0">
+                    <a:pos x="T16" y="T17"/>
+                  </a:cxn>
+                  <a:cxn ang="0">
+                    <a:pos x="T18" y="T19"/>
+                  </a:cxn>
+                  <a:cxn ang="0">
+                    <a:pos x="T20" y="T21"/>
+                  </a:cxn>
+                  <a:cxn ang="0">
+                    <a:pos x="T22" y="T23"/>
+                  </a:cxn>
+                  <a:cxn ang="0">
+                    <a:pos x="T24" y="T25"/>
+                  </a:cxn>
+                  <a:cxn ang="0">
+                    <a:pos x="T26" y="T27"/>
+                  </a:cxn>
+                  <a:cxn ang="0">
+                    <a:pos x="T28" y="T29"/>
+                  </a:cxn>
+                  <a:cxn ang="0">
+                    <a:pos x="T30" y="T31"/>
+                  </a:cxn>
+                </a:cxnLst>
+                <a:rect l="0" t="0" r="r" b="b"/>
+                <a:pathLst>
+                  <a:path w="225" h="106">
+                    <a:moveTo>
+                      <a:pt x="167" y="0"/>
+                    </a:moveTo>
+                    <a:cubicBezTo>
+                      <a:pt x="181" y="8"/>
+                      <a:pt x="194" y="16"/>
+                      <a:pt x="208" y="24"/>
+                    </a:cubicBezTo>
+                    <a:cubicBezTo>
+                      <a:pt x="213" y="26"/>
+                      <a:pt x="218" y="29"/>
+                      <a:pt x="223" y="32"/>
+                    </a:cubicBezTo>
+                    <a:cubicBezTo>
+                      <a:pt x="224" y="33"/>
+                      <a:pt x="225" y="34"/>
+                      <a:pt x="225" y="35"/>
+                    </a:cubicBezTo>
+                    <a:cubicBezTo>
+                      <a:pt x="225" y="58"/>
+                      <a:pt x="225" y="81"/>
+                      <a:pt x="225" y="103"/>
+                    </a:cubicBezTo>
+                    <a:cubicBezTo>
+                      <a:pt x="225" y="105"/>
+                      <a:pt x="224" y="106"/>
+                      <a:pt x="222" y="106"/>
+                    </a:cubicBezTo>
+                    <a:cubicBezTo>
+                      <a:pt x="149" y="106"/>
+                      <a:pt x="76" y="106"/>
+                      <a:pt x="3" y="106"/>
+                    </a:cubicBezTo>
+                    <a:cubicBezTo>
+                      <a:pt x="2" y="106"/>
+                      <a:pt x="0" y="106"/>
+                      <a:pt x="0" y="104"/>
+                    </a:cubicBezTo>
+                    <a:cubicBezTo>
+                      <a:pt x="0" y="93"/>
+                      <a:pt x="0" y="81"/>
+                      <a:pt x="0" y="70"/>
+                    </a:cubicBezTo>
+                    <a:cubicBezTo>
+                      <a:pt x="2" y="70"/>
+                      <a:pt x="3" y="69"/>
+                      <a:pt x="3" y="69"/>
+                    </a:cubicBezTo>
+                    <a:cubicBezTo>
+                      <a:pt x="15" y="59"/>
+                      <a:pt x="26" y="49"/>
+                      <a:pt x="38" y="39"/>
+                    </a:cubicBezTo>
+                    <a:cubicBezTo>
+                      <a:pt x="40" y="37"/>
+                      <a:pt x="40" y="37"/>
+                      <a:pt x="43" y="39"/>
+                    </a:cubicBezTo>
+                    <a:cubicBezTo>
+                      <a:pt x="60" y="54"/>
+                      <a:pt x="78" y="70"/>
+                      <a:pt x="95" y="85"/>
+                    </a:cubicBezTo>
+                    <a:cubicBezTo>
+                      <a:pt x="97" y="86"/>
+                      <a:pt x="98" y="86"/>
+                      <a:pt x="99" y="84"/>
+                    </a:cubicBezTo>
+                    <a:cubicBezTo>
+                      <a:pt x="121" y="57"/>
+                      <a:pt x="143" y="29"/>
+                      <a:pt x="165" y="2"/>
+                    </a:cubicBezTo>
+                    <a:cubicBezTo>
+                      <a:pt x="165" y="1"/>
+                      <a:pt x="166" y="0"/>
+                      <a:pt x="167" y="0"/>
+                    </a:cubicBezTo>
+                    <a:close/>
+                  </a:path>
+                </a:pathLst>
+              </a:custGeom>
+              <a:grpFill/>
+              <a:ln>
+                <a:noFill/>
+              </a:ln>
+              <a:extLst>
+                <a:ext uri="{91240B29-F687-4F45-9708-019B960494DF}">
+                  <a14:hiddenLine xmlns:a14="http://schemas.microsoft.com/office/drawing/2010/main" w="9525">
+                    <a:solidFill>
+                      <a:srgbClr val="000000"/>
+                    </a:solidFill>
+                    <a:round/>
+                    <a:headEnd/>
+                    <a:tailEnd/>
+                  </a14:hiddenLine>
+                </a:ext>
+              </a:extLst>
+            </p:spPr>
+            <p:txBody>
+              <a:bodyPr vert="horz" wrap="square" lIns="91440" tIns="45720" rIns="91440" bIns="45720" numCol="1" anchor="t" anchorCtr="0" compatLnSpc="1">
+                <a:prstTxWarp prst="textNoShape">
+                  <a:avLst/>
+                </a:prstTxWarp>
+              </a:bodyPr>
+              <a:lstStyle/>
+              <a:p>
+                <a:endParaRPr lang="ja-JP" altLang="en-US">
+                  <a:solidFill>
+                    <a:prstClr val="black"/>
+                  </a:solidFill>
+                  <a:latin typeface="メイリオ" panose="020B0604030504040204" pitchFamily="50" charset="-128"/>
+                  <a:ea typeface="メイリオ" panose="020B0604030504040204" pitchFamily="50" charset="-128"/>
+                </a:endParaRPr>
+              </a:p>
+            </p:txBody>
+          </p:sp>
+          <p:sp>
+            <p:nvSpPr>
+              <p:cNvPr id="15" name="Freeform 117">
+                <a:extLst>
+                  <a:ext uri="{FF2B5EF4-FFF2-40B4-BE49-F238E27FC236}">
+                    <a16:creationId xmlns:a16="http://schemas.microsoft.com/office/drawing/2014/main" id="{8D28630E-9EEF-43F7-8EAE-CB43D8BCB0A0}"/>
+                  </a:ext>
+                </a:extLst>
+              </p:cNvPr>
+              <p:cNvSpPr>
+                <a:spLocks/>
+              </p:cNvSpPr>
+              <p:nvPr/>
+            </p:nvSpPr>
+            <p:spPr bwMode="auto">
+              <a:xfrm>
+                <a:off x="5281613" y="1719263"/>
+                <a:ext cx="630238" cy="615950"/>
+              </a:xfrm>
+              <a:custGeom>
+                <a:avLst/>
+                <a:gdLst>
+                  <a:gd name="T0" fmla="*/ 122 w 245"/>
+                  <a:gd name="T1" fmla="*/ 239 h 239"/>
+                  <a:gd name="T2" fmla="*/ 4 w 245"/>
+                  <a:gd name="T3" fmla="*/ 239 h 239"/>
+                  <a:gd name="T4" fmla="*/ 0 w 245"/>
+                  <a:gd name="T5" fmla="*/ 235 h 239"/>
+                  <a:gd name="T6" fmla="*/ 0 w 245"/>
+                  <a:gd name="T7" fmla="*/ 3 h 239"/>
+                  <a:gd name="T8" fmla="*/ 4 w 245"/>
+                  <a:gd name="T9" fmla="*/ 0 h 239"/>
+                  <a:gd name="T10" fmla="*/ 9 w 245"/>
+                  <a:gd name="T11" fmla="*/ 5 h 239"/>
+                  <a:gd name="T12" fmla="*/ 9 w 245"/>
+                  <a:gd name="T13" fmla="*/ 225 h 239"/>
+                  <a:gd name="T14" fmla="*/ 9 w 245"/>
+                  <a:gd name="T15" fmla="*/ 227 h 239"/>
+                  <a:gd name="T16" fmla="*/ 12 w 245"/>
+                  <a:gd name="T17" fmla="*/ 229 h 239"/>
+                  <a:gd name="T18" fmla="*/ 14 w 245"/>
+                  <a:gd name="T19" fmla="*/ 229 h 239"/>
+                  <a:gd name="T20" fmla="*/ 241 w 245"/>
+                  <a:gd name="T21" fmla="*/ 229 h 239"/>
+                  <a:gd name="T22" fmla="*/ 245 w 245"/>
+                  <a:gd name="T23" fmla="*/ 233 h 239"/>
+                  <a:gd name="T24" fmla="*/ 239 w 245"/>
+                  <a:gd name="T25" fmla="*/ 239 h 239"/>
+                  <a:gd name="T26" fmla="*/ 122 w 245"/>
+                  <a:gd name="T27" fmla="*/ 239 h 239"/>
+                </a:gdLst>
+                <a:ahLst/>
+                <a:cxnLst>
+                  <a:cxn ang="0">
+                    <a:pos x="T0" y="T1"/>
+                  </a:cxn>
+                  <a:cxn ang="0">
+                    <a:pos x="T2" y="T3"/>
+                  </a:cxn>
+                  <a:cxn ang="0">
+                    <a:pos x="T4" y="T5"/>
+                  </a:cxn>
+                  <a:cxn ang="0">
+                    <a:pos x="T6" y="T7"/>
+                  </a:cxn>
+                  <a:cxn ang="0">
+                    <a:pos x="T8" y="T9"/>
+                  </a:cxn>
+                  <a:cxn ang="0">
+                    <a:pos x="T10" y="T11"/>
+                  </a:cxn>
+                  <a:cxn ang="0">
+                    <a:pos x="T12" y="T13"/>
+                  </a:cxn>
+                  <a:cxn ang="0">
+                    <a:pos x="T14" y="T15"/>
+                  </a:cxn>
+                  <a:cxn ang="0">
+                    <a:pos x="T16" y="T17"/>
+                  </a:cxn>
+                  <a:cxn ang="0">
+                    <a:pos x="T18" y="T19"/>
+                  </a:cxn>
+                  <a:cxn ang="0">
+                    <a:pos x="T20" y="T21"/>
+                  </a:cxn>
+                  <a:cxn ang="0">
+                    <a:pos x="T22" y="T23"/>
+                  </a:cxn>
+                  <a:cxn ang="0">
+                    <a:pos x="T24" y="T25"/>
+                  </a:cxn>
+                  <a:cxn ang="0">
+                    <a:pos x="T26" y="T27"/>
+                  </a:cxn>
+                </a:cxnLst>
+                <a:rect l="0" t="0" r="r" b="b"/>
+                <a:pathLst>
+                  <a:path w="245" h="239">
+                    <a:moveTo>
+                      <a:pt x="122" y="239"/>
+                    </a:moveTo>
+                    <a:cubicBezTo>
+                      <a:pt x="83" y="239"/>
+                      <a:pt x="43" y="239"/>
+                      <a:pt x="4" y="239"/>
+                    </a:cubicBezTo>
+                    <a:cubicBezTo>
+                      <a:pt x="0" y="239"/>
+                      <a:pt x="0" y="239"/>
+                      <a:pt x="0" y="235"/>
+                    </a:cubicBezTo>
+                    <a:cubicBezTo>
+                      <a:pt x="0" y="158"/>
+                      <a:pt x="0" y="81"/>
+                      <a:pt x="0" y="3"/>
+                    </a:cubicBezTo>
+                    <a:cubicBezTo>
+                      <a:pt x="0" y="0"/>
+                      <a:pt x="0" y="0"/>
+                      <a:pt x="4" y="0"/>
+                    </a:cubicBezTo>
+                    <a:cubicBezTo>
+                      <a:pt x="9" y="0"/>
+                      <a:pt x="9" y="0"/>
+                      <a:pt x="9" y="5"/>
+                    </a:cubicBezTo>
+                    <a:cubicBezTo>
+                      <a:pt x="9" y="78"/>
+                      <a:pt x="9" y="151"/>
+                      <a:pt x="9" y="225"/>
+                    </a:cubicBezTo>
+                    <a:cubicBezTo>
+                      <a:pt x="9" y="225"/>
+                      <a:pt x="9" y="226"/>
+                      <a:pt x="9" y="227"/>
+                    </a:cubicBezTo>
+                    <a:cubicBezTo>
+                      <a:pt x="9" y="229"/>
+                      <a:pt x="10" y="229"/>
+                      <a:pt x="12" y="229"/>
+                    </a:cubicBezTo>
+                    <a:cubicBezTo>
+                      <a:pt x="12" y="229"/>
+                      <a:pt x="13" y="229"/>
+                      <a:pt x="14" y="229"/>
+                    </a:cubicBezTo>
+                    <a:cubicBezTo>
+                      <a:pt x="90" y="229"/>
+                      <a:pt x="165" y="229"/>
+                      <a:pt x="241" y="229"/>
+                    </a:cubicBezTo>
+                    <a:cubicBezTo>
+                      <a:pt x="245" y="229"/>
+                      <a:pt x="245" y="229"/>
+                      <a:pt x="245" y="233"/>
+                    </a:cubicBezTo>
+                    <a:cubicBezTo>
+                      <a:pt x="245" y="239"/>
+                      <a:pt x="245" y="239"/>
+                      <a:pt x="239" y="239"/>
+                    </a:cubicBezTo>
+                    <a:cubicBezTo>
+                      <a:pt x="200" y="239"/>
+                      <a:pt x="161" y="239"/>
+                      <a:pt x="122" y="239"/>
+                    </a:cubicBezTo>
+                    <a:close/>
+                  </a:path>
+                </a:pathLst>
+              </a:custGeom>
+              <a:grpFill/>
+              <a:ln>
+                <a:noFill/>
+              </a:ln>
+              <a:extLst>
+                <a:ext uri="{91240B29-F687-4F45-9708-019B960494DF}">
+                  <a14:hiddenLine xmlns:a14="http://schemas.microsoft.com/office/drawing/2010/main" w="9525">
+                    <a:solidFill>
+                      <a:srgbClr val="000000"/>
+                    </a:solidFill>
+                    <a:round/>
+                    <a:headEnd/>
+                    <a:tailEnd/>
+                  </a14:hiddenLine>
+                </a:ext>
+              </a:extLst>
+            </p:spPr>
+            <p:txBody>
+              <a:bodyPr vert="horz" wrap="square" lIns="91440" tIns="45720" rIns="91440" bIns="45720" numCol="1" anchor="t" anchorCtr="0" compatLnSpc="1">
+                <a:prstTxWarp prst="textNoShape">
+                  <a:avLst/>
+                </a:prstTxWarp>
+              </a:bodyPr>
+              <a:lstStyle/>
+              <a:p>
+                <a:endParaRPr lang="ja-JP" altLang="en-US">
+                  <a:solidFill>
+                    <a:prstClr val="black"/>
+                  </a:solidFill>
+                  <a:latin typeface="メイリオ" panose="020B0604030504040204" pitchFamily="50" charset="-128"/>
+                  <a:ea typeface="メイリオ" panose="020B0604030504040204" pitchFamily="50" charset="-128"/>
+                </a:endParaRPr>
+              </a:p>
+            </p:txBody>
+          </p:sp>
+        </p:grpSp>
+        <p:pic>
+          <p:nvPicPr>
+            <p:cNvPr id="16" name="図 15">
+              <a:extLst>
+                <a:ext uri="{FF2B5EF4-FFF2-40B4-BE49-F238E27FC236}">
+                  <a16:creationId xmlns:a16="http://schemas.microsoft.com/office/drawing/2014/main" id="{25085623-6344-46C2-812B-E6E2637E71B9}"/>
+                </a:ext>
+              </a:extLst>
+            </p:cNvPr>
+            <p:cNvPicPr>
+              <a:picLocks noChangeAspect="1"/>
+            </p:cNvPicPr>
+            <p:nvPr/>
+          </p:nvPicPr>
+          <p:blipFill>
+            <a:blip r:embed="rId6"/>
+            <a:stretch>
+              <a:fillRect/>
+            </a:stretch>
+          </p:blipFill>
+          <p:spPr>
+            <a:xfrm>
+              <a:off x="10426302" y="4085094"/>
+              <a:ext cx="712431" cy="712431"/>
+            </a:xfrm>
+            <a:prstGeom prst="rect">
+              <a:avLst/>
+            </a:prstGeom>
+          </p:spPr>
+        </p:pic>
+        <p:sp>
+          <p:nvSpPr>
+            <p:cNvPr id="17" name="テキスト ボックス 16">
+              <a:extLst>
+                <a:ext uri="{FF2B5EF4-FFF2-40B4-BE49-F238E27FC236}">
+                  <a16:creationId xmlns:a16="http://schemas.microsoft.com/office/drawing/2014/main" id="{ACFFB43B-F364-4064-AF5B-5DF2A6AB7528}"/>
+                </a:ext>
+              </a:extLst>
+            </p:cNvPr>
+            <p:cNvSpPr txBox="1"/>
+            <p:nvPr/>
+          </p:nvSpPr>
+          <p:spPr>
+            <a:xfrm>
+              <a:off x="10043359" y="2802712"/>
+              <a:ext cx="1620957" cy="338554"/>
+            </a:xfrm>
+            <a:prstGeom prst="rect">
+              <a:avLst/>
+            </a:prstGeom>
+            <a:noFill/>
+          </p:spPr>
+          <p:txBody>
+            <a:bodyPr wrap="none" rtlCol="0">
+              <a:spAutoFit/>
+            </a:bodyPr>
+            <a:lstStyle/>
+            <a:p>
+              <a:pPr algn="ctr"/>
+              <a:r>
+                <a:rPr lang="ja-JP" altLang="en-US" sz="1600" dirty="0">
+                  <a:solidFill>
+                    <a:srgbClr val="2A2A2A"/>
+                  </a:solidFill>
+                  <a:latin typeface="メイリオ" panose="020B0604030504040204" pitchFamily="50" charset="-128"/>
+                  <a:ea typeface="メイリオ" panose="020B0604030504040204" pitchFamily="50" charset="-128"/>
+                </a:rPr>
+                <a:t>ダッシュボード</a:t>
+              </a:r>
+            </a:p>
+          </p:txBody>
+        </p:sp>
+        <p:sp>
+          <p:nvSpPr>
+            <p:cNvPr id="18" name="テキスト ボックス 17">
+              <a:extLst>
+                <a:ext uri="{FF2B5EF4-FFF2-40B4-BE49-F238E27FC236}">
+                  <a16:creationId xmlns:a16="http://schemas.microsoft.com/office/drawing/2014/main" id="{A9E19CE8-0F06-47C1-9ECF-F552CF19EE45}"/>
+                </a:ext>
+              </a:extLst>
+            </p:cNvPr>
+            <p:cNvSpPr txBox="1"/>
+            <p:nvPr/>
+          </p:nvSpPr>
+          <p:spPr>
+            <a:xfrm>
+              <a:off x="10270376" y="3758912"/>
+              <a:ext cx="1005403" cy="338554"/>
+            </a:xfrm>
+            <a:prstGeom prst="rect">
+              <a:avLst/>
+            </a:prstGeom>
+            <a:noFill/>
+          </p:spPr>
+          <p:txBody>
+            <a:bodyPr wrap="none" rtlCol="0">
+              <a:spAutoFit/>
+            </a:bodyPr>
+            <a:lstStyle/>
+            <a:p>
+              <a:pPr algn="ctr"/>
+              <a:r>
+                <a:rPr lang="ja-JP" altLang="en-US" sz="1600" dirty="0">
+                  <a:solidFill>
+                    <a:srgbClr val="2A2A2A"/>
+                  </a:solidFill>
+                  <a:latin typeface="メイリオ" panose="020B0604030504040204" pitchFamily="50" charset="-128"/>
+                  <a:ea typeface="メイリオ" panose="020B0604030504040204" pitchFamily="50" charset="-128"/>
+                </a:rPr>
+                <a:t>アラート</a:t>
+              </a:r>
+            </a:p>
+          </p:txBody>
+        </p:sp>
+        <p:sp>
+          <p:nvSpPr>
+            <p:cNvPr id="19" name="テキスト ボックス 18">
+              <a:extLst>
+                <a:ext uri="{FF2B5EF4-FFF2-40B4-BE49-F238E27FC236}">
+                  <a16:creationId xmlns:a16="http://schemas.microsoft.com/office/drawing/2014/main" id="{37DDA204-B109-4E20-BD3F-ABCEBC676EFC}"/>
+                </a:ext>
+              </a:extLst>
+            </p:cNvPr>
+            <p:cNvSpPr txBox="1"/>
+            <p:nvPr/>
+          </p:nvSpPr>
+          <p:spPr>
+            <a:xfrm>
+              <a:off x="10471971" y="4895868"/>
+              <a:ext cx="591829" cy="338554"/>
+            </a:xfrm>
+            <a:prstGeom prst="rect">
+              <a:avLst/>
+            </a:prstGeom>
+            <a:noFill/>
+          </p:spPr>
+          <p:txBody>
+            <a:bodyPr wrap="none" rtlCol="0">
+              <a:spAutoFit/>
+            </a:bodyPr>
+            <a:lstStyle/>
+            <a:p>
+              <a:pPr algn="ctr"/>
+              <a:r>
+                <a:rPr lang="en-US" altLang="ja-JP" sz="1600" dirty="0">
+                  <a:solidFill>
+                    <a:srgbClr val="2A2A2A"/>
+                  </a:solidFill>
+                  <a:latin typeface="メイリオ" panose="020B0604030504040204" pitchFamily="50" charset="-128"/>
+                  <a:ea typeface="メイリオ" panose="020B0604030504040204" pitchFamily="50" charset="-128"/>
+                </a:rPr>
+                <a:t>CSV</a:t>
+              </a:r>
+              <a:endParaRPr lang="ja-JP" altLang="en-US" sz="1600" dirty="0">
+                <a:solidFill>
+                  <a:srgbClr val="2A2A2A"/>
+                </a:solidFill>
+                <a:latin typeface="メイリオ" panose="020B0604030504040204" pitchFamily="50" charset="-128"/>
+                <a:ea typeface="メイリオ" panose="020B0604030504040204" pitchFamily="50" charset="-128"/>
+              </a:endParaRPr>
+            </a:p>
+          </p:txBody>
+        </p:sp>
+        <p:sp>
+          <p:nvSpPr>
+            <p:cNvPr id="20" name="テキスト ボックス 19">
+              <a:extLst>
+                <a:ext uri="{FF2B5EF4-FFF2-40B4-BE49-F238E27FC236}">
+                  <a16:creationId xmlns:a16="http://schemas.microsoft.com/office/drawing/2014/main" id="{F21DB375-C2E9-4BCD-8207-4022A085A440}"/>
+                </a:ext>
+              </a:extLst>
+            </p:cNvPr>
+            <p:cNvSpPr txBox="1"/>
+            <p:nvPr/>
+          </p:nvSpPr>
+          <p:spPr>
+            <a:xfrm>
+              <a:off x="10248888" y="5963848"/>
+              <a:ext cx="1090235" cy="338554"/>
+            </a:xfrm>
+            <a:prstGeom prst="rect">
+              <a:avLst/>
+            </a:prstGeom>
+            <a:noFill/>
+          </p:spPr>
+          <p:txBody>
+            <a:bodyPr wrap="none" rtlCol="0">
+              <a:spAutoFit/>
+            </a:bodyPr>
+            <a:lstStyle/>
+            <a:p>
+              <a:pPr algn="ctr"/>
+              <a:r>
+                <a:rPr lang="en-US" altLang="ja-JP" sz="1600" dirty="0">
+                  <a:solidFill>
+                    <a:srgbClr val="2A2A2A"/>
+                  </a:solidFill>
+                  <a:latin typeface="メイリオ" panose="020B0604030504040204" pitchFamily="50" charset="-128"/>
+                  <a:ea typeface="メイリオ" panose="020B0604030504040204" pitchFamily="50" charset="-128"/>
+                </a:rPr>
+                <a:t>Power BI</a:t>
+              </a:r>
+              <a:endParaRPr lang="ja-JP" altLang="en-US" sz="1600" dirty="0">
+                <a:solidFill>
+                  <a:srgbClr val="2A2A2A"/>
+                </a:solidFill>
+                <a:latin typeface="メイリオ" panose="020B0604030504040204" pitchFamily="50" charset="-128"/>
+                <a:ea typeface="メイリオ" panose="020B0604030504040204" pitchFamily="50" charset="-128"/>
+              </a:endParaRPr>
+            </a:p>
+          </p:txBody>
+        </p:sp>
+        <p:pic>
+          <p:nvPicPr>
+            <p:cNvPr id="21" name="図 20">
+              <a:extLst>
+                <a:ext uri="{FF2B5EF4-FFF2-40B4-BE49-F238E27FC236}">
+                  <a16:creationId xmlns:a16="http://schemas.microsoft.com/office/drawing/2014/main" id="{79138B33-D564-410E-857D-80E58B5F327F}"/>
+                </a:ext>
+              </a:extLst>
+            </p:cNvPr>
+            <p:cNvPicPr>
+              <a:picLocks noChangeAspect="1"/>
+            </p:cNvPicPr>
+            <p:nvPr/>
+          </p:nvPicPr>
+          <p:blipFill>
+            <a:blip r:embed="rId7" cstate="print">
+              <a:extLst>
+                <a:ext uri="{28A0092B-C50C-407E-A947-70E740481C1C}">
+                  <a14:useLocalDpi xmlns:a14="http://schemas.microsoft.com/office/drawing/2010/main" val="0"/>
+                </a:ext>
+              </a:extLst>
+            </a:blip>
+            <a:stretch>
+              <a:fillRect/>
+            </a:stretch>
+          </p:blipFill>
+          <p:spPr>
+            <a:xfrm>
+              <a:off x="4881324" y="1793876"/>
+              <a:ext cx="915117" cy="915117"/>
+            </a:xfrm>
+            <a:prstGeom prst="rect">
+              <a:avLst/>
+            </a:prstGeom>
+          </p:spPr>
+        </p:pic>
+        <p:pic>
+          <p:nvPicPr>
+            <p:cNvPr id="22" name="図 21">
+              <a:extLst>
+                <a:ext uri="{FF2B5EF4-FFF2-40B4-BE49-F238E27FC236}">
+                  <a16:creationId xmlns:a16="http://schemas.microsoft.com/office/drawing/2014/main" id="{D3561D27-8052-4447-9610-823BF91A4AA0}"/>
+                </a:ext>
+              </a:extLst>
+            </p:cNvPr>
+            <p:cNvPicPr>
+              <a:picLocks noChangeAspect="1"/>
+            </p:cNvPicPr>
+            <p:nvPr/>
+          </p:nvPicPr>
+          <p:blipFill>
+            <a:blip r:embed="rId8" cstate="print">
+              <a:extLst>
+                <a:ext uri="{28A0092B-C50C-407E-A947-70E740481C1C}">
+                  <a14:useLocalDpi xmlns:a14="http://schemas.microsoft.com/office/drawing/2010/main" val="0"/>
+                </a:ext>
+              </a:extLst>
+            </a:blip>
+            <a:stretch>
+              <a:fillRect/>
+            </a:stretch>
+          </p:blipFill>
+          <p:spPr>
+            <a:xfrm>
+              <a:off x="1992967" y="1813271"/>
+              <a:ext cx="986411" cy="986411"/>
+            </a:xfrm>
+            <a:prstGeom prst="rect">
+              <a:avLst/>
+            </a:prstGeom>
+          </p:spPr>
+        </p:pic>
+        <p:pic>
+          <p:nvPicPr>
+            <p:cNvPr id="23" name="図 22">
+              <a:extLst>
+                <a:ext uri="{FF2B5EF4-FFF2-40B4-BE49-F238E27FC236}">
+                  <a16:creationId xmlns:a16="http://schemas.microsoft.com/office/drawing/2014/main" id="{1D93F307-CC64-4F28-A76F-CC85D4550999}"/>
+                </a:ext>
+              </a:extLst>
+            </p:cNvPr>
+            <p:cNvPicPr>
+              <a:picLocks noChangeAspect="1"/>
+            </p:cNvPicPr>
+            <p:nvPr/>
+          </p:nvPicPr>
+          <p:blipFill>
+            <a:blip r:embed="rId9" cstate="print">
+              <a:extLst>
+                <a:ext uri="{28A0092B-C50C-407E-A947-70E740481C1C}">
+                  <a14:useLocalDpi xmlns:a14="http://schemas.microsoft.com/office/drawing/2010/main" val="0"/>
+                </a:ext>
+              </a:extLst>
+            </a:blip>
+            <a:stretch>
+              <a:fillRect/>
+            </a:stretch>
+          </p:blipFill>
+          <p:spPr>
+            <a:xfrm>
+              <a:off x="708279" y="3803946"/>
+              <a:ext cx="780290" cy="780290"/>
+            </a:xfrm>
+            <a:prstGeom prst="rect">
+              <a:avLst/>
+            </a:prstGeom>
+          </p:spPr>
+        </p:pic>
+        <p:pic>
+          <p:nvPicPr>
+            <p:cNvPr id="24" name="図 23">
+              <a:extLst>
+                <a:ext uri="{FF2B5EF4-FFF2-40B4-BE49-F238E27FC236}">
+                  <a16:creationId xmlns:a16="http://schemas.microsoft.com/office/drawing/2014/main" id="{15CB691E-E66E-4A31-857F-342A10691A04}"/>
+                </a:ext>
+              </a:extLst>
+            </p:cNvPr>
+            <p:cNvPicPr>
+              <a:picLocks noChangeAspect="1"/>
+            </p:cNvPicPr>
+            <p:nvPr/>
+          </p:nvPicPr>
+          <p:blipFill>
+            <a:blip r:embed="rId10"/>
+            <a:stretch>
+              <a:fillRect/>
+            </a:stretch>
+          </p:blipFill>
+          <p:spPr>
+            <a:xfrm>
+              <a:off x="1381938" y="3566570"/>
+              <a:ext cx="1015804" cy="1015804"/>
+            </a:xfrm>
+            <a:prstGeom prst="rect">
+              <a:avLst/>
+            </a:prstGeom>
+          </p:spPr>
+        </p:pic>
+        <p:grpSp>
+          <p:nvGrpSpPr>
+            <p:cNvPr id="25" name="グループ化 24">
+              <a:extLst>
+                <a:ext uri="{FF2B5EF4-FFF2-40B4-BE49-F238E27FC236}">
+                  <a16:creationId xmlns:a16="http://schemas.microsoft.com/office/drawing/2014/main" id="{9E810AC8-DD6C-4D7F-8F63-3D2575CC2F1E}"/>
+                </a:ext>
+              </a:extLst>
+            </p:cNvPr>
+            <p:cNvGrpSpPr/>
+            <p:nvPr/>
+          </p:nvGrpSpPr>
+          <p:grpSpPr>
+            <a:xfrm>
+              <a:off x="3386181" y="5434163"/>
+              <a:ext cx="792809" cy="918829"/>
+              <a:chOff x="5230813" y="357188"/>
+              <a:chExt cx="623888" cy="642937"/>
+            </a:xfrm>
+            <a:solidFill>
+              <a:srgbClr val="0079D6"/>
+            </a:solidFill>
+          </p:grpSpPr>
+          <p:sp>
+            <p:nvSpPr>
+              <p:cNvPr id="26" name="Freeform 28">
+                <a:extLst>
+                  <a:ext uri="{FF2B5EF4-FFF2-40B4-BE49-F238E27FC236}">
+                    <a16:creationId xmlns:a16="http://schemas.microsoft.com/office/drawing/2014/main" id="{63DE449B-0C89-48AF-8964-B8F015AC165E}"/>
+                  </a:ext>
+                </a:extLst>
+              </p:cNvPr>
+              <p:cNvSpPr>
+                <a:spLocks/>
+              </p:cNvSpPr>
+              <p:nvPr/>
+            </p:nvSpPr>
+            <p:spPr bwMode="auto">
+              <a:xfrm>
+                <a:off x="5230813" y="357188"/>
+                <a:ext cx="328613" cy="642937"/>
+              </a:xfrm>
+              <a:custGeom>
+                <a:avLst/>
+                <a:gdLst>
+                  <a:gd name="T0" fmla="*/ 0 w 126"/>
+                  <a:gd name="T1" fmla="*/ 128 h 245"/>
+                  <a:gd name="T2" fmla="*/ 0 w 126"/>
+                  <a:gd name="T3" fmla="*/ 16 h 245"/>
+                  <a:gd name="T4" fmla="*/ 16 w 126"/>
+                  <a:gd name="T5" fmla="*/ 0 h 245"/>
+                  <a:gd name="T6" fmla="*/ 110 w 126"/>
+                  <a:gd name="T7" fmla="*/ 0 h 245"/>
+                  <a:gd name="T8" fmla="*/ 126 w 126"/>
+                  <a:gd name="T9" fmla="*/ 11 h 245"/>
+                  <a:gd name="T10" fmla="*/ 126 w 126"/>
+                  <a:gd name="T11" fmla="*/ 15 h 245"/>
+                  <a:gd name="T12" fmla="*/ 126 w 126"/>
+                  <a:gd name="T13" fmla="*/ 151 h 245"/>
+                  <a:gd name="T14" fmla="*/ 124 w 126"/>
+                  <a:gd name="T15" fmla="*/ 153 h 245"/>
+                  <a:gd name="T16" fmla="*/ 105 w 126"/>
+                  <a:gd name="T17" fmla="*/ 153 h 245"/>
+                  <a:gd name="T18" fmla="*/ 79 w 126"/>
+                  <a:gd name="T19" fmla="*/ 173 h 245"/>
+                  <a:gd name="T20" fmla="*/ 76 w 126"/>
+                  <a:gd name="T21" fmla="*/ 175 h 245"/>
+                  <a:gd name="T22" fmla="*/ 27 w 126"/>
+                  <a:gd name="T23" fmla="*/ 175 h 245"/>
+                  <a:gd name="T24" fmla="*/ 24 w 126"/>
+                  <a:gd name="T25" fmla="*/ 177 h 245"/>
+                  <a:gd name="T26" fmla="*/ 24 w 126"/>
+                  <a:gd name="T27" fmla="*/ 183 h 245"/>
+                  <a:gd name="T28" fmla="*/ 27 w 126"/>
+                  <a:gd name="T29" fmla="*/ 186 h 245"/>
+                  <a:gd name="T30" fmla="*/ 74 w 126"/>
+                  <a:gd name="T31" fmla="*/ 186 h 245"/>
+                  <a:gd name="T32" fmla="*/ 77 w 126"/>
+                  <a:gd name="T33" fmla="*/ 189 h 245"/>
+                  <a:gd name="T34" fmla="*/ 77 w 126"/>
+                  <a:gd name="T35" fmla="*/ 204 h 245"/>
+                  <a:gd name="T36" fmla="*/ 75 w 126"/>
+                  <a:gd name="T37" fmla="*/ 207 h 245"/>
+                  <a:gd name="T38" fmla="*/ 27 w 126"/>
+                  <a:gd name="T39" fmla="*/ 206 h 245"/>
+                  <a:gd name="T40" fmla="*/ 24 w 126"/>
+                  <a:gd name="T41" fmla="*/ 209 h 245"/>
+                  <a:gd name="T42" fmla="*/ 24 w 126"/>
+                  <a:gd name="T43" fmla="*/ 215 h 245"/>
+                  <a:gd name="T44" fmla="*/ 27 w 126"/>
+                  <a:gd name="T45" fmla="*/ 217 h 245"/>
+                  <a:gd name="T46" fmla="*/ 71 w 126"/>
+                  <a:gd name="T47" fmla="*/ 217 h 245"/>
+                  <a:gd name="T48" fmla="*/ 76 w 126"/>
+                  <a:gd name="T49" fmla="*/ 217 h 245"/>
+                  <a:gd name="T50" fmla="*/ 78 w 126"/>
+                  <a:gd name="T51" fmla="*/ 218 h 245"/>
+                  <a:gd name="T52" fmla="*/ 78 w 126"/>
+                  <a:gd name="T53" fmla="*/ 243 h 245"/>
+                  <a:gd name="T54" fmla="*/ 76 w 126"/>
+                  <a:gd name="T55" fmla="*/ 245 h 245"/>
+                  <a:gd name="T56" fmla="*/ 49 w 126"/>
+                  <a:gd name="T57" fmla="*/ 245 h 245"/>
+                  <a:gd name="T58" fmla="*/ 3 w 126"/>
+                  <a:gd name="T59" fmla="*/ 245 h 245"/>
+                  <a:gd name="T60" fmla="*/ 0 w 126"/>
+                  <a:gd name="T61" fmla="*/ 242 h 245"/>
+                  <a:gd name="T62" fmla="*/ 0 w 126"/>
+                  <a:gd name="T63" fmla="*/ 128 h 245"/>
+                </a:gdLst>
+                <a:ahLst/>
+                <a:cxnLst>
+                  <a:cxn ang="0">
+                    <a:pos x="T0" y="T1"/>
+                  </a:cxn>
+                  <a:cxn ang="0">
+                    <a:pos x="T2" y="T3"/>
+                  </a:cxn>
+                  <a:cxn ang="0">
+                    <a:pos x="T4" y="T5"/>
+                  </a:cxn>
+                  <a:cxn ang="0">
+                    <a:pos x="T6" y="T7"/>
+                  </a:cxn>
+                  <a:cxn ang="0">
+                    <a:pos x="T8" y="T9"/>
+                  </a:cxn>
+                  <a:cxn ang="0">
+                    <a:pos x="T10" y="T11"/>
+                  </a:cxn>
+                  <a:cxn ang="0">
+                    <a:pos x="T12" y="T13"/>
+                  </a:cxn>
+                  <a:cxn ang="0">
+                    <a:pos x="T14" y="T15"/>
+                  </a:cxn>
+                  <a:cxn ang="0">
+                    <a:pos x="T16" y="T17"/>
+                  </a:cxn>
+                  <a:cxn ang="0">
+                    <a:pos x="T18" y="T19"/>
+                  </a:cxn>
+                  <a:cxn ang="0">
+                    <a:pos x="T20" y="T21"/>
+                  </a:cxn>
+                  <a:cxn ang="0">
+                    <a:pos x="T22" y="T23"/>
+                  </a:cxn>
+                  <a:cxn ang="0">
+                    <a:pos x="T24" y="T25"/>
+                  </a:cxn>
+                  <a:cxn ang="0">
+                    <a:pos x="T26" y="T27"/>
+                  </a:cxn>
+                  <a:cxn ang="0">
+                    <a:pos x="T28" y="T29"/>
+                  </a:cxn>
+                  <a:cxn ang="0">
+                    <a:pos x="T30" y="T31"/>
+                  </a:cxn>
+                  <a:cxn ang="0">
+                    <a:pos x="T32" y="T33"/>
+                  </a:cxn>
+                  <a:cxn ang="0">
+                    <a:pos x="T34" y="T35"/>
+                  </a:cxn>
+                  <a:cxn ang="0">
+                    <a:pos x="T36" y="T37"/>
+                  </a:cxn>
+                  <a:cxn ang="0">
+                    <a:pos x="T38" y="T39"/>
+                  </a:cxn>
+                  <a:cxn ang="0">
+                    <a:pos x="T40" y="T41"/>
+                  </a:cxn>
+                  <a:cxn ang="0">
+                    <a:pos x="T42" y="T43"/>
+                  </a:cxn>
+                  <a:cxn ang="0">
+                    <a:pos x="T44" y="T45"/>
+                  </a:cxn>
+                  <a:cxn ang="0">
+                    <a:pos x="T46" y="T47"/>
+                  </a:cxn>
+                  <a:cxn ang="0">
+                    <a:pos x="T48" y="T49"/>
+                  </a:cxn>
+                  <a:cxn ang="0">
+                    <a:pos x="T50" y="T51"/>
+                  </a:cxn>
+                  <a:cxn ang="0">
+                    <a:pos x="T52" y="T53"/>
+                  </a:cxn>
+                  <a:cxn ang="0">
+                    <a:pos x="T54" y="T55"/>
+                  </a:cxn>
+                  <a:cxn ang="0">
+                    <a:pos x="T56" y="T57"/>
+                  </a:cxn>
+                  <a:cxn ang="0">
+                    <a:pos x="T58" y="T59"/>
+                  </a:cxn>
+                  <a:cxn ang="0">
+                    <a:pos x="T60" y="T61"/>
+                  </a:cxn>
+                  <a:cxn ang="0">
+                    <a:pos x="T62" y="T63"/>
+                  </a:cxn>
+                </a:cxnLst>
+                <a:rect l="0" t="0" r="r" b="b"/>
+                <a:pathLst>
+                  <a:path w="126" h="245">
+                    <a:moveTo>
+                      <a:pt x="0" y="128"/>
+                    </a:moveTo>
+                    <a:cubicBezTo>
+                      <a:pt x="0" y="91"/>
+                      <a:pt x="0" y="53"/>
+                      <a:pt x="0" y="16"/>
+                    </a:cubicBezTo>
+                    <a:cubicBezTo>
+                      <a:pt x="0" y="7"/>
+                      <a:pt x="6" y="0"/>
+                      <a:pt x="16" y="0"/>
+                    </a:cubicBezTo>
+                    <a:cubicBezTo>
+                      <a:pt x="48" y="0"/>
+                      <a:pt x="79" y="0"/>
+                      <a:pt x="110" y="0"/>
+                    </a:cubicBezTo>
+                    <a:cubicBezTo>
+                      <a:pt x="118" y="0"/>
+                      <a:pt x="124" y="4"/>
+                      <a:pt x="126" y="11"/>
+                    </a:cubicBezTo>
+                    <a:cubicBezTo>
+                      <a:pt x="126" y="12"/>
+                      <a:pt x="126" y="13"/>
+                      <a:pt x="126" y="15"/>
+                    </a:cubicBezTo>
+                    <a:cubicBezTo>
+                      <a:pt x="126" y="60"/>
+                      <a:pt x="126" y="106"/>
+                      <a:pt x="126" y="151"/>
+                    </a:cubicBezTo>
+                    <a:cubicBezTo>
+                      <a:pt x="126" y="153"/>
+                      <a:pt x="126" y="154"/>
+                      <a:pt x="124" y="153"/>
+                    </a:cubicBezTo>
+                    <a:cubicBezTo>
+                      <a:pt x="118" y="153"/>
+                      <a:pt x="111" y="153"/>
+                      <a:pt x="105" y="153"/>
+                    </a:cubicBezTo>
+                    <a:cubicBezTo>
+                      <a:pt x="93" y="153"/>
+                      <a:pt x="82" y="161"/>
+                      <a:pt x="79" y="173"/>
+                    </a:cubicBezTo>
+                    <a:cubicBezTo>
+                      <a:pt x="78" y="175"/>
+                      <a:pt x="77" y="175"/>
+                      <a:pt x="76" y="175"/>
+                    </a:cubicBezTo>
+                    <a:cubicBezTo>
+                      <a:pt x="60" y="175"/>
+                      <a:pt x="43" y="175"/>
+                      <a:pt x="27" y="175"/>
+                    </a:cubicBezTo>
+                    <a:cubicBezTo>
+                      <a:pt x="25" y="175"/>
+                      <a:pt x="24" y="175"/>
+                      <a:pt x="24" y="177"/>
+                    </a:cubicBezTo>
+                    <a:cubicBezTo>
+                      <a:pt x="25" y="179"/>
+                      <a:pt x="25" y="181"/>
+                      <a:pt x="24" y="183"/>
+                    </a:cubicBezTo>
+                    <a:cubicBezTo>
+                      <a:pt x="24" y="185"/>
+                      <a:pt x="25" y="186"/>
+                      <a:pt x="27" y="186"/>
+                    </a:cubicBezTo>
+                    <a:cubicBezTo>
+                      <a:pt x="43" y="186"/>
+                      <a:pt x="58" y="186"/>
+                      <a:pt x="74" y="186"/>
+                    </a:cubicBezTo>
+                    <a:cubicBezTo>
+                      <a:pt x="76" y="186"/>
+                      <a:pt x="77" y="186"/>
+                      <a:pt x="77" y="189"/>
+                    </a:cubicBezTo>
+                    <a:cubicBezTo>
+                      <a:pt x="77" y="194"/>
+                      <a:pt x="77" y="199"/>
+                      <a:pt x="77" y="204"/>
+                    </a:cubicBezTo>
+                    <a:cubicBezTo>
+                      <a:pt x="77" y="206"/>
+                      <a:pt x="77" y="207"/>
+                      <a:pt x="75" y="207"/>
+                    </a:cubicBezTo>
+                    <a:cubicBezTo>
+                      <a:pt x="59" y="207"/>
+                      <a:pt x="43" y="207"/>
+                      <a:pt x="27" y="206"/>
+                    </a:cubicBezTo>
+                    <a:cubicBezTo>
+                      <a:pt x="25" y="206"/>
+                      <a:pt x="24" y="207"/>
+                      <a:pt x="24" y="209"/>
+                    </a:cubicBezTo>
+                    <a:cubicBezTo>
+                      <a:pt x="25" y="211"/>
+                      <a:pt x="25" y="213"/>
+                      <a:pt x="24" y="215"/>
+                    </a:cubicBezTo>
+                    <a:cubicBezTo>
+                      <a:pt x="24" y="217"/>
+                      <a:pt x="25" y="217"/>
+                      <a:pt x="27" y="217"/>
+                    </a:cubicBezTo>
+                    <a:cubicBezTo>
+                      <a:pt x="42" y="217"/>
+                      <a:pt x="56" y="217"/>
+                      <a:pt x="71" y="217"/>
+                    </a:cubicBezTo>
+                    <a:cubicBezTo>
+                      <a:pt x="73" y="217"/>
+                      <a:pt x="75" y="217"/>
+                      <a:pt x="76" y="217"/>
+                    </a:cubicBezTo>
+                    <a:cubicBezTo>
+                      <a:pt x="77" y="217"/>
+                      <a:pt x="78" y="217"/>
+                      <a:pt x="78" y="218"/>
+                    </a:cubicBezTo>
+                    <a:cubicBezTo>
+                      <a:pt x="78" y="227"/>
+                      <a:pt x="78" y="235"/>
+                      <a:pt x="78" y="243"/>
+                    </a:cubicBezTo>
+                    <a:cubicBezTo>
+                      <a:pt x="78" y="245"/>
+                      <a:pt x="77" y="245"/>
+                      <a:pt x="76" y="245"/>
+                    </a:cubicBezTo>
+                    <a:cubicBezTo>
+                      <a:pt x="67" y="245"/>
+                      <a:pt x="58" y="245"/>
+                      <a:pt x="49" y="245"/>
+                    </a:cubicBezTo>
+                    <a:cubicBezTo>
+                      <a:pt x="34" y="245"/>
+                      <a:pt x="18" y="245"/>
+                      <a:pt x="3" y="245"/>
+                    </a:cubicBezTo>
+                    <a:cubicBezTo>
+                      <a:pt x="1" y="245"/>
+                      <a:pt x="0" y="244"/>
+                      <a:pt x="0" y="242"/>
+                    </a:cubicBezTo>
+                    <a:cubicBezTo>
+                      <a:pt x="0" y="204"/>
+                      <a:pt x="0" y="166"/>
+                      <a:pt x="0" y="128"/>
+                    </a:cubicBezTo>
+                    <a:close/>
+                  </a:path>
+                </a:pathLst>
+              </a:custGeom>
+              <a:grpFill/>
+              <a:ln>
+                <a:noFill/>
+              </a:ln>
+              <a:extLst>
+                <a:ext uri="{91240B29-F687-4F45-9708-019B960494DF}">
+                  <a14:hiddenLine xmlns:a14="http://schemas.microsoft.com/office/drawing/2010/main" w="9525">
+                    <a:solidFill>
+                      <a:srgbClr val="000000"/>
+                    </a:solidFill>
+                    <a:round/>
+                    <a:headEnd/>
+                    <a:tailEnd/>
+                  </a14:hiddenLine>
+                </a:ext>
+              </a:extLst>
+            </p:spPr>
+            <p:txBody>
+              <a:bodyPr vert="horz" wrap="square" lIns="91440" tIns="45720" rIns="91440" bIns="45720" numCol="1" anchor="t" anchorCtr="0" compatLnSpc="1">
+                <a:prstTxWarp prst="textNoShape">
+                  <a:avLst/>
+                </a:prstTxWarp>
+              </a:bodyPr>
+              <a:lstStyle/>
+              <a:p>
+                <a:endParaRPr lang="ja-JP" altLang="en-US">
+                  <a:solidFill>
+                    <a:prstClr val="black"/>
+                  </a:solidFill>
+                  <a:latin typeface="メイリオ" panose="020B0604030504040204" pitchFamily="50" charset="-128"/>
+                  <a:ea typeface="メイリオ" panose="020B0604030504040204" pitchFamily="50" charset="-128"/>
+                </a:endParaRPr>
+              </a:p>
+            </p:txBody>
+          </p:sp>
+          <p:sp>
+            <p:nvSpPr>
+              <p:cNvPr id="27" name="Freeform 29">
+                <a:extLst>
+                  <a:ext uri="{FF2B5EF4-FFF2-40B4-BE49-F238E27FC236}">
+                    <a16:creationId xmlns:a16="http://schemas.microsoft.com/office/drawing/2014/main" id="{F1377A7C-FBBD-432A-8C62-E3DA089AB4D1}"/>
+                  </a:ext>
+                </a:extLst>
+              </p:cNvPr>
+              <p:cNvSpPr>
+                <a:spLocks/>
+              </p:cNvSpPr>
+              <p:nvPr/>
+            </p:nvSpPr>
+            <p:spPr bwMode="auto">
+              <a:xfrm>
+                <a:off x="5459413" y="858838"/>
+                <a:ext cx="392113" cy="141287"/>
+              </a:xfrm>
+              <a:custGeom>
+                <a:avLst/>
+                <a:gdLst>
+                  <a:gd name="T0" fmla="*/ 75 w 151"/>
+                  <a:gd name="T1" fmla="*/ 54 h 54"/>
+                  <a:gd name="T2" fmla="*/ 3 w 151"/>
+                  <a:gd name="T3" fmla="*/ 54 h 54"/>
+                  <a:gd name="T4" fmla="*/ 0 w 151"/>
+                  <a:gd name="T5" fmla="*/ 51 h 54"/>
+                  <a:gd name="T6" fmla="*/ 0 w 151"/>
+                  <a:gd name="T7" fmla="*/ 3 h 54"/>
+                  <a:gd name="T8" fmla="*/ 2 w 151"/>
+                  <a:gd name="T9" fmla="*/ 1 h 54"/>
+                  <a:gd name="T10" fmla="*/ 29 w 151"/>
+                  <a:gd name="T11" fmla="*/ 1 h 54"/>
+                  <a:gd name="T12" fmla="*/ 32 w 151"/>
+                  <a:gd name="T13" fmla="*/ 3 h 54"/>
+                  <a:gd name="T14" fmla="*/ 32 w 151"/>
+                  <a:gd name="T15" fmla="*/ 8 h 54"/>
+                  <a:gd name="T16" fmla="*/ 37 w 151"/>
+                  <a:gd name="T17" fmla="*/ 12 h 54"/>
+                  <a:gd name="T18" fmla="*/ 42 w 151"/>
+                  <a:gd name="T19" fmla="*/ 7 h 54"/>
+                  <a:gd name="T20" fmla="*/ 42 w 151"/>
+                  <a:gd name="T21" fmla="*/ 6 h 54"/>
+                  <a:gd name="T22" fmla="*/ 47 w 151"/>
+                  <a:gd name="T23" fmla="*/ 1 h 54"/>
+                  <a:gd name="T24" fmla="*/ 106 w 151"/>
+                  <a:gd name="T25" fmla="*/ 1 h 54"/>
+                  <a:gd name="T26" fmla="*/ 109 w 151"/>
+                  <a:gd name="T27" fmla="*/ 4 h 54"/>
+                  <a:gd name="T28" fmla="*/ 109 w 151"/>
+                  <a:gd name="T29" fmla="*/ 7 h 54"/>
+                  <a:gd name="T30" fmla="*/ 114 w 151"/>
+                  <a:gd name="T31" fmla="*/ 12 h 54"/>
+                  <a:gd name="T32" fmla="*/ 119 w 151"/>
+                  <a:gd name="T33" fmla="*/ 7 h 54"/>
+                  <a:gd name="T34" fmla="*/ 119 w 151"/>
+                  <a:gd name="T35" fmla="*/ 7 h 54"/>
+                  <a:gd name="T36" fmla="*/ 119 w 151"/>
+                  <a:gd name="T37" fmla="*/ 1 h 54"/>
+                  <a:gd name="T38" fmla="*/ 124 w 151"/>
+                  <a:gd name="T39" fmla="*/ 1 h 54"/>
+                  <a:gd name="T40" fmla="*/ 148 w 151"/>
+                  <a:gd name="T41" fmla="*/ 1 h 54"/>
+                  <a:gd name="T42" fmla="*/ 151 w 151"/>
+                  <a:gd name="T43" fmla="*/ 3 h 54"/>
+                  <a:gd name="T44" fmla="*/ 151 w 151"/>
+                  <a:gd name="T45" fmla="*/ 51 h 54"/>
+                  <a:gd name="T46" fmla="*/ 148 w 151"/>
+                  <a:gd name="T47" fmla="*/ 54 h 54"/>
+                  <a:gd name="T48" fmla="*/ 75 w 151"/>
+                  <a:gd name="T49" fmla="*/ 54 h 54"/>
+                </a:gdLst>
+                <a:ahLst/>
+                <a:cxnLst>
+                  <a:cxn ang="0">
+                    <a:pos x="T0" y="T1"/>
+                  </a:cxn>
+                  <a:cxn ang="0">
+                    <a:pos x="T2" y="T3"/>
+                  </a:cxn>
+                  <a:cxn ang="0">
+                    <a:pos x="T4" y="T5"/>
+                  </a:cxn>
+                  <a:cxn ang="0">
+                    <a:pos x="T6" y="T7"/>
+                  </a:cxn>
+                  <a:cxn ang="0">
+                    <a:pos x="T8" y="T9"/>
+                  </a:cxn>
+                  <a:cxn ang="0">
+                    <a:pos x="T10" y="T11"/>
+                  </a:cxn>
+                  <a:cxn ang="0">
+                    <a:pos x="T12" y="T13"/>
+                  </a:cxn>
+                  <a:cxn ang="0">
+                    <a:pos x="T14" y="T15"/>
+                  </a:cxn>
+                  <a:cxn ang="0">
+                    <a:pos x="T16" y="T17"/>
+                  </a:cxn>
+                  <a:cxn ang="0">
+                    <a:pos x="T18" y="T19"/>
+                  </a:cxn>
+                  <a:cxn ang="0">
+                    <a:pos x="T20" y="T21"/>
+                  </a:cxn>
+                  <a:cxn ang="0">
+                    <a:pos x="T22" y="T23"/>
+                  </a:cxn>
+                  <a:cxn ang="0">
+                    <a:pos x="T24" y="T25"/>
+                  </a:cxn>
+                  <a:cxn ang="0">
+                    <a:pos x="T26" y="T27"/>
+                  </a:cxn>
+                  <a:cxn ang="0">
+                    <a:pos x="T28" y="T29"/>
+                  </a:cxn>
+                  <a:cxn ang="0">
+                    <a:pos x="T30" y="T31"/>
+                  </a:cxn>
+                  <a:cxn ang="0">
+                    <a:pos x="T32" y="T33"/>
+                  </a:cxn>
+                  <a:cxn ang="0">
+                    <a:pos x="T34" y="T35"/>
+                  </a:cxn>
+                  <a:cxn ang="0">
+                    <a:pos x="T36" y="T37"/>
+                  </a:cxn>
+                  <a:cxn ang="0">
+                    <a:pos x="T38" y="T39"/>
+                  </a:cxn>
+                  <a:cxn ang="0">
+                    <a:pos x="T40" y="T41"/>
+                  </a:cxn>
+                  <a:cxn ang="0">
+                    <a:pos x="T42" y="T43"/>
+                  </a:cxn>
+                  <a:cxn ang="0">
+                    <a:pos x="T44" y="T45"/>
+                  </a:cxn>
+                  <a:cxn ang="0">
+                    <a:pos x="T46" y="T47"/>
+                  </a:cxn>
+                  <a:cxn ang="0">
+                    <a:pos x="T48" y="T49"/>
+                  </a:cxn>
+                </a:cxnLst>
+                <a:rect l="0" t="0" r="r" b="b"/>
+                <a:pathLst>
+                  <a:path w="151" h="54">
+                    <a:moveTo>
+                      <a:pt x="75" y="54"/>
+                    </a:moveTo>
+                    <a:cubicBezTo>
+                      <a:pt x="51" y="54"/>
+                      <a:pt x="27" y="54"/>
+                      <a:pt x="3" y="54"/>
+                    </a:cubicBezTo>
+                    <a:cubicBezTo>
+                      <a:pt x="1" y="54"/>
+                      <a:pt x="0" y="53"/>
+                      <a:pt x="0" y="51"/>
+                    </a:cubicBezTo>
+                    <a:cubicBezTo>
+                      <a:pt x="0" y="35"/>
+                      <a:pt x="0" y="19"/>
+                      <a:pt x="0" y="3"/>
+                    </a:cubicBezTo>
+                    <a:cubicBezTo>
+                      <a:pt x="0" y="2"/>
+                      <a:pt x="0" y="1"/>
+                      <a:pt x="2" y="1"/>
+                    </a:cubicBezTo>
+                    <a:cubicBezTo>
+                      <a:pt x="11" y="1"/>
+                      <a:pt x="20" y="1"/>
+                      <a:pt x="29" y="1"/>
+                    </a:cubicBezTo>
+                    <a:cubicBezTo>
+                      <a:pt x="31" y="1"/>
+                      <a:pt x="32" y="1"/>
+                      <a:pt x="32" y="3"/>
+                    </a:cubicBezTo>
+                    <a:cubicBezTo>
+                      <a:pt x="31" y="5"/>
+                      <a:pt x="32" y="6"/>
+                      <a:pt x="32" y="8"/>
+                    </a:cubicBezTo>
+                    <a:cubicBezTo>
+                      <a:pt x="32" y="10"/>
+                      <a:pt x="35" y="12"/>
+                      <a:pt x="37" y="12"/>
+                    </a:cubicBezTo>
+                    <a:cubicBezTo>
+                      <a:pt x="40" y="12"/>
+                      <a:pt x="42" y="10"/>
+                      <a:pt x="42" y="7"/>
+                    </a:cubicBezTo>
+                    <a:cubicBezTo>
+                      <a:pt x="42" y="7"/>
+                      <a:pt x="42" y="6"/>
+                      <a:pt x="42" y="6"/>
+                    </a:cubicBezTo>
+                    <a:cubicBezTo>
+                      <a:pt x="42" y="1"/>
+                      <a:pt x="42" y="1"/>
+                      <a:pt x="47" y="1"/>
+                    </a:cubicBezTo>
+                    <a:cubicBezTo>
+                      <a:pt x="67" y="1"/>
+                      <a:pt x="86" y="1"/>
+                      <a:pt x="106" y="1"/>
+                    </a:cubicBezTo>
+                    <a:cubicBezTo>
+                      <a:pt x="108" y="1"/>
+                      <a:pt x="109" y="2"/>
+                      <a:pt x="109" y="4"/>
+                    </a:cubicBezTo>
+                    <a:cubicBezTo>
+                      <a:pt x="109" y="5"/>
+                      <a:pt x="109" y="6"/>
+                      <a:pt x="109" y="7"/>
+                    </a:cubicBezTo>
+                    <a:cubicBezTo>
+                      <a:pt x="109" y="10"/>
+                      <a:pt x="111" y="12"/>
+                      <a:pt x="114" y="12"/>
+                    </a:cubicBezTo>
+                    <a:cubicBezTo>
+                      <a:pt x="116" y="12"/>
+                      <a:pt x="119" y="10"/>
+                      <a:pt x="119" y="7"/>
+                    </a:cubicBezTo>
+                    <a:cubicBezTo>
+                      <a:pt x="119" y="7"/>
+                      <a:pt x="119" y="7"/>
+                      <a:pt x="119" y="7"/>
+                    </a:cubicBezTo>
+                    <a:cubicBezTo>
+                      <a:pt x="119" y="5"/>
+                      <a:pt x="118" y="3"/>
+                      <a:pt x="119" y="1"/>
+                    </a:cubicBezTo>
+                    <a:cubicBezTo>
+                      <a:pt x="120" y="0"/>
+                      <a:pt x="123" y="1"/>
+                      <a:pt x="124" y="1"/>
+                    </a:cubicBezTo>
+                    <a:cubicBezTo>
+                      <a:pt x="132" y="1"/>
+                      <a:pt x="140" y="1"/>
+                      <a:pt x="148" y="1"/>
+                    </a:cubicBezTo>
+                    <a:cubicBezTo>
+                      <a:pt x="150" y="1"/>
+                      <a:pt x="151" y="2"/>
+                      <a:pt x="151" y="3"/>
+                    </a:cubicBezTo>
+                    <a:cubicBezTo>
+                      <a:pt x="150" y="19"/>
+                      <a:pt x="150" y="35"/>
+                      <a:pt x="151" y="51"/>
+                    </a:cubicBezTo>
+                    <a:cubicBezTo>
+                      <a:pt x="151" y="53"/>
+                      <a:pt x="150" y="54"/>
+                      <a:pt x="148" y="54"/>
+                    </a:cubicBezTo>
+                    <a:cubicBezTo>
+                      <a:pt x="124" y="54"/>
+                      <a:pt x="100" y="54"/>
+                      <a:pt x="75" y="54"/>
+                    </a:cubicBezTo>
+                    <a:close/>
+                  </a:path>
+                </a:pathLst>
+              </a:custGeom>
+              <a:grpFill/>
+              <a:ln>
+                <a:noFill/>
+              </a:ln>
+              <a:extLst>
+                <a:ext uri="{91240B29-F687-4F45-9708-019B960494DF}">
+                  <a14:hiddenLine xmlns:a14="http://schemas.microsoft.com/office/drawing/2010/main" w="9525">
+                    <a:solidFill>
+                      <a:srgbClr val="000000"/>
+                    </a:solidFill>
+                    <a:round/>
+                    <a:headEnd/>
+                    <a:tailEnd/>
+                  </a14:hiddenLine>
+                </a:ext>
+              </a:extLst>
+            </p:spPr>
+            <p:txBody>
+              <a:bodyPr vert="horz" wrap="square" lIns="91440" tIns="45720" rIns="91440" bIns="45720" numCol="1" anchor="t" anchorCtr="0" compatLnSpc="1">
+                <a:prstTxWarp prst="textNoShape">
+                  <a:avLst/>
+                </a:prstTxWarp>
+              </a:bodyPr>
+              <a:lstStyle/>
+              <a:p>
+                <a:endParaRPr lang="ja-JP" altLang="en-US">
+                  <a:solidFill>
+                    <a:prstClr val="black"/>
+                  </a:solidFill>
+                  <a:latin typeface="メイリオ" panose="020B0604030504040204" pitchFamily="50" charset="-128"/>
+                  <a:ea typeface="メイリオ" panose="020B0604030504040204" pitchFamily="50" charset="-128"/>
+                </a:endParaRPr>
+              </a:p>
+            </p:txBody>
+          </p:sp>
+          <p:sp>
+            <p:nvSpPr>
+              <p:cNvPr id="28" name="Freeform 30">
+                <a:extLst>
+                  <a:ext uri="{FF2B5EF4-FFF2-40B4-BE49-F238E27FC236}">
+                    <a16:creationId xmlns:a16="http://schemas.microsoft.com/office/drawing/2014/main" id="{49CDB969-E165-44D0-97DF-84663207F957}"/>
+                  </a:ext>
+                </a:extLst>
+              </p:cNvPr>
+              <p:cNvSpPr>
+                <a:spLocks/>
+              </p:cNvSpPr>
+              <p:nvPr/>
+            </p:nvSpPr>
+            <p:spPr bwMode="auto">
+              <a:xfrm>
+                <a:off x="5459413" y="739775"/>
+                <a:ext cx="395288" cy="104775"/>
+              </a:xfrm>
+              <a:custGeom>
+                <a:avLst/>
+                <a:gdLst>
+                  <a:gd name="T0" fmla="*/ 31 w 152"/>
+                  <a:gd name="T1" fmla="*/ 18 h 40"/>
+                  <a:gd name="T2" fmla="*/ 47 w 152"/>
+                  <a:gd name="T3" fmla="*/ 18 h 40"/>
+                  <a:gd name="T4" fmla="*/ 49 w 152"/>
+                  <a:gd name="T5" fmla="*/ 16 h 40"/>
+                  <a:gd name="T6" fmla="*/ 49 w 152"/>
+                  <a:gd name="T7" fmla="*/ 8 h 40"/>
+                  <a:gd name="T8" fmla="*/ 56 w 152"/>
+                  <a:gd name="T9" fmla="*/ 0 h 40"/>
+                  <a:gd name="T10" fmla="*/ 94 w 152"/>
+                  <a:gd name="T11" fmla="*/ 0 h 40"/>
+                  <a:gd name="T12" fmla="*/ 102 w 152"/>
+                  <a:gd name="T13" fmla="*/ 8 h 40"/>
+                  <a:gd name="T14" fmla="*/ 102 w 152"/>
+                  <a:gd name="T15" fmla="*/ 16 h 40"/>
+                  <a:gd name="T16" fmla="*/ 104 w 152"/>
+                  <a:gd name="T17" fmla="*/ 18 h 40"/>
+                  <a:gd name="T18" fmla="*/ 132 w 152"/>
+                  <a:gd name="T19" fmla="*/ 18 h 40"/>
+                  <a:gd name="T20" fmla="*/ 151 w 152"/>
+                  <a:gd name="T21" fmla="*/ 38 h 40"/>
+                  <a:gd name="T22" fmla="*/ 149 w 152"/>
+                  <a:gd name="T23" fmla="*/ 40 h 40"/>
+                  <a:gd name="T24" fmla="*/ 120 w 152"/>
+                  <a:gd name="T25" fmla="*/ 40 h 40"/>
+                  <a:gd name="T26" fmla="*/ 119 w 152"/>
+                  <a:gd name="T27" fmla="*/ 38 h 40"/>
+                  <a:gd name="T28" fmla="*/ 114 w 152"/>
+                  <a:gd name="T29" fmla="*/ 33 h 40"/>
+                  <a:gd name="T30" fmla="*/ 109 w 152"/>
+                  <a:gd name="T31" fmla="*/ 38 h 40"/>
+                  <a:gd name="T32" fmla="*/ 106 w 152"/>
+                  <a:gd name="T33" fmla="*/ 40 h 40"/>
+                  <a:gd name="T34" fmla="*/ 54 w 152"/>
+                  <a:gd name="T35" fmla="*/ 40 h 40"/>
+                  <a:gd name="T36" fmla="*/ 46 w 152"/>
+                  <a:gd name="T37" fmla="*/ 40 h 40"/>
+                  <a:gd name="T38" fmla="*/ 42 w 152"/>
+                  <a:gd name="T39" fmla="*/ 36 h 40"/>
+                  <a:gd name="T40" fmla="*/ 37 w 152"/>
+                  <a:gd name="T41" fmla="*/ 33 h 40"/>
+                  <a:gd name="T42" fmla="*/ 32 w 152"/>
+                  <a:gd name="T43" fmla="*/ 37 h 40"/>
+                  <a:gd name="T44" fmla="*/ 28 w 152"/>
+                  <a:gd name="T45" fmla="*/ 40 h 40"/>
+                  <a:gd name="T46" fmla="*/ 3 w 152"/>
+                  <a:gd name="T47" fmla="*/ 40 h 40"/>
+                  <a:gd name="T48" fmla="*/ 0 w 152"/>
+                  <a:gd name="T49" fmla="*/ 36 h 40"/>
+                  <a:gd name="T50" fmla="*/ 18 w 152"/>
+                  <a:gd name="T51" fmla="*/ 18 h 40"/>
+                  <a:gd name="T52" fmla="*/ 31 w 152"/>
+                  <a:gd name="T53" fmla="*/ 18 h 40"/>
+                </a:gdLst>
+                <a:ahLst/>
+                <a:cxnLst>
+                  <a:cxn ang="0">
+                    <a:pos x="T0" y="T1"/>
+                  </a:cxn>
+                  <a:cxn ang="0">
+                    <a:pos x="T2" y="T3"/>
+                  </a:cxn>
+                  <a:cxn ang="0">
+                    <a:pos x="T4" y="T5"/>
+                  </a:cxn>
+                  <a:cxn ang="0">
+                    <a:pos x="T6" y="T7"/>
+                  </a:cxn>
+                  <a:cxn ang="0">
+                    <a:pos x="T8" y="T9"/>
+                  </a:cxn>
+                  <a:cxn ang="0">
+                    <a:pos x="T10" y="T11"/>
+                  </a:cxn>
+                  <a:cxn ang="0">
+                    <a:pos x="T12" y="T13"/>
+                  </a:cxn>
+                  <a:cxn ang="0">
+                    <a:pos x="T14" y="T15"/>
+                  </a:cxn>
+                  <a:cxn ang="0">
+                    <a:pos x="T16" y="T17"/>
+                  </a:cxn>
+                  <a:cxn ang="0">
+                    <a:pos x="T18" y="T19"/>
+                  </a:cxn>
+                  <a:cxn ang="0">
+                    <a:pos x="T20" y="T21"/>
+                  </a:cxn>
+                  <a:cxn ang="0">
+                    <a:pos x="T22" y="T23"/>
+                  </a:cxn>
+                  <a:cxn ang="0">
+                    <a:pos x="T24" y="T25"/>
+                  </a:cxn>
+                  <a:cxn ang="0">
+                    <a:pos x="T26" y="T27"/>
+                  </a:cxn>
+                  <a:cxn ang="0">
+                    <a:pos x="T28" y="T29"/>
+                  </a:cxn>
+                  <a:cxn ang="0">
+                    <a:pos x="T30" y="T31"/>
+                  </a:cxn>
+                  <a:cxn ang="0">
+                    <a:pos x="T32" y="T33"/>
+                  </a:cxn>
+                  <a:cxn ang="0">
+                    <a:pos x="T34" y="T35"/>
+                  </a:cxn>
+                  <a:cxn ang="0">
+                    <a:pos x="T36" y="T37"/>
+                  </a:cxn>
+                  <a:cxn ang="0">
+                    <a:pos x="T38" y="T39"/>
+                  </a:cxn>
+                  <a:cxn ang="0">
+                    <a:pos x="T40" y="T41"/>
+                  </a:cxn>
+                  <a:cxn ang="0">
+                    <a:pos x="T42" y="T43"/>
+                  </a:cxn>
+                  <a:cxn ang="0">
+                    <a:pos x="T44" y="T45"/>
+                  </a:cxn>
+                  <a:cxn ang="0">
+                    <a:pos x="T46" y="T47"/>
+                  </a:cxn>
+                  <a:cxn ang="0">
+                    <a:pos x="T48" y="T49"/>
+                  </a:cxn>
+                  <a:cxn ang="0">
+                    <a:pos x="T50" y="T51"/>
+                  </a:cxn>
+                  <a:cxn ang="0">
+                    <a:pos x="T52" y="T53"/>
+                  </a:cxn>
+                </a:cxnLst>
+                <a:rect l="0" t="0" r="r" b="b"/>
+                <a:pathLst>
+                  <a:path w="152" h="40">
+                    <a:moveTo>
+                      <a:pt x="31" y="18"/>
+                    </a:moveTo>
+                    <a:cubicBezTo>
+                      <a:pt x="37" y="18"/>
+                      <a:pt x="42" y="18"/>
+                      <a:pt x="47" y="18"/>
+                    </a:cubicBezTo>
+                    <a:cubicBezTo>
+                      <a:pt x="49" y="18"/>
+                      <a:pt x="49" y="18"/>
+                      <a:pt x="49" y="16"/>
+                    </a:cubicBezTo>
+                    <a:cubicBezTo>
+                      <a:pt x="49" y="13"/>
+                      <a:pt x="49" y="10"/>
+                      <a:pt x="49" y="8"/>
+                    </a:cubicBezTo>
+                    <a:cubicBezTo>
+                      <a:pt x="49" y="3"/>
+                      <a:pt x="52" y="0"/>
+                      <a:pt x="56" y="0"/>
+                    </a:cubicBezTo>
+                    <a:cubicBezTo>
+                      <a:pt x="69" y="0"/>
+                      <a:pt x="82" y="0"/>
+                      <a:pt x="94" y="0"/>
+                    </a:cubicBezTo>
+                    <a:cubicBezTo>
+                      <a:pt x="99" y="0"/>
+                      <a:pt x="101" y="3"/>
+                      <a:pt x="102" y="8"/>
+                    </a:cubicBezTo>
+                    <a:cubicBezTo>
+                      <a:pt x="102" y="10"/>
+                      <a:pt x="102" y="13"/>
+                      <a:pt x="102" y="16"/>
+                    </a:cubicBezTo>
+                    <a:cubicBezTo>
+                      <a:pt x="101" y="18"/>
+                      <a:pt x="102" y="18"/>
+                      <a:pt x="104" y="18"/>
+                    </a:cubicBezTo>
+                    <a:cubicBezTo>
+                      <a:pt x="113" y="18"/>
+                      <a:pt x="123" y="18"/>
+                      <a:pt x="132" y="18"/>
+                    </a:cubicBezTo>
+                    <a:cubicBezTo>
+                      <a:pt x="143" y="18"/>
+                      <a:pt x="152" y="27"/>
+                      <a:pt x="151" y="38"/>
+                    </a:cubicBezTo>
+                    <a:cubicBezTo>
+                      <a:pt x="150" y="39"/>
+                      <a:pt x="150" y="40"/>
+                      <a:pt x="149" y="40"/>
+                    </a:cubicBezTo>
+                    <a:cubicBezTo>
+                      <a:pt x="139" y="40"/>
+                      <a:pt x="130" y="40"/>
+                      <a:pt x="120" y="40"/>
+                    </a:cubicBezTo>
+                    <a:cubicBezTo>
+                      <a:pt x="119" y="40"/>
+                      <a:pt x="119" y="39"/>
+                      <a:pt x="119" y="38"/>
+                    </a:cubicBezTo>
+                    <a:cubicBezTo>
+                      <a:pt x="119" y="34"/>
+                      <a:pt x="117" y="33"/>
+                      <a:pt x="114" y="33"/>
+                    </a:cubicBezTo>
+                    <a:cubicBezTo>
+                      <a:pt x="111" y="33"/>
+                      <a:pt x="109" y="35"/>
+                      <a:pt x="109" y="38"/>
+                    </a:cubicBezTo>
+                    <a:cubicBezTo>
+                      <a:pt x="109" y="40"/>
+                      <a:pt x="107" y="40"/>
+                      <a:pt x="106" y="40"/>
+                    </a:cubicBezTo>
+                    <a:cubicBezTo>
+                      <a:pt x="89" y="40"/>
+                      <a:pt x="71" y="40"/>
+                      <a:pt x="54" y="40"/>
+                    </a:cubicBezTo>
+                    <a:cubicBezTo>
+                      <a:pt x="51" y="40"/>
+                      <a:pt x="49" y="40"/>
+                      <a:pt x="46" y="40"/>
+                    </a:cubicBezTo>
+                    <a:cubicBezTo>
+                      <a:pt x="44" y="40"/>
+                      <a:pt x="41" y="40"/>
+                      <a:pt x="42" y="36"/>
+                    </a:cubicBezTo>
+                    <a:cubicBezTo>
+                      <a:pt x="42" y="34"/>
+                      <a:pt x="39" y="33"/>
+                      <a:pt x="37" y="33"/>
+                    </a:cubicBezTo>
+                    <a:cubicBezTo>
+                      <a:pt x="34" y="33"/>
+                      <a:pt x="32" y="34"/>
+                      <a:pt x="32" y="37"/>
+                    </a:cubicBezTo>
+                    <a:cubicBezTo>
+                      <a:pt x="32" y="40"/>
+                      <a:pt x="30" y="40"/>
+                      <a:pt x="28" y="40"/>
+                    </a:cubicBezTo>
+                    <a:cubicBezTo>
+                      <a:pt x="20" y="40"/>
+                      <a:pt x="12" y="40"/>
+                      <a:pt x="3" y="40"/>
+                    </a:cubicBezTo>
+                    <a:cubicBezTo>
+                      <a:pt x="0" y="40"/>
+                      <a:pt x="0" y="40"/>
+                      <a:pt x="0" y="36"/>
+                    </a:cubicBezTo>
+                    <a:cubicBezTo>
+                      <a:pt x="0" y="25"/>
+                      <a:pt x="7" y="18"/>
+                      <a:pt x="18" y="18"/>
+                    </a:cubicBezTo>
+                    <a:cubicBezTo>
+                      <a:pt x="22" y="18"/>
+                      <a:pt x="27" y="18"/>
+                      <a:pt x="31" y="18"/>
+                    </a:cubicBezTo>
+                    <a:close/>
+                  </a:path>
+                </a:pathLst>
+              </a:custGeom>
+              <a:grpFill/>
+              <a:ln>
+                <a:noFill/>
+              </a:ln>
+              <a:extLst>
+                <a:ext uri="{91240B29-F687-4F45-9708-019B960494DF}">
+                  <a14:hiddenLine xmlns:a14="http://schemas.microsoft.com/office/drawing/2010/main" w="9525">
+                    <a:solidFill>
+                      <a:srgbClr val="000000"/>
+                    </a:solidFill>
+                    <a:round/>
+                    <a:headEnd/>
+                    <a:tailEnd/>
+                  </a14:hiddenLine>
+                </a:ext>
+              </a:extLst>
+            </p:spPr>
+            <p:txBody>
+              <a:bodyPr vert="horz" wrap="square" lIns="91440" tIns="45720" rIns="91440" bIns="45720" numCol="1" anchor="t" anchorCtr="0" compatLnSpc="1">
+                <a:prstTxWarp prst="textNoShape">
+                  <a:avLst/>
+                </a:prstTxWarp>
+              </a:bodyPr>
+              <a:lstStyle/>
+              <a:p>
+                <a:endParaRPr lang="ja-JP" altLang="en-US">
+                  <a:solidFill>
+                    <a:prstClr val="black"/>
+                  </a:solidFill>
+                  <a:latin typeface="メイリオ" panose="020B0604030504040204" pitchFamily="50" charset="-128"/>
+                  <a:ea typeface="メイリオ" panose="020B0604030504040204" pitchFamily="50" charset="-128"/>
+                </a:endParaRPr>
+              </a:p>
+            </p:txBody>
+          </p:sp>
+          <p:sp>
+            <p:nvSpPr>
+              <p:cNvPr id="29" name="Freeform 31">
+                <a:extLst>
+                  <a:ext uri="{FF2B5EF4-FFF2-40B4-BE49-F238E27FC236}">
+                    <a16:creationId xmlns:a16="http://schemas.microsoft.com/office/drawing/2014/main" id="{5394BC77-6D88-487C-A239-3FE08BB9EBE3}"/>
+                  </a:ext>
+                </a:extLst>
+              </p:cNvPr>
+              <p:cNvSpPr>
+                <a:spLocks/>
+              </p:cNvSpPr>
+              <p:nvPr/>
+            </p:nvSpPr>
+            <p:spPr bwMode="auto">
+              <a:xfrm>
+                <a:off x="5294313" y="441325"/>
+                <a:ext cx="201613" cy="25400"/>
+              </a:xfrm>
+              <a:custGeom>
+                <a:avLst/>
+                <a:gdLst>
+                  <a:gd name="T0" fmla="*/ 39 w 78"/>
+                  <a:gd name="T1" fmla="*/ 10 h 10"/>
+                  <a:gd name="T2" fmla="*/ 3 w 78"/>
+                  <a:gd name="T3" fmla="*/ 10 h 10"/>
+                  <a:gd name="T4" fmla="*/ 0 w 78"/>
+                  <a:gd name="T5" fmla="*/ 8 h 10"/>
+                  <a:gd name="T6" fmla="*/ 0 w 78"/>
+                  <a:gd name="T7" fmla="*/ 2 h 10"/>
+                  <a:gd name="T8" fmla="*/ 2 w 78"/>
+                  <a:gd name="T9" fmla="*/ 0 h 10"/>
+                  <a:gd name="T10" fmla="*/ 76 w 78"/>
+                  <a:gd name="T11" fmla="*/ 0 h 10"/>
+                  <a:gd name="T12" fmla="*/ 78 w 78"/>
+                  <a:gd name="T13" fmla="*/ 2 h 10"/>
+                  <a:gd name="T14" fmla="*/ 78 w 78"/>
+                  <a:gd name="T15" fmla="*/ 8 h 10"/>
+                  <a:gd name="T16" fmla="*/ 75 w 78"/>
+                  <a:gd name="T17" fmla="*/ 10 h 10"/>
+                  <a:gd name="T18" fmla="*/ 39 w 78"/>
+                  <a:gd name="T19" fmla="*/ 10 h 10"/>
+                </a:gdLst>
+                <a:ahLst/>
+                <a:cxnLst>
+                  <a:cxn ang="0">
+                    <a:pos x="T0" y="T1"/>
+                  </a:cxn>
+                  <a:cxn ang="0">
+                    <a:pos x="T2" y="T3"/>
+                  </a:cxn>
+                  <a:cxn ang="0">
+                    <a:pos x="T4" y="T5"/>
+                  </a:cxn>
+                  <a:cxn ang="0">
+                    <a:pos x="T6" y="T7"/>
+                  </a:cxn>
+                  <a:cxn ang="0">
+                    <a:pos x="T8" y="T9"/>
+                  </a:cxn>
+                  <a:cxn ang="0">
+                    <a:pos x="T10" y="T11"/>
+                  </a:cxn>
+                  <a:cxn ang="0">
+                    <a:pos x="T12" y="T13"/>
+                  </a:cxn>
+                  <a:cxn ang="0">
+                    <a:pos x="T14" y="T15"/>
+                  </a:cxn>
+                  <a:cxn ang="0">
+                    <a:pos x="T16" y="T17"/>
+                  </a:cxn>
+                  <a:cxn ang="0">
+                    <a:pos x="T18" y="T19"/>
+                  </a:cxn>
+                </a:cxnLst>
+                <a:rect l="0" t="0" r="r" b="b"/>
+                <a:pathLst>
+                  <a:path w="78" h="10">
+                    <a:moveTo>
+                      <a:pt x="39" y="10"/>
+                    </a:moveTo>
+                    <a:cubicBezTo>
+                      <a:pt x="27" y="10"/>
+                      <a:pt x="15" y="10"/>
+                      <a:pt x="3" y="10"/>
+                    </a:cubicBezTo>
+                    <a:cubicBezTo>
+                      <a:pt x="1" y="10"/>
+                      <a:pt x="0" y="10"/>
+                      <a:pt x="0" y="8"/>
+                    </a:cubicBezTo>
+                    <a:cubicBezTo>
+                      <a:pt x="1" y="6"/>
+                      <a:pt x="1" y="4"/>
+                      <a:pt x="0" y="2"/>
+                    </a:cubicBezTo>
+                    <a:cubicBezTo>
+                      <a:pt x="0" y="0"/>
+                      <a:pt x="1" y="0"/>
+                      <a:pt x="2" y="0"/>
+                    </a:cubicBezTo>
+                    <a:cubicBezTo>
+                      <a:pt x="27" y="0"/>
+                      <a:pt x="51" y="0"/>
+                      <a:pt x="76" y="0"/>
+                    </a:cubicBezTo>
+                    <a:cubicBezTo>
+                      <a:pt x="77" y="0"/>
+                      <a:pt x="78" y="0"/>
+                      <a:pt x="78" y="2"/>
+                    </a:cubicBezTo>
+                    <a:cubicBezTo>
+                      <a:pt x="77" y="4"/>
+                      <a:pt x="77" y="6"/>
+                      <a:pt x="78" y="8"/>
+                    </a:cubicBezTo>
+                    <a:cubicBezTo>
+                      <a:pt x="78" y="10"/>
+                      <a:pt x="77" y="10"/>
+                      <a:pt x="75" y="10"/>
+                    </a:cubicBezTo>
+                    <a:cubicBezTo>
+                      <a:pt x="63" y="10"/>
+                      <a:pt x="51" y="10"/>
+                      <a:pt x="39" y="10"/>
+                    </a:cubicBezTo>
+                    <a:close/>
+                  </a:path>
+                </a:pathLst>
+              </a:custGeom>
+              <a:grpFill/>
+              <a:ln>
+                <a:noFill/>
+              </a:ln>
+              <a:extLst>
+                <a:ext uri="{91240B29-F687-4F45-9708-019B960494DF}">
+                  <a14:hiddenLine xmlns:a14="http://schemas.microsoft.com/office/drawing/2010/main" w="9525">
+                    <a:solidFill>
+                      <a:srgbClr val="000000"/>
+                    </a:solidFill>
+                    <a:round/>
+                    <a:headEnd/>
+                    <a:tailEnd/>
+                  </a14:hiddenLine>
+                </a:ext>
+              </a:extLst>
+            </p:spPr>
+            <p:txBody>
+              <a:bodyPr vert="horz" wrap="square" lIns="91440" tIns="45720" rIns="91440" bIns="45720" numCol="1" anchor="t" anchorCtr="0" compatLnSpc="1">
+                <a:prstTxWarp prst="textNoShape">
+                  <a:avLst/>
+                </a:prstTxWarp>
+              </a:bodyPr>
+              <a:lstStyle/>
+              <a:p>
+                <a:endParaRPr lang="ja-JP" altLang="en-US">
+                  <a:solidFill>
+                    <a:prstClr val="black"/>
+                  </a:solidFill>
+                  <a:latin typeface="メイリオ" panose="020B0604030504040204" pitchFamily="50" charset="-128"/>
+                  <a:ea typeface="メイリオ" panose="020B0604030504040204" pitchFamily="50" charset="-128"/>
+                </a:endParaRPr>
+              </a:p>
+            </p:txBody>
+          </p:sp>
+          <p:sp>
+            <p:nvSpPr>
+              <p:cNvPr id="30" name="Freeform 32">
+                <a:extLst>
+                  <a:ext uri="{FF2B5EF4-FFF2-40B4-BE49-F238E27FC236}">
+                    <a16:creationId xmlns:a16="http://schemas.microsoft.com/office/drawing/2014/main" id="{6AE5059D-FAD4-4F76-B7DD-7DAAF99BD433}"/>
+                  </a:ext>
+                </a:extLst>
+              </p:cNvPr>
+              <p:cNvSpPr>
+                <a:spLocks/>
+              </p:cNvSpPr>
+              <p:nvPr/>
+            </p:nvSpPr>
+            <p:spPr bwMode="auto">
+              <a:xfrm>
+                <a:off x="5605463" y="758825"/>
+                <a:ext cx="101600" cy="28575"/>
+              </a:xfrm>
+              <a:custGeom>
+                <a:avLst/>
+                <a:gdLst>
+                  <a:gd name="T0" fmla="*/ 19 w 39"/>
+                  <a:gd name="T1" fmla="*/ 11 h 11"/>
+                  <a:gd name="T2" fmla="*/ 2 w 39"/>
+                  <a:gd name="T3" fmla="*/ 11 h 11"/>
+                  <a:gd name="T4" fmla="*/ 0 w 39"/>
+                  <a:gd name="T5" fmla="*/ 9 h 11"/>
+                  <a:gd name="T6" fmla="*/ 0 w 39"/>
+                  <a:gd name="T7" fmla="*/ 2 h 11"/>
+                  <a:gd name="T8" fmla="*/ 2 w 39"/>
+                  <a:gd name="T9" fmla="*/ 0 h 11"/>
+                  <a:gd name="T10" fmla="*/ 37 w 39"/>
+                  <a:gd name="T11" fmla="*/ 0 h 11"/>
+                  <a:gd name="T12" fmla="*/ 39 w 39"/>
+                  <a:gd name="T13" fmla="*/ 2 h 11"/>
+                  <a:gd name="T14" fmla="*/ 39 w 39"/>
+                  <a:gd name="T15" fmla="*/ 9 h 11"/>
+                  <a:gd name="T16" fmla="*/ 37 w 39"/>
+                  <a:gd name="T17" fmla="*/ 11 h 11"/>
+                  <a:gd name="T18" fmla="*/ 19 w 39"/>
+                  <a:gd name="T19" fmla="*/ 11 h 11"/>
+                </a:gdLst>
+                <a:ahLst/>
+                <a:cxnLst>
+                  <a:cxn ang="0">
+                    <a:pos x="T0" y="T1"/>
+                  </a:cxn>
+                  <a:cxn ang="0">
+                    <a:pos x="T2" y="T3"/>
+                  </a:cxn>
+                  <a:cxn ang="0">
+                    <a:pos x="T4" y="T5"/>
+                  </a:cxn>
+                  <a:cxn ang="0">
+                    <a:pos x="T6" y="T7"/>
+                  </a:cxn>
+                  <a:cxn ang="0">
+                    <a:pos x="T8" y="T9"/>
+                  </a:cxn>
+                  <a:cxn ang="0">
+                    <a:pos x="T10" y="T11"/>
+                  </a:cxn>
+                  <a:cxn ang="0">
+                    <a:pos x="T12" y="T13"/>
+                  </a:cxn>
+                  <a:cxn ang="0">
+                    <a:pos x="T14" y="T15"/>
+                  </a:cxn>
+                  <a:cxn ang="0">
+                    <a:pos x="T16" y="T17"/>
+                  </a:cxn>
+                  <a:cxn ang="0">
+                    <a:pos x="T18" y="T19"/>
+                  </a:cxn>
+                </a:cxnLst>
+                <a:rect l="0" t="0" r="r" b="b"/>
+                <a:pathLst>
+                  <a:path w="39" h="11">
+                    <a:moveTo>
+                      <a:pt x="19" y="11"/>
+                    </a:moveTo>
+                    <a:cubicBezTo>
+                      <a:pt x="13" y="11"/>
+                      <a:pt x="8" y="11"/>
+                      <a:pt x="2" y="11"/>
+                    </a:cubicBezTo>
+                    <a:cubicBezTo>
+                      <a:pt x="0" y="11"/>
+                      <a:pt x="0" y="11"/>
+                      <a:pt x="0" y="9"/>
+                    </a:cubicBezTo>
+                    <a:cubicBezTo>
+                      <a:pt x="0" y="7"/>
+                      <a:pt x="0" y="5"/>
+                      <a:pt x="0" y="2"/>
+                    </a:cubicBezTo>
+                    <a:cubicBezTo>
+                      <a:pt x="0" y="1"/>
+                      <a:pt x="0" y="0"/>
+                      <a:pt x="2" y="0"/>
+                    </a:cubicBezTo>
+                    <a:cubicBezTo>
+                      <a:pt x="13" y="0"/>
+                      <a:pt x="25" y="0"/>
+                      <a:pt x="37" y="0"/>
+                    </a:cubicBezTo>
+                    <a:cubicBezTo>
+                      <a:pt x="38" y="0"/>
+                      <a:pt x="39" y="1"/>
+                      <a:pt x="39" y="2"/>
+                    </a:cubicBezTo>
+                    <a:cubicBezTo>
+                      <a:pt x="39" y="5"/>
+                      <a:pt x="39" y="7"/>
+                      <a:pt x="39" y="9"/>
+                    </a:cubicBezTo>
+                    <a:cubicBezTo>
+                      <a:pt x="39" y="11"/>
+                      <a:pt x="38" y="11"/>
+                      <a:pt x="37" y="11"/>
+                    </a:cubicBezTo>
+                    <a:cubicBezTo>
+                      <a:pt x="31" y="11"/>
+                      <a:pt x="25" y="11"/>
+                      <a:pt x="19" y="11"/>
+                    </a:cubicBezTo>
+                    <a:close/>
+                  </a:path>
+                </a:pathLst>
+              </a:custGeom>
+              <a:grpFill/>
+              <a:ln>
+                <a:noFill/>
+              </a:ln>
+              <a:extLst>
+                <a:ext uri="{91240B29-F687-4F45-9708-019B960494DF}">
+                  <a14:hiddenLine xmlns:a14="http://schemas.microsoft.com/office/drawing/2010/main" w="9525">
+                    <a:solidFill>
+                      <a:srgbClr val="000000"/>
+                    </a:solidFill>
+                    <a:round/>
+                    <a:headEnd/>
+                    <a:tailEnd/>
+                  </a14:hiddenLine>
+                </a:ext>
+              </a:extLst>
+            </p:spPr>
+            <p:txBody>
+              <a:bodyPr vert="horz" wrap="square" lIns="91440" tIns="45720" rIns="91440" bIns="45720" numCol="1" anchor="t" anchorCtr="0" compatLnSpc="1">
+                <a:prstTxWarp prst="textNoShape">
+                  <a:avLst/>
+                </a:prstTxWarp>
+              </a:bodyPr>
+              <a:lstStyle/>
+              <a:p>
+                <a:endParaRPr lang="ja-JP" altLang="en-US">
+                  <a:solidFill>
+                    <a:prstClr val="black"/>
+                  </a:solidFill>
+                  <a:latin typeface="メイリオ" panose="020B0604030504040204" pitchFamily="50" charset="-128"/>
+                  <a:ea typeface="メイリオ" panose="020B0604030504040204" pitchFamily="50" charset="-128"/>
+                </a:endParaRPr>
+              </a:p>
+            </p:txBody>
+          </p:sp>
+        </p:grpSp>
+        <p:pic>
+          <p:nvPicPr>
+            <p:cNvPr id="31" name="図 30">
+              <a:extLst>
+                <a:ext uri="{FF2B5EF4-FFF2-40B4-BE49-F238E27FC236}">
+                  <a16:creationId xmlns:a16="http://schemas.microsoft.com/office/drawing/2014/main" id="{EC88E9DA-F998-4876-AF0F-35963982AD35}"/>
+                </a:ext>
+              </a:extLst>
+            </p:cNvPr>
+            <p:cNvPicPr>
+              <a:picLocks noChangeAspect="1"/>
+            </p:cNvPicPr>
+            <p:nvPr/>
+          </p:nvPicPr>
+          <p:blipFill>
+            <a:blip r:embed="rId10"/>
+            <a:stretch>
+              <a:fillRect/>
+            </a:stretch>
+          </p:blipFill>
+          <p:spPr>
+            <a:xfrm>
+              <a:off x="2082845" y="4868784"/>
+              <a:ext cx="699804" cy="699804"/>
+            </a:xfrm>
+            <a:prstGeom prst="rect">
+              <a:avLst/>
+            </a:prstGeom>
+          </p:spPr>
+        </p:pic>
+        <p:pic>
+          <p:nvPicPr>
+            <p:cNvPr id="32" name="図 31">
+              <a:extLst>
+                <a:ext uri="{FF2B5EF4-FFF2-40B4-BE49-F238E27FC236}">
+                  <a16:creationId xmlns:a16="http://schemas.microsoft.com/office/drawing/2014/main" id="{78A4FD59-8B56-4B20-B7E0-C1DFC414CEAC}"/>
+                </a:ext>
+              </a:extLst>
+            </p:cNvPr>
+            <p:cNvPicPr>
+              <a:picLocks noChangeAspect="1"/>
+            </p:cNvPicPr>
+            <p:nvPr/>
+          </p:nvPicPr>
+          <p:blipFill>
+            <a:blip r:embed="rId10"/>
+            <a:stretch>
+              <a:fillRect/>
+            </a:stretch>
+          </p:blipFill>
+          <p:spPr>
+            <a:xfrm>
+              <a:off x="2077788" y="5658122"/>
+              <a:ext cx="699804" cy="699804"/>
+            </a:xfrm>
+            <a:prstGeom prst="rect">
+              <a:avLst/>
+            </a:prstGeom>
+          </p:spPr>
+        </p:pic>
+        <p:sp>
+          <p:nvSpPr>
+            <p:cNvPr id="33" name="テキスト ボックス 32">
+              <a:extLst>
+                <a:ext uri="{FF2B5EF4-FFF2-40B4-BE49-F238E27FC236}">
+                  <a16:creationId xmlns:a16="http://schemas.microsoft.com/office/drawing/2014/main" id="{DA8950F6-6D56-498E-BD3A-DE9E7A1D8651}"/>
+                </a:ext>
+              </a:extLst>
+            </p:cNvPr>
+            <p:cNvSpPr txBox="1"/>
+            <p:nvPr/>
+          </p:nvSpPr>
+          <p:spPr>
+            <a:xfrm>
+              <a:off x="238074" y="2097726"/>
+              <a:ext cx="1738681" cy="338554"/>
+            </a:xfrm>
+            <a:prstGeom prst="rect">
+              <a:avLst/>
+            </a:prstGeom>
+            <a:noFill/>
+          </p:spPr>
+          <p:txBody>
+            <a:bodyPr wrap="none" rtlCol="0">
+              <a:spAutoFit/>
+            </a:bodyPr>
+            <a:lstStyle/>
+            <a:p>
+              <a:pPr algn="ctr"/>
+              <a:r>
+                <a:rPr lang="en-US" altLang="ja-JP" sz="1600" dirty="0">
+                  <a:solidFill>
+                    <a:srgbClr val="2A2A2A"/>
+                  </a:solidFill>
+                  <a:latin typeface="メイリオ" panose="020B0604030504040204" pitchFamily="50" charset="-128"/>
+                  <a:ea typeface="メイリオ" panose="020B0604030504040204" pitchFamily="50" charset="-128"/>
+                </a:rPr>
+                <a:t>Microsoft Azure</a:t>
+              </a:r>
+              <a:endParaRPr lang="ja-JP" altLang="en-US" sz="1600" dirty="0">
+                <a:solidFill>
+                  <a:srgbClr val="2A2A2A"/>
+                </a:solidFill>
+                <a:latin typeface="メイリオ" panose="020B0604030504040204" pitchFamily="50" charset="-128"/>
+                <a:ea typeface="メイリオ" panose="020B0604030504040204" pitchFamily="50" charset="-128"/>
+              </a:endParaRPr>
+            </a:p>
+          </p:txBody>
+        </p:sp>
+        <p:sp>
+          <p:nvSpPr>
+            <p:cNvPr id="34" name="テキスト ボックス 33">
+              <a:extLst>
+                <a:ext uri="{FF2B5EF4-FFF2-40B4-BE49-F238E27FC236}">
+                  <a16:creationId xmlns:a16="http://schemas.microsoft.com/office/drawing/2014/main" id="{5B4B98C4-6B06-48A7-89C6-6269FD6057E5}"/>
+                </a:ext>
+              </a:extLst>
+            </p:cNvPr>
+            <p:cNvSpPr txBox="1"/>
+            <p:nvPr/>
+          </p:nvSpPr>
+          <p:spPr>
+            <a:xfrm>
+              <a:off x="202375" y="2904450"/>
+              <a:ext cx="2380780" cy="584775"/>
+            </a:xfrm>
+            <a:prstGeom prst="rect">
+              <a:avLst/>
+            </a:prstGeom>
+            <a:noFill/>
+          </p:spPr>
+          <p:txBody>
+            <a:bodyPr wrap="none" rtlCol="0">
+              <a:spAutoFit/>
+            </a:bodyPr>
+            <a:lstStyle/>
+            <a:p>
+              <a:pPr algn="ctr"/>
+              <a:r>
+                <a:rPr lang="en-US" altLang="ja-JP" sz="1600" dirty="0">
+                  <a:solidFill>
+                    <a:srgbClr val="2A2A2A"/>
+                  </a:solidFill>
+                  <a:latin typeface="メイリオ" panose="020B0604030504040204" pitchFamily="50" charset="-128"/>
+                  <a:ea typeface="メイリオ" panose="020B0604030504040204" pitchFamily="50" charset="-128"/>
+                </a:rPr>
+                <a:t>Windows </a:t>
+              </a:r>
+              <a:r>
+                <a:rPr lang="ja-JP" altLang="en-US" sz="1600" dirty="0">
+                  <a:solidFill>
+                    <a:srgbClr val="2A2A2A"/>
+                  </a:solidFill>
+                  <a:latin typeface="メイリオ" panose="020B0604030504040204" pitchFamily="50" charset="-128"/>
+                  <a:ea typeface="メイリオ" panose="020B0604030504040204" pitchFamily="50" charset="-128"/>
+                </a:rPr>
+                <a:t>または </a:t>
+              </a:r>
+              <a:r>
+                <a:rPr lang="en-US" altLang="ja-JP" sz="1600" dirty="0">
+                  <a:solidFill>
+                    <a:srgbClr val="2A2A2A"/>
+                  </a:solidFill>
+                  <a:latin typeface="メイリオ" panose="020B0604030504040204" pitchFamily="50" charset="-128"/>
+                  <a:ea typeface="メイリオ" panose="020B0604030504040204" pitchFamily="50" charset="-128"/>
+                </a:rPr>
+                <a:t>Linux</a:t>
+              </a:r>
+              <a:endParaRPr lang="ja-JP" altLang="en-US" sz="1600" dirty="0">
+                <a:solidFill>
+                  <a:srgbClr val="2A2A2A"/>
+                </a:solidFill>
+                <a:latin typeface="メイリオ" panose="020B0604030504040204" pitchFamily="50" charset="-128"/>
+                <a:ea typeface="メイリオ" panose="020B0604030504040204" pitchFamily="50" charset="-128"/>
+              </a:endParaRPr>
+            </a:p>
+            <a:p>
+              <a:pPr algn="ctr"/>
+              <a:r>
+                <a:rPr lang="ja-JP" altLang="en-US" sz="1600" dirty="0">
+                  <a:solidFill>
+                    <a:srgbClr val="2A2A2A"/>
+                  </a:solidFill>
+                  <a:latin typeface="メイリオ" panose="020B0604030504040204" pitchFamily="50" charset="-128"/>
+                  <a:ea typeface="メイリオ" panose="020B0604030504040204" pitchFamily="50" charset="-128"/>
+                </a:rPr>
+                <a:t>（物理または仮想）</a:t>
+              </a:r>
+            </a:p>
+          </p:txBody>
+        </p:sp>
+        <p:sp>
+          <p:nvSpPr>
+            <p:cNvPr id="35" name="テキスト ボックス 34">
+              <a:extLst>
+                <a:ext uri="{FF2B5EF4-FFF2-40B4-BE49-F238E27FC236}">
+                  <a16:creationId xmlns:a16="http://schemas.microsoft.com/office/drawing/2014/main" id="{258E3E01-CEA3-4DCE-B9B0-00E2F7E8D94F}"/>
+                </a:ext>
+              </a:extLst>
+            </p:cNvPr>
+            <p:cNvSpPr txBox="1"/>
+            <p:nvPr/>
+          </p:nvSpPr>
+          <p:spPr>
+            <a:xfrm>
+              <a:off x="2658212" y="4554295"/>
+              <a:ext cx="2201565" cy="584775"/>
+            </a:xfrm>
+            <a:prstGeom prst="rect">
+              <a:avLst/>
+            </a:prstGeom>
+            <a:noFill/>
+          </p:spPr>
+          <p:txBody>
+            <a:bodyPr wrap="none" rtlCol="0">
+              <a:spAutoFit/>
+            </a:bodyPr>
+            <a:lstStyle/>
+            <a:p>
+              <a:pPr algn="ctr"/>
+              <a:r>
+                <a:rPr lang="en-US" altLang="ja-JP" sz="1600" dirty="0">
+                  <a:solidFill>
+                    <a:srgbClr val="2A2A2A"/>
+                  </a:solidFill>
+                  <a:latin typeface="メイリオ" panose="020B0604030504040204" pitchFamily="50" charset="-128"/>
+                  <a:ea typeface="メイリオ" panose="020B0604030504040204" pitchFamily="50" charset="-128"/>
+                </a:rPr>
+                <a:t>System Center</a:t>
+              </a:r>
+            </a:p>
+            <a:p>
+              <a:pPr algn="ctr"/>
+              <a:r>
+                <a:rPr lang="en-US" altLang="ja-JP" sz="1600" dirty="0">
+                  <a:solidFill>
+                    <a:srgbClr val="2A2A2A"/>
+                  </a:solidFill>
+                  <a:latin typeface="メイリオ" panose="020B0604030504040204" pitchFamily="50" charset="-128"/>
+                  <a:ea typeface="メイリオ" panose="020B0604030504040204" pitchFamily="50" charset="-128"/>
+                </a:rPr>
+                <a:t>Operations Manager</a:t>
+              </a:r>
+              <a:endParaRPr lang="ja-JP" altLang="en-US" sz="1600" dirty="0">
+                <a:solidFill>
+                  <a:srgbClr val="2A2A2A"/>
+                </a:solidFill>
+                <a:latin typeface="メイリオ" panose="020B0604030504040204" pitchFamily="50" charset="-128"/>
+                <a:ea typeface="メイリオ" panose="020B0604030504040204" pitchFamily="50" charset="-128"/>
+              </a:endParaRPr>
+            </a:p>
+          </p:txBody>
+        </p:sp>
+        <p:cxnSp>
+          <p:nvCxnSpPr>
+            <p:cNvPr id="36" name="直線矢印コネクタ 35">
+              <a:extLst>
+                <a:ext uri="{FF2B5EF4-FFF2-40B4-BE49-F238E27FC236}">
+                  <a16:creationId xmlns:a16="http://schemas.microsoft.com/office/drawing/2014/main" id="{8259BC70-E6B2-4D30-AF56-454E5A17A4A0}"/>
+                </a:ext>
+              </a:extLst>
+            </p:cNvPr>
+            <p:cNvCxnSpPr>
+              <a:stCxn id="6" idx="3"/>
+              <a:endCxn id="8" idx="1"/>
+            </p:cNvCxnSpPr>
+            <p:nvPr/>
+          </p:nvCxnSpPr>
+          <p:spPr>
+            <a:xfrm>
+              <a:off x="7217459" y="4055593"/>
+              <a:ext cx="1244086" cy="0"/>
+            </a:xfrm>
+            <a:prstGeom prst="straightConnector1">
+              <a:avLst/>
+            </a:prstGeom>
+            <a:noFill/>
+            <a:ln w="28575" cap="flat" cmpd="sng" algn="ctr">
               <a:solidFill>
-                <a:srgbClr val="2A2A2A"/>
+                <a:srgbClr val="FF0000"/>
               </a:solidFill>
-              <a:latin typeface="メイリオ" panose="020B0604030504040204" pitchFamily="50" charset="-128"/>
-              <a:ea typeface="メイリオ" panose="020B0604030504040204" pitchFamily="50" charset="-128"/>
-            </a:endParaRPr>
-          </a:p>
-        </p:txBody>
-      </p:sp>
+              <a:prstDash val="sysDot"/>
+              <a:miter lim="800000"/>
+              <a:headEnd type="none" w="med" len="med"/>
+              <a:tailEnd type="triangle"/>
+            </a:ln>
+            <a:effectLst/>
+          </p:spPr>
+        </p:cxnSp>
+        <p:cxnSp>
+          <p:nvCxnSpPr>
+            <p:cNvPr id="37" name="直線矢印コネクタ 36">
+              <a:extLst>
+                <a:ext uri="{FF2B5EF4-FFF2-40B4-BE49-F238E27FC236}">
+                  <a16:creationId xmlns:a16="http://schemas.microsoft.com/office/drawing/2014/main" id="{CB8F1892-26CA-4EDA-82AE-FD1E76A295B7}"/>
+                </a:ext>
+              </a:extLst>
+            </p:cNvPr>
+            <p:cNvCxnSpPr>
+              <a:stCxn id="8" idx="3"/>
+              <a:endCxn id="11" idx="1"/>
+            </p:cNvCxnSpPr>
+            <p:nvPr/>
+          </p:nvCxnSpPr>
+          <p:spPr>
+            <a:xfrm flipV="1">
+              <a:off x="9169903" y="2368867"/>
+              <a:ext cx="1208558" cy="1686726"/>
+            </a:xfrm>
+            <a:prstGeom prst="straightConnector1">
+              <a:avLst/>
+            </a:prstGeom>
+            <a:noFill/>
+            <a:ln w="28575" cap="flat" cmpd="sng" algn="ctr">
+              <a:solidFill>
+                <a:srgbClr val="FF0000"/>
+              </a:solidFill>
+              <a:prstDash val="sysDot"/>
+              <a:miter lim="800000"/>
+              <a:headEnd type="none" w="med" len="med"/>
+              <a:tailEnd type="triangle"/>
+            </a:ln>
+            <a:effectLst/>
+          </p:spPr>
+        </p:cxnSp>
+        <p:cxnSp>
+          <p:nvCxnSpPr>
+            <p:cNvPr id="38" name="直線矢印コネクタ 37">
+              <a:extLst>
+                <a:ext uri="{FF2B5EF4-FFF2-40B4-BE49-F238E27FC236}">
+                  <a16:creationId xmlns:a16="http://schemas.microsoft.com/office/drawing/2014/main" id="{F1266C36-EB39-4D2C-BA87-8184867AA6E9}"/>
+                </a:ext>
+              </a:extLst>
+            </p:cNvPr>
+            <p:cNvCxnSpPr>
+              <a:stCxn id="8" idx="3"/>
+              <a:endCxn id="10" idx="1"/>
+            </p:cNvCxnSpPr>
+            <p:nvPr/>
+          </p:nvCxnSpPr>
+          <p:spPr>
+            <a:xfrm flipV="1">
+              <a:off x="9169903" y="3387884"/>
+              <a:ext cx="1244084" cy="667709"/>
+            </a:xfrm>
+            <a:prstGeom prst="straightConnector1">
+              <a:avLst/>
+            </a:prstGeom>
+            <a:noFill/>
+            <a:ln w="28575" cap="flat" cmpd="sng" algn="ctr">
+              <a:solidFill>
+                <a:srgbClr val="FF0000"/>
+              </a:solidFill>
+              <a:prstDash val="sysDot"/>
+              <a:miter lim="800000"/>
+              <a:headEnd type="none" w="med" len="med"/>
+              <a:tailEnd type="triangle"/>
+            </a:ln>
+            <a:effectLst/>
+          </p:spPr>
+        </p:cxnSp>
+        <p:cxnSp>
+          <p:nvCxnSpPr>
+            <p:cNvPr id="39" name="直線矢印コネクタ 38">
+              <a:extLst>
+                <a:ext uri="{FF2B5EF4-FFF2-40B4-BE49-F238E27FC236}">
+                  <a16:creationId xmlns:a16="http://schemas.microsoft.com/office/drawing/2014/main" id="{F37D0CB7-3E07-4C84-A719-3B650E068B1E}"/>
+                </a:ext>
+              </a:extLst>
+            </p:cNvPr>
+            <p:cNvCxnSpPr>
+              <a:stCxn id="8" idx="3"/>
+              <a:endCxn id="16" idx="1"/>
+            </p:cNvCxnSpPr>
+            <p:nvPr/>
+          </p:nvCxnSpPr>
+          <p:spPr>
+            <a:xfrm>
+              <a:off x="9169903" y="4055593"/>
+              <a:ext cx="1256399" cy="385717"/>
+            </a:xfrm>
+            <a:prstGeom prst="straightConnector1">
+              <a:avLst/>
+            </a:prstGeom>
+            <a:noFill/>
+            <a:ln w="28575" cap="flat" cmpd="sng" algn="ctr">
+              <a:solidFill>
+                <a:srgbClr val="FF0000"/>
+              </a:solidFill>
+              <a:prstDash val="sysDot"/>
+              <a:miter lim="800000"/>
+              <a:headEnd type="none" w="med" len="med"/>
+              <a:tailEnd type="triangle"/>
+            </a:ln>
+            <a:effectLst/>
+          </p:spPr>
+        </p:cxnSp>
+        <p:cxnSp>
+          <p:nvCxnSpPr>
+            <p:cNvPr id="40" name="直線矢印コネクタ 39">
+              <a:extLst>
+                <a:ext uri="{FF2B5EF4-FFF2-40B4-BE49-F238E27FC236}">
+                  <a16:creationId xmlns:a16="http://schemas.microsoft.com/office/drawing/2014/main" id="{9B1B994A-7A39-4580-A426-FACFDC428BF7}"/>
+                </a:ext>
+              </a:extLst>
+            </p:cNvPr>
+            <p:cNvCxnSpPr>
+              <a:stCxn id="8" idx="3"/>
+            </p:cNvCxnSpPr>
+            <p:nvPr/>
+          </p:nvCxnSpPr>
+          <p:spPr>
+            <a:xfrm>
+              <a:off x="9169903" y="4055593"/>
+              <a:ext cx="1256399" cy="1552040"/>
+            </a:xfrm>
+            <a:prstGeom prst="straightConnector1">
+              <a:avLst/>
+            </a:prstGeom>
+            <a:noFill/>
+            <a:ln w="28575" cap="flat" cmpd="sng" algn="ctr">
+              <a:solidFill>
+                <a:srgbClr val="FF0000"/>
+              </a:solidFill>
+              <a:prstDash val="sysDot"/>
+              <a:miter lim="800000"/>
+              <a:headEnd type="none" w="med" len="med"/>
+              <a:tailEnd type="triangle"/>
+            </a:ln>
+            <a:effectLst/>
+          </p:spPr>
+        </p:cxnSp>
+        <p:cxnSp>
+          <p:nvCxnSpPr>
+            <p:cNvPr id="41" name="直線矢印コネクタ 40">
+              <a:extLst>
+                <a:ext uri="{FF2B5EF4-FFF2-40B4-BE49-F238E27FC236}">
+                  <a16:creationId xmlns:a16="http://schemas.microsoft.com/office/drawing/2014/main" id="{51A8622A-37C8-424E-B7AE-08EF1F558712}"/>
+                </a:ext>
+              </a:extLst>
+            </p:cNvPr>
+            <p:cNvCxnSpPr/>
+            <p:nvPr/>
+          </p:nvCxnSpPr>
+          <p:spPr>
+            <a:xfrm>
+              <a:off x="3055363" y="2547250"/>
+              <a:ext cx="3257307" cy="1278762"/>
+            </a:xfrm>
+            <a:prstGeom prst="straightConnector1">
+              <a:avLst/>
+            </a:prstGeom>
+            <a:noFill/>
+            <a:ln w="28575" cap="flat" cmpd="sng" algn="ctr">
+              <a:solidFill>
+                <a:srgbClr val="FF0000"/>
+              </a:solidFill>
+              <a:prstDash val="sysDot"/>
+              <a:miter lim="800000"/>
+              <a:headEnd type="none" w="med" len="med"/>
+              <a:tailEnd type="triangle"/>
+            </a:ln>
+            <a:effectLst/>
+          </p:spPr>
+        </p:cxnSp>
+        <p:cxnSp>
+          <p:nvCxnSpPr>
+            <p:cNvPr id="42" name="直線矢印コネクタ 41">
+              <a:extLst>
+                <a:ext uri="{FF2B5EF4-FFF2-40B4-BE49-F238E27FC236}">
+                  <a16:creationId xmlns:a16="http://schemas.microsoft.com/office/drawing/2014/main" id="{9A7F4F46-4C50-49FB-A562-B75AC3FA01D0}"/>
+                </a:ext>
+              </a:extLst>
+            </p:cNvPr>
+            <p:cNvCxnSpPr>
+              <a:stCxn id="24" idx="3"/>
+              <a:endCxn id="6" idx="1"/>
+            </p:cNvCxnSpPr>
+            <p:nvPr/>
+          </p:nvCxnSpPr>
+          <p:spPr>
+            <a:xfrm flipV="1">
+              <a:off x="2397742" y="4055593"/>
+              <a:ext cx="3931403" cy="18879"/>
+            </a:xfrm>
+            <a:prstGeom prst="straightConnector1">
+              <a:avLst/>
+            </a:prstGeom>
+            <a:noFill/>
+            <a:ln w="28575" cap="flat" cmpd="sng" algn="ctr">
+              <a:solidFill>
+                <a:srgbClr val="FF0000"/>
+              </a:solidFill>
+              <a:prstDash val="sysDot"/>
+              <a:miter lim="800000"/>
+              <a:headEnd type="none" w="med" len="med"/>
+              <a:tailEnd type="triangle"/>
+            </a:ln>
+            <a:effectLst/>
+          </p:spPr>
+        </p:cxnSp>
+        <p:cxnSp>
+          <p:nvCxnSpPr>
+            <p:cNvPr id="43" name="直線矢印コネクタ 42">
+              <a:extLst>
+                <a:ext uri="{FF2B5EF4-FFF2-40B4-BE49-F238E27FC236}">
+                  <a16:creationId xmlns:a16="http://schemas.microsoft.com/office/drawing/2014/main" id="{9EA2C3F7-4C7B-4A45-80C7-D539E47BB1AF}"/>
+                </a:ext>
+              </a:extLst>
+            </p:cNvPr>
+            <p:cNvCxnSpPr/>
+            <p:nvPr/>
+          </p:nvCxnSpPr>
+          <p:spPr>
+            <a:xfrm flipV="1">
+              <a:off x="3879525" y="4294436"/>
+              <a:ext cx="2449620" cy="1507505"/>
+            </a:xfrm>
+            <a:prstGeom prst="straightConnector1">
+              <a:avLst/>
+            </a:prstGeom>
+            <a:noFill/>
+            <a:ln w="28575" cap="flat" cmpd="sng" algn="ctr">
+              <a:solidFill>
+                <a:srgbClr val="FF0000"/>
+              </a:solidFill>
+              <a:prstDash val="sysDot"/>
+              <a:miter lim="800000"/>
+              <a:headEnd type="none" w="med" len="med"/>
+              <a:tailEnd type="triangle"/>
+            </a:ln>
+            <a:effectLst/>
+          </p:spPr>
+        </p:cxnSp>
+        <p:cxnSp>
+          <p:nvCxnSpPr>
+            <p:cNvPr id="44" name="直線矢印コネクタ 43">
+              <a:extLst>
+                <a:ext uri="{FF2B5EF4-FFF2-40B4-BE49-F238E27FC236}">
+                  <a16:creationId xmlns:a16="http://schemas.microsoft.com/office/drawing/2014/main" id="{CEA2ADC3-EF34-492F-AF5E-8A8ED909B0D4}"/>
+                </a:ext>
+              </a:extLst>
+            </p:cNvPr>
+            <p:cNvCxnSpPr/>
+            <p:nvPr/>
+          </p:nvCxnSpPr>
+          <p:spPr>
+            <a:xfrm flipV="1">
+              <a:off x="2639616" y="6153740"/>
+              <a:ext cx="689510" cy="3614"/>
+            </a:xfrm>
+            <a:prstGeom prst="straightConnector1">
+              <a:avLst/>
+            </a:prstGeom>
+            <a:noFill/>
+            <a:ln w="28575" cap="flat" cmpd="sng" algn="ctr">
+              <a:solidFill>
+                <a:srgbClr val="FF0000"/>
+              </a:solidFill>
+              <a:prstDash val="sysDot"/>
+              <a:miter lim="800000"/>
+              <a:headEnd type="none" w="med" len="med"/>
+              <a:tailEnd type="triangle"/>
+            </a:ln>
+            <a:effectLst/>
+          </p:spPr>
+        </p:cxnSp>
+        <p:cxnSp>
+          <p:nvCxnSpPr>
+            <p:cNvPr id="45" name="直線矢印コネクタ 44">
+              <a:extLst>
+                <a:ext uri="{FF2B5EF4-FFF2-40B4-BE49-F238E27FC236}">
+                  <a16:creationId xmlns:a16="http://schemas.microsoft.com/office/drawing/2014/main" id="{1CAA27CD-4771-4A3F-A32A-8158DFAE8528}"/>
+                </a:ext>
+              </a:extLst>
+            </p:cNvPr>
+            <p:cNvCxnSpPr/>
+            <p:nvPr/>
+          </p:nvCxnSpPr>
+          <p:spPr>
+            <a:xfrm>
+              <a:off x="2641511" y="5234422"/>
+              <a:ext cx="682823" cy="595374"/>
+            </a:xfrm>
+            <a:prstGeom prst="straightConnector1">
+              <a:avLst/>
+            </a:prstGeom>
+            <a:noFill/>
+            <a:ln w="28575" cap="flat" cmpd="sng" algn="ctr">
+              <a:solidFill>
+                <a:srgbClr val="FF0000"/>
+              </a:solidFill>
+              <a:prstDash val="sysDot"/>
+              <a:miter lim="800000"/>
+              <a:headEnd type="none" w="med" len="med"/>
+              <a:tailEnd type="triangle"/>
+            </a:ln>
+            <a:effectLst/>
+          </p:spPr>
+        </p:cxnSp>
+      </p:grpSp>
+    </p:spTree>
+    <p:extLst>
+      <p:ext uri="{BB962C8B-B14F-4D97-AF65-F5344CB8AC3E}">
+        <p14:creationId xmlns:p14="http://schemas.microsoft.com/office/powerpoint/2010/main" val="3148034753"/>
+      </p:ext>
+    </p:extLst>
+  </p:cSld>
+  <p:clrMapOvr>
+    <a:masterClrMapping/>
+  </p:clrMapOvr>
+</p:sld>
+</file>
+
+<file path=ppt/slides/slide2.xml><?xml version="1.0" encoding="utf-8"?>
+<p:sld xmlns:a="http://schemas.openxmlformats.org/drawingml/2006/main" xmlns:r="http://schemas.openxmlformats.org/officeDocument/2006/relationships" xmlns:p="http://schemas.openxmlformats.org/presentationml/2006/main">
+  <p:cSld>
+    <p:spTree>
+      <p:nvGrpSpPr>
+        <p:cNvPr id="1" name=""/>
+        <p:cNvGrpSpPr/>
+        <p:nvPr/>
+      </p:nvGrpSpPr>
+      <p:grpSpPr>
+        <a:xfrm>
+          <a:off x="0" y="0"/>
+          <a:ext cx="0" cy="0"/>
+          <a:chOff x="0" y="0"/>
+          <a:chExt cx="0" cy="0"/>
+        </a:xfrm>
+      </p:grpSpPr>
       <p:pic>
         <p:nvPicPr>
-          <p:cNvPr id="6" name="図 5">
+          <p:cNvPr id="13" name="図 12">
             <a:extLst>
               <a:ext uri="{FF2B5EF4-FFF2-40B4-BE49-F238E27FC236}">
-                <a16:creationId xmlns:a16="http://schemas.microsoft.com/office/drawing/2014/main" id="{40D378AD-F99C-4523-8CA3-0E1A0308806B}"/>
+                <a16:creationId xmlns:a16="http://schemas.microsoft.com/office/drawing/2014/main" id="{BE324D78-FE2B-4170-802E-FFC606133919}"/>
               </a:ext>
             </a:extLst>
           </p:cNvPr>
@@ -4139,8 +7534,8 @@
         </p:blipFill>
         <p:spPr>
           <a:xfrm>
-            <a:off x="6329145" y="3611436"/>
-            <a:ext cx="888314" cy="888314"/>
+            <a:off x="554255" y="751551"/>
+            <a:ext cx="11083489" cy="4883319"/>
           </a:xfrm>
           <a:prstGeom prst="rect">
             <a:avLst/>
@@ -4149,52 +7544,226 @@
       </p:pic>
       <p:sp>
         <p:nvSpPr>
-          <p:cNvPr id="7" name="テキスト ボックス 6">
+          <p:cNvPr id="9" name="楕円 8">
             <a:extLst>
               <a:ext uri="{FF2B5EF4-FFF2-40B4-BE49-F238E27FC236}">
-                <a16:creationId xmlns:a16="http://schemas.microsoft.com/office/drawing/2014/main" id="{3B0D415B-EA92-4066-BF19-0EA5D8F8DE80}"/>
+                <a16:creationId xmlns:a16="http://schemas.microsoft.com/office/drawing/2014/main" id="{5DA14D89-E279-4DB0-8544-89BA97B69F24}"/>
               </a:ext>
             </a:extLst>
           </p:cNvPr>
-          <p:cNvSpPr txBox="1"/>
+          <p:cNvSpPr/>
           <p:nvPr/>
         </p:nvSpPr>
         <p:spPr>
           <a:xfrm>
-            <a:off x="6168008" y="4613885"/>
-            <a:ext cx="1210589" cy="338554"/>
+            <a:off x="972554" y="2885015"/>
+            <a:ext cx="907361" cy="255845"/>
+          </a:xfrm>
+          <a:prstGeom prst="ellipse">
+            <a:avLst/>
+          </a:prstGeom>
+          <a:noFill/>
+          <a:ln w="38100">
+            <a:solidFill>
+              <a:srgbClr val="FF0000"/>
+            </a:solidFill>
+          </a:ln>
+        </p:spPr>
+        <p:style>
+          <a:lnRef idx="2">
+            <a:schemeClr val="accent1">
+              <a:shade val="50000"/>
+            </a:schemeClr>
+          </a:lnRef>
+          <a:fillRef idx="1">
+            <a:schemeClr val="accent1"/>
+          </a:fillRef>
+          <a:effectRef idx="0">
+            <a:schemeClr val="accent1"/>
+          </a:effectRef>
+          <a:fontRef idx="minor">
+            <a:schemeClr val="lt1"/>
+          </a:fontRef>
+        </p:style>
+        <p:txBody>
+          <a:bodyPr rtlCol="0" anchor="ctr"/>
+          <a:lstStyle/>
+          <a:p>
+            <a:pPr algn="ctr"/>
+            <a:endParaRPr kumimoji="1" lang="ja-JP" altLang="en-US"/>
+          </a:p>
+        </p:txBody>
+      </p:sp>
+      <p:sp>
+        <p:nvSpPr>
+          <p:cNvPr id="10" name="楕円 9">
+            <a:extLst>
+              <a:ext uri="{FF2B5EF4-FFF2-40B4-BE49-F238E27FC236}">
+                <a16:creationId xmlns:a16="http://schemas.microsoft.com/office/drawing/2014/main" id="{13BD1ABA-06E3-4F9F-8F83-D196542303AE}"/>
+              </a:ext>
+            </a:extLst>
+          </p:cNvPr>
+          <p:cNvSpPr/>
+          <p:nvPr/>
+        </p:nvSpPr>
+        <p:spPr>
+          <a:xfrm>
+            <a:off x="4758906" y="1776974"/>
+            <a:ext cx="1328468" cy="309573"/>
+          </a:xfrm>
+          <a:prstGeom prst="ellipse">
+            <a:avLst/>
+          </a:prstGeom>
+          <a:noFill/>
+          <a:ln w="38100">
+            <a:solidFill>
+              <a:srgbClr val="FF0000"/>
+            </a:solidFill>
+          </a:ln>
+        </p:spPr>
+        <p:style>
+          <a:lnRef idx="2">
+            <a:schemeClr val="accent1">
+              <a:shade val="50000"/>
+            </a:schemeClr>
+          </a:lnRef>
+          <a:fillRef idx="1">
+            <a:schemeClr val="accent1"/>
+          </a:fillRef>
+          <a:effectRef idx="0">
+            <a:schemeClr val="accent1"/>
+          </a:effectRef>
+          <a:fontRef idx="minor">
+            <a:schemeClr val="lt1"/>
+          </a:fontRef>
+        </p:style>
+        <p:txBody>
+          <a:bodyPr rtlCol="0" anchor="ctr"/>
+          <a:lstStyle/>
+          <a:p>
+            <a:pPr algn="ctr"/>
+            <a:endParaRPr kumimoji="1" lang="ja-JP" altLang="en-US"/>
+          </a:p>
+        </p:txBody>
+      </p:sp>
+      <p:sp>
+        <p:nvSpPr>
+          <p:cNvPr id="11" name="楕円 10">
+            <a:extLst>
+              <a:ext uri="{FF2B5EF4-FFF2-40B4-BE49-F238E27FC236}">
+                <a16:creationId xmlns:a16="http://schemas.microsoft.com/office/drawing/2014/main" id="{00874C84-FCDD-488A-81A4-5F2A92A50D06}"/>
+              </a:ext>
+            </a:extLst>
+          </p:cNvPr>
+          <p:cNvSpPr/>
+          <p:nvPr/>
+        </p:nvSpPr>
+        <p:spPr>
+          <a:xfrm>
+            <a:off x="4758906" y="2170914"/>
+            <a:ext cx="1328468" cy="309573"/>
+          </a:xfrm>
+          <a:prstGeom prst="ellipse">
+            <a:avLst/>
+          </a:prstGeom>
+          <a:noFill/>
+          <a:ln w="38100">
+            <a:solidFill>
+              <a:srgbClr val="FF0000"/>
+            </a:solidFill>
+          </a:ln>
+        </p:spPr>
+        <p:style>
+          <a:lnRef idx="2">
+            <a:schemeClr val="accent1">
+              <a:shade val="50000"/>
+            </a:schemeClr>
+          </a:lnRef>
+          <a:fillRef idx="1">
+            <a:schemeClr val="accent1"/>
+          </a:fillRef>
+          <a:effectRef idx="0">
+            <a:schemeClr val="accent1"/>
+          </a:effectRef>
+          <a:fontRef idx="minor">
+            <a:schemeClr val="lt1"/>
+          </a:fontRef>
+        </p:style>
+        <p:txBody>
+          <a:bodyPr rtlCol="0" anchor="ctr"/>
+          <a:lstStyle/>
+          <a:p>
+            <a:pPr algn="ctr"/>
+            <a:endParaRPr kumimoji="1" lang="ja-JP" altLang="en-US"/>
+          </a:p>
+        </p:txBody>
+      </p:sp>
+    </p:spTree>
+    <p:extLst>
+      <p:ext uri="{BB962C8B-B14F-4D97-AF65-F5344CB8AC3E}">
+        <p14:creationId xmlns:p14="http://schemas.microsoft.com/office/powerpoint/2010/main" val="3277057837"/>
+      </p:ext>
+    </p:extLst>
+  </p:cSld>
+  <p:clrMapOvr>
+    <a:masterClrMapping/>
+  </p:clrMapOvr>
+</p:sld>
+</file>
+
+<file path=ppt/slides/slide3.xml><?xml version="1.0" encoding="utf-8"?>
+<p:sld xmlns:a="http://schemas.openxmlformats.org/drawingml/2006/main" xmlns:r="http://schemas.openxmlformats.org/officeDocument/2006/relationships" xmlns:p="http://schemas.openxmlformats.org/presentationml/2006/main">
+  <p:cSld>
+    <p:spTree>
+      <p:nvGrpSpPr>
+        <p:cNvPr id="1" name=""/>
+        <p:cNvGrpSpPr/>
+        <p:nvPr/>
+      </p:nvGrpSpPr>
+      <p:grpSpPr>
+        <a:xfrm>
+          <a:off x="0" y="0"/>
+          <a:ext cx="0" cy="0"/>
+          <a:chOff x="0" y="0"/>
+          <a:chExt cx="0" cy="0"/>
+        </a:xfrm>
+      </p:grpSpPr>
+      <p:pic>
+        <p:nvPicPr>
+          <p:cNvPr id="3" name="図 2">
+            <a:extLst>
+              <a:ext uri="{FF2B5EF4-FFF2-40B4-BE49-F238E27FC236}">
+                <a16:creationId xmlns:a16="http://schemas.microsoft.com/office/drawing/2014/main" id="{42D53835-64FC-4143-BF5F-C4EFCDFD80CE}"/>
+              </a:ext>
+            </a:extLst>
+          </p:cNvPr>
+          <p:cNvPicPr>
+            <a:picLocks noChangeAspect="1"/>
+          </p:cNvPicPr>
+          <p:nvPr/>
+        </p:nvPicPr>
+        <p:blipFill>
+          <a:blip r:embed="rId2"/>
+          <a:stretch>
+            <a:fillRect/>
+          </a:stretch>
+        </p:blipFill>
+        <p:spPr>
+          <a:xfrm>
+            <a:off x="796256" y="2315804"/>
+            <a:ext cx="6815368" cy="3871161"/>
           </a:xfrm>
           <a:prstGeom prst="rect">
             <a:avLst/>
           </a:prstGeom>
-          <a:noFill/>
         </p:spPr>
-        <p:txBody>
-          <a:bodyPr wrap="none" rtlCol="0">
-            <a:spAutoFit/>
-          </a:bodyPr>
-          <a:lstStyle/>
-          <a:p>
-            <a:pPr algn="ctr"/>
-            <a:r>
-              <a:rPr lang="ja-JP" altLang="en-US" sz="1600" dirty="0">
-                <a:solidFill>
-                  <a:srgbClr val="2A2A2A"/>
-                </a:solidFill>
-                <a:latin typeface="メイリオ" panose="020B0604030504040204" pitchFamily="50" charset="-128"/>
-                <a:ea typeface="メイリオ" panose="020B0604030504040204" pitchFamily="50" charset="-128"/>
-              </a:rPr>
-              <a:t>レポジトリ</a:t>
-            </a:r>
-          </a:p>
-        </p:txBody>
-      </p:sp>
+      </p:pic>
       <p:pic>
         <p:nvPicPr>
-          <p:cNvPr id="8" name="図 7">
+          <p:cNvPr id="4" name="図 3">
             <a:extLst>
               <a:ext uri="{FF2B5EF4-FFF2-40B4-BE49-F238E27FC236}">
-                <a16:creationId xmlns:a16="http://schemas.microsoft.com/office/drawing/2014/main" id="{A0C92AA4-3ACA-4CB9-AB3A-B52D01EE4E80}"/>
+                <a16:creationId xmlns:a16="http://schemas.microsoft.com/office/drawing/2014/main" id="{4E3F43E7-7509-4E08-B212-FDCBA0449EAF}"/>
               </a:ext>
             </a:extLst>
           </p:cNvPr>
@@ -4211,3258 +7780,18 @@
         </p:blipFill>
         <p:spPr>
           <a:xfrm>
-            <a:off x="8461545" y="3709556"/>
-            <a:ext cx="708358" cy="692074"/>
+            <a:off x="4801988" y="671035"/>
+            <a:ext cx="6378358" cy="4684105"/>
           </a:xfrm>
           <a:prstGeom prst="rect">
             <a:avLst/>
           </a:prstGeom>
         </p:spPr>
       </p:pic>
-      <p:sp>
-        <p:nvSpPr>
-          <p:cNvPr id="9" name="テキスト ボックス 8">
-            <a:extLst>
-              <a:ext uri="{FF2B5EF4-FFF2-40B4-BE49-F238E27FC236}">
-                <a16:creationId xmlns:a16="http://schemas.microsoft.com/office/drawing/2014/main" id="{E2CB6F04-156D-474B-BC78-D372E4942100}"/>
-              </a:ext>
-            </a:extLst>
-          </p:cNvPr>
-          <p:cNvSpPr txBox="1"/>
-          <p:nvPr/>
-        </p:nvSpPr>
-        <p:spPr>
-          <a:xfrm>
-            <a:off x="7998766" y="4587186"/>
-            <a:ext cx="1415772" cy="338554"/>
-          </a:xfrm>
-          <a:prstGeom prst="rect">
-            <a:avLst/>
-          </a:prstGeom>
-          <a:noFill/>
-        </p:spPr>
-        <p:txBody>
-          <a:bodyPr wrap="none" rtlCol="0">
-            <a:spAutoFit/>
-          </a:bodyPr>
-          <a:lstStyle/>
-          <a:p>
-            <a:pPr algn="ctr"/>
-            <a:r>
-              <a:rPr lang="ja-JP" altLang="en-US" sz="1600" dirty="0">
-                <a:solidFill>
-                  <a:srgbClr val="2A2A2A"/>
-                </a:solidFill>
-                <a:latin typeface="メイリオ" panose="020B0604030504040204" pitchFamily="50" charset="-128"/>
-                <a:ea typeface="メイリオ" panose="020B0604030504040204" pitchFamily="50" charset="-128"/>
-              </a:rPr>
-              <a:t>クエリー検索</a:t>
-            </a:r>
-          </a:p>
-        </p:txBody>
-      </p:sp>
-      <p:pic>
-        <p:nvPicPr>
-          <p:cNvPr id="10" name="図 9">
-            <a:extLst>
-              <a:ext uri="{FF2B5EF4-FFF2-40B4-BE49-F238E27FC236}">
-                <a16:creationId xmlns:a16="http://schemas.microsoft.com/office/drawing/2014/main" id="{9AF961FB-AD10-434D-B2A8-B47C76C7A0A0}"/>
-              </a:ext>
-            </a:extLst>
-          </p:cNvPr>
-          <p:cNvPicPr>
-            <a:picLocks noChangeAspect="1"/>
-          </p:cNvPicPr>
-          <p:nvPr/>
-        </p:nvPicPr>
-        <p:blipFill>
-          <a:blip r:embed="rId4" cstate="print">
-            <a:extLst>
-              <a:ext uri="{28A0092B-C50C-407E-A947-70E740481C1C}">
-                <a14:useLocalDpi xmlns:a14="http://schemas.microsoft.com/office/drawing/2010/main" val="0"/>
-              </a:ext>
-            </a:extLst>
-          </a:blip>
-          <a:stretch>
-            <a:fillRect/>
-          </a:stretch>
-        </p:blipFill>
-        <p:spPr>
-          <a:xfrm>
-            <a:off x="10413987" y="3033985"/>
-            <a:ext cx="707797" cy="707797"/>
-          </a:xfrm>
-          <a:prstGeom prst="rect">
-            <a:avLst/>
-          </a:prstGeom>
-        </p:spPr>
-      </p:pic>
-      <p:pic>
-        <p:nvPicPr>
-          <p:cNvPr id="11" name="図 10">
-            <a:extLst>
-              <a:ext uri="{FF2B5EF4-FFF2-40B4-BE49-F238E27FC236}">
-                <a16:creationId xmlns:a16="http://schemas.microsoft.com/office/drawing/2014/main" id="{6F4C3513-DC72-477D-AB65-5C8F1B147128}"/>
-              </a:ext>
-            </a:extLst>
-          </p:cNvPr>
-          <p:cNvPicPr>
-            <a:picLocks noChangeAspect="1"/>
-          </p:cNvPicPr>
-          <p:nvPr/>
-        </p:nvPicPr>
-        <p:blipFill>
-          <a:blip r:embed="rId5" cstate="print">
-            <a:extLst>
-              <a:ext uri="{28A0092B-C50C-407E-A947-70E740481C1C}">
-                <a14:useLocalDpi xmlns:a14="http://schemas.microsoft.com/office/drawing/2010/main" val="0"/>
-              </a:ext>
-            </a:extLst>
-          </a:blip>
-          <a:stretch>
-            <a:fillRect/>
-          </a:stretch>
-        </p:blipFill>
-        <p:spPr>
-          <a:xfrm>
-            <a:off x="10378461" y="1978722"/>
-            <a:ext cx="780290" cy="780290"/>
-          </a:xfrm>
-          <a:prstGeom prst="rect">
-            <a:avLst/>
-          </a:prstGeom>
-        </p:spPr>
-      </p:pic>
-      <p:grpSp>
-        <p:nvGrpSpPr>
-          <p:cNvPr id="12" name="グループ化 11">
-            <a:extLst>
-              <a:ext uri="{FF2B5EF4-FFF2-40B4-BE49-F238E27FC236}">
-                <a16:creationId xmlns:a16="http://schemas.microsoft.com/office/drawing/2014/main" id="{CB383079-2CF1-4565-9C46-F99B6E898868}"/>
-              </a:ext>
-            </a:extLst>
-          </p:cNvPr>
-          <p:cNvGrpSpPr/>
-          <p:nvPr/>
-        </p:nvGrpSpPr>
-        <p:grpSpPr>
-          <a:xfrm>
-            <a:off x="10478887" y="5266234"/>
-            <a:ext cx="630238" cy="615950"/>
-            <a:chOff x="5281613" y="1719263"/>
-            <a:chExt cx="630238" cy="615950"/>
-          </a:xfrm>
-          <a:solidFill>
-            <a:srgbClr val="0179D6"/>
-          </a:solidFill>
-        </p:grpSpPr>
-        <p:sp>
-          <p:nvSpPr>
-            <p:cNvPr id="13" name="Freeform 115">
-              <a:extLst>
-                <a:ext uri="{FF2B5EF4-FFF2-40B4-BE49-F238E27FC236}">
-                  <a16:creationId xmlns:a16="http://schemas.microsoft.com/office/drawing/2014/main" id="{FB755847-671D-4506-8D86-564E532759A4}"/>
-                </a:ext>
-              </a:extLst>
-            </p:cNvPr>
-            <p:cNvSpPr>
-              <a:spLocks/>
-            </p:cNvSpPr>
-            <p:nvPr/>
-          </p:nvSpPr>
-          <p:spPr bwMode="auto">
-            <a:xfrm>
-              <a:off x="5332413" y="1744663"/>
-              <a:ext cx="579438" cy="412750"/>
-            </a:xfrm>
-            <a:custGeom>
-              <a:avLst/>
-              <a:gdLst>
-                <a:gd name="T0" fmla="*/ 91 w 225"/>
-                <a:gd name="T1" fmla="*/ 160 h 160"/>
-                <a:gd name="T2" fmla="*/ 77 w 225"/>
-                <a:gd name="T3" fmla="*/ 148 h 160"/>
-                <a:gd name="T4" fmla="*/ 42 w 225"/>
-                <a:gd name="T5" fmla="*/ 117 h 160"/>
-                <a:gd name="T6" fmla="*/ 39 w 225"/>
-                <a:gd name="T7" fmla="*/ 117 h 160"/>
-                <a:gd name="T8" fmla="*/ 4 w 225"/>
-                <a:gd name="T9" fmla="*/ 147 h 160"/>
-                <a:gd name="T10" fmla="*/ 0 w 225"/>
-                <a:gd name="T11" fmla="*/ 150 h 160"/>
-                <a:gd name="T12" fmla="*/ 0 w 225"/>
-                <a:gd name="T13" fmla="*/ 148 h 160"/>
-                <a:gd name="T14" fmla="*/ 0 w 225"/>
-                <a:gd name="T15" fmla="*/ 105 h 160"/>
-                <a:gd name="T16" fmla="*/ 2 w 225"/>
-                <a:gd name="T17" fmla="*/ 100 h 160"/>
-                <a:gd name="T18" fmla="*/ 17 w 225"/>
-                <a:gd name="T19" fmla="*/ 79 h 160"/>
-                <a:gd name="T20" fmla="*/ 21 w 225"/>
-                <a:gd name="T21" fmla="*/ 77 h 160"/>
-                <a:gd name="T22" fmla="*/ 78 w 225"/>
-                <a:gd name="T23" fmla="*/ 93 h 160"/>
-                <a:gd name="T24" fmla="*/ 83 w 225"/>
-                <a:gd name="T25" fmla="*/ 92 h 160"/>
-                <a:gd name="T26" fmla="*/ 134 w 225"/>
-                <a:gd name="T27" fmla="*/ 32 h 160"/>
-                <a:gd name="T28" fmla="*/ 161 w 225"/>
-                <a:gd name="T29" fmla="*/ 1 h 160"/>
-                <a:gd name="T30" fmla="*/ 164 w 225"/>
-                <a:gd name="T31" fmla="*/ 0 h 160"/>
-                <a:gd name="T32" fmla="*/ 222 w 225"/>
-                <a:gd name="T33" fmla="*/ 13 h 160"/>
-                <a:gd name="T34" fmla="*/ 225 w 225"/>
-                <a:gd name="T35" fmla="*/ 17 h 160"/>
-                <a:gd name="T36" fmla="*/ 225 w 225"/>
-                <a:gd name="T37" fmla="*/ 111 h 160"/>
-                <a:gd name="T38" fmla="*/ 224 w 225"/>
-                <a:gd name="T39" fmla="*/ 114 h 160"/>
-                <a:gd name="T40" fmla="*/ 213 w 225"/>
-                <a:gd name="T41" fmla="*/ 107 h 160"/>
-                <a:gd name="T42" fmla="*/ 162 w 225"/>
-                <a:gd name="T43" fmla="*/ 78 h 160"/>
-                <a:gd name="T44" fmla="*/ 157 w 225"/>
-                <a:gd name="T45" fmla="*/ 78 h 160"/>
-                <a:gd name="T46" fmla="*/ 111 w 225"/>
-                <a:gd name="T47" fmla="*/ 136 h 160"/>
-                <a:gd name="T48" fmla="*/ 93 w 225"/>
-                <a:gd name="T49" fmla="*/ 158 h 160"/>
-                <a:gd name="T50" fmla="*/ 91 w 225"/>
-                <a:gd name="T51" fmla="*/ 160 h 160"/>
-              </a:gdLst>
-              <a:ahLst/>
-              <a:cxnLst>
-                <a:cxn ang="0">
-                  <a:pos x="T0" y="T1"/>
-                </a:cxn>
-                <a:cxn ang="0">
-                  <a:pos x="T2" y="T3"/>
-                </a:cxn>
-                <a:cxn ang="0">
-                  <a:pos x="T4" y="T5"/>
-                </a:cxn>
-                <a:cxn ang="0">
-                  <a:pos x="T6" y="T7"/>
-                </a:cxn>
-                <a:cxn ang="0">
-                  <a:pos x="T8" y="T9"/>
-                </a:cxn>
-                <a:cxn ang="0">
-                  <a:pos x="T10" y="T11"/>
-                </a:cxn>
-                <a:cxn ang="0">
-                  <a:pos x="T12" y="T13"/>
-                </a:cxn>
-                <a:cxn ang="0">
-                  <a:pos x="T14" y="T15"/>
-                </a:cxn>
-                <a:cxn ang="0">
-                  <a:pos x="T16" y="T17"/>
-                </a:cxn>
-                <a:cxn ang="0">
-                  <a:pos x="T18" y="T19"/>
-                </a:cxn>
-                <a:cxn ang="0">
-                  <a:pos x="T20" y="T21"/>
-                </a:cxn>
-                <a:cxn ang="0">
-                  <a:pos x="T22" y="T23"/>
-                </a:cxn>
-                <a:cxn ang="0">
-                  <a:pos x="T24" y="T25"/>
-                </a:cxn>
-                <a:cxn ang="0">
-                  <a:pos x="T26" y="T27"/>
-                </a:cxn>
-                <a:cxn ang="0">
-                  <a:pos x="T28" y="T29"/>
-                </a:cxn>
-                <a:cxn ang="0">
-                  <a:pos x="T30" y="T31"/>
-                </a:cxn>
-                <a:cxn ang="0">
-                  <a:pos x="T32" y="T33"/>
-                </a:cxn>
-                <a:cxn ang="0">
-                  <a:pos x="T34" y="T35"/>
-                </a:cxn>
-                <a:cxn ang="0">
-                  <a:pos x="T36" y="T37"/>
-                </a:cxn>
-                <a:cxn ang="0">
-                  <a:pos x="T38" y="T39"/>
-                </a:cxn>
-                <a:cxn ang="0">
-                  <a:pos x="T40" y="T41"/>
-                </a:cxn>
-                <a:cxn ang="0">
-                  <a:pos x="T42" y="T43"/>
-                </a:cxn>
-                <a:cxn ang="0">
-                  <a:pos x="T44" y="T45"/>
-                </a:cxn>
-                <a:cxn ang="0">
-                  <a:pos x="T46" y="T47"/>
-                </a:cxn>
-                <a:cxn ang="0">
-                  <a:pos x="T48" y="T49"/>
-                </a:cxn>
-                <a:cxn ang="0">
-                  <a:pos x="T50" y="T51"/>
-                </a:cxn>
-              </a:cxnLst>
-              <a:rect l="0" t="0" r="r" b="b"/>
-              <a:pathLst>
-                <a:path w="225" h="160">
-                  <a:moveTo>
-                    <a:pt x="91" y="160"/>
-                  </a:moveTo>
-                  <a:cubicBezTo>
-                    <a:pt x="86" y="156"/>
-                    <a:pt x="82" y="152"/>
-                    <a:pt x="77" y="148"/>
-                  </a:cubicBezTo>
-                  <a:cubicBezTo>
-                    <a:pt x="65" y="137"/>
-                    <a:pt x="54" y="127"/>
-                    <a:pt x="42" y="117"/>
-                  </a:cubicBezTo>
-                  <a:cubicBezTo>
-                    <a:pt x="41" y="116"/>
-                    <a:pt x="40" y="116"/>
-                    <a:pt x="39" y="117"/>
-                  </a:cubicBezTo>
-                  <a:cubicBezTo>
-                    <a:pt x="27" y="127"/>
-                    <a:pt x="15" y="137"/>
-                    <a:pt x="4" y="147"/>
-                  </a:cubicBezTo>
-                  <a:cubicBezTo>
-                    <a:pt x="3" y="148"/>
-                    <a:pt x="2" y="149"/>
-                    <a:pt x="0" y="150"/>
-                  </a:cubicBezTo>
-                  <a:cubicBezTo>
-                    <a:pt x="0" y="149"/>
-                    <a:pt x="0" y="148"/>
-                    <a:pt x="0" y="148"/>
-                  </a:cubicBezTo>
-                  <a:cubicBezTo>
-                    <a:pt x="0" y="133"/>
-                    <a:pt x="0" y="119"/>
-                    <a:pt x="0" y="105"/>
-                  </a:cubicBezTo>
-                  <a:cubicBezTo>
-                    <a:pt x="0" y="103"/>
-                    <a:pt x="1" y="102"/>
-                    <a:pt x="2" y="100"/>
-                  </a:cubicBezTo>
-                  <a:cubicBezTo>
-                    <a:pt x="7" y="93"/>
-                    <a:pt x="12" y="86"/>
-                    <a:pt x="17" y="79"/>
-                  </a:cubicBezTo>
-                  <a:cubicBezTo>
-                    <a:pt x="18" y="77"/>
-                    <a:pt x="19" y="77"/>
-                    <a:pt x="21" y="77"/>
-                  </a:cubicBezTo>
-                  <a:cubicBezTo>
-                    <a:pt x="40" y="83"/>
-                    <a:pt x="59" y="88"/>
-                    <a:pt x="78" y="93"/>
-                  </a:cubicBezTo>
-                  <a:cubicBezTo>
-                    <a:pt x="80" y="94"/>
-                    <a:pt x="82" y="94"/>
-                    <a:pt x="83" y="92"/>
-                  </a:cubicBezTo>
-                  <a:cubicBezTo>
-                    <a:pt x="100" y="72"/>
-                    <a:pt x="117" y="52"/>
-                    <a:pt x="134" y="32"/>
-                  </a:cubicBezTo>
-                  <a:cubicBezTo>
-                    <a:pt x="143" y="22"/>
-                    <a:pt x="152" y="12"/>
-                    <a:pt x="161" y="1"/>
-                  </a:cubicBezTo>
-                  <a:cubicBezTo>
-                    <a:pt x="162" y="0"/>
-                    <a:pt x="163" y="0"/>
-                    <a:pt x="164" y="0"/>
-                  </a:cubicBezTo>
-                  <a:cubicBezTo>
-                    <a:pt x="183" y="5"/>
-                    <a:pt x="202" y="9"/>
-                    <a:pt x="222" y="13"/>
-                  </a:cubicBezTo>
-                  <a:cubicBezTo>
-                    <a:pt x="224" y="14"/>
-                    <a:pt x="225" y="14"/>
-                    <a:pt x="225" y="17"/>
-                  </a:cubicBezTo>
-                  <a:cubicBezTo>
-                    <a:pt x="225" y="48"/>
-                    <a:pt x="225" y="80"/>
-                    <a:pt x="225" y="111"/>
-                  </a:cubicBezTo>
-                  <a:cubicBezTo>
-                    <a:pt x="225" y="112"/>
-                    <a:pt x="224" y="113"/>
-                    <a:pt x="224" y="114"/>
-                  </a:cubicBezTo>
-                  <a:cubicBezTo>
-                    <a:pt x="220" y="112"/>
-                    <a:pt x="217" y="110"/>
-                    <a:pt x="213" y="107"/>
-                  </a:cubicBezTo>
-                  <a:cubicBezTo>
-                    <a:pt x="196" y="98"/>
-                    <a:pt x="179" y="88"/>
-                    <a:pt x="162" y="78"/>
-                  </a:cubicBezTo>
-                  <a:cubicBezTo>
-                    <a:pt x="160" y="76"/>
-                    <a:pt x="159" y="76"/>
-                    <a:pt x="157" y="78"/>
-                  </a:cubicBezTo>
-                  <a:cubicBezTo>
-                    <a:pt x="142" y="97"/>
-                    <a:pt x="127" y="116"/>
-                    <a:pt x="111" y="136"/>
-                  </a:cubicBezTo>
-                  <a:cubicBezTo>
-                    <a:pt x="105" y="143"/>
-                    <a:pt x="99" y="151"/>
-                    <a:pt x="93" y="158"/>
-                  </a:cubicBezTo>
-                  <a:cubicBezTo>
-                    <a:pt x="92" y="159"/>
-                    <a:pt x="92" y="159"/>
-                    <a:pt x="91" y="160"/>
-                  </a:cubicBezTo>
-                  <a:close/>
-                </a:path>
-              </a:pathLst>
-            </a:custGeom>
-            <a:grpFill/>
-            <a:ln>
-              <a:noFill/>
-            </a:ln>
-            <a:extLst>
-              <a:ext uri="{91240B29-F687-4F45-9708-019B960494DF}">
-                <a14:hiddenLine xmlns:a14="http://schemas.microsoft.com/office/drawing/2010/main" w="9525">
-                  <a:solidFill>
-                    <a:srgbClr val="000000"/>
-                  </a:solidFill>
-                  <a:round/>
-                  <a:headEnd/>
-                  <a:tailEnd/>
-                </a14:hiddenLine>
-              </a:ext>
-            </a:extLst>
-          </p:spPr>
-          <p:txBody>
-            <a:bodyPr vert="horz" wrap="square" lIns="91440" tIns="45720" rIns="91440" bIns="45720" numCol="1" anchor="t" anchorCtr="0" compatLnSpc="1">
-              <a:prstTxWarp prst="textNoShape">
-                <a:avLst/>
-              </a:prstTxWarp>
-            </a:bodyPr>
-            <a:lstStyle/>
-            <a:p>
-              <a:endParaRPr lang="ja-JP" altLang="en-US">
-                <a:solidFill>
-                  <a:prstClr val="black"/>
-                </a:solidFill>
-                <a:latin typeface="メイリオ" panose="020B0604030504040204" pitchFamily="50" charset="-128"/>
-                <a:ea typeface="メイリオ" panose="020B0604030504040204" pitchFamily="50" charset="-128"/>
-              </a:endParaRPr>
-            </a:p>
-          </p:txBody>
-        </p:sp>
-        <p:sp>
-          <p:nvSpPr>
-            <p:cNvPr id="14" name="Freeform 116">
-              <a:extLst>
-                <a:ext uri="{FF2B5EF4-FFF2-40B4-BE49-F238E27FC236}">
-                  <a16:creationId xmlns:a16="http://schemas.microsoft.com/office/drawing/2014/main" id="{142FB517-D88D-4255-A8DB-B73DA6F8D58F}"/>
-                </a:ext>
-              </a:extLst>
-            </p:cNvPr>
-            <p:cNvSpPr>
-              <a:spLocks/>
-            </p:cNvSpPr>
-            <p:nvPr/>
-          </p:nvSpPr>
-          <p:spPr bwMode="auto">
-            <a:xfrm>
-              <a:off x="5332413" y="2009775"/>
-              <a:ext cx="579438" cy="273050"/>
-            </a:xfrm>
-            <a:custGeom>
-              <a:avLst/>
-              <a:gdLst>
-                <a:gd name="T0" fmla="*/ 167 w 225"/>
-                <a:gd name="T1" fmla="*/ 0 h 106"/>
-                <a:gd name="T2" fmla="*/ 208 w 225"/>
-                <a:gd name="T3" fmla="*/ 24 h 106"/>
-                <a:gd name="T4" fmla="*/ 223 w 225"/>
-                <a:gd name="T5" fmla="*/ 32 h 106"/>
-                <a:gd name="T6" fmla="*/ 225 w 225"/>
-                <a:gd name="T7" fmla="*/ 35 h 106"/>
-                <a:gd name="T8" fmla="*/ 225 w 225"/>
-                <a:gd name="T9" fmla="*/ 103 h 106"/>
-                <a:gd name="T10" fmla="*/ 222 w 225"/>
-                <a:gd name="T11" fmla="*/ 106 h 106"/>
-                <a:gd name="T12" fmla="*/ 3 w 225"/>
-                <a:gd name="T13" fmla="*/ 106 h 106"/>
-                <a:gd name="T14" fmla="*/ 0 w 225"/>
-                <a:gd name="T15" fmla="*/ 104 h 106"/>
-                <a:gd name="T16" fmla="*/ 0 w 225"/>
-                <a:gd name="T17" fmla="*/ 70 h 106"/>
-                <a:gd name="T18" fmla="*/ 3 w 225"/>
-                <a:gd name="T19" fmla="*/ 69 h 106"/>
-                <a:gd name="T20" fmla="*/ 38 w 225"/>
-                <a:gd name="T21" fmla="*/ 39 h 106"/>
-                <a:gd name="T22" fmla="*/ 43 w 225"/>
-                <a:gd name="T23" fmla="*/ 39 h 106"/>
-                <a:gd name="T24" fmla="*/ 95 w 225"/>
-                <a:gd name="T25" fmla="*/ 85 h 106"/>
-                <a:gd name="T26" fmla="*/ 99 w 225"/>
-                <a:gd name="T27" fmla="*/ 84 h 106"/>
-                <a:gd name="T28" fmla="*/ 165 w 225"/>
-                <a:gd name="T29" fmla="*/ 2 h 106"/>
-                <a:gd name="T30" fmla="*/ 167 w 225"/>
-                <a:gd name="T31" fmla="*/ 0 h 106"/>
-              </a:gdLst>
-              <a:ahLst/>
-              <a:cxnLst>
-                <a:cxn ang="0">
-                  <a:pos x="T0" y="T1"/>
-                </a:cxn>
-                <a:cxn ang="0">
-                  <a:pos x="T2" y="T3"/>
-                </a:cxn>
-                <a:cxn ang="0">
-                  <a:pos x="T4" y="T5"/>
-                </a:cxn>
-                <a:cxn ang="0">
-                  <a:pos x="T6" y="T7"/>
-                </a:cxn>
-                <a:cxn ang="0">
-                  <a:pos x="T8" y="T9"/>
-                </a:cxn>
-                <a:cxn ang="0">
-                  <a:pos x="T10" y="T11"/>
-                </a:cxn>
-                <a:cxn ang="0">
-                  <a:pos x="T12" y="T13"/>
-                </a:cxn>
-                <a:cxn ang="0">
-                  <a:pos x="T14" y="T15"/>
-                </a:cxn>
-                <a:cxn ang="0">
-                  <a:pos x="T16" y="T17"/>
-                </a:cxn>
-                <a:cxn ang="0">
-                  <a:pos x="T18" y="T19"/>
-                </a:cxn>
-                <a:cxn ang="0">
-                  <a:pos x="T20" y="T21"/>
-                </a:cxn>
-                <a:cxn ang="0">
-                  <a:pos x="T22" y="T23"/>
-                </a:cxn>
-                <a:cxn ang="0">
-                  <a:pos x="T24" y="T25"/>
-                </a:cxn>
-                <a:cxn ang="0">
-                  <a:pos x="T26" y="T27"/>
-                </a:cxn>
-                <a:cxn ang="0">
-                  <a:pos x="T28" y="T29"/>
-                </a:cxn>
-                <a:cxn ang="0">
-                  <a:pos x="T30" y="T31"/>
-                </a:cxn>
-              </a:cxnLst>
-              <a:rect l="0" t="0" r="r" b="b"/>
-              <a:pathLst>
-                <a:path w="225" h="106">
-                  <a:moveTo>
-                    <a:pt x="167" y="0"/>
-                  </a:moveTo>
-                  <a:cubicBezTo>
-                    <a:pt x="181" y="8"/>
-                    <a:pt x="194" y="16"/>
-                    <a:pt x="208" y="24"/>
-                  </a:cubicBezTo>
-                  <a:cubicBezTo>
-                    <a:pt x="213" y="26"/>
-                    <a:pt x="218" y="29"/>
-                    <a:pt x="223" y="32"/>
-                  </a:cubicBezTo>
-                  <a:cubicBezTo>
-                    <a:pt x="224" y="33"/>
-                    <a:pt x="225" y="34"/>
-                    <a:pt x="225" y="35"/>
-                  </a:cubicBezTo>
-                  <a:cubicBezTo>
-                    <a:pt x="225" y="58"/>
-                    <a:pt x="225" y="81"/>
-                    <a:pt x="225" y="103"/>
-                  </a:cubicBezTo>
-                  <a:cubicBezTo>
-                    <a:pt x="225" y="105"/>
-                    <a:pt x="224" y="106"/>
-                    <a:pt x="222" y="106"/>
-                  </a:cubicBezTo>
-                  <a:cubicBezTo>
-                    <a:pt x="149" y="106"/>
-                    <a:pt x="76" y="106"/>
-                    <a:pt x="3" y="106"/>
-                  </a:cubicBezTo>
-                  <a:cubicBezTo>
-                    <a:pt x="2" y="106"/>
-                    <a:pt x="0" y="106"/>
-                    <a:pt x="0" y="104"/>
-                  </a:cubicBezTo>
-                  <a:cubicBezTo>
-                    <a:pt x="0" y="93"/>
-                    <a:pt x="0" y="81"/>
-                    <a:pt x="0" y="70"/>
-                  </a:cubicBezTo>
-                  <a:cubicBezTo>
-                    <a:pt x="2" y="70"/>
-                    <a:pt x="3" y="69"/>
-                    <a:pt x="3" y="69"/>
-                  </a:cubicBezTo>
-                  <a:cubicBezTo>
-                    <a:pt x="15" y="59"/>
-                    <a:pt x="26" y="49"/>
-                    <a:pt x="38" y="39"/>
-                  </a:cubicBezTo>
-                  <a:cubicBezTo>
-                    <a:pt x="40" y="37"/>
-                    <a:pt x="40" y="37"/>
-                    <a:pt x="43" y="39"/>
-                  </a:cubicBezTo>
-                  <a:cubicBezTo>
-                    <a:pt x="60" y="54"/>
-                    <a:pt x="78" y="70"/>
-                    <a:pt x="95" y="85"/>
-                  </a:cubicBezTo>
-                  <a:cubicBezTo>
-                    <a:pt x="97" y="86"/>
-                    <a:pt x="98" y="86"/>
-                    <a:pt x="99" y="84"/>
-                  </a:cubicBezTo>
-                  <a:cubicBezTo>
-                    <a:pt x="121" y="57"/>
-                    <a:pt x="143" y="29"/>
-                    <a:pt x="165" y="2"/>
-                  </a:cubicBezTo>
-                  <a:cubicBezTo>
-                    <a:pt x="165" y="1"/>
-                    <a:pt x="166" y="0"/>
-                    <a:pt x="167" y="0"/>
-                  </a:cubicBezTo>
-                  <a:close/>
-                </a:path>
-              </a:pathLst>
-            </a:custGeom>
-            <a:grpFill/>
-            <a:ln>
-              <a:noFill/>
-            </a:ln>
-            <a:extLst>
-              <a:ext uri="{91240B29-F687-4F45-9708-019B960494DF}">
-                <a14:hiddenLine xmlns:a14="http://schemas.microsoft.com/office/drawing/2010/main" w="9525">
-                  <a:solidFill>
-                    <a:srgbClr val="000000"/>
-                  </a:solidFill>
-                  <a:round/>
-                  <a:headEnd/>
-                  <a:tailEnd/>
-                </a14:hiddenLine>
-              </a:ext>
-            </a:extLst>
-          </p:spPr>
-          <p:txBody>
-            <a:bodyPr vert="horz" wrap="square" lIns="91440" tIns="45720" rIns="91440" bIns="45720" numCol="1" anchor="t" anchorCtr="0" compatLnSpc="1">
-              <a:prstTxWarp prst="textNoShape">
-                <a:avLst/>
-              </a:prstTxWarp>
-            </a:bodyPr>
-            <a:lstStyle/>
-            <a:p>
-              <a:endParaRPr lang="ja-JP" altLang="en-US">
-                <a:solidFill>
-                  <a:prstClr val="black"/>
-                </a:solidFill>
-                <a:latin typeface="メイリオ" panose="020B0604030504040204" pitchFamily="50" charset="-128"/>
-                <a:ea typeface="メイリオ" panose="020B0604030504040204" pitchFamily="50" charset="-128"/>
-              </a:endParaRPr>
-            </a:p>
-          </p:txBody>
-        </p:sp>
-        <p:sp>
-          <p:nvSpPr>
-            <p:cNvPr id="15" name="Freeform 117">
-              <a:extLst>
-                <a:ext uri="{FF2B5EF4-FFF2-40B4-BE49-F238E27FC236}">
-                  <a16:creationId xmlns:a16="http://schemas.microsoft.com/office/drawing/2014/main" id="{8D28630E-9EEF-43F7-8EAE-CB43D8BCB0A0}"/>
-                </a:ext>
-              </a:extLst>
-            </p:cNvPr>
-            <p:cNvSpPr>
-              <a:spLocks/>
-            </p:cNvSpPr>
-            <p:nvPr/>
-          </p:nvSpPr>
-          <p:spPr bwMode="auto">
-            <a:xfrm>
-              <a:off x="5281613" y="1719263"/>
-              <a:ext cx="630238" cy="615950"/>
-            </a:xfrm>
-            <a:custGeom>
-              <a:avLst/>
-              <a:gdLst>
-                <a:gd name="T0" fmla="*/ 122 w 245"/>
-                <a:gd name="T1" fmla="*/ 239 h 239"/>
-                <a:gd name="T2" fmla="*/ 4 w 245"/>
-                <a:gd name="T3" fmla="*/ 239 h 239"/>
-                <a:gd name="T4" fmla="*/ 0 w 245"/>
-                <a:gd name="T5" fmla="*/ 235 h 239"/>
-                <a:gd name="T6" fmla="*/ 0 w 245"/>
-                <a:gd name="T7" fmla="*/ 3 h 239"/>
-                <a:gd name="T8" fmla="*/ 4 w 245"/>
-                <a:gd name="T9" fmla="*/ 0 h 239"/>
-                <a:gd name="T10" fmla="*/ 9 w 245"/>
-                <a:gd name="T11" fmla="*/ 5 h 239"/>
-                <a:gd name="T12" fmla="*/ 9 w 245"/>
-                <a:gd name="T13" fmla="*/ 225 h 239"/>
-                <a:gd name="T14" fmla="*/ 9 w 245"/>
-                <a:gd name="T15" fmla="*/ 227 h 239"/>
-                <a:gd name="T16" fmla="*/ 12 w 245"/>
-                <a:gd name="T17" fmla="*/ 229 h 239"/>
-                <a:gd name="T18" fmla="*/ 14 w 245"/>
-                <a:gd name="T19" fmla="*/ 229 h 239"/>
-                <a:gd name="T20" fmla="*/ 241 w 245"/>
-                <a:gd name="T21" fmla="*/ 229 h 239"/>
-                <a:gd name="T22" fmla="*/ 245 w 245"/>
-                <a:gd name="T23" fmla="*/ 233 h 239"/>
-                <a:gd name="T24" fmla="*/ 239 w 245"/>
-                <a:gd name="T25" fmla="*/ 239 h 239"/>
-                <a:gd name="T26" fmla="*/ 122 w 245"/>
-                <a:gd name="T27" fmla="*/ 239 h 239"/>
-              </a:gdLst>
-              <a:ahLst/>
-              <a:cxnLst>
-                <a:cxn ang="0">
-                  <a:pos x="T0" y="T1"/>
-                </a:cxn>
-                <a:cxn ang="0">
-                  <a:pos x="T2" y="T3"/>
-                </a:cxn>
-                <a:cxn ang="0">
-                  <a:pos x="T4" y="T5"/>
-                </a:cxn>
-                <a:cxn ang="0">
-                  <a:pos x="T6" y="T7"/>
-                </a:cxn>
-                <a:cxn ang="0">
-                  <a:pos x="T8" y="T9"/>
-                </a:cxn>
-                <a:cxn ang="0">
-                  <a:pos x="T10" y="T11"/>
-                </a:cxn>
-                <a:cxn ang="0">
-                  <a:pos x="T12" y="T13"/>
-                </a:cxn>
-                <a:cxn ang="0">
-                  <a:pos x="T14" y="T15"/>
-                </a:cxn>
-                <a:cxn ang="0">
-                  <a:pos x="T16" y="T17"/>
-                </a:cxn>
-                <a:cxn ang="0">
-                  <a:pos x="T18" y="T19"/>
-                </a:cxn>
-                <a:cxn ang="0">
-                  <a:pos x="T20" y="T21"/>
-                </a:cxn>
-                <a:cxn ang="0">
-                  <a:pos x="T22" y="T23"/>
-                </a:cxn>
-                <a:cxn ang="0">
-                  <a:pos x="T24" y="T25"/>
-                </a:cxn>
-                <a:cxn ang="0">
-                  <a:pos x="T26" y="T27"/>
-                </a:cxn>
-              </a:cxnLst>
-              <a:rect l="0" t="0" r="r" b="b"/>
-              <a:pathLst>
-                <a:path w="245" h="239">
-                  <a:moveTo>
-                    <a:pt x="122" y="239"/>
-                  </a:moveTo>
-                  <a:cubicBezTo>
-                    <a:pt x="83" y="239"/>
-                    <a:pt x="43" y="239"/>
-                    <a:pt x="4" y="239"/>
-                  </a:cubicBezTo>
-                  <a:cubicBezTo>
-                    <a:pt x="0" y="239"/>
-                    <a:pt x="0" y="239"/>
-                    <a:pt x="0" y="235"/>
-                  </a:cubicBezTo>
-                  <a:cubicBezTo>
-                    <a:pt x="0" y="158"/>
-                    <a:pt x="0" y="81"/>
-                    <a:pt x="0" y="3"/>
-                  </a:cubicBezTo>
-                  <a:cubicBezTo>
-                    <a:pt x="0" y="0"/>
-                    <a:pt x="0" y="0"/>
-                    <a:pt x="4" y="0"/>
-                  </a:cubicBezTo>
-                  <a:cubicBezTo>
-                    <a:pt x="9" y="0"/>
-                    <a:pt x="9" y="0"/>
-                    <a:pt x="9" y="5"/>
-                  </a:cubicBezTo>
-                  <a:cubicBezTo>
-                    <a:pt x="9" y="78"/>
-                    <a:pt x="9" y="151"/>
-                    <a:pt x="9" y="225"/>
-                  </a:cubicBezTo>
-                  <a:cubicBezTo>
-                    <a:pt x="9" y="225"/>
-                    <a:pt x="9" y="226"/>
-                    <a:pt x="9" y="227"/>
-                  </a:cubicBezTo>
-                  <a:cubicBezTo>
-                    <a:pt x="9" y="229"/>
-                    <a:pt x="10" y="229"/>
-                    <a:pt x="12" y="229"/>
-                  </a:cubicBezTo>
-                  <a:cubicBezTo>
-                    <a:pt x="12" y="229"/>
-                    <a:pt x="13" y="229"/>
-                    <a:pt x="14" y="229"/>
-                  </a:cubicBezTo>
-                  <a:cubicBezTo>
-                    <a:pt x="90" y="229"/>
-                    <a:pt x="165" y="229"/>
-                    <a:pt x="241" y="229"/>
-                  </a:cubicBezTo>
-                  <a:cubicBezTo>
-                    <a:pt x="245" y="229"/>
-                    <a:pt x="245" y="229"/>
-                    <a:pt x="245" y="233"/>
-                  </a:cubicBezTo>
-                  <a:cubicBezTo>
-                    <a:pt x="245" y="239"/>
-                    <a:pt x="245" y="239"/>
-                    <a:pt x="239" y="239"/>
-                  </a:cubicBezTo>
-                  <a:cubicBezTo>
-                    <a:pt x="200" y="239"/>
-                    <a:pt x="161" y="239"/>
-                    <a:pt x="122" y="239"/>
-                  </a:cubicBezTo>
-                  <a:close/>
-                </a:path>
-              </a:pathLst>
-            </a:custGeom>
-            <a:grpFill/>
-            <a:ln>
-              <a:noFill/>
-            </a:ln>
-            <a:extLst>
-              <a:ext uri="{91240B29-F687-4F45-9708-019B960494DF}">
-                <a14:hiddenLine xmlns:a14="http://schemas.microsoft.com/office/drawing/2010/main" w="9525">
-                  <a:solidFill>
-                    <a:srgbClr val="000000"/>
-                  </a:solidFill>
-                  <a:round/>
-                  <a:headEnd/>
-                  <a:tailEnd/>
-                </a14:hiddenLine>
-              </a:ext>
-            </a:extLst>
-          </p:spPr>
-          <p:txBody>
-            <a:bodyPr vert="horz" wrap="square" lIns="91440" tIns="45720" rIns="91440" bIns="45720" numCol="1" anchor="t" anchorCtr="0" compatLnSpc="1">
-              <a:prstTxWarp prst="textNoShape">
-                <a:avLst/>
-              </a:prstTxWarp>
-            </a:bodyPr>
-            <a:lstStyle/>
-            <a:p>
-              <a:endParaRPr lang="ja-JP" altLang="en-US">
-                <a:solidFill>
-                  <a:prstClr val="black"/>
-                </a:solidFill>
-                <a:latin typeface="メイリオ" panose="020B0604030504040204" pitchFamily="50" charset="-128"/>
-                <a:ea typeface="メイリオ" panose="020B0604030504040204" pitchFamily="50" charset="-128"/>
-              </a:endParaRPr>
-            </a:p>
-          </p:txBody>
-        </p:sp>
-      </p:grpSp>
-      <p:pic>
-        <p:nvPicPr>
-          <p:cNvPr id="16" name="図 15">
-            <a:extLst>
-              <a:ext uri="{FF2B5EF4-FFF2-40B4-BE49-F238E27FC236}">
-                <a16:creationId xmlns:a16="http://schemas.microsoft.com/office/drawing/2014/main" id="{25085623-6344-46C2-812B-E6E2637E71B9}"/>
-              </a:ext>
-            </a:extLst>
-          </p:cNvPr>
-          <p:cNvPicPr>
-            <a:picLocks noChangeAspect="1"/>
-          </p:cNvPicPr>
-          <p:nvPr/>
-        </p:nvPicPr>
-        <p:blipFill>
-          <a:blip r:embed="rId6"/>
-          <a:stretch>
-            <a:fillRect/>
-          </a:stretch>
-        </p:blipFill>
-        <p:spPr>
-          <a:xfrm>
-            <a:off x="10426302" y="4085094"/>
-            <a:ext cx="712431" cy="712431"/>
-          </a:xfrm>
-          <a:prstGeom prst="rect">
-            <a:avLst/>
-          </a:prstGeom>
-        </p:spPr>
-      </p:pic>
-      <p:sp>
-        <p:nvSpPr>
-          <p:cNvPr id="17" name="テキスト ボックス 16">
-            <a:extLst>
-              <a:ext uri="{FF2B5EF4-FFF2-40B4-BE49-F238E27FC236}">
-                <a16:creationId xmlns:a16="http://schemas.microsoft.com/office/drawing/2014/main" id="{ACFFB43B-F364-4064-AF5B-5DF2A6AB7528}"/>
-              </a:ext>
-            </a:extLst>
-          </p:cNvPr>
-          <p:cNvSpPr txBox="1"/>
-          <p:nvPr/>
-        </p:nvSpPr>
-        <p:spPr>
-          <a:xfrm>
-            <a:off x="10043359" y="2802712"/>
-            <a:ext cx="1620957" cy="338554"/>
-          </a:xfrm>
-          <a:prstGeom prst="rect">
-            <a:avLst/>
-          </a:prstGeom>
-          <a:noFill/>
-        </p:spPr>
-        <p:txBody>
-          <a:bodyPr wrap="none" rtlCol="0">
-            <a:spAutoFit/>
-          </a:bodyPr>
-          <a:lstStyle/>
-          <a:p>
-            <a:pPr algn="ctr"/>
-            <a:r>
-              <a:rPr lang="ja-JP" altLang="en-US" sz="1600" dirty="0">
-                <a:solidFill>
-                  <a:srgbClr val="2A2A2A"/>
-                </a:solidFill>
-                <a:latin typeface="メイリオ" panose="020B0604030504040204" pitchFamily="50" charset="-128"/>
-                <a:ea typeface="メイリオ" panose="020B0604030504040204" pitchFamily="50" charset="-128"/>
-              </a:rPr>
-              <a:t>ダッシュボード</a:t>
-            </a:r>
-          </a:p>
-        </p:txBody>
-      </p:sp>
-      <p:sp>
-        <p:nvSpPr>
-          <p:cNvPr id="18" name="テキスト ボックス 17">
-            <a:extLst>
-              <a:ext uri="{FF2B5EF4-FFF2-40B4-BE49-F238E27FC236}">
-                <a16:creationId xmlns:a16="http://schemas.microsoft.com/office/drawing/2014/main" id="{A9E19CE8-0F06-47C1-9ECF-F552CF19EE45}"/>
-              </a:ext>
-            </a:extLst>
-          </p:cNvPr>
-          <p:cNvSpPr txBox="1"/>
-          <p:nvPr/>
-        </p:nvSpPr>
-        <p:spPr>
-          <a:xfrm>
-            <a:off x="10270376" y="3758912"/>
-            <a:ext cx="1005403" cy="338554"/>
-          </a:xfrm>
-          <a:prstGeom prst="rect">
-            <a:avLst/>
-          </a:prstGeom>
-          <a:noFill/>
-        </p:spPr>
-        <p:txBody>
-          <a:bodyPr wrap="none" rtlCol="0">
-            <a:spAutoFit/>
-          </a:bodyPr>
-          <a:lstStyle/>
-          <a:p>
-            <a:pPr algn="ctr"/>
-            <a:r>
-              <a:rPr lang="ja-JP" altLang="en-US" sz="1600" dirty="0">
-                <a:solidFill>
-                  <a:srgbClr val="2A2A2A"/>
-                </a:solidFill>
-                <a:latin typeface="メイリオ" panose="020B0604030504040204" pitchFamily="50" charset="-128"/>
-                <a:ea typeface="メイリオ" panose="020B0604030504040204" pitchFamily="50" charset="-128"/>
-              </a:rPr>
-              <a:t>アラート</a:t>
-            </a:r>
-          </a:p>
-        </p:txBody>
-      </p:sp>
-      <p:sp>
-        <p:nvSpPr>
-          <p:cNvPr id="19" name="テキスト ボックス 18">
-            <a:extLst>
-              <a:ext uri="{FF2B5EF4-FFF2-40B4-BE49-F238E27FC236}">
-                <a16:creationId xmlns:a16="http://schemas.microsoft.com/office/drawing/2014/main" id="{37DDA204-B109-4E20-BD3F-ABCEBC676EFC}"/>
-              </a:ext>
-            </a:extLst>
-          </p:cNvPr>
-          <p:cNvSpPr txBox="1"/>
-          <p:nvPr/>
-        </p:nvSpPr>
-        <p:spPr>
-          <a:xfrm>
-            <a:off x="10471971" y="4895868"/>
-            <a:ext cx="591829" cy="338554"/>
-          </a:xfrm>
-          <a:prstGeom prst="rect">
-            <a:avLst/>
-          </a:prstGeom>
-          <a:noFill/>
-        </p:spPr>
-        <p:txBody>
-          <a:bodyPr wrap="none" rtlCol="0">
-            <a:spAutoFit/>
-          </a:bodyPr>
-          <a:lstStyle/>
-          <a:p>
-            <a:pPr algn="ctr"/>
-            <a:r>
-              <a:rPr lang="en-US" altLang="ja-JP" sz="1600" dirty="0">
-                <a:solidFill>
-                  <a:srgbClr val="2A2A2A"/>
-                </a:solidFill>
-                <a:latin typeface="メイリオ" panose="020B0604030504040204" pitchFamily="50" charset="-128"/>
-                <a:ea typeface="メイリオ" panose="020B0604030504040204" pitchFamily="50" charset="-128"/>
-              </a:rPr>
-              <a:t>CSV</a:t>
-            </a:r>
-            <a:endParaRPr lang="ja-JP" altLang="en-US" sz="1600" dirty="0">
-              <a:solidFill>
-                <a:srgbClr val="2A2A2A"/>
-              </a:solidFill>
-              <a:latin typeface="メイリオ" panose="020B0604030504040204" pitchFamily="50" charset="-128"/>
-              <a:ea typeface="メイリオ" panose="020B0604030504040204" pitchFamily="50" charset="-128"/>
-            </a:endParaRPr>
-          </a:p>
-        </p:txBody>
-      </p:sp>
-      <p:sp>
-        <p:nvSpPr>
-          <p:cNvPr id="20" name="テキスト ボックス 19">
-            <a:extLst>
-              <a:ext uri="{FF2B5EF4-FFF2-40B4-BE49-F238E27FC236}">
-                <a16:creationId xmlns:a16="http://schemas.microsoft.com/office/drawing/2014/main" id="{F21DB375-C2E9-4BCD-8207-4022A085A440}"/>
-              </a:ext>
-            </a:extLst>
-          </p:cNvPr>
-          <p:cNvSpPr txBox="1"/>
-          <p:nvPr/>
-        </p:nvSpPr>
-        <p:spPr>
-          <a:xfrm>
-            <a:off x="10248888" y="5963848"/>
-            <a:ext cx="1090235" cy="338554"/>
-          </a:xfrm>
-          <a:prstGeom prst="rect">
-            <a:avLst/>
-          </a:prstGeom>
-          <a:noFill/>
-        </p:spPr>
-        <p:txBody>
-          <a:bodyPr wrap="none" rtlCol="0">
-            <a:spAutoFit/>
-          </a:bodyPr>
-          <a:lstStyle/>
-          <a:p>
-            <a:pPr algn="ctr"/>
-            <a:r>
-              <a:rPr lang="en-US" altLang="ja-JP" sz="1600" dirty="0">
-                <a:solidFill>
-                  <a:srgbClr val="2A2A2A"/>
-                </a:solidFill>
-                <a:latin typeface="メイリオ" panose="020B0604030504040204" pitchFamily="50" charset="-128"/>
-                <a:ea typeface="メイリオ" panose="020B0604030504040204" pitchFamily="50" charset="-128"/>
-              </a:rPr>
-              <a:t>Power BI</a:t>
-            </a:r>
-            <a:endParaRPr lang="ja-JP" altLang="en-US" sz="1600" dirty="0">
-              <a:solidFill>
-                <a:srgbClr val="2A2A2A"/>
-              </a:solidFill>
-              <a:latin typeface="メイリオ" panose="020B0604030504040204" pitchFamily="50" charset="-128"/>
-              <a:ea typeface="メイリオ" panose="020B0604030504040204" pitchFamily="50" charset="-128"/>
-            </a:endParaRPr>
-          </a:p>
-        </p:txBody>
-      </p:sp>
-      <p:pic>
-        <p:nvPicPr>
-          <p:cNvPr id="21" name="図 20">
-            <a:extLst>
-              <a:ext uri="{FF2B5EF4-FFF2-40B4-BE49-F238E27FC236}">
-                <a16:creationId xmlns:a16="http://schemas.microsoft.com/office/drawing/2014/main" id="{79138B33-D564-410E-857D-80E58B5F327F}"/>
-              </a:ext>
-            </a:extLst>
-          </p:cNvPr>
-          <p:cNvPicPr>
-            <a:picLocks noChangeAspect="1"/>
-          </p:cNvPicPr>
-          <p:nvPr/>
-        </p:nvPicPr>
-        <p:blipFill>
-          <a:blip r:embed="rId7" cstate="print">
-            <a:extLst>
-              <a:ext uri="{28A0092B-C50C-407E-A947-70E740481C1C}">
-                <a14:useLocalDpi xmlns:a14="http://schemas.microsoft.com/office/drawing/2010/main" val="0"/>
-              </a:ext>
-            </a:extLst>
-          </a:blip>
-          <a:stretch>
-            <a:fillRect/>
-          </a:stretch>
-        </p:blipFill>
-        <p:spPr>
-          <a:xfrm>
-            <a:off x="4881324" y="1793876"/>
-            <a:ext cx="915117" cy="915117"/>
-          </a:xfrm>
-          <a:prstGeom prst="rect">
-            <a:avLst/>
-          </a:prstGeom>
-        </p:spPr>
-      </p:pic>
-      <p:pic>
-        <p:nvPicPr>
-          <p:cNvPr id="22" name="図 21">
-            <a:extLst>
-              <a:ext uri="{FF2B5EF4-FFF2-40B4-BE49-F238E27FC236}">
-                <a16:creationId xmlns:a16="http://schemas.microsoft.com/office/drawing/2014/main" id="{D3561D27-8052-4447-9610-823BF91A4AA0}"/>
-              </a:ext>
-            </a:extLst>
-          </p:cNvPr>
-          <p:cNvPicPr>
-            <a:picLocks noChangeAspect="1"/>
-          </p:cNvPicPr>
-          <p:nvPr/>
-        </p:nvPicPr>
-        <p:blipFill>
-          <a:blip r:embed="rId8" cstate="print">
-            <a:extLst>
-              <a:ext uri="{28A0092B-C50C-407E-A947-70E740481C1C}">
-                <a14:useLocalDpi xmlns:a14="http://schemas.microsoft.com/office/drawing/2010/main" val="0"/>
-              </a:ext>
-            </a:extLst>
-          </a:blip>
-          <a:stretch>
-            <a:fillRect/>
-          </a:stretch>
-        </p:blipFill>
-        <p:spPr>
-          <a:xfrm>
-            <a:off x="1992967" y="1813271"/>
-            <a:ext cx="986411" cy="986411"/>
-          </a:xfrm>
-          <a:prstGeom prst="rect">
-            <a:avLst/>
-          </a:prstGeom>
-        </p:spPr>
-      </p:pic>
-      <p:pic>
-        <p:nvPicPr>
-          <p:cNvPr id="23" name="図 22">
-            <a:extLst>
-              <a:ext uri="{FF2B5EF4-FFF2-40B4-BE49-F238E27FC236}">
-                <a16:creationId xmlns:a16="http://schemas.microsoft.com/office/drawing/2014/main" id="{1D93F307-CC64-4F28-A76F-CC85D4550999}"/>
-              </a:ext>
-            </a:extLst>
-          </p:cNvPr>
-          <p:cNvPicPr>
-            <a:picLocks noChangeAspect="1"/>
-          </p:cNvPicPr>
-          <p:nvPr/>
-        </p:nvPicPr>
-        <p:blipFill>
-          <a:blip r:embed="rId9" cstate="print">
-            <a:extLst>
-              <a:ext uri="{28A0092B-C50C-407E-A947-70E740481C1C}">
-                <a14:useLocalDpi xmlns:a14="http://schemas.microsoft.com/office/drawing/2010/main" val="0"/>
-              </a:ext>
-            </a:extLst>
-          </a:blip>
-          <a:stretch>
-            <a:fillRect/>
-          </a:stretch>
-        </p:blipFill>
-        <p:spPr>
-          <a:xfrm>
-            <a:off x="708279" y="3803946"/>
-            <a:ext cx="780290" cy="780290"/>
-          </a:xfrm>
-          <a:prstGeom prst="rect">
-            <a:avLst/>
-          </a:prstGeom>
-        </p:spPr>
-      </p:pic>
-      <p:pic>
-        <p:nvPicPr>
-          <p:cNvPr id="24" name="図 23">
-            <a:extLst>
-              <a:ext uri="{FF2B5EF4-FFF2-40B4-BE49-F238E27FC236}">
-                <a16:creationId xmlns:a16="http://schemas.microsoft.com/office/drawing/2014/main" id="{15CB691E-E66E-4A31-857F-342A10691A04}"/>
-              </a:ext>
-            </a:extLst>
-          </p:cNvPr>
-          <p:cNvPicPr>
-            <a:picLocks noChangeAspect="1"/>
-          </p:cNvPicPr>
-          <p:nvPr/>
-        </p:nvPicPr>
-        <p:blipFill>
-          <a:blip r:embed="rId10"/>
-          <a:stretch>
-            <a:fillRect/>
-          </a:stretch>
-        </p:blipFill>
-        <p:spPr>
-          <a:xfrm>
-            <a:off x="1381938" y="3566570"/>
-            <a:ext cx="1015804" cy="1015804"/>
-          </a:xfrm>
-          <a:prstGeom prst="rect">
-            <a:avLst/>
-          </a:prstGeom>
-        </p:spPr>
-      </p:pic>
-      <p:grpSp>
-        <p:nvGrpSpPr>
-          <p:cNvPr id="25" name="グループ化 24">
-            <a:extLst>
-              <a:ext uri="{FF2B5EF4-FFF2-40B4-BE49-F238E27FC236}">
-                <a16:creationId xmlns:a16="http://schemas.microsoft.com/office/drawing/2014/main" id="{9E810AC8-DD6C-4D7F-8F63-3D2575CC2F1E}"/>
-              </a:ext>
-            </a:extLst>
-          </p:cNvPr>
-          <p:cNvGrpSpPr/>
-          <p:nvPr/>
-        </p:nvGrpSpPr>
-        <p:grpSpPr>
-          <a:xfrm>
-            <a:off x="3386181" y="5434163"/>
-            <a:ext cx="792809" cy="918829"/>
-            <a:chOff x="5230813" y="357188"/>
-            <a:chExt cx="623888" cy="642937"/>
-          </a:xfrm>
-          <a:solidFill>
-            <a:srgbClr val="0079D6"/>
-          </a:solidFill>
-        </p:grpSpPr>
-        <p:sp>
-          <p:nvSpPr>
-            <p:cNvPr id="26" name="Freeform 28">
-              <a:extLst>
-                <a:ext uri="{FF2B5EF4-FFF2-40B4-BE49-F238E27FC236}">
-                  <a16:creationId xmlns:a16="http://schemas.microsoft.com/office/drawing/2014/main" id="{63DE449B-0C89-48AF-8964-B8F015AC165E}"/>
-                </a:ext>
-              </a:extLst>
-            </p:cNvPr>
-            <p:cNvSpPr>
-              <a:spLocks/>
-            </p:cNvSpPr>
-            <p:nvPr/>
-          </p:nvSpPr>
-          <p:spPr bwMode="auto">
-            <a:xfrm>
-              <a:off x="5230813" y="357188"/>
-              <a:ext cx="328613" cy="642937"/>
-            </a:xfrm>
-            <a:custGeom>
-              <a:avLst/>
-              <a:gdLst>
-                <a:gd name="T0" fmla="*/ 0 w 126"/>
-                <a:gd name="T1" fmla="*/ 128 h 245"/>
-                <a:gd name="T2" fmla="*/ 0 w 126"/>
-                <a:gd name="T3" fmla="*/ 16 h 245"/>
-                <a:gd name="T4" fmla="*/ 16 w 126"/>
-                <a:gd name="T5" fmla="*/ 0 h 245"/>
-                <a:gd name="T6" fmla="*/ 110 w 126"/>
-                <a:gd name="T7" fmla="*/ 0 h 245"/>
-                <a:gd name="T8" fmla="*/ 126 w 126"/>
-                <a:gd name="T9" fmla="*/ 11 h 245"/>
-                <a:gd name="T10" fmla="*/ 126 w 126"/>
-                <a:gd name="T11" fmla="*/ 15 h 245"/>
-                <a:gd name="T12" fmla="*/ 126 w 126"/>
-                <a:gd name="T13" fmla="*/ 151 h 245"/>
-                <a:gd name="T14" fmla="*/ 124 w 126"/>
-                <a:gd name="T15" fmla="*/ 153 h 245"/>
-                <a:gd name="T16" fmla="*/ 105 w 126"/>
-                <a:gd name="T17" fmla="*/ 153 h 245"/>
-                <a:gd name="T18" fmla="*/ 79 w 126"/>
-                <a:gd name="T19" fmla="*/ 173 h 245"/>
-                <a:gd name="T20" fmla="*/ 76 w 126"/>
-                <a:gd name="T21" fmla="*/ 175 h 245"/>
-                <a:gd name="T22" fmla="*/ 27 w 126"/>
-                <a:gd name="T23" fmla="*/ 175 h 245"/>
-                <a:gd name="T24" fmla="*/ 24 w 126"/>
-                <a:gd name="T25" fmla="*/ 177 h 245"/>
-                <a:gd name="T26" fmla="*/ 24 w 126"/>
-                <a:gd name="T27" fmla="*/ 183 h 245"/>
-                <a:gd name="T28" fmla="*/ 27 w 126"/>
-                <a:gd name="T29" fmla="*/ 186 h 245"/>
-                <a:gd name="T30" fmla="*/ 74 w 126"/>
-                <a:gd name="T31" fmla="*/ 186 h 245"/>
-                <a:gd name="T32" fmla="*/ 77 w 126"/>
-                <a:gd name="T33" fmla="*/ 189 h 245"/>
-                <a:gd name="T34" fmla="*/ 77 w 126"/>
-                <a:gd name="T35" fmla="*/ 204 h 245"/>
-                <a:gd name="T36" fmla="*/ 75 w 126"/>
-                <a:gd name="T37" fmla="*/ 207 h 245"/>
-                <a:gd name="T38" fmla="*/ 27 w 126"/>
-                <a:gd name="T39" fmla="*/ 206 h 245"/>
-                <a:gd name="T40" fmla="*/ 24 w 126"/>
-                <a:gd name="T41" fmla="*/ 209 h 245"/>
-                <a:gd name="T42" fmla="*/ 24 w 126"/>
-                <a:gd name="T43" fmla="*/ 215 h 245"/>
-                <a:gd name="T44" fmla="*/ 27 w 126"/>
-                <a:gd name="T45" fmla="*/ 217 h 245"/>
-                <a:gd name="T46" fmla="*/ 71 w 126"/>
-                <a:gd name="T47" fmla="*/ 217 h 245"/>
-                <a:gd name="T48" fmla="*/ 76 w 126"/>
-                <a:gd name="T49" fmla="*/ 217 h 245"/>
-                <a:gd name="T50" fmla="*/ 78 w 126"/>
-                <a:gd name="T51" fmla="*/ 218 h 245"/>
-                <a:gd name="T52" fmla="*/ 78 w 126"/>
-                <a:gd name="T53" fmla="*/ 243 h 245"/>
-                <a:gd name="T54" fmla="*/ 76 w 126"/>
-                <a:gd name="T55" fmla="*/ 245 h 245"/>
-                <a:gd name="T56" fmla="*/ 49 w 126"/>
-                <a:gd name="T57" fmla="*/ 245 h 245"/>
-                <a:gd name="T58" fmla="*/ 3 w 126"/>
-                <a:gd name="T59" fmla="*/ 245 h 245"/>
-                <a:gd name="T60" fmla="*/ 0 w 126"/>
-                <a:gd name="T61" fmla="*/ 242 h 245"/>
-                <a:gd name="T62" fmla="*/ 0 w 126"/>
-                <a:gd name="T63" fmla="*/ 128 h 245"/>
-              </a:gdLst>
-              <a:ahLst/>
-              <a:cxnLst>
-                <a:cxn ang="0">
-                  <a:pos x="T0" y="T1"/>
-                </a:cxn>
-                <a:cxn ang="0">
-                  <a:pos x="T2" y="T3"/>
-                </a:cxn>
-                <a:cxn ang="0">
-                  <a:pos x="T4" y="T5"/>
-                </a:cxn>
-                <a:cxn ang="0">
-                  <a:pos x="T6" y="T7"/>
-                </a:cxn>
-                <a:cxn ang="0">
-                  <a:pos x="T8" y="T9"/>
-                </a:cxn>
-                <a:cxn ang="0">
-                  <a:pos x="T10" y="T11"/>
-                </a:cxn>
-                <a:cxn ang="0">
-                  <a:pos x="T12" y="T13"/>
-                </a:cxn>
-                <a:cxn ang="0">
-                  <a:pos x="T14" y="T15"/>
-                </a:cxn>
-                <a:cxn ang="0">
-                  <a:pos x="T16" y="T17"/>
-                </a:cxn>
-                <a:cxn ang="0">
-                  <a:pos x="T18" y="T19"/>
-                </a:cxn>
-                <a:cxn ang="0">
-                  <a:pos x="T20" y="T21"/>
-                </a:cxn>
-                <a:cxn ang="0">
-                  <a:pos x="T22" y="T23"/>
-                </a:cxn>
-                <a:cxn ang="0">
-                  <a:pos x="T24" y="T25"/>
-                </a:cxn>
-                <a:cxn ang="0">
-                  <a:pos x="T26" y="T27"/>
-                </a:cxn>
-                <a:cxn ang="0">
-                  <a:pos x="T28" y="T29"/>
-                </a:cxn>
-                <a:cxn ang="0">
-                  <a:pos x="T30" y="T31"/>
-                </a:cxn>
-                <a:cxn ang="0">
-                  <a:pos x="T32" y="T33"/>
-                </a:cxn>
-                <a:cxn ang="0">
-                  <a:pos x="T34" y="T35"/>
-                </a:cxn>
-                <a:cxn ang="0">
-                  <a:pos x="T36" y="T37"/>
-                </a:cxn>
-                <a:cxn ang="0">
-                  <a:pos x="T38" y="T39"/>
-                </a:cxn>
-                <a:cxn ang="0">
-                  <a:pos x="T40" y="T41"/>
-                </a:cxn>
-                <a:cxn ang="0">
-                  <a:pos x="T42" y="T43"/>
-                </a:cxn>
-                <a:cxn ang="0">
-                  <a:pos x="T44" y="T45"/>
-                </a:cxn>
-                <a:cxn ang="0">
-                  <a:pos x="T46" y="T47"/>
-                </a:cxn>
-                <a:cxn ang="0">
-                  <a:pos x="T48" y="T49"/>
-                </a:cxn>
-                <a:cxn ang="0">
-                  <a:pos x="T50" y="T51"/>
-                </a:cxn>
-                <a:cxn ang="0">
-                  <a:pos x="T52" y="T53"/>
-                </a:cxn>
-                <a:cxn ang="0">
-                  <a:pos x="T54" y="T55"/>
-                </a:cxn>
-                <a:cxn ang="0">
-                  <a:pos x="T56" y="T57"/>
-                </a:cxn>
-                <a:cxn ang="0">
-                  <a:pos x="T58" y="T59"/>
-                </a:cxn>
-                <a:cxn ang="0">
-                  <a:pos x="T60" y="T61"/>
-                </a:cxn>
-                <a:cxn ang="0">
-                  <a:pos x="T62" y="T63"/>
-                </a:cxn>
-              </a:cxnLst>
-              <a:rect l="0" t="0" r="r" b="b"/>
-              <a:pathLst>
-                <a:path w="126" h="245">
-                  <a:moveTo>
-                    <a:pt x="0" y="128"/>
-                  </a:moveTo>
-                  <a:cubicBezTo>
-                    <a:pt x="0" y="91"/>
-                    <a:pt x="0" y="53"/>
-                    <a:pt x="0" y="16"/>
-                  </a:cubicBezTo>
-                  <a:cubicBezTo>
-                    <a:pt x="0" y="7"/>
-                    <a:pt x="6" y="0"/>
-                    <a:pt x="16" y="0"/>
-                  </a:cubicBezTo>
-                  <a:cubicBezTo>
-                    <a:pt x="48" y="0"/>
-                    <a:pt x="79" y="0"/>
-                    <a:pt x="110" y="0"/>
-                  </a:cubicBezTo>
-                  <a:cubicBezTo>
-                    <a:pt x="118" y="0"/>
-                    <a:pt x="124" y="4"/>
-                    <a:pt x="126" y="11"/>
-                  </a:cubicBezTo>
-                  <a:cubicBezTo>
-                    <a:pt x="126" y="12"/>
-                    <a:pt x="126" y="13"/>
-                    <a:pt x="126" y="15"/>
-                  </a:cubicBezTo>
-                  <a:cubicBezTo>
-                    <a:pt x="126" y="60"/>
-                    <a:pt x="126" y="106"/>
-                    <a:pt x="126" y="151"/>
-                  </a:cubicBezTo>
-                  <a:cubicBezTo>
-                    <a:pt x="126" y="153"/>
-                    <a:pt x="126" y="154"/>
-                    <a:pt x="124" y="153"/>
-                  </a:cubicBezTo>
-                  <a:cubicBezTo>
-                    <a:pt x="118" y="153"/>
-                    <a:pt x="111" y="153"/>
-                    <a:pt x="105" y="153"/>
-                  </a:cubicBezTo>
-                  <a:cubicBezTo>
-                    <a:pt x="93" y="153"/>
-                    <a:pt x="82" y="161"/>
-                    <a:pt x="79" y="173"/>
-                  </a:cubicBezTo>
-                  <a:cubicBezTo>
-                    <a:pt x="78" y="175"/>
-                    <a:pt x="77" y="175"/>
-                    <a:pt x="76" y="175"/>
-                  </a:cubicBezTo>
-                  <a:cubicBezTo>
-                    <a:pt x="60" y="175"/>
-                    <a:pt x="43" y="175"/>
-                    <a:pt x="27" y="175"/>
-                  </a:cubicBezTo>
-                  <a:cubicBezTo>
-                    <a:pt x="25" y="175"/>
-                    <a:pt x="24" y="175"/>
-                    <a:pt x="24" y="177"/>
-                  </a:cubicBezTo>
-                  <a:cubicBezTo>
-                    <a:pt x="25" y="179"/>
-                    <a:pt x="25" y="181"/>
-                    <a:pt x="24" y="183"/>
-                  </a:cubicBezTo>
-                  <a:cubicBezTo>
-                    <a:pt x="24" y="185"/>
-                    <a:pt x="25" y="186"/>
-                    <a:pt x="27" y="186"/>
-                  </a:cubicBezTo>
-                  <a:cubicBezTo>
-                    <a:pt x="43" y="186"/>
-                    <a:pt x="58" y="186"/>
-                    <a:pt x="74" y="186"/>
-                  </a:cubicBezTo>
-                  <a:cubicBezTo>
-                    <a:pt x="76" y="186"/>
-                    <a:pt x="77" y="186"/>
-                    <a:pt x="77" y="189"/>
-                  </a:cubicBezTo>
-                  <a:cubicBezTo>
-                    <a:pt x="77" y="194"/>
-                    <a:pt x="77" y="199"/>
-                    <a:pt x="77" y="204"/>
-                  </a:cubicBezTo>
-                  <a:cubicBezTo>
-                    <a:pt x="77" y="206"/>
-                    <a:pt x="77" y="207"/>
-                    <a:pt x="75" y="207"/>
-                  </a:cubicBezTo>
-                  <a:cubicBezTo>
-                    <a:pt x="59" y="207"/>
-                    <a:pt x="43" y="207"/>
-                    <a:pt x="27" y="206"/>
-                  </a:cubicBezTo>
-                  <a:cubicBezTo>
-                    <a:pt x="25" y="206"/>
-                    <a:pt x="24" y="207"/>
-                    <a:pt x="24" y="209"/>
-                  </a:cubicBezTo>
-                  <a:cubicBezTo>
-                    <a:pt x="25" y="211"/>
-                    <a:pt x="25" y="213"/>
-                    <a:pt x="24" y="215"/>
-                  </a:cubicBezTo>
-                  <a:cubicBezTo>
-                    <a:pt x="24" y="217"/>
-                    <a:pt x="25" y="217"/>
-                    <a:pt x="27" y="217"/>
-                  </a:cubicBezTo>
-                  <a:cubicBezTo>
-                    <a:pt x="42" y="217"/>
-                    <a:pt x="56" y="217"/>
-                    <a:pt x="71" y="217"/>
-                  </a:cubicBezTo>
-                  <a:cubicBezTo>
-                    <a:pt x="73" y="217"/>
-                    <a:pt x="75" y="217"/>
-                    <a:pt x="76" y="217"/>
-                  </a:cubicBezTo>
-                  <a:cubicBezTo>
-                    <a:pt x="77" y="217"/>
-                    <a:pt x="78" y="217"/>
-                    <a:pt x="78" y="218"/>
-                  </a:cubicBezTo>
-                  <a:cubicBezTo>
-                    <a:pt x="78" y="227"/>
-                    <a:pt x="78" y="235"/>
-                    <a:pt x="78" y="243"/>
-                  </a:cubicBezTo>
-                  <a:cubicBezTo>
-                    <a:pt x="78" y="245"/>
-                    <a:pt x="77" y="245"/>
-                    <a:pt x="76" y="245"/>
-                  </a:cubicBezTo>
-                  <a:cubicBezTo>
-                    <a:pt x="67" y="245"/>
-                    <a:pt x="58" y="245"/>
-                    <a:pt x="49" y="245"/>
-                  </a:cubicBezTo>
-                  <a:cubicBezTo>
-                    <a:pt x="34" y="245"/>
-                    <a:pt x="18" y="245"/>
-                    <a:pt x="3" y="245"/>
-                  </a:cubicBezTo>
-                  <a:cubicBezTo>
-                    <a:pt x="1" y="245"/>
-                    <a:pt x="0" y="244"/>
-                    <a:pt x="0" y="242"/>
-                  </a:cubicBezTo>
-                  <a:cubicBezTo>
-                    <a:pt x="0" y="204"/>
-                    <a:pt x="0" y="166"/>
-                    <a:pt x="0" y="128"/>
-                  </a:cubicBezTo>
-                  <a:close/>
-                </a:path>
-              </a:pathLst>
-            </a:custGeom>
-            <a:grpFill/>
-            <a:ln>
-              <a:noFill/>
-            </a:ln>
-            <a:extLst>
-              <a:ext uri="{91240B29-F687-4F45-9708-019B960494DF}">
-                <a14:hiddenLine xmlns:a14="http://schemas.microsoft.com/office/drawing/2010/main" w="9525">
-                  <a:solidFill>
-                    <a:srgbClr val="000000"/>
-                  </a:solidFill>
-                  <a:round/>
-                  <a:headEnd/>
-                  <a:tailEnd/>
-                </a14:hiddenLine>
-              </a:ext>
-            </a:extLst>
-          </p:spPr>
-          <p:txBody>
-            <a:bodyPr vert="horz" wrap="square" lIns="91440" tIns="45720" rIns="91440" bIns="45720" numCol="1" anchor="t" anchorCtr="0" compatLnSpc="1">
-              <a:prstTxWarp prst="textNoShape">
-                <a:avLst/>
-              </a:prstTxWarp>
-            </a:bodyPr>
-            <a:lstStyle/>
-            <a:p>
-              <a:endParaRPr lang="ja-JP" altLang="en-US">
-                <a:solidFill>
-                  <a:prstClr val="black"/>
-                </a:solidFill>
-                <a:latin typeface="メイリオ" panose="020B0604030504040204" pitchFamily="50" charset="-128"/>
-                <a:ea typeface="メイリオ" panose="020B0604030504040204" pitchFamily="50" charset="-128"/>
-              </a:endParaRPr>
-            </a:p>
-          </p:txBody>
-        </p:sp>
-        <p:sp>
-          <p:nvSpPr>
-            <p:cNvPr id="27" name="Freeform 29">
-              <a:extLst>
-                <a:ext uri="{FF2B5EF4-FFF2-40B4-BE49-F238E27FC236}">
-                  <a16:creationId xmlns:a16="http://schemas.microsoft.com/office/drawing/2014/main" id="{F1377A7C-FBBD-432A-8C62-E3DA089AB4D1}"/>
-                </a:ext>
-              </a:extLst>
-            </p:cNvPr>
-            <p:cNvSpPr>
-              <a:spLocks/>
-            </p:cNvSpPr>
-            <p:nvPr/>
-          </p:nvSpPr>
-          <p:spPr bwMode="auto">
-            <a:xfrm>
-              <a:off x="5459413" y="858838"/>
-              <a:ext cx="392113" cy="141287"/>
-            </a:xfrm>
-            <a:custGeom>
-              <a:avLst/>
-              <a:gdLst>
-                <a:gd name="T0" fmla="*/ 75 w 151"/>
-                <a:gd name="T1" fmla="*/ 54 h 54"/>
-                <a:gd name="T2" fmla="*/ 3 w 151"/>
-                <a:gd name="T3" fmla="*/ 54 h 54"/>
-                <a:gd name="T4" fmla="*/ 0 w 151"/>
-                <a:gd name="T5" fmla="*/ 51 h 54"/>
-                <a:gd name="T6" fmla="*/ 0 w 151"/>
-                <a:gd name="T7" fmla="*/ 3 h 54"/>
-                <a:gd name="T8" fmla="*/ 2 w 151"/>
-                <a:gd name="T9" fmla="*/ 1 h 54"/>
-                <a:gd name="T10" fmla="*/ 29 w 151"/>
-                <a:gd name="T11" fmla="*/ 1 h 54"/>
-                <a:gd name="T12" fmla="*/ 32 w 151"/>
-                <a:gd name="T13" fmla="*/ 3 h 54"/>
-                <a:gd name="T14" fmla="*/ 32 w 151"/>
-                <a:gd name="T15" fmla="*/ 8 h 54"/>
-                <a:gd name="T16" fmla="*/ 37 w 151"/>
-                <a:gd name="T17" fmla="*/ 12 h 54"/>
-                <a:gd name="T18" fmla="*/ 42 w 151"/>
-                <a:gd name="T19" fmla="*/ 7 h 54"/>
-                <a:gd name="T20" fmla="*/ 42 w 151"/>
-                <a:gd name="T21" fmla="*/ 6 h 54"/>
-                <a:gd name="T22" fmla="*/ 47 w 151"/>
-                <a:gd name="T23" fmla="*/ 1 h 54"/>
-                <a:gd name="T24" fmla="*/ 106 w 151"/>
-                <a:gd name="T25" fmla="*/ 1 h 54"/>
-                <a:gd name="T26" fmla="*/ 109 w 151"/>
-                <a:gd name="T27" fmla="*/ 4 h 54"/>
-                <a:gd name="T28" fmla="*/ 109 w 151"/>
-                <a:gd name="T29" fmla="*/ 7 h 54"/>
-                <a:gd name="T30" fmla="*/ 114 w 151"/>
-                <a:gd name="T31" fmla="*/ 12 h 54"/>
-                <a:gd name="T32" fmla="*/ 119 w 151"/>
-                <a:gd name="T33" fmla="*/ 7 h 54"/>
-                <a:gd name="T34" fmla="*/ 119 w 151"/>
-                <a:gd name="T35" fmla="*/ 7 h 54"/>
-                <a:gd name="T36" fmla="*/ 119 w 151"/>
-                <a:gd name="T37" fmla="*/ 1 h 54"/>
-                <a:gd name="T38" fmla="*/ 124 w 151"/>
-                <a:gd name="T39" fmla="*/ 1 h 54"/>
-                <a:gd name="T40" fmla="*/ 148 w 151"/>
-                <a:gd name="T41" fmla="*/ 1 h 54"/>
-                <a:gd name="T42" fmla="*/ 151 w 151"/>
-                <a:gd name="T43" fmla="*/ 3 h 54"/>
-                <a:gd name="T44" fmla="*/ 151 w 151"/>
-                <a:gd name="T45" fmla="*/ 51 h 54"/>
-                <a:gd name="T46" fmla="*/ 148 w 151"/>
-                <a:gd name="T47" fmla="*/ 54 h 54"/>
-                <a:gd name="T48" fmla="*/ 75 w 151"/>
-                <a:gd name="T49" fmla="*/ 54 h 54"/>
-              </a:gdLst>
-              <a:ahLst/>
-              <a:cxnLst>
-                <a:cxn ang="0">
-                  <a:pos x="T0" y="T1"/>
-                </a:cxn>
-                <a:cxn ang="0">
-                  <a:pos x="T2" y="T3"/>
-                </a:cxn>
-                <a:cxn ang="0">
-                  <a:pos x="T4" y="T5"/>
-                </a:cxn>
-                <a:cxn ang="0">
-                  <a:pos x="T6" y="T7"/>
-                </a:cxn>
-                <a:cxn ang="0">
-                  <a:pos x="T8" y="T9"/>
-                </a:cxn>
-                <a:cxn ang="0">
-                  <a:pos x="T10" y="T11"/>
-                </a:cxn>
-                <a:cxn ang="0">
-                  <a:pos x="T12" y="T13"/>
-                </a:cxn>
-                <a:cxn ang="0">
-                  <a:pos x="T14" y="T15"/>
-                </a:cxn>
-                <a:cxn ang="0">
-                  <a:pos x="T16" y="T17"/>
-                </a:cxn>
-                <a:cxn ang="0">
-                  <a:pos x="T18" y="T19"/>
-                </a:cxn>
-                <a:cxn ang="0">
-                  <a:pos x="T20" y="T21"/>
-                </a:cxn>
-                <a:cxn ang="0">
-                  <a:pos x="T22" y="T23"/>
-                </a:cxn>
-                <a:cxn ang="0">
-                  <a:pos x="T24" y="T25"/>
-                </a:cxn>
-                <a:cxn ang="0">
-                  <a:pos x="T26" y="T27"/>
-                </a:cxn>
-                <a:cxn ang="0">
-                  <a:pos x="T28" y="T29"/>
-                </a:cxn>
-                <a:cxn ang="0">
-                  <a:pos x="T30" y="T31"/>
-                </a:cxn>
-                <a:cxn ang="0">
-                  <a:pos x="T32" y="T33"/>
-                </a:cxn>
-                <a:cxn ang="0">
-                  <a:pos x="T34" y="T35"/>
-                </a:cxn>
-                <a:cxn ang="0">
-                  <a:pos x="T36" y="T37"/>
-                </a:cxn>
-                <a:cxn ang="0">
-                  <a:pos x="T38" y="T39"/>
-                </a:cxn>
-                <a:cxn ang="0">
-                  <a:pos x="T40" y="T41"/>
-                </a:cxn>
-                <a:cxn ang="0">
-                  <a:pos x="T42" y="T43"/>
-                </a:cxn>
-                <a:cxn ang="0">
-                  <a:pos x="T44" y="T45"/>
-                </a:cxn>
-                <a:cxn ang="0">
-                  <a:pos x="T46" y="T47"/>
-                </a:cxn>
-                <a:cxn ang="0">
-                  <a:pos x="T48" y="T49"/>
-                </a:cxn>
-              </a:cxnLst>
-              <a:rect l="0" t="0" r="r" b="b"/>
-              <a:pathLst>
-                <a:path w="151" h="54">
-                  <a:moveTo>
-                    <a:pt x="75" y="54"/>
-                  </a:moveTo>
-                  <a:cubicBezTo>
-                    <a:pt x="51" y="54"/>
-                    <a:pt x="27" y="54"/>
-                    <a:pt x="3" y="54"/>
-                  </a:cubicBezTo>
-                  <a:cubicBezTo>
-                    <a:pt x="1" y="54"/>
-                    <a:pt x="0" y="53"/>
-                    <a:pt x="0" y="51"/>
-                  </a:cubicBezTo>
-                  <a:cubicBezTo>
-                    <a:pt x="0" y="35"/>
-                    <a:pt x="0" y="19"/>
-                    <a:pt x="0" y="3"/>
-                  </a:cubicBezTo>
-                  <a:cubicBezTo>
-                    <a:pt x="0" y="2"/>
-                    <a:pt x="0" y="1"/>
-                    <a:pt x="2" y="1"/>
-                  </a:cubicBezTo>
-                  <a:cubicBezTo>
-                    <a:pt x="11" y="1"/>
-                    <a:pt x="20" y="1"/>
-                    <a:pt x="29" y="1"/>
-                  </a:cubicBezTo>
-                  <a:cubicBezTo>
-                    <a:pt x="31" y="1"/>
-                    <a:pt x="32" y="1"/>
-                    <a:pt x="32" y="3"/>
-                  </a:cubicBezTo>
-                  <a:cubicBezTo>
-                    <a:pt x="31" y="5"/>
-                    <a:pt x="32" y="6"/>
-                    <a:pt x="32" y="8"/>
-                  </a:cubicBezTo>
-                  <a:cubicBezTo>
-                    <a:pt x="32" y="10"/>
-                    <a:pt x="35" y="12"/>
-                    <a:pt x="37" y="12"/>
-                  </a:cubicBezTo>
-                  <a:cubicBezTo>
-                    <a:pt x="40" y="12"/>
-                    <a:pt x="42" y="10"/>
-                    <a:pt x="42" y="7"/>
-                  </a:cubicBezTo>
-                  <a:cubicBezTo>
-                    <a:pt x="42" y="7"/>
-                    <a:pt x="42" y="6"/>
-                    <a:pt x="42" y="6"/>
-                  </a:cubicBezTo>
-                  <a:cubicBezTo>
-                    <a:pt x="42" y="1"/>
-                    <a:pt x="42" y="1"/>
-                    <a:pt x="47" y="1"/>
-                  </a:cubicBezTo>
-                  <a:cubicBezTo>
-                    <a:pt x="67" y="1"/>
-                    <a:pt x="86" y="1"/>
-                    <a:pt x="106" y="1"/>
-                  </a:cubicBezTo>
-                  <a:cubicBezTo>
-                    <a:pt x="108" y="1"/>
-                    <a:pt x="109" y="2"/>
-                    <a:pt x="109" y="4"/>
-                  </a:cubicBezTo>
-                  <a:cubicBezTo>
-                    <a:pt x="109" y="5"/>
-                    <a:pt x="109" y="6"/>
-                    <a:pt x="109" y="7"/>
-                  </a:cubicBezTo>
-                  <a:cubicBezTo>
-                    <a:pt x="109" y="10"/>
-                    <a:pt x="111" y="12"/>
-                    <a:pt x="114" y="12"/>
-                  </a:cubicBezTo>
-                  <a:cubicBezTo>
-                    <a:pt x="116" y="12"/>
-                    <a:pt x="119" y="10"/>
-                    <a:pt x="119" y="7"/>
-                  </a:cubicBezTo>
-                  <a:cubicBezTo>
-                    <a:pt x="119" y="7"/>
-                    <a:pt x="119" y="7"/>
-                    <a:pt x="119" y="7"/>
-                  </a:cubicBezTo>
-                  <a:cubicBezTo>
-                    <a:pt x="119" y="5"/>
-                    <a:pt x="118" y="3"/>
-                    <a:pt x="119" y="1"/>
-                  </a:cubicBezTo>
-                  <a:cubicBezTo>
-                    <a:pt x="120" y="0"/>
-                    <a:pt x="123" y="1"/>
-                    <a:pt x="124" y="1"/>
-                  </a:cubicBezTo>
-                  <a:cubicBezTo>
-                    <a:pt x="132" y="1"/>
-                    <a:pt x="140" y="1"/>
-                    <a:pt x="148" y="1"/>
-                  </a:cubicBezTo>
-                  <a:cubicBezTo>
-                    <a:pt x="150" y="1"/>
-                    <a:pt x="151" y="2"/>
-                    <a:pt x="151" y="3"/>
-                  </a:cubicBezTo>
-                  <a:cubicBezTo>
-                    <a:pt x="150" y="19"/>
-                    <a:pt x="150" y="35"/>
-                    <a:pt x="151" y="51"/>
-                  </a:cubicBezTo>
-                  <a:cubicBezTo>
-                    <a:pt x="151" y="53"/>
-                    <a:pt x="150" y="54"/>
-                    <a:pt x="148" y="54"/>
-                  </a:cubicBezTo>
-                  <a:cubicBezTo>
-                    <a:pt x="124" y="54"/>
-                    <a:pt x="100" y="54"/>
-                    <a:pt x="75" y="54"/>
-                  </a:cubicBezTo>
-                  <a:close/>
-                </a:path>
-              </a:pathLst>
-            </a:custGeom>
-            <a:grpFill/>
-            <a:ln>
-              <a:noFill/>
-            </a:ln>
-            <a:extLst>
-              <a:ext uri="{91240B29-F687-4F45-9708-019B960494DF}">
-                <a14:hiddenLine xmlns:a14="http://schemas.microsoft.com/office/drawing/2010/main" w="9525">
-                  <a:solidFill>
-                    <a:srgbClr val="000000"/>
-                  </a:solidFill>
-                  <a:round/>
-                  <a:headEnd/>
-                  <a:tailEnd/>
-                </a14:hiddenLine>
-              </a:ext>
-            </a:extLst>
-          </p:spPr>
-          <p:txBody>
-            <a:bodyPr vert="horz" wrap="square" lIns="91440" tIns="45720" rIns="91440" bIns="45720" numCol="1" anchor="t" anchorCtr="0" compatLnSpc="1">
-              <a:prstTxWarp prst="textNoShape">
-                <a:avLst/>
-              </a:prstTxWarp>
-            </a:bodyPr>
-            <a:lstStyle/>
-            <a:p>
-              <a:endParaRPr lang="ja-JP" altLang="en-US">
-                <a:solidFill>
-                  <a:prstClr val="black"/>
-                </a:solidFill>
-                <a:latin typeface="メイリオ" panose="020B0604030504040204" pitchFamily="50" charset="-128"/>
-                <a:ea typeface="メイリオ" panose="020B0604030504040204" pitchFamily="50" charset="-128"/>
-              </a:endParaRPr>
-            </a:p>
-          </p:txBody>
-        </p:sp>
-        <p:sp>
-          <p:nvSpPr>
-            <p:cNvPr id="28" name="Freeform 30">
-              <a:extLst>
-                <a:ext uri="{FF2B5EF4-FFF2-40B4-BE49-F238E27FC236}">
-                  <a16:creationId xmlns:a16="http://schemas.microsoft.com/office/drawing/2014/main" id="{49CDB969-E165-44D0-97DF-84663207F957}"/>
-                </a:ext>
-              </a:extLst>
-            </p:cNvPr>
-            <p:cNvSpPr>
-              <a:spLocks/>
-            </p:cNvSpPr>
-            <p:nvPr/>
-          </p:nvSpPr>
-          <p:spPr bwMode="auto">
-            <a:xfrm>
-              <a:off x="5459413" y="739775"/>
-              <a:ext cx="395288" cy="104775"/>
-            </a:xfrm>
-            <a:custGeom>
-              <a:avLst/>
-              <a:gdLst>
-                <a:gd name="T0" fmla="*/ 31 w 152"/>
-                <a:gd name="T1" fmla="*/ 18 h 40"/>
-                <a:gd name="T2" fmla="*/ 47 w 152"/>
-                <a:gd name="T3" fmla="*/ 18 h 40"/>
-                <a:gd name="T4" fmla="*/ 49 w 152"/>
-                <a:gd name="T5" fmla="*/ 16 h 40"/>
-                <a:gd name="T6" fmla="*/ 49 w 152"/>
-                <a:gd name="T7" fmla="*/ 8 h 40"/>
-                <a:gd name="T8" fmla="*/ 56 w 152"/>
-                <a:gd name="T9" fmla="*/ 0 h 40"/>
-                <a:gd name="T10" fmla="*/ 94 w 152"/>
-                <a:gd name="T11" fmla="*/ 0 h 40"/>
-                <a:gd name="T12" fmla="*/ 102 w 152"/>
-                <a:gd name="T13" fmla="*/ 8 h 40"/>
-                <a:gd name="T14" fmla="*/ 102 w 152"/>
-                <a:gd name="T15" fmla="*/ 16 h 40"/>
-                <a:gd name="T16" fmla="*/ 104 w 152"/>
-                <a:gd name="T17" fmla="*/ 18 h 40"/>
-                <a:gd name="T18" fmla="*/ 132 w 152"/>
-                <a:gd name="T19" fmla="*/ 18 h 40"/>
-                <a:gd name="T20" fmla="*/ 151 w 152"/>
-                <a:gd name="T21" fmla="*/ 38 h 40"/>
-                <a:gd name="T22" fmla="*/ 149 w 152"/>
-                <a:gd name="T23" fmla="*/ 40 h 40"/>
-                <a:gd name="T24" fmla="*/ 120 w 152"/>
-                <a:gd name="T25" fmla="*/ 40 h 40"/>
-                <a:gd name="T26" fmla="*/ 119 w 152"/>
-                <a:gd name="T27" fmla="*/ 38 h 40"/>
-                <a:gd name="T28" fmla="*/ 114 w 152"/>
-                <a:gd name="T29" fmla="*/ 33 h 40"/>
-                <a:gd name="T30" fmla="*/ 109 w 152"/>
-                <a:gd name="T31" fmla="*/ 38 h 40"/>
-                <a:gd name="T32" fmla="*/ 106 w 152"/>
-                <a:gd name="T33" fmla="*/ 40 h 40"/>
-                <a:gd name="T34" fmla="*/ 54 w 152"/>
-                <a:gd name="T35" fmla="*/ 40 h 40"/>
-                <a:gd name="T36" fmla="*/ 46 w 152"/>
-                <a:gd name="T37" fmla="*/ 40 h 40"/>
-                <a:gd name="T38" fmla="*/ 42 w 152"/>
-                <a:gd name="T39" fmla="*/ 36 h 40"/>
-                <a:gd name="T40" fmla="*/ 37 w 152"/>
-                <a:gd name="T41" fmla="*/ 33 h 40"/>
-                <a:gd name="T42" fmla="*/ 32 w 152"/>
-                <a:gd name="T43" fmla="*/ 37 h 40"/>
-                <a:gd name="T44" fmla="*/ 28 w 152"/>
-                <a:gd name="T45" fmla="*/ 40 h 40"/>
-                <a:gd name="T46" fmla="*/ 3 w 152"/>
-                <a:gd name="T47" fmla="*/ 40 h 40"/>
-                <a:gd name="T48" fmla="*/ 0 w 152"/>
-                <a:gd name="T49" fmla="*/ 36 h 40"/>
-                <a:gd name="T50" fmla="*/ 18 w 152"/>
-                <a:gd name="T51" fmla="*/ 18 h 40"/>
-                <a:gd name="T52" fmla="*/ 31 w 152"/>
-                <a:gd name="T53" fmla="*/ 18 h 40"/>
-              </a:gdLst>
-              <a:ahLst/>
-              <a:cxnLst>
-                <a:cxn ang="0">
-                  <a:pos x="T0" y="T1"/>
-                </a:cxn>
-                <a:cxn ang="0">
-                  <a:pos x="T2" y="T3"/>
-                </a:cxn>
-                <a:cxn ang="0">
-                  <a:pos x="T4" y="T5"/>
-                </a:cxn>
-                <a:cxn ang="0">
-                  <a:pos x="T6" y="T7"/>
-                </a:cxn>
-                <a:cxn ang="0">
-                  <a:pos x="T8" y="T9"/>
-                </a:cxn>
-                <a:cxn ang="0">
-                  <a:pos x="T10" y="T11"/>
-                </a:cxn>
-                <a:cxn ang="0">
-                  <a:pos x="T12" y="T13"/>
-                </a:cxn>
-                <a:cxn ang="0">
-                  <a:pos x="T14" y="T15"/>
-                </a:cxn>
-                <a:cxn ang="0">
-                  <a:pos x="T16" y="T17"/>
-                </a:cxn>
-                <a:cxn ang="0">
-                  <a:pos x="T18" y="T19"/>
-                </a:cxn>
-                <a:cxn ang="0">
-                  <a:pos x="T20" y="T21"/>
-                </a:cxn>
-                <a:cxn ang="0">
-                  <a:pos x="T22" y="T23"/>
-                </a:cxn>
-                <a:cxn ang="0">
-                  <a:pos x="T24" y="T25"/>
-                </a:cxn>
-                <a:cxn ang="0">
-                  <a:pos x="T26" y="T27"/>
-                </a:cxn>
-                <a:cxn ang="0">
-                  <a:pos x="T28" y="T29"/>
-                </a:cxn>
-                <a:cxn ang="0">
-                  <a:pos x="T30" y="T31"/>
-                </a:cxn>
-                <a:cxn ang="0">
-                  <a:pos x="T32" y="T33"/>
-                </a:cxn>
-                <a:cxn ang="0">
-                  <a:pos x="T34" y="T35"/>
-                </a:cxn>
-                <a:cxn ang="0">
-                  <a:pos x="T36" y="T37"/>
-                </a:cxn>
-                <a:cxn ang="0">
-                  <a:pos x="T38" y="T39"/>
-                </a:cxn>
-                <a:cxn ang="0">
-                  <a:pos x="T40" y="T41"/>
-                </a:cxn>
-                <a:cxn ang="0">
-                  <a:pos x="T42" y="T43"/>
-                </a:cxn>
-                <a:cxn ang="0">
-                  <a:pos x="T44" y="T45"/>
-                </a:cxn>
-                <a:cxn ang="0">
-                  <a:pos x="T46" y="T47"/>
-                </a:cxn>
-                <a:cxn ang="0">
-                  <a:pos x="T48" y="T49"/>
-                </a:cxn>
-                <a:cxn ang="0">
-                  <a:pos x="T50" y="T51"/>
-                </a:cxn>
-                <a:cxn ang="0">
-                  <a:pos x="T52" y="T53"/>
-                </a:cxn>
-              </a:cxnLst>
-              <a:rect l="0" t="0" r="r" b="b"/>
-              <a:pathLst>
-                <a:path w="152" h="40">
-                  <a:moveTo>
-                    <a:pt x="31" y="18"/>
-                  </a:moveTo>
-                  <a:cubicBezTo>
-                    <a:pt x="37" y="18"/>
-                    <a:pt x="42" y="18"/>
-                    <a:pt x="47" y="18"/>
-                  </a:cubicBezTo>
-                  <a:cubicBezTo>
-                    <a:pt x="49" y="18"/>
-                    <a:pt x="49" y="18"/>
-                    <a:pt x="49" y="16"/>
-                  </a:cubicBezTo>
-                  <a:cubicBezTo>
-                    <a:pt x="49" y="13"/>
-                    <a:pt x="49" y="10"/>
-                    <a:pt x="49" y="8"/>
-                  </a:cubicBezTo>
-                  <a:cubicBezTo>
-                    <a:pt x="49" y="3"/>
-                    <a:pt x="52" y="0"/>
-                    <a:pt x="56" y="0"/>
-                  </a:cubicBezTo>
-                  <a:cubicBezTo>
-                    <a:pt x="69" y="0"/>
-                    <a:pt x="82" y="0"/>
-                    <a:pt x="94" y="0"/>
-                  </a:cubicBezTo>
-                  <a:cubicBezTo>
-                    <a:pt x="99" y="0"/>
-                    <a:pt x="101" y="3"/>
-                    <a:pt x="102" y="8"/>
-                  </a:cubicBezTo>
-                  <a:cubicBezTo>
-                    <a:pt x="102" y="10"/>
-                    <a:pt x="102" y="13"/>
-                    <a:pt x="102" y="16"/>
-                  </a:cubicBezTo>
-                  <a:cubicBezTo>
-                    <a:pt x="101" y="18"/>
-                    <a:pt x="102" y="18"/>
-                    <a:pt x="104" y="18"/>
-                  </a:cubicBezTo>
-                  <a:cubicBezTo>
-                    <a:pt x="113" y="18"/>
-                    <a:pt x="123" y="18"/>
-                    <a:pt x="132" y="18"/>
-                  </a:cubicBezTo>
-                  <a:cubicBezTo>
-                    <a:pt x="143" y="18"/>
-                    <a:pt x="152" y="27"/>
-                    <a:pt x="151" y="38"/>
-                  </a:cubicBezTo>
-                  <a:cubicBezTo>
-                    <a:pt x="150" y="39"/>
-                    <a:pt x="150" y="40"/>
-                    <a:pt x="149" y="40"/>
-                  </a:cubicBezTo>
-                  <a:cubicBezTo>
-                    <a:pt x="139" y="40"/>
-                    <a:pt x="130" y="40"/>
-                    <a:pt x="120" y="40"/>
-                  </a:cubicBezTo>
-                  <a:cubicBezTo>
-                    <a:pt x="119" y="40"/>
-                    <a:pt x="119" y="39"/>
-                    <a:pt x="119" y="38"/>
-                  </a:cubicBezTo>
-                  <a:cubicBezTo>
-                    <a:pt x="119" y="34"/>
-                    <a:pt x="117" y="33"/>
-                    <a:pt x="114" y="33"/>
-                  </a:cubicBezTo>
-                  <a:cubicBezTo>
-                    <a:pt x="111" y="33"/>
-                    <a:pt x="109" y="35"/>
-                    <a:pt x="109" y="38"/>
-                  </a:cubicBezTo>
-                  <a:cubicBezTo>
-                    <a:pt x="109" y="40"/>
-                    <a:pt x="107" y="40"/>
-                    <a:pt x="106" y="40"/>
-                  </a:cubicBezTo>
-                  <a:cubicBezTo>
-                    <a:pt x="89" y="40"/>
-                    <a:pt x="71" y="40"/>
-                    <a:pt x="54" y="40"/>
-                  </a:cubicBezTo>
-                  <a:cubicBezTo>
-                    <a:pt x="51" y="40"/>
-                    <a:pt x="49" y="40"/>
-                    <a:pt x="46" y="40"/>
-                  </a:cubicBezTo>
-                  <a:cubicBezTo>
-                    <a:pt x="44" y="40"/>
-                    <a:pt x="41" y="40"/>
-                    <a:pt x="42" y="36"/>
-                  </a:cubicBezTo>
-                  <a:cubicBezTo>
-                    <a:pt x="42" y="34"/>
-                    <a:pt x="39" y="33"/>
-                    <a:pt x="37" y="33"/>
-                  </a:cubicBezTo>
-                  <a:cubicBezTo>
-                    <a:pt x="34" y="33"/>
-                    <a:pt x="32" y="34"/>
-                    <a:pt x="32" y="37"/>
-                  </a:cubicBezTo>
-                  <a:cubicBezTo>
-                    <a:pt x="32" y="40"/>
-                    <a:pt x="30" y="40"/>
-                    <a:pt x="28" y="40"/>
-                  </a:cubicBezTo>
-                  <a:cubicBezTo>
-                    <a:pt x="20" y="40"/>
-                    <a:pt x="12" y="40"/>
-                    <a:pt x="3" y="40"/>
-                  </a:cubicBezTo>
-                  <a:cubicBezTo>
-                    <a:pt x="0" y="40"/>
-                    <a:pt x="0" y="40"/>
-                    <a:pt x="0" y="36"/>
-                  </a:cubicBezTo>
-                  <a:cubicBezTo>
-                    <a:pt x="0" y="25"/>
-                    <a:pt x="7" y="18"/>
-                    <a:pt x="18" y="18"/>
-                  </a:cubicBezTo>
-                  <a:cubicBezTo>
-                    <a:pt x="22" y="18"/>
-                    <a:pt x="27" y="18"/>
-                    <a:pt x="31" y="18"/>
-                  </a:cubicBezTo>
-                  <a:close/>
-                </a:path>
-              </a:pathLst>
-            </a:custGeom>
-            <a:grpFill/>
-            <a:ln>
-              <a:noFill/>
-            </a:ln>
-            <a:extLst>
-              <a:ext uri="{91240B29-F687-4F45-9708-019B960494DF}">
-                <a14:hiddenLine xmlns:a14="http://schemas.microsoft.com/office/drawing/2010/main" w="9525">
-                  <a:solidFill>
-                    <a:srgbClr val="000000"/>
-                  </a:solidFill>
-                  <a:round/>
-                  <a:headEnd/>
-                  <a:tailEnd/>
-                </a14:hiddenLine>
-              </a:ext>
-            </a:extLst>
-          </p:spPr>
-          <p:txBody>
-            <a:bodyPr vert="horz" wrap="square" lIns="91440" tIns="45720" rIns="91440" bIns="45720" numCol="1" anchor="t" anchorCtr="0" compatLnSpc="1">
-              <a:prstTxWarp prst="textNoShape">
-                <a:avLst/>
-              </a:prstTxWarp>
-            </a:bodyPr>
-            <a:lstStyle/>
-            <a:p>
-              <a:endParaRPr lang="ja-JP" altLang="en-US">
-                <a:solidFill>
-                  <a:prstClr val="black"/>
-                </a:solidFill>
-                <a:latin typeface="メイリオ" panose="020B0604030504040204" pitchFamily="50" charset="-128"/>
-                <a:ea typeface="メイリオ" panose="020B0604030504040204" pitchFamily="50" charset="-128"/>
-              </a:endParaRPr>
-            </a:p>
-          </p:txBody>
-        </p:sp>
-        <p:sp>
-          <p:nvSpPr>
-            <p:cNvPr id="29" name="Freeform 31">
-              <a:extLst>
-                <a:ext uri="{FF2B5EF4-FFF2-40B4-BE49-F238E27FC236}">
-                  <a16:creationId xmlns:a16="http://schemas.microsoft.com/office/drawing/2014/main" id="{5394BC77-6D88-487C-A239-3FE08BB9EBE3}"/>
-                </a:ext>
-              </a:extLst>
-            </p:cNvPr>
-            <p:cNvSpPr>
-              <a:spLocks/>
-            </p:cNvSpPr>
-            <p:nvPr/>
-          </p:nvSpPr>
-          <p:spPr bwMode="auto">
-            <a:xfrm>
-              <a:off x="5294313" y="441325"/>
-              <a:ext cx="201613" cy="25400"/>
-            </a:xfrm>
-            <a:custGeom>
-              <a:avLst/>
-              <a:gdLst>
-                <a:gd name="T0" fmla="*/ 39 w 78"/>
-                <a:gd name="T1" fmla="*/ 10 h 10"/>
-                <a:gd name="T2" fmla="*/ 3 w 78"/>
-                <a:gd name="T3" fmla="*/ 10 h 10"/>
-                <a:gd name="T4" fmla="*/ 0 w 78"/>
-                <a:gd name="T5" fmla="*/ 8 h 10"/>
-                <a:gd name="T6" fmla="*/ 0 w 78"/>
-                <a:gd name="T7" fmla="*/ 2 h 10"/>
-                <a:gd name="T8" fmla="*/ 2 w 78"/>
-                <a:gd name="T9" fmla="*/ 0 h 10"/>
-                <a:gd name="T10" fmla="*/ 76 w 78"/>
-                <a:gd name="T11" fmla="*/ 0 h 10"/>
-                <a:gd name="T12" fmla="*/ 78 w 78"/>
-                <a:gd name="T13" fmla="*/ 2 h 10"/>
-                <a:gd name="T14" fmla="*/ 78 w 78"/>
-                <a:gd name="T15" fmla="*/ 8 h 10"/>
-                <a:gd name="T16" fmla="*/ 75 w 78"/>
-                <a:gd name="T17" fmla="*/ 10 h 10"/>
-                <a:gd name="T18" fmla="*/ 39 w 78"/>
-                <a:gd name="T19" fmla="*/ 10 h 10"/>
-              </a:gdLst>
-              <a:ahLst/>
-              <a:cxnLst>
-                <a:cxn ang="0">
-                  <a:pos x="T0" y="T1"/>
-                </a:cxn>
-                <a:cxn ang="0">
-                  <a:pos x="T2" y="T3"/>
-                </a:cxn>
-                <a:cxn ang="0">
-                  <a:pos x="T4" y="T5"/>
-                </a:cxn>
-                <a:cxn ang="0">
-                  <a:pos x="T6" y="T7"/>
-                </a:cxn>
-                <a:cxn ang="0">
-                  <a:pos x="T8" y="T9"/>
-                </a:cxn>
-                <a:cxn ang="0">
-                  <a:pos x="T10" y="T11"/>
-                </a:cxn>
-                <a:cxn ang="0">
-                  <a:pos x="T12" y="T13"/>
-                </a:cxn>
-                <a:cxn ang="0">
-                  <a:pos x="T14" y="T15"/>
-                </a:cxn>
-                <a:cxn ang="0">
-                  <a:pos x="T16" y="T17"/>
-                </a:cxn>
-                <a:cxn ang="0">
-                  <a:pos x="T18" y="T19"/>
-                </a:cxn>
-              </a:cxnLst>
-              <a:rect l="0" t="0" r="r" b="b"/>
-              <a:pathLst>
-                <a:path w="78" h="10">
-                  <a:moveTo>
-                    <a:pt x="39" y="10"/>
-                  </a:moveTo>
-                  <a:cubicBezTo>
-                    <a:pt x="27" y="10"/>
-                    <a:pt x="15" y="10"/>
-                    <a:pt x="3" y="10"/>
-                  </a:cubicBezTo>
-                  <a:cubicBezTo>
-                    <a:pt x="1" y="10"/>
-                    <a:pt x="0" y="10"/>
-                    <a:pt x="0" y="8"/>
-                  </a:cubicBezTo>
-                  <a:cubicBezTo>
-                    <a:pt x="1" y="6"/>
-                    <a:pt x="1" y="4"/>
-                    <a:pt x="0" y="2"/>
-                  </a:cubicBezTo>
-                  <a:cubicBezTo>
-                    <a:pt x="0" y="0"/>
-                    <a:pt x="1" y="0"/>
-                    <a:pt x="2" y="0"/>
-                  </a:cubicBezTo>
-                  <a:cubicBezTo>
-                    <a:pt x="27" y="0"/>
-                    <a:pt x="51" y="0"/>
-                    <a:pt x="76" y="0"/>
-                  </a:cubicBezTo>
-                  <a:cubicBezTo>
-                    <a:pt x="77" y="0"/>
-                    <a:pt x="78" y="0"/>
-                    <a:pt x="78" y="2"/>
-                  </a:cubicBezTo>
-                  <a:cubicBezTo>
-                    <a:pt x="77" y="4"/>
-                    <a:pt x="77" y="6"/>
-                    <a:pt x="78" y="8"/>
-                  </a:cubicBezTo>
-                  <a:cubicBezTo>
-                    <a:pt x="78" y="10"/>
-                    <a:pt x="77" y="10"/>
-                    <a:pt x="75" y="10"/>
-                  </a:cubicBezTo>
-                  <a:cubicBezTo>
-                    <a:pt x="63" y="10"/>
-                    <a:pt x="51" y="10"/>
-                    <a:pt x="39" y="10"/>
-                  </a:cubicBezTo>
-                  <a:close/>
-                </a:path>
-              </a:pathLst>
-            </a:custGeom>
-            <a:grpFill/>
-            <a:ln>
-              <a:noFill/>
-            </a:ln>
-            <a:extLst>
-              <a:ext uri="{91240B29-F687-4F45-9708-019B960494DF}">
-                <a14:hiddenLine xmlns:a14="http://schemas.microsoft.com/office/drawing/2010/main" w="9525">
-                  <a:solidFill>
-                    <a:srgbClr val="000000"/>
-                  </a:solidFill>
-                  <a:round/>
-                  <a:headEnd/>
-                  <a:tailEnd/>
-                </a14:hiddenLine>
-              </a:ext>
-            </a:extLst>
-          </p:spPr>
-          <p:txBody>
-            <a:bodyPr vert="horz" wrap="square" lIns="91440" tIns="45720" rIns="91440" bIns="45720" numCol="1" anchor="t" anchorCtr="0" compatLnSpc="1">
-              <a:prstTxWarp prst="textNoShape">
-                <a:avLst/>
-              </a:prstTxWarp>
-            </a:bodyPr>
-            <a:lstStyle/>
-            <a:p>
-              <a:endParaRPr lang="ja-JP" altLang="en-US">
-                <a:solidFill>
-                  <a:prstClr val="black"/>
-                </a:solidFill>
-                <a:latin typeface="メイリオ" panose="020B0604030504040204" pitchFamily="50" charset="-128"/>
-                <a:ea typeface="メイリオ" panose="020B0604030504040204" pitchFamily="50" charset="-128"/>
-              </a:endParaRPr>
-            </a:p>
-          </p:txBody>
-        </p:sp>
-        <p:sp>
-          <p:nvSpPr>
-            <p:cNvPr id="30" name="Freeform 32">
-              <a:extLst>
-                <a:ext uri="{FF2B5EF4-FFF2-40B4-BE49-F238E27FC236}">
-                  <a16:creationId xmlns:a16="http://schemas.microsoft.com/office/drawing/2014/main" id="{6AE5059D-FAD4-4F76-B7DD-7DAAF99BD433}"/>
-                </a:ext>
-              </a:extLst>
-            </p:cNvPr>
-            <p:cNvSpPr>
-              <a:spLocks/>
-            </p:cNvSpPr>
-            <p:nvPr/>
-          </p:nvSpPr>
-          <p:spPr bwMode="auto">
-            <a:xfrm>
-              <a:off x="5605463" y="758825"/>
-              <a:ext cx="101600" cy="28575"/>
-            </a:xfrm>
-            <a:custGeom>
-              <a:avLst/>
-              <a:gdLst>
-                <a:gd name="T0" fmla="*/ 19 w 39"/>
-                <a:gd name="T1" fmla="*/ 11 h 11"/>
-                <a:gd name="T2" fmla="*/ 2 w 39"/>
-                <a:gd name="T3" fmla="*/ 11 h 11"/>
-                <a:gd name="T4" fmla="*/ 0 w 39"/>
-                <a:gd name="T5" fmla="*/ 9 h 11"/>
-                <a:gd name="T6" fmla="*/ 0 w 39"/>
-                <a:gd name="T7" fmla="*/ 2 h 11"/>
-                <a:gd name="T8" fmla="*/ 2 w 39"/>
-                <a:gd name="T9" fmla="*/ 0 h 11"/>
-                <a:gd name="T10" fmla="*/ 37 w 39"/>
-                <a:gd name="T11" fmla="*/ 0 h 11"/>
-                <a:gd name="T12" fmla="*/ 39 w 39"/>
-                <a:gd name="T13" fmla="*/ 2 h 11"/>
-                <a:gd name="T14" fmla="*/ 39 w 39"/>
-                <a:gd name="T15" fmla="*/ 9 h 11"/>
-                <a:gd name="T16" fmla="*/ 37 w 39"/>
-                <a:gd name="T17" fmla="*/ 11 h 11"/>
-                <a:gd name="T18" fmla="*/ 19 w 39"/>
-                <a:gd name="T19" fmla="*/ 11 h 11"/>
-              </a:gdLst>
-              <a:ahLst/>
-              <a:cxnLst>
-                <a:cxn ang="0">
-                  <a:pos x="T0" y="T1"/>
-                </a:cxn>
-                <a:cxn ang="0">
-                  <a:pos x="T2" y="T3"/>
-                </a:cxn>
-                <a:cxn ang="0">
-                  <a:pos x="T4" y="T5"/>
-                </a:cxn>
-                <a:cxn ang="0">
-                  <a:pos x="T6" y="T7"/>
-                </a:cxn>
-                <a:cxn ang="0">
-                  <a:pos x="T8" y="T9"/>
-                </a:cxn>
-                <a:cxn ang="0">
-                  <a:pos x="T10" y="T11"/>
-                </a:cxn>
-                <a:cxn ang="0">
-                  <a:pos x="T12" y="T13"/>
-                </a:cxn>
-                <a:cxn ang="0">
-                  <a:pos x="T14" y="T15"/>
-                </a:cxn>
-                <a:cxn ang="0">
-                  <a:pos x="T16" y="T17"/>
-                </a:cxn>
-                <a:cxn ang="0">
-                  <a:pos x="T18" y="T19"/>
-                </a:cxn>
-              </a:cxnLst>
-              <a:rect l="0" t="0" r="r" b="b"/>
-              <a:pathLst>
-                <a:path w="39" h="11">
-                  <a:moveTo>
-                    <a:pt x="19" y="11"/>
-                  </a:moveTo>
-                  <a:cubicBezTo>
-                    <a:pt x="13" y="11"/>
-                    <a:pt x="8" y="11"/>
-                    <a:pt x="2" y="11"/>
-                  </a:cubicBezTo>
-                  <a:cubicBezTo>
-                    <a:pt x="0" y="11"/>
-                    <a:pt x="0" y="11"/>
-                    <a:pt x="0" y="9"/>
-                  </a:cubicBezTo>
-                  <a:cubicBezTo>
-                    <a:pt x="0" y="7"/>
-                    <a:pt x="0" y="5"/>
-                    <a:pt x="0" y="2"/>
-                  </a:cubicBezTo>
-                  <a:cubicBezTo>
-                    <a:pt x="0" y="1"/>
-                    <a:pt x="0" y="0"/>
-                    <a:pt x="2" y="0"/>
-                  </a:cubicBezTo>
-                  <a:cubicBezTo>
-                    <a:pt x="13" y="0"/>
-                    <a:pt x="25" y="0"/>
-                    <a:pt x="37" y="0"/>
-                  </a:cubicBezTo>
-                  <a:cubicBezTo>
-                    <a:pt x="38" y="0"/>
-                    <a:pt x="39" y="1"/>
-                    <a:pt x="39" y="2"/>
-                  </a:cubicBezTo>
-                  <a:cubicBezTo>
-                    <a:pt x="39" y="5"/>
-                    <a:pt x="39" y="7"/>
-                    <a:pt x="39" y="9"/>
-                  </a:cubicBezTo>
-                  <a:cubicBezTo>
-                    <a:pt x="39" y="11"/>
-                    <a:pt x="38" y="11"/>
-                    <a:pt x="37" y="11"/>
-                  </a:cubicBezTo>
-                  <a:cubicBezTo>
-                    <a:pt x="31" y="11"/>
-                    <a:pt x="25" y="11"/>
-                    <a:pt x="19" y="11"/>
-                  </a:cubicBezTo>
-                  <a:close/>
-                </a:path>
-              </a:pathLst>
-            </a:custGeom>
-            <a:grpFill/>
-            <a:ln>
-              <a:noFill/>
-            </a:ln>
-            <a:extLst>
-              <a:ext uri="{91240B29-F687-4F45-9708-019B960494DF}">
-                <a14:hiddenLine xmlns:a14="http://schemas.microsoft.com/office/drawing/2010/main" w="9525">
-                  <a:solidFill>
-                    <a:srgbClr val="000000"/>
-                  </a:solidFill>
-                  <a:round/>
-                  <a:headEnd/>
-                  <a:tailEnd/>
-                </a14:hiddenLine>
-              </a:ext>
-            </a:extLst>
-          </p:spPr>
-          <p:txBody>
-            <a:bodyPr vert="horz" wrap="square" lIns="91440" tIns="45720" rIns="91440" bIns="45720" numCol="1" anchor="t" anchorCtr="0" compatLnSpc="1">
-              <a:prstTxWarp prst="textNoShape">
-                <a:avLst/>
-              </a:prstTxWarp>
-            </a:bodyPr>
-            <a:lstStyle/>
-            <a:p>
-              <a:endParaRPr lang="ja-JP" altLang="en-US">
-                <a:solidFill>
-                  <a:prstClr val="black"/>
-                </a:solidFill>
-                <a:latin typeface="メイリオ" panose="020B0604030504040204" pitchFamily="50" charset="-128"/>
-                <a:ea typeface="メイリオ" panose="020B0604030504040204" pitchFamily="50" charset="-128"/>
-              </a:endParaRPr>
-            </a:p>
-          </p:txBody>
-        </p:sp>
-      </p:grpSp>
-      <p:pic>
-        <p:nvPicPr>
-          <p:cNvPr id="31" name="図 30">
-            <a:extLst>
-              <a:ext uri="{FF2B5EF4-FFF2-40B4-BE49-F238E27FC236}">
-                <a16:creationId xmlns:a16="http://schemas.microsoft.com/office/drawing/2014/main" id="{EC88E9DA-F998-4876-AF0F-35963982AD35}"/>
-              </a:ext>
-            </a:extLst>
-          </p:cNvPr>
-          <p:cNvPicPr>
-            <a:picLocks noChangeAspect="1"/>
-          </p:cNvPicPr>
-          <p:nvPr/>
-        </p:nvPicPr>
-        <p:blipFill>
-          <a:blip r:embed="rId10"/>
-          <a:stretch>
-            <a:fillRect/>
-          </a:stretch>
-        </p:blipFill>
-        <p:spPr>
-          <a:xfrm>
-            <a:off x="2082845" y="4868784"/>
-            <a:ext cx="699804" cy="699804"/>
-          </a:xfrm>
-          <a:prstGeom prst="rect">
-            <a:avLst/>
-          </a:prstGeom>
-        </p:spPr>
-      </p:pic>
-      <p:pic>
-        <p:nvPicPr>
-          <p:cNvPr id="32" name="図 31">
-            <a:extLst>
-              <a:ext uri="{FF2B5EF4-FFF2-40B4-BE49-F238E27FC236}">
-                <a16:creationId xmlns:a16="http://schemas.microsoft.com/office/drawing/2014/main" id="{78A4FD59-8B56-4B20-B7E0-C1DFC414CEAC}"/>
-              </a:ext>
-            </a:extLst>
-          </p:cNvPr>
-          <p:cNvPicPr>
-            <a:picLocks noChangeAspect="1"/>
-          </p:cNvPicPr>
-          <p:nvPr/>
-        </p:nvPicPr>
-        <p:blipFill>
-          <a:blip r:embed="rId10"/>
-          <a:stretch>
-            <a:fillRect/>
-          </a:stretch>
-        </p:blipFill>
-        <p:spPr>
-          <a:xfrm>
-            <a:off x="2077788" y="5658122"/>
-            <a:ext cx="699804" cy="699804"/>
-          </a:xfrm>
-          <a:prstGeom prst="rect">
-            <a:avLst/>
-          </a:prstGeom>
-        </p:spPr>
-      </p:pic>
-      <p:sp>
-        <p:nvSpPr>
-          <p:cNvPr id="33" name="テキスト ボックス 32">
-            <a:extLst>
-              <a:ext uri="{FF2B5EF4-FFF2-40B4-BE49-F238E27FC236}">
-                <a16:creationId xmlns:a16="http://schemas.microsoft.com/office/drawing/2014/main" id="{DA8950F6-6D56-498E-BD3A-DE9E7A1D8651}"/>
-              </a:ext>
-            </a:extLst>
-          </p:cNvPr>
-          <p:cNvSpPr txBox="1"/>
-          <p:nvPr/>
-        </p:nvSpPr>
-        <p:spPr>
-          <a:xfrm>
-            <a:off x="238074" y="2097726"/>
-            <a:ext cx="1738681" cy="338554"/>
-          </a:xfrm>
-          <a:prstGeom prst="rect">
-            <a:avLst/>
-          </a:prstGeom>
-          <a:noFill/>
-        </p:spPr>
-        <p:txBody>
-          <a:bodyPr wrap="none" rtlCol="0">
-            <a:spAutoFit/>
-          </a:bodyPr>
-          <a:lstStyle/>
-          <a:p>
-            <a:pPr algn="ctr"/>
-            <a:r>
-              <a:rPr lang="en-US" altLang="ja-JP" sz="1600" dirty="0">
-                <a:solidFill>
-                  <a:srgbClr val="2A2A2A"/>
-                </a:solidFill>
-                <a:latin typeface="メイリオ" panose="020B0604030504040204" pitchFamily="50" charset="-128"/>
-                <a:ea typeface="メイリオ" panose="020B0604030504040204" pitchFamily="50" charset="-128"/>
-              </a:rPr>
-              <a:t>Microsoft Azure</a:t>
-            </a:r>
-            <a:endParaRPr lang="ja-JP" altLang="en-US" sz="1600" dirty="0">
-              <a:solidFill>
-                <a:srgbClr val="2A2A2A"/>
-              </a:solidFill>
-              <a:latin typeface="メイリオ" panose="020B0604030504040204" pitchFamily="50" charset="-128"/>
-              <a:ea typeface="メイリオ" panose="020B0604030504040204" pitchFamily="50" charset="-128"/>
-            </a:endParaRPr>
-          </a:p>
-        </p:txBody>
-      </p:sp>
-      <p:sp>
-        <p:nvSpPr>
-          <p:cNvPr id="34" name="テキスト ボックス 33">
-            <a:extLst>
-              <a:ext uri="{FF2B5EF4-FFF2-40B4-BE49-F238E27FC236}">
-                <a16:creationId xmlns:a16="http://schemas.microsoft.com/office/drawing/2014/main" id="{5B4B98C4-6B06-48A7-89C6-6269FD6057E5}"/>
-              </a:ext>
-            </a:extLst>
-          </p:cNvPr>
-          <p:cNvSpPr txBox="1"/>
-          <p:nvPr/>
-        </p:nvSpPr>
-        <p:spPr>
-          <a:xfrm>
-            <a:off x="202375" y="2904450"/>
-            <a:ext cx="2380780" cy="584775"/>
-          </a:xfrm>
-          <a:prstGeom prst="rect">
-            <a:avLst/>
-          </a:prstGeom>
-          <a:noFill/>
-        </p:spPr>
-        <p:txBody>
-          <a:bodyPr wrap="none" rtlCol="0">
-            <a:spAutoFit/>
-          </a:bodyPr>
-          <a:lstStyle/>
-          <a:p>
-            <a:pPr algn="ctr"/>
-            <a:r>
-              <a:rPr lang="en-US" altLang="ja-JP" sz="1600" dirty="0">
-                <a:solidFill>
-                  <a:srgbClr val="2A2A2A"/>
-                </a:solidFill>
-                <a:latin typeface="メイリオ" panose="020B0604030504040204" pitchFamily="50" charset="-128"/>
-                <a:ea typeface="メイリオ" panose="020B0604030504040204" pitchFamily="50" charset="-128"/>
-              </a:rPr>
-              <a:t>Windows </a:t>
-            </a:r>
-            <a:r>
-              <a:rPr lang="ja-JP" altLang="en-US" sz="1600" dirty="0">
-                <a:solidFill>
-                  <a:srgbClr val="2A2A2A"/>
-                </a:solidFill>
-                <a:latin typeface="メイリオ" panose="020B0604030504040204" pitchFamily="50" charset="-128"/>
-                <a:ea typeface="メイリオ" panose="020B0604030504040204" pitchFamily="50" charset="-128"/>
-              </a:rPr>
-              <a:t>または </a:t>
-            </a:r>
-            <a:r>
-              <a:rPr lang="en-US" altLang="ja-JP" sz="1600" dirty="0">
-                <a:solidFill>
-                  <a:srgbClr val="2A2A2A"/>
-                </a:solidFill>
-                <a:latin typeface="メイリオ" panose="020B0604030504040204" pitchFamily="50" charset="-128"/>
-                <a:ea typeface="メイリオ" panose="020B0604030504040204" pitchFamily="50" charset="-128"/>
-              </a:rPr>
-              <a:t>Linux</a:t>
-            </a:r>
-            <a:endParaRPr lang="ja-JP" altLang="en-US" sz="1600" dirty="0">
-              <a:solidFill>
-                <a:srgbClr val="2A2A2A"/>
-              </a:solidFill>
-              <a:latin typeface="メイリオ" panose="020B0604030504040204" pitchFamily="50" charset="-128"/>
-              <a:ea typeface="メイリオ" panose="020B0604030504040204" pitchFamily="50" charset="-128"/>
-            </a:endParaRPr>
-          </a:p>
-          <a:p>
-            <a:pPr algn="ctr"/>
-            <a:r>
-              <a:rPr lang="ja-JP" altLang="en-US" sz="1600" dirty="0">
-                <a:solidFill>
-                  <a:srgbClr val="2A2A2A"/>
-                </a:solidFill>
-                <a:latin typeface="メイリオ" panose="020B0604030504040204" pitchFamily="50" charset="-128"/>
-                <a:ea typeface="メイリオ" panose="020B0604030504040204" pitchFamily="50" charset="-128"/>
-              </a:rPr>
-              <a:t>（物理または仮想）</a:t>
-            </a:r>
-          </a:p>
-        </p:txBody>
-      </p:sp>
-      <p:sp>
-        <p:nvSpPr>
-          <p:cNvPr id="35" name="テキスト ボックス 34">
-            <a:extLst>
-              <a:ext uri="{FF2B5EF4-FFF2-40B4-BE49-F238E27FC236}">
-                <a16:creationId xmlns:a16="http://schemas.microsoft.com/office/drawing/2014/main" id="{258E3E01-CEA3-4DCE-B9B0-00E2F7E8D94F}"/>
-              </a:ext>
-            </a:extLst>
-          </p:cNvPr>
-          <p:cNvSpPr txBox="1"/>
-          <p:nvPr/>
-        </p:nvSpPr>
-        <p:spPr>
-          <a:xfrm>
-            <a:off x="2658212" y="4554295"/>
-            <a:ext cx="2201565" cy="584775"/>
-          </a:xfrm>
-          <a:prstGeom prst="rect">
-            <a:avLst/>
-          </a:prstGeom>
-          <a:noFill/>
-        </p:spPr>
-        <p:txBody>
-          <a:bodyPr wrap="none" rtlCol="0">
-            <a:spAutoFit/>
-          </a:bodyPr>
-          <a:lstStyle/>
-          <a:p>
-            <a:pPr algn="ctr"/>
-            <a:r>
-              <a:rPr lang="en-US" altLang="ja-JP" sz="1600" dirty="0">
-                <a:solidFill>
-                  <a:srgbClr val="2A2A2A"/>
-                </a:solidFill>
-                <a:latin typeface="メイリオ" panose="020B0604030504040204" pitchFamily="50" charset="-128"/>
-                <a:ea typeface="メイリオ" panose="020B0604030504040204" pitchFamily="50" charset="-128"/>
-              </a:rPr>
-              <a:t>System Center</a:t>
-            </a:r>
-          </a:p>
-          <a:p>
-            <a:pPr algn="ctr"/>
-            <a:r>
-              <a:rPr lang="en-US" altLang="ja-JP" sz="1600" dirty="0">
-                <a:solidFill>
-                  <a:srgbClr val="2A2A2A"/>
-                </a:solidFill>
-                <a:latin typeface="メイリオ" panose="020B0604030504040204" pitchFamily="50" charset="-128"/>
-                <a:ea typeface="メイリオ" panose="020B0604030504040204" pitchFamily="50" charset="-128"/>
-              </a:rPr>
-              <a:t>Operations Manager</a:t>
-            </a:r>
-            <a:endParaRPr lang="ja-JP" altLang="en-US" sz="1600" dirty="0">
-              <a:solidFill>
-                <a:srgbClr val="2A2A2A"/>
-              </a:solidFill>
-              <a:latin typeface="メイリオ" panose="020B0604030504040204" pitchFamily="50" charset="-128"/>
-              <a:ea typeface="メイリオ" panose="020B0604030504040204" pitchFamily="50" charset="-128"/>
-            </a:endParaRPr>
-          </a:p>
-        </p:txBody>
-      </p:sp>
-      <p:cxnSp>
-        <p:nvCxnSpPr>
-          <p:cNvPr id="36" name="直線矢印コネクタ 35">
-            <a:extLst>
-              <a:ext uri="{FF2B5EF4-FFF2-40B4-BE49-F238E27FC236}">
-                <a16:creationId xmlns:a16="http://schemas.microsoft.com/office/drawing/2014/main" id="{8259BC70-E6B2-4D30-AF56-454E5A17A4A0}"/>
-              </a:ext>
-            </a:extLst>
-          </p:cNvPr>
-          <p:cNvCxnSpPr>
-            <a:stCxn id="6" idx="3"/>
-            <a:endCxn id="8" idx="1"/>
-          </p:cNvCxnSpPr>
-          <p:nvPr/>
-        </p:nvCxnSpPr>
-        <p:spPr>
-          <a:xfrm>
-            <a:off x="7217459" y="4055593"/>
-            <a:ext cx="1244086" cy="0"/>
-          </a:xfrm>
-          <a:prstGeom prst="straightConnector1">
-            <a:avLst/>
-          </a:prstGeom>
-          <a:noFill/>
-          <a:ln w="28575" cap="flat" cmpd="sng" algn="ctr">
-            <a:solidFill>
-              <a:srgbClr val="FF0000"/>
-            </a:solidFill>
-            <a:prstDash val="sysDot"/>
-            <a:miter lim="800000"/>
-            <a:headEnd type="none" w="med" len="med"/>
-            <a:tailEnd type="triangle"/>
-          </a:ln>
-          <a:effectLst/>
-        </p:spPr>
-      </p:cxnSp>
-      <p:cxnSp>
-        <p:nvCxnSpPr>
-          <p:cNvPr id="37" name="直線矢印コネクタ 36">
-            <a:extLst>
-              <a:ext uri="{FF2B5EF4-FFF2-40B4-BE49-F238E27FC236}">
-                <a16:creationId xmlns:a16="http://schemas.microsoft.com/office/drawing/2014/main" id="{CB8F1892-26CA-4EDA-82AE-FD1E76A295B7}"/>
-              </a:ext>
-            </a:extLst>
-          </p:cNvPr>
-          <p:cNvCxnSpPr>
-            <a:stCxn id="8" idx="3"/>
-            <a:endCxn id="11" idx="1"/>
-          </p:cNvCxnSpPr>
-          <p:nvPr/>
-        </p:nvCxnSpPr>
-        <p:spPr>
-          <a:xfrm flipV="1">
-            <a:off x="9169903" y="2368867"/>
-            <a:ext cx="1208558" cy="1686726"/>
-          </a:xfrm>
-          <a:prstGeom prst="straightConnector1">
-            <a:avLst/>
-          </a:prstGeom>
-          <a:noFill/>
-          <a:ln w="28575" cap="flat" cmpd="sng" algn="ctr">
-            <a:solidFill>
-              <a:srgbClr val="FF0000"/>
-            </a:solidFill>
-            <a:prstDash val="sysDot"/>
-            <a:miter lim="800000"/>
-            <a:headEnd type="none" w="med" len="med"/>
-            <a:tailEnd type="triangle"/>
-          </a:ln>
-          <a:effectLst/>
-        </p:spPr>
-      </p:cxnSp>
-      <p:cxnSp>
-        <p:nvCxnSpPr>
-          <p:cNvPr id="38" name="直線矢印コネクタ 37">
-            <a:extLst>
-              <a:ext uri="{FF2B5EF4-FFF2-40B4-BE49-F238E27FC236}">
-                <a16:creationId xmlns:a16="http://schemas.microsoft.com/office/drawing/2014/main" id="{F1266C36-EB39-4D2C-BA87-8184867AA6E9}"/>
-              </a:ext>
-            </a:extLst>
-          </p:cNvPr>
-          <p:cNvCxnSpPr>
-            <a:stCxn id="8" idx="3"/>
-            <a:endCxn id="10" idx="1"/>
-          </p:cNvCxnSpPr>
-          <p:nvPr/>
-        </p:nvCxnSpPr>
-        <p:spPr>
-          <a:xfrm flipV="1">
-            <a:off x="9169903" y="3387884"/>
-            <a:ext cx="1244084" cy="667709"/>
-          </a:xfrm>
-          <a:prstGeom prst="straightConnector1">
-            <a:avLst/>
-          </a:prstGeom>
-          <a:noFill/>
-          <a:ln w="28575" cap="flat" cmpd="sng" algn="ctr">
-            <a:solidFill>
-              <a:srgbClr val="FF0000"/>
-            </a:solidFill>
-            <a:prstDash val="sysDot"/>
-            <a:miter lim="800000"/>
-            <a:headEnd type="none" w="med" len="med"/>
-            <a:tailEnd type="triangle"/>
-          </a:ln>
-          <a:effectLst/>
-        </p:spPr>
-      </p:cxnSp>
-      <p:cxnSp>
-        <p:nvCxnSpPr>
-          <p:cNvPr id="39" name="直線矢印コネクタ 38">
-            <a:extLst>
-              <a:ext uri="{FF2B5EF4-FFF2-40B4-BE49-F238E27FC236}">
-                <a16:creationId xmlns:a16="http://schemas.microsoft.com/office/drawing/2014/main" id="{F37D0CB7-3E07-4C84-A719-3B650E068B1E}"/>
-              </a:ext>
-            </a:extLst>
-          </p:cNvPr>
-          <p:cNvCxnSpPr>
-            <a:stCxn id="8" idx="3"/>
-            <a:endCxn id="16" idx="1"/>
-          </p:cNvCxnSpPr>
-          <p:nvPr/>
-        </p:nvCxnSpPr>
-        <p:spPr>
-          <a:xfrm>
-            <a:off x="9169903" y="4055593"/>
-            <a:ext cx="1256399" cy="385717"/>
-          </a:xfrm>
-          <a:prstGeom prst="straightConnector1">
-            <a:avLst/>
-          </a:prstGeom>
-          <a:noFill/>
-          <a:ln w="28575" cap="flat" cmpd="sng" algn="ctr">
-            <a:solidFill>
-              <a:srgbClr val="FF0000"/>
-            </a:solidFill>
-            <a:prstDash val="sysDot"/>
-            <a:miter lim="800000"/>
-            <a:headEnd type="none" w="med" len="med"/>
-            <a:tailEnd type="triangle"/>
-          </a:ln>
-          <a:effectLst/>
-        </p:spPr>
-      </p:cxnSp>
-      <p:cxnSp>
-        <p:nvCxnSpPr>
-          <p:cNvPr id="40" name="直線矢印コネクタ 39">
-            <a:extLst>
-              <a:ext uri="{FF2B5EF4-FFF2-40B4-BE49-F238E27FC236}">
-                <a16:creationId xmlns:a16="http://schemas.microsoft.com/office/drawing/2014/main" id="{9B1B994A-7A39-4580-A426-FACFDC428BF7}"/>
-              </a:ext>
-            </a:extLst>
-          </p:cNvPr>
-          <p:cNvCxnSpPr>
-            <a:stCxn id="8" idx="3"/>
-          </p:cNvCxnSpPr>
-          <p:nvPr/>
-        </p:nvCxnSpPr>
-        <p:spPr>
-          <a:xfrm>
-            <a:off x="9169903" y="4055593"/>
-            <a:ext cx="1256399" cy="1552040"/>
-          </a:xfrm>
-          <a:prstGeom prst="straightConnector1">
-            <a:avLst/>
-          </a:prstGeom>
-          <a:noFill/>
-          <a:ln w="28575" cap="flat" cmpd="sng" algn="ctr">
-            <a:solidFill>
-              <a:srgbClr val="FF0000"/>
-            </a:solidFill>
-            <a:prstDash val="sysDot"/>
-            <a:miter lim="800000"/>
-            <a:headEnd type="none" w="med" len="med"/>
-            <a:tailEnd type="triangle"/>
-          </a:ln>
-          <a:effectLst/>
-        </p:spPr>
-      </p:cxnSp>
-      <p:cxnSp>
-        <p:nvCxnSpPr>
-          <p:cNvPr id="41" name="直線矢印コネクタ 40">
-            <a:extLst>
-              <a:ext uri="{FF2B5EF4-FFF2-40B4-BE49-F238E27FC236}">
-                <a16:creationId xmlns:a16="http://schemas.microsoft.com/office/drawing/2014/main" id="{51A8622A-37C8-424E-B7AE-08EF1F558712}"/>
-              </a:ext>
-            </a:extLst>
-          </p:cNvPr>
-          <p:cNvCxnSpPr/>
-          <p:nvPr/>
-        </p:nvCxnSpPr>
-        <p:spPr>
-          <a:xfrm>
-            <a:off x="3055363" y="2547250"/>
-            <a:ext cx="3257307" cy="1278762"/>
-          </a:xfrm>
-          <a:prstGeom prst="straightConnector1">
-            <a:avLst/>
-          </a:prstGeom>
-          <a:noFill/>
-          <a:ln w="28575" cap="flat" cmpd="sng" algn="ctr">
-            <a:solidFill>
-              <a:srgbClr val="FF0000"/>
-            </a:solidFill>
-            <a:prstDash val="sysDot"/>
-            <a:miter lim="800000"/>
-            <a:headEnd type="none" w="med" len="med"/>
-            <a:tailEnd type="triangle"/>
-          </a:ln>
-          <a:effectLst/>
-        </p:spPr>
-      </p:cxnSp>
-      <p:cxnSp>
-        <p:nvCxnSpPr>
-          <p:cNvPr id="42" name="直線矢印コネクタ 41">
-            <a:extLst>
-              <a:ext uri="{FF2B5EF4-FFF2-40B4-BE49-F238E27FC236}">
-                <a16:creationId xmlns:a16="http://schemas.microsoft.com/office/drawing/2014/main" id="{9A7F4F46-4C50-49FB-A562-B75AC3FA01D0}"/>
-              </a:ext>
-            </a:extLst>
-          </p:cNvPr>
-          <p:cNvCxnSpPr>
-            <a:stCxn id="24" idx="3"/>
-            <a:endCxn id="6" idx="1"/>
-          </p:cNvCxnSpPr>
-          <p:nvPr/>
-        </p:nvCxnSpPr>
-        <p:spPr>
-          <a:xfrm flipV="1">
-            <a:off x="2397742" y="4055593"/>
-            <a:ext cx="3931403" cy="18879"/>
-          </a:xfrm>
-          <a:prstGeom prst="straightConnector1">
-            <a:avLst/>
-          </a:prstGeom>
-          <a:noFill/>
-          <a:ln w="28575" cap="flat" cmpd="sng" algn="ctr">
-            <a:solidFill>
-              <a:srgbClr val="FF0000"/>
-            </a:solidFill>
-            <a:prstDash val="sysDot"/>
-            <a:miter lim="800000"/>
-            <a:headEnd type="none" w="med" len="med"/>
-            <a:tailEnd type="triangle"/>
-          </a:ln>
-          <a:effectLst/>
-        </p:spPr>
-      </p:cxnSp>
-      <p:cxnSp>
-        <p:nvCxnSpPr>
-          <p:cNvPr id="43" name="直線矢印コネクタ 42">
-            <a:extLst>
-              <a:ext uri="{FF2B5EF4-FFF2-40B4-BE49-F238E27FC236}">
-                <a16:creationId xmlns:a16="http://schemas.microsoft.com/office/drawing/2014/main" id="{9EA2C3F7-4C7B-4A45-80C7-D539E47BB1AF}"/>
-              </a:ext>
-            </a:extLst>
-          </p:cNvPr>
-          <p:cNvCxnSpPr/>
-          <p:nvPr/>
-        </p:nvCxnSpPr>
-        <p:spPr>
-          <a:xfrm flipV="1">
-            <a:off x="3879525" y="4294436"/>
-            <a:ext cx="2449620" cy="1507505"/>
-          </a:xfrm>
-          <a:prstGeom prst="straightConnector1">
-            <a:avLst/>
-          </a:prstGeom>
-          <a:noFill/>
-          <a:ln w="28575" cap="flat" cmpd="sng" algn="ctr">
-            <a:solidFill>
-              <a:srgbClr val="FF0000"/>
-            </a:solidFill>
-            <a:prstDash val="sysDot"/>
-            <a:miter lim="800000"/>
-            <a:headEnd type="none" w="med" len="med"/>
-            <a:tailEnd type="triangle"/>
-          </a:ln>
-          <a:effectLst/>
-        </p:spPr>
-      </p:cxnSp>
-      <p:cxnSp>
-        <p:nvCxnSpPr>
-          <p:cNvPr id="44" name="直線矢印コネクタ 43">
-            <a:extLst>
-              <a:ext uri="{FF2B5EF4-FFF2-40B4-BE49-F238E27FC236}">
-                <a16:creationId xmlns:a16="http://schemas.microsoft.com/office/drawing/2014/main" id="{CEA2ADC3-EF34-492F-AF5E-8A8ED909B0D4}"/>
-              </a:ext>
-            </a:extLst>
-          </p:cNvPr>
-          <p:cNvCxnSpPr/>
-          <p:nvPr/>
-        </p:nvCxnSpPr>
-        <p:spPr>
-          <a:xfrm flipV="1">
-            <a:off x="2639616" y="6153740"/>
-            <a:ext cx="689510" cy="3614"/>
-          </a:xfrm>
-          <a:prstGeom prst="straightConnector1">
-            <a:avLst/>
-          </a:prstGeom>
-          <a:noFill/>
-          <a:ln w="28575" cap="flat" cmpd="sng" algn="ctr">
-            <a:solidFill>
-              <a:srgbClr val="FF0000"/>
-            </a:solidFill>
-            <a:prstDash val="sysDot"/>
-            <a:miter lim="800000"/>
-            <a:headEnd type="none" w="med" len="med"/>
-            <a:tailEnd type="triangle"/>
-          </a:ln>
-          <a:effectLst/>
-        </p:spPr>
-      </p:cxnSp>
-      <p:cxnSp>
-        <p:nvCxnSpPr>
-          <p:cNvPr id="45" name="直線矢印コネクタ 44">
-            <a:extLst>
-              <a:ext uri="{FF2B5EF4-FFF2-40B4-BE49-F238E27FC236}">
-                <a16:creationId xmlns:a16="http://schemas.microsoft.com/office/drawing/2014/main" id="{1CAA27CD-4771-4A3F-A32A-8158DFAE8528}"/>
-              </a:ext>
-            </a:extLst>
-          </p:cNvPr>
-          <p:cNvCxnSpPr/>
-          <p:nvPr/>
-        </p:nvCxnSpPr>
-        <p:spPr>
-          <a:xfrm>
-            <a:off x="2641511" y="5234422"/>
-            <a:ext cx="682823" cy="595374"/>
-          </a:xfrm>
-          <a:prstGeom prst="straightConnector1">
-            <a:avLst/>
-          </a:prstGeom>
-          <a:noFill/>
-          <a:ln w="28575" cap="flat" cmpd="sng" algn="ctr">
-            <a:solidFill>
-              <a:srgbClr val="FF0000"/>
-            </a:solidFill>
-            <a:prstDash val="sysDot"/>
-            <a:miter lim="800000"/>
-            <a:headEnd type="none" w="med" len="med"/>
-            <a:tailEnd type="triangle"/>
-          </a:ln>
-          <a:effectLst/>
-        </p:spPr>
-      </p:cxnSp>
     </p:spTree>
     <p:extLst>
       <p:ext uri="{BB962C8B-B14F-4D97-AF65-F5344CB8AC3E}">
-        <p14:creationId xmlns:p14="http://schemas.microsoft.com/office/powerpoint/2010/main" val="3148034753"/>
+        <p14:creationId xmlns:p14="http://schemas.microsoft.com/office/powerpoint/2010/main" val="1764765849"/>
       </p:ext>
     </p:extLst>
   </p:cSld>

--- a/log-analysis-on-premise/images/figures.pptx
+++ b/log-analysis-on-premise/images/figures.pptx
@@ -5,12 +5,13 @@
     <p:sldMasterId id="2147483648" r:id="rId1"/>
   </p:sldMasterIdLst>
   <p:notesMasterIdLst>
-    <p:notesMasterId r:id="rId5"/>
+    <p:notesMasterId r:id="rId6"/>
   </p:notesMasterIdLst>
   <p:sldIdLst>
     <p:sldId id="256" r:id="rId2"/>
     <p:sldId id="257" r:id="rId3"/>
     <p:sldId id="258" r:id="rId4"/>
+    <p:sldId id="259" r:id="rId5"/>
   </p:sldIdLst>
   <p:sldSz cx="12192000" cy="6858000"/>
   <p:notesSz cx="6858000" cy="9144000"/>
@@ -199,7 +200,7 @@
           <a:p>
             <a:fld id="{6381530B-0500-41DE-BD93-13268011408D}" type="datetimeFigureOut">
               <a:rPr kumimoji="1" lang="ja-JP" altLang="en-US" smtClean="0"/>
-              <a:t>2019/3/15</a:t>
+              <a:t>2019/4/3</a:t>
             </a:fld>
             <a:endParaRPr kumimoji="1" lang="ja-JP" altLang="en-US"/>
           </a:p>
@@ -645,7 +646,7 @@
           <a:p>
             <a:fld id="{6F131D96-864F-4F59-B74D-87FDD9254C75}" type="datetimeFigureOut">
               <a:rPr kumimoji="1" lang="ja-JP" altLang="en-US" smtClean="0"/>
-              <a:t>2019/3/15</a:t>
+              <a:t>2019/4/3</a:t>
             </a:fld>
             <a:endParaRPr kumimoji="1" lang="ja-JP" altLang="en-US"/>
           </a:p>
@@ -875,7 +876,7 @@
           <a:p>
             <a:fld id="{6F131D96-864F-4F59-B74D-87FDD9254C75}" type="datetimeFigureOut">
               <a:rPr kumimoji="1" lang="ja-JP" altLang="en-US" smtClean="0"/>
-              <a:t>2019/3/15</a:t>
+              <a:t>2019/4/3</a:t>
             </a:fld>
             <a:endParaRPr kumimoji="1" lang="ja-JP" altLang="en-US"/>
           </a:p>
@@ -1115,7 +1116,7 @@
           <a:p>
             <a:fld id="{6F131D96-864F-4F59-B74D-87FDD9254C75}" type="datetimeFigureOut">
               <a:rPr kumimoji="1" lang="ja-JP" altLang="en-US" smtClean="0"/>
-              <a:t>2019/3/15</a:t>
+              <a:t>2019/4/3</a:t>
             </a:fld>
             <a:endParaRPr kumimoji="1" lang="ja-JP" altLang="en-US"/>
           </a:p>
@@ -1345,7 +1346,7 @@
           <a:p>
             <a:fld id="{6F131D96-864F-4F59-B74D-87FDD9254C75}" type="datetimeFigureOut">
               <a:rPr kumimoji="1" lang="ja-JP" altLang="en-US" smtClean="0"/>
-              <a:t>2019/3/15</a:t>
+              <a:t>2019/4/3</a:t>
             </a:fld>
             <a:endParaRPr kumimoji="1" lang="ja-JP" altLang="en-US"/>
           </a:p>
@@ -1620,7 +1621,7 @@
           <a:p>
             <a:fld id="{6F131D96-864F-4F59-B74D-87FDD9254C75}" type="datetimeFigureOut">
               <a:rPr kumimoji="1" lang="ja-JP" altLang="en-US" smtClean="0"/>
-              <a:t>2019/3/15</a:t>
+              <a:t>2019/4/3</a:t>
             </a:fld>
             <a:endParaRPr kumimoji="1" lang="ja-JP" altLang="en-US"/>
           </a:p>
@@ -1949,7 +1950,7 @@
           <a:p>
             <a:fld id="{6F131D96-864F-4F59-B74D-87FDD9254C75}" type="datetimeFigureOut">
               <a:rPr kumimoji="1" lang="ja-JP" altLang="en-US" smtClean="0"/>
-              <a:t>2019/3/15</a:t>
+              <a:t>2019/4/3</a:t>
             </a:fld>
             <a:endParaRPr kumimoji="1" lang="ja-JP" altLang="en-US"/>
           </a:p>
@@ -2425,7 +2426,7 @@
           <a:p>
             <a:fld id="{6F131D96-864F-4F59-B74D-87FDD9254C75}" type="datetimeFigureOut">
               <a:rPr kumimoji="1" lang="ja-JP" altLang="en-US" smtClean="0"/>
-              <a:t>2019/3/15</a:t>
+              <a:t>2019/4/3</a:t>
             </a:fld>
             <a:endParaRPr kumimoji="1" lang="ja-JP" altLang="en-US"/>
           </a:p>
@@ -2566,7 +2567,7 @@
           <a:p>
             <a:fld id="{6F131D96-864F-4F59-B74D-87FDD9254C75}" type="datetimeFigureOut">
               <a:rPr kumimoji="1" lang="ja-JP" altLang="en-US" smtClean="0"/>
-              <a:t>2019/3/15</a:t>
+              <a:t>2019/4/3</a:t>
             </a:fld>
             <a:endParaRPr kumimoji="1" lang="ja-JP" altLang="en-US"/>
           </a:p>
@@ -2679,7 +2680,7 @@
           <a:p>
             <a:fld id="{6F131D96-864F-4F59-B74D-87FDD9254C75}" type="datetimeFigureOut">
               <a:rPr kumimoji="1" lang="ja-JP" altLang="en-US" smtClean="0"/>
-              <a:t>2019/3/15</a:t>
+              <a:t>2019/4/3</a:t>
             </a:fld>
             <a:endParaRPr kumimoji="1" lang="ja-JP" altLang="en-US"/>
           </a:p>
@@ -3022,7 +3023,7 @@
           <a:p>
             <a:fld id="{6F131D96-864F-4F59-B74D-87FDD9254C75}" type="datetimeFigureOut">
               <a:rPr kumimoji="1" lang="ja-JP" altLang="en-US" smtClean="0"/>
-              <a:t>2019/3/15</a:t>
+              <a:t>2019/4/3</a:t>
             </a:fld>
             <a:endParaRPr kumimoji="1" lang="ja-JP" altLang="en-US"/>
           </a:p>
@@ -3310,7 +3311,7 @@
           <a:p>
             <a:fld id="{6F131D96-864F-4F59-B74D-87FDD9254C75}" type="datetimeFigureOut">
               <a:rPr kumimoji="1" lang="ja-JP" altLang="en-US" smtClean="0"/>
-              <a:t>2019/3/15</a:t>
+              <a:t>2019/4/3</a:t>
             </a:fld>
             <a:endParaRPr kumimoji="1" lang="ja-JP" altLang="en-US"/>
           </a:p>
@@ -3583,7 +3584,7 @@
           <a:p>
             <a:fld id="{6F131D96-864F-4F59-B74D-87FDD9254C75}" type="datetimeFigureOut">
               <a:rPr kumimoji="1" lang="ja-JP" altLang="en-US" smtClean="0"/>
-              <a:t>2019/3/15</a:t>
+              <a:t>2019/4/3</a:t>
             </a:fld>
             <a:endParaRPr kumimoji="1" lang="ja-JP" altLang="en-US"/>
           </a:p>
@@ -7728,70 +7729,454 @@
           <a:chExt cx="0" cy="0"/>
         </a:xfrm>
       </p:grpSpPr>
-      <p:pic>
-        <p:nvPicPr>
-          <p:cNvPr id="3" name="図 2">
+      <p:grpSp>
+        <p:nvGrpSpPr>
+          <p:cNvPr id="7" name="グループ化 6">
             <a:extLst>
               <a:ext uri="{FF2B5EF4-FFF2-40B4-BE49-F238E27FC236}">
-                <a16:creationId xmlns:a16="http://schemas.microsoft.com/office/drawing/2014/main" id="{42D53835-64FC-4143-BF5F-C4EFCDFD80CE}"/>
+                <a16:creationId xmlns:a16="http://schemas.microsoft.com/office/drawing/2014/main" id="{9B39D3F6-740D-4944-B5A0-5B534665DD0C}"/>
               </a:ext>
             </a:extLst>
           </p:cNvPr>
-          <p:cNvPicPr>
-            <a:picLocks noChangeAspect="1"/>
-          </p:cNvPicPr>
+          <p:cNvGrpSpPr/>
           <p:nvPr/>
-        </p:nvPicPr>
-        <p:blipFill>
-          <a:blip r:embed="rId2"/>
-          <a:stretch>
-            <a:fillRect/>
-          </a:stretch>
-        </p:blipFill>
-        <p:spPr>
+        </p:nvGrpSpPr>
+        <p:grpSpPr>
           <a:xfrm>
-            <a:off x="796256" y="2315804"/>
-            <a:ext cx="6815368" cy="3871161"/>
+            <a:off x="796256" y="1305216"/>
+            <a:ext cx="10599488" cy="4881749"/>
+            <a:chOff x="796256" y="1305216"/>
+            <a:chExt cx="10599488" cy="4881749"/>
           </a:xfrm>
-          <a:prstGeom prst="rect">
-            <a:avLst/>
-          </a:prstGeom>
-        </p:spPr>
-      </p:pic>
-      <p:pic>
-        <p:nvPicPr>
-          <p:cNvPr id="4" name="図 3">
-            <a:extLst>
-              <a:ext uri="{FF2B5EF4-FFF2-40B4-BE49-F238E27FC236}">
-                <a16:creationId xmlns:a16="http://schemas.microsoft.com/office/drawing/2014/main" id="{4E3F43E7-7509-4E08-B212-FDCBA0449EAF}"/>
-              </a:ext>
-            </a:extLst>
-          </p:cNvPr>
-          <p:cNvPicPr>
-            <a:picLocks noChangeAspect="1"/>
-          </p:cNvPicPr>
-          <p:nvPr/>
-        </p:nvPicPr>
-        <p:blipFill>
-          <a:blip r:embed="rId3"/>
-          <a:stretch>
-            <a:fillRect/>
-          </a:stretch>
-        </p:blipFill>
-        <p:spPr>
-          <a:xfrm>
-            <a:off x="4801988" y="671035"/>
-            <a:ext cx="6378358" cy="4684105"/>
-          </a:xfrm>
-          <a:prstGeom prst="rect">
-            <a:avLst/>
-          </a:prstGeom>
-        </p:spPr>
-      </p:pic>
+        </p:grpSpPr>
+        <p:pic>
+          <p:nvPicPr>
+            <p:cNvPr id="3" name="図 2">
+              <a:extLst>
+                <a:ext uri="{FF2B5EF4-FFF2-40B4-BE49-F238E27FC236}">
+                  <a16:creationId xmlns:a16="http://schemas.microsoft.com/office/drawing/2014/main" id="{42D53835-64FC-4143-BF5F-C4EFCDFD80CE}"/>
+                </a:ext>
+              </a:extLst>
+            </p:cNvPr>
+            <p:cNvPicPr>
+              <a:picLocks noChangeAspect="1"/>
+            </p:cNvPicPr>
+            <p:nvPr/>
+          </p:nvPicPr>
+          <p:blipFill>
+            <a:blip r:embed="rId2"/>
+            <a:stretch>
+              <a:fillRect/>
+            </a:stretch>
+          </p:blipFill>
+          <p:spPr>
+            <a:xfrm>
+              <a:off x="796256" y="2315804"/>
+              <a:ext cx="6815368" cy="3871161"/>
+            </a:xfrm>
+            <a:prstGeom prst="rect">
+              <a:avLst/>
+            </a:prstGeom>
+          </p:spPr>
+        </p:pic>
+        <p:pic>
+          <p:nvPicPr>
+            <p:cNvPr id="4" name="図 3">
+              <a:extLst>
+                <a:ext uri="{FF2B5EF4-FFF2-40B4-BE49-F238E27FC236}">
+                  <a16:creationId xmlns:a16="http://schemas.microsoft.com/office/drawing/2014/main" id="{4E3F43E7-7509-4E08-B212-FDCBA0449EAF}"/>
+                </a:ext>
+              </a:extLst>
+            </p:cNvPr>
+            <p:cNvPicPr>
+              <a:picLocks noChangeAspect="1"/>
+            </p:cNvPicPr>
+            <p:nvPr/>
+          </p:nvPicPr>
+          <p:blipFill>
+            <a:blip r:embed="rId3"/>
+            <a:stretch>
+              <a:fillRect/>
+            </a:stretch>
+          </p:blipFill>
+          <p:spPr>
+            <a:xfrm>
+              <a:off x="5017386" y="1305216"/>
+              <a:ext cx="6378358" cy="4684105"/>
+            </a:xfrm>
+            <a:prstGeom prst="rect">
+              <a:avLst/>
+            </a:prstGeom>
+          </p:spPr>
+        </p:pic>
+        <p:sp>
+          <p:nvSpPr>
+            <p:cNvPr id="5" name="楕円 4">
+              <a:extLst>
+                <a:ext uri="{FF2B5EF4-FFF2-40B4-BE49-F238E27FC236}">
+                  <a16:creationId xmlns:a16="http://schemas.microsoft.com/office/drawing/2014/main" id="{ABA9F691-D6EB-462F-97F5-2C5437C08531}"/>
+                </a:ext>
+              </a:extLst>
+            </p:cNvPr>
+            <p:cNvSpPr/>
+            <p:nvPr/>
+          </p:nvSpPr>
+          <p:spPr>
+            <a:xfrm>
+              <a:off x="2218724" y="5433110"/>
+              <a:ext cx="2588809" cy="498570"/>
+            </a:xfrm>
+            <a:prstGeom prst="ellipse">
+              <a:avLst/>
+            </a:prstGeom>
+            <a:noFill/>
+            <a:ln w="38100">
+              <a:solidFill>
+                <a:srgbClr val="FF0000"/>
+              </a:solidFill>
+            </a:ln>
+          </p:spPr>
+          <p:style>
+            <a:lnRef idx="2">
+              <a:schemeClr val="accent1">
+                <a:shade val="50000"/>
+              </a:schemeClr>
+            </a:lnRef>
+            <a:fillRef idx="1">
+              <a:schemeClr val="accent1"/>
+            </a:fillRef>
+            <a:effectRef idx="0">
+              <a:schemeClr val="accent1"/>
+            </a:effectRef>
+            <a:fontRef idx="minor">
+              <a:schemeClr val="lt1"/>
+            </a:fontRef>
+          </p:style>
+          <p:txBody>
+            <a:bodyPr rtlCol="0" anchor="ctr"/>
+            <a:lstStyle/>
+            <a:p>
+              <a:pPr algn="ctr"/>
+              <a:endParaRPr kumimoji="1" lang="ja-JP" altLang="en-US"/>
+            </a:p>
+          </p:txBody>
+        </p:sp>
+      </p:grpSp>
     </p:spTree>
     <p:extLst>
       <p:ext uri="{BB962C8B-B14F-4D97-AF65-F5344CB8AC3E}">
         <p14:creationId xmlns:p14="http://schemas.microsoft.com/office/powerpoint/2010/main" val="1764765849"/>
+      </p:ext>
+    </p:extLst>
+  </p:cSld>
+  <p:clrMapOvr>
+    <a:masterClrMapping/>
+  </p:clrMapOvr>
+</p:sld>
+</file>
+
+<file path=ppt/slides/slide4.xml><?xml version="1.0" encoding="utf-8"?>
+<p:sld xmlns:a="http://schemas.openxmlformats.org/drawingml/2006/main" xmlns:r="http://schemas.openxmlformats.org/officeDocument/2006/relationships" xmlns:p="http://schemas.openxmlformats.org/presentationml/2006/main">
+  <p:cSld>
+    <p:spTree>
+      <p:nvGrpSpPr>
+        <p:cNvPr id="1" name=""/>
+        <p:cNvGrpSpPr/>
+        <p:nvPr/>
+      </p:nvGrpSpPr>
+      <p:grpSpPr>
+        <a:xfrm>
+          <a:off x="0" y="0"/>
+          <a:ext cx="0" cy="0"/>
+          <a:chOff x="0" y="0"/>
+          <a:chExt cx="0" cy="0"/>
+        </a:xfrm>
+      </p:grpSpPr>
+      <p:grpSp>
+        <p:nvGrpSpPr>
+          <p:cNvPr id="10" name="グループ化 9">
+            <a:extLst>
+              <a:ext uri="{FF2B5EF4-FFF2-40B4-BE49-F238E27FC236}">
+                <a16:creationId xmlns:a16="http://schemas.microsoft.com/office/drawing/2014/main" id="{6133E539-D8ED-48A8-A187-586F79F30754}"/>
+              </a:ext>
+            </a:extLst>
+          </p:cNvPr>
+          <p:cNvGrpSpPr/>
+          <p:nvPr/>
+        </p:nvGrpSpPr>
+        <p:grpSpPr>
+          <a:xfrm>
+            <a:off x="1514729" y="661967"/>
+            <a:ext cx="9119966" cy="5694947"/>
+            <a:chOff x="1514729" y="661967"/>
+            <a:chExt cx="9119966" cy="5694947"/>
+          </a:xfrm>
+        </p:grpSpPr>
+        <p:pic>
+          <p:nvPicPr>
+            <p:cNvPr id="7" name="図 6">
+              <a:extLst>
+                <a:ext uri="{FF2B5EF4-FFF2-40B4-BE49-F238E27FC236}">
+                  <a16:creationId xmlns:a16="http://schemas.microsoft.com/office/drawing/2014/main" id="{F77F4B6A-319E-4E40-BADE-8242013B0F82}"/>
+                </a:ext>
+              </a:extLst>
+            </p:cNvPr>
+            <p:cNvPicPr>
+              <a:picLocks noChangeAspect="1"/>
+            </p:cNvPicPr>
+            <p:nvPr/>
+          </p:nvPicPr>
+          <p:blipFill>
+            <a:blip r:embed="rId2">
+              <a:extLst>
+                <a:ext uri="{28A0092B-C50C-407E-A947-70E740481C1C}">
+                  <a14:useLocalDpi xmlns:a14="http://schemas.microsoft.com/office/drawing/2010/main" val="0"/>
+                </a:ext>
+              </a:extLst>
+            </a:blip>
+            <a:stretch>
+              <a:fillRect/>
+            </a:stretch>
+          </p:blipFill>
+          <p:spPr>
+            <a:xfrm>
+              <a:off x="1557304" y="661967"/>
+              <a:ext cx="9077391" cy="5534065"/>
+            </a:xfrm>
+            <a:prstGeom prst="rect">
+              <a:avLst/>
+            </a:prstGeom>
+          </p:spPr>
+        </p:pic>
+        <p:sp>
+          <p:nvSpPr>
+            <p:cNvPr id="4" name="楕円 3">
+              <a:extLst>
+                <a:ext uri="{FF2B5EF4-FFF2-40B4-BE49-F238E27FC236}">
+                  <a16:creationId xmlns:a16="http://schemas.microsoft.com/office/drawing/2014/main" id="{F6AAEC47-28C9-47B7-8415-5799385B0492}"/>
+                </a:ext>
+              </a:extLst>
+            </p:cNvPr>
+            <p:cNvSpPr/>
+            <p:nvPr/>
+          </p:nvSpPr>
+          <p:spPr>
+            <a:xfrm>
+              <a:off x="1514729" y="3780770"/>
+              <a:ext cx="907361" cy="255845"/>
+            </a:xfrm>
+            <a:prstGeom prst="ellipse">
+              <a:avLst/>
+            </a:prstGeom>
+            <a:noFill/>
+            <a:ln w="38100">
+              <a:solidFill>
+                <a:srgbClr val="FF0000"/>
+              </a:solidFill>
+            </a:ln>
+          </p:spPr>
+          <p:style>
+            <a:lnRef idx="2">
+              <a:schemeClr val="accent1">
+                <a:shade val="50000"/>
+              </a:schemeClr>
+            </a:lnRef>
+            <a:fillRef idx="1">
+              <a:schemeClr val="accent1"/>
+            </a:fillRef>
+            <a:effectRef idx="0">
+              <a:schemeClr val="accent1"/>
+            </a:effectRef>
+            <a:fontRef idx="minor">
+              <a:schemeClr val="lt1"/>
+            </a:fontRef>
+          </p:style>
+          <p:txBody>
+            <a:bodyPr rtlCol="0" anchor="ctr"/>
+            <a:lstStyle/>
+            <a:p>
+              <a:pPr algn="ctr"/>
+              <a:endParaRPr kumimoji="1" lang="ja-JP" altLang="en-US"/>
+            </a:p>
+          </p:txBody>
+        </p:sp>
+        <p:sp>
+          <p:nvSpPr>
+            <p:cNvPr id="5" name="吹き出し: 四角形 4">
+              <a:extLst>
+                <a:ext uri="{FF2B5EF4-FFF2-40B4-BE49-F238E27FC236}">
+                  <a16:creationId xmlns:a16="http://schemas.microsoft.com/office/drawing/2014/main" id="{D22D11BF-0408-4CA8-B311-B437B56EBF72}"/>
+                </a:ext>
+              </a:extLst>
+            </p:cNvPr>
+            <p:cNvSpPr/>
+            <p:nvPr/>
+          </p:nvSpPr>
+          <p:spPr>
+            <a:xfrm>
+              <a:off x="1766482" y="5703396"/>
+              <a:ext cx="3346106" cy="653518"/>
+            </a:xfrm>
+            <a:prstGeom prst="wedgeRectCallout">
+              <a:avLst>
+                <a:gd name="adj1" fmla="val 21886"/>
+                <a:gd name="adj2" fmla="val -150459"/>
+              </a:avLst>
+            </a:prstGeom>
+          </p:spPr>
+          <p:style>
+            <a:lnRef idx="1">
+              <a:schemeClr val="accent2"/>
+            </a:lnRef>
+            <a:fillRef idx="2">
+              <a:schemeClr val="accent2"/>
+            </a:fillRef>
+            <a:effectRef idx="1">
+              <a:schemeClr val="accent2"/>
+            </a:effectRef>
+            <a:fontRef idx="minor">
+              <a:schemeClr val="dk1"/>
+            </a:fontRef>
+          </p:style>
+          <p:txBody>
+            <a:bodyPr rtlCol="0" anchor="ctr"/>
+            <a:lstStyle/>
+            <a:p>
+              <a:pPr algn="ctr"/>
+              <a:r>
+                <a:rPr kumimoji="1" lang="ja-JP" altLang="en-US" sz="1400" dirty="0"/>
+                <a:t>蓄積されたログのスキーマ</a:t>
+              </a:r>
+              <a:endParaRPr kumimoji="1" lang="en-US" altLang="ja-JP" sz="1400" dirty="0"/>
+            </a:p>
+            <a:p>
+              <a:pPr algn="ctr"/>
+              <a:r>
+                <a:rPr lang="ja-JP" altLang="en-US" sz="1400"/>
+                <a:t>展開してフィールド</a:t>
+              </a:r>
+              <a:r>
+                <a:rPr lang="ja-JP" altLang="en-US" sz="1400" dirty="0"/>
+                <a:t>が確認できる</a:t>
+              </a:r>
+              <a:endParaRPr kumimoji="1" lang="ja-JP" altLang="en-US" sz="1400" dirty="0"/>
+            </a:p>
+          </p:txBody>
+        </p:sp>
+        <p:sp>
+          <p:nvSpPr>
+            <p:cNvPr id="8" name="吹き出し: 四角形 7">
+              <a:extLst>
+                <a:ext uri="{FF2B5EF4-FFF2-40B4-BE49-F238E27FC236}">
+                  <a16:creationId xmlns:a16="http://schemas.microsoft.com/office/drawing/2014/main" id="{DAF6CAFF-4A4C-4804-8CE0-6A51187F8359}"/>
+                </a:ext>
+              </a:extLst>
+            </p:cNvPr>
+            <p:cNvSpPr/>
+            <p:nvPr/>
+          </p:nvSpPr>
+          <p:spPr>
+            <a:xfrm>
+              <a:off x="6695041" y="1798506"/>
+              <a:ext cx="1534559" cy="576634"/>
+            </a:xfrm>
+            <a:prstGeom prst="wedgeRectCallout">
+              <a:avLst>
+                <a:gd name="adj1" fmla="val -77633"/>
+                <a:gd name="adj2" fmla="val -42219"/>
+              </a:avLst>
+            </a:prstGeom>
+          </p:spPr>
+          <p:style>
+            <a:lnRef idx="1">
+              <a:schemeClr val="accent2"/>
+            </a:lnRef>
+            <a:fillRef idx="2">
+              <a:schemeClr val="accent2"/>
+            </a:fillRef>
+            <a:effectRef idx="1">
+              <a:schemeClr val="accent2"/>
+            </a:effectRef>
+            <a:fontRef idx="minor">
+              <a:schemeClr val="dk1"/>
+            </a:fontRef>
+          </p:style>
+          <p:txBody>
+            <a:bodyPr rtlCol="0" anchor="ctr"/>
+            <a:lstStyle/>
+            <a:p>
+              <a:pPr algn="ctr"/>
+              <a:r>
+                <a:rPr kumimoji="1" lang="ja-JP" altLang="en-US" sz="1400" dirty="0"/>
+                <a:t>クエリを入力</a:t>
+              </a:r>
+            </a:p>
+          </p:txBody>
+        </p:sp>
+        <p:sp>
+          <p:nvSpPr>
+            <p:cNvPr id="9" name="吹き出し: 四角形 8">
+              <a:extLst>
+                <a:ext uri="{FF2B5EF4-FFF2-40B4-BE49-F238E27FC236}">
+                  <a16:creationId xmlns:a16="http://schemas.microsoft.com/office/drawing/2014/main" id="{76F6CFF2-C0D0-4F4A-8065-0684C81D7D52}"/>
+                </a:ext>
+              </a:extLst>
+            </p:cNvPr>
+            <p:cNvSpPr/>
+            <p:nvPr/>
+          </p:nvSpPr>
+          <p:spPr>
+            <a:xfrm>
+              <a:off x="7948746" y="4576212"/>
+              <a:ext cx="1534559" cy="576634"/>
+            </a:xfrm>
+            <a:prstGeom prst="wedgeRectCallout">
+              <a:avLst>
+                <a:gd name="adj1" fmla="val -77633"/>
+                <a:gd name="adj2" fmla="val -42219"/>
+              </a:avLst>
+            </a:prstGeom>
+          </p:spPr>
+          <p:style>
+            <a:lnRef idx="1">
+              <a:schemeClr val="accent2"/>
+            </a:lnRef>
+            <a:fillRef idx="2">
+              <a:schemeClr val="accent2"/>
+            </a:fillRef>
+            <a:effectRef idx="1">
+              <a:schemeClr val="accent2"/>
+            </a:effectRef>
+            <a:fontRef idx="minor">
+              <a:schemeClr val="dk1"/>
+            </a:fontRef>
+          </p:style>
+          <p:txBody>
+            <a:bodyPr rtlCol="0" anchor="ctr"/>
+            <a:lstStyle/>
+            <a:p>
+              <a:pPr algn="ctr"/>
+              <a:r>
+                <a:rPr kumimoji="1" lang="ja-JP" altLang="en-US" sz="1400" dirty="0"/>
+                <a:t>実行結果が</a:t>
+              </a:r>
+              <a:endParaRPr kumimoji="1" lang="en-US" altLang="ja-JP" sz="1400" dirty="0"/>
+            </a:p>
+            <a:p>
+              <a:pPr algn="ctr"/>
+              <a:r>
+                <a:rPr lang="ja-JP" altLang="en-US" sz="1400" dirty="0"/>
+                <a:t>表示される</a:t>
+              </a:r>
+              <a:endParaRPr kumimoji="1" lang="ja-JP" altLang="en-US" sz="1400" dirty="0"/>
+            </a:p>
+          </p:txBody>
+        </p:sp>
+      </p:grpSp>
+    </p:spTree>
+    <p:extLst>
+      <p:ext uri="{BB962C8B-B14F-4D97-AF65-F5344CB8AC3E}">
+        <p14:creationId xmlns:p14="http://schemas.microsoft.com/office/powerpoint/2010/main" val="2455375755"/>
       </p:ext>
     </p:extLst>
   </p:cSld>

--- a/log-analysis-on-premise/images/figures.pptx
+++ b/log-analysis-on-premise/images/figures.pptx
@@ -5,13 +5,17 @@
     <p:sldMasterId id="2147483648" r:id="rId1"/>
   </p:sldMasterIdLst>
   <p:notesMasterIdLst>
-    <p:notesMasterId r:id="rId6"/>
+    <p:notesMasterId r:id="rId10"/>
   </p:notesMasterIdLst>
   <p:sldIdLst>
     <p:sldId id="256" r:id="rId2"/>
     <p:sldId id="257" r:id="rId3"/>
     <p:sldId id="258" r:id="rId4"/>
     <p:sldId id="259" r:id="rId5"/>
+    <p:sldId id="260" r:id="rId6"/>
+    <p:sldId id="261" r:id="rId7"/>
+    <p:sldId id="262" r:id="rId8"/>
+    <p:sldId id="263" r:id="rId9"/>
   </p:sldIdLst>
   <p:sldSz cx="12192000" cy="6858000"/>
   <p:notesSz cx="6858000" cy="9144000"/>
@@ -8052,12 +8056,8 @@
             <a:p>
               <a:pPr algn="ctr"/>
               <a:r>
-                <a:rPr lang="ja-JP" altLang="en-US" sz="1400"/>
-                <a:t>展開してフィールド</a:t>
-              </a:r>
-              <a:r>
                 <a:rPr lang="ja-JP" altLang="en-US" sz="1400" dirty="0"/>
-                <a:t>が確認できる</a:t>
+                <a:t>展開してフィールドが確認できる</a:t>
               </a:r>
               <a:endParaRPr kumimoji="1" lang="ja-JP" altLang="en-US" sz="1400" dirty="0"/>
             </a:p>
@@ -8177,6 +8177,759 @@
     <p:extLst>
       <p:ext uri="{BB962C8B-B14F-4D97-AF65-F5344CB8AC3E}">
         <p14:creationId xmlns:p14="http://schemas.microsoft.com/office/powerpoint/2010/main" val="2455375755"/>
+      </p:ext>
+    </p:extLst>
+  </p:cSld>
+  <p:clrMapOvr>
+    <a:masterClrMapping/>
+  </p:clrMapOvr>
+</p:sld>
+</file>
+
+<file path=ppt/slides/slide5.xml><?xml version="1.0" encoding="utf-8"?>
+<p:sld xmlns:a="http://schemas.openxmlformats.org/drawingml/2006/main" xmlns:r="http://schemas.openxmlformats.org/officeDocument/2006/relationships" xmlns:p="http://schemas.openxmlformats.org/presentationml/2006/main">
+  <p:cSld>
+    <p:spTree>
+      <p:nvGrpSpPr>
+        <p:cNvPr id="1" name=""/>
+        <p:cNvGrpSpPr/>
+        <p:nvPr/>
+      </p:nvGrpSpPr>
+      <p:grpSpPr>
+        <a:xfrm>
+          <a:off x="0" y="0"/>
+          <a:ext cx="0" cy="0"/>
+          <a:chOff x="0" y="0"/>
+          <a:chExt cx="0" cy="0"/>
+        </a:xfrm>
+      </p:grpSpPr>
+      <p:pic>
+        <p:nvPicPr>
+          <p:cNvPr id="5" name="図 4">
+            <a:extLst>
+              <a:ext uri="{FF2B5EF4-FFF2-40B4-BE49-F238E27FC236}">
+                <a16:creationId xmlns:a16="http://schemas.microsoft.com/office/drawing/2014/main" id="{D94D6B53-A03D-4F67-AD2C-5CDF6E36A605}"/>
+              </a:ext>
+            </a:extLst>
+          </p:cNvPr>
+          <p:cNvPicPr>
+            <a:picLocks noChangeAspect="1"/>
+          </p:cNvPicPr>
+          <p:nvPr/>
+        </p:nvPicPr>
+        <p:blipFill>
+          <a:blip r:embed="rId2">
+            <a:extLst>
+              <a:ext uri="{28A0092B-C50C-407E-A947-70E740481C1C}">
+                <a14:useLocalDpi xmlns:a14="http://schemas.microsoft.com/office/drawing/2010/main" val="0"/>
+              </a:ext>
+            </a:extLst>
+          </a:blip>
+          <a:stretch>
+            <a:fillRect/>
+          </a:stretch>
+        </p:blipFill>
+        <p:spPr>
+          <a:xfrm>
+            <a:off x="2351593" y="957132"/>
+            <a:ext cx="7488815" cy="4943734"/>
+          </a:xfrm>
+          <a:prstGeom prst="rect">
+            <a:avLst/>
+          </a:prstGeom>
+        </p:spPr>
+      </p:pic>
+    </p:spTree>
+    <p:extLst>
+      <p:ext uri="{BB962C8B-B14F-4D97-AF65-F5344CB8AC3E}">
+        <p14:creationId xmlns:p14="http://schemas.microsoft.com/office/powerpoint/2010/main" val="3306318703"/>
+      </p:ext>
+    </p:extLst>
+  </p:cSld>
+  <p:clrMapOvr>
+    <a:masterClrMapping/>
+  </p:clrMapOvr>
+</p:sld>
+</file>
+
+<file path=ppt/slides/slide6.xml><?xml version="1.0" encoding="utf-8"?>
+<p:sld xmlns:a="http://schemas.openxmlformats.org/drawingml/2006/main" xmlns:r="http://schemas.openxmlformats.org/officeDocument/2006/relationships" xmlns:p="http://schemas.openxmlformats.org/presentationml/2006/main">
+  <p:cSld>
+    <p:spTree>
+      <p:nvGrpSpPr>
+        <p:cNvPr id="1" name=""/>
+        <p:cNvGrpSpPr/>
+        <p:nvPr/>
+      </p:nvGrpSpPr>
+      <p:grpSpPr>
+        <a:xfrm>
+          <a:off x="0" y="0"/>
+          <a:ext cx="0" cy="0"/>
+          <a:chOff x="0" y="0"/>
+          <a:chExt cx="0" cy="0"/>
+        </a:xfrm>
+      </p:grpSpPr>
+      <p:pic>
+        <p:nvPicPr>
+          <p:cNvPr id="3" name="図 2">
+            <a:extLst>
+              <a:ext uri="{FF2B5EF4-FFF2-40B4-BE49-F238E27FC236}">
+                <a16:creationId xmlns:a16="http://schemas.microsoft.com/office/drawing/2014/main" id="{E114E2AC-B149-42A4-8A44-E4F9F4A1AB6A}"/>
+              </a:ext>
+            </a:extLst>
+          </p:cNvPr>
+          <p:cNvPicPr>
+            <a:picLocks noChangeAspect="1"/>
+          </p:cNvPicPr>
+          <p:nvPr/>
+        </p:nvPicPr>
+        <p:blipFill>
+          <a:blip r:embed="rId2"/>
+          <a:stretch>
+            <a:fillRect/>
+          </a:stretch>
+        </p:blipFill>
+        <p:spPr>
+          <a:xfrm>
+            <a:off x="1863576" y="852742"/>
+            <a:ext cx="8464849" cy="5152516"/>
+          </a:xfrm>
+          <a:prstGeom prst="rect">
+            <a:avLst/>
+          </a:prstGeom>
+        </p:spPr>
+      </p:pic>
+      <p:sp>
+        <p:nvSpPr>
+          <p:cNvPr id="4" name="楕円 3">
+            <a:extLst>
+              <a:ext uri="{FF2B5EF4-FFF2-40B4-BE49-F238E27FC236}">
+                <a16:creationId xmlns:a16="http://schemas.microsoft.com/office/drawing/2014/main" id="{AB224647-D1A9-4915-AFC4-4CEEA833A42C}"/>
+              </a:ext>
+            </a:extLst>
+          </p:cNvPr>
+          <p:cNvSpPr/>
+          <p:nvPr/>
+        </p:nvSpPr>
+        <p:spPr>
+          <a:xfrm>
+            <a:off x="2104664" y="1991299"/>
+            <a:ext cx="907361" cy="255845"/>
+          </a:xfrm>
+          <a:prstGeom prst="ellipse">
+            <a:avLst/>
+          </a:prstGeom>
+          <a:noFill/>
+          <a:ln w="38100">
+            <a:solidFill>
+              <a:srgbClr val="FF0000"/>
+            </a:solidFill>
+          </a:ln>
+        </p:spPr>
+        <p:style>
+          <a:lnRef idx="2">
+            <a:schemeClr val="accent1">
+              <a:shade val="50000"/>
+            </a:schemeClr>
+          </a:lnRef>
+          <a:fillRef idx="1">
+            <a:schemeClr val="accent1"/>
+          </a:fillRef>
+          <a:effectRef idx="0">
+            <a:schemeClr val="accent1"/>
+          </a:effectRef>
+          <a:fontRef idx="minor">
+            <a:schemeClr val="lt1"/>
+          </a:fontRef>
+        </p:style>
+        <p:txBody>
+          <a:bodyPr rtlCol="0" anchor="ctr"/>
+          <a:lstStyle/>
+          <a:p>
+            <a:pPr algn="ctr"/>
+            <a:endParaRPr kumimoji="1" lang="ja-JP" altLang="en-US"/>
+          </a:p>
+        </p:txBody>
+      </p:sp>
+      <p:sp>
+        <p:nvSpPr>
+          <p:cNvPr id="5" name="楕円 4">
+            <a:extLst>
+              <a:ext uri="{FF2B5EF4-FFF2-40B4-BE49-F238E27FC236}">
+                <a16:creationId xmlns:a16="http://schemas.microsoft.com/office/drawing/2014/main" id="{4596C0E5-4625-42CF-A0E7-41EA2E233979}"/>
+              </a:ext>
+            </a:extLst>
+          </p:cNvPr>
+          <p:cNvSpPr/>
+          <p:nvPr/>
+        </p:nvSpPr>
+        <p:spPr>
+          <a:xfrm>
+            <a:off x="6794652" y="2119221"/>
+            <a:ext cx="907361" cy="255845"/>
+          </a:xfrm>
+          <a:prstGeom prst="ellipse">
+            <a:avLst/>
+          </a:prstGeom>
+          <a:noFill/>
+          <a:ln w="38100">
+            <a:solidFill>
+              <a:srgbClr val="FF0000"/>
+            </a:solidFill>
+          </a:ln>
+        </p:spPr>
+        <p:style>
+          <a:lnRef idx="2">
+            <a:schemeClr val="accent1">
+              <a:shade val="50000"/>
+            </a:schemeClr>
+          </a:lnRef>
+          <a:fillRef idx="1">
+            <a:schemeClr val="accent1"/>
+          </a:fillRef>
+          <a:effectRef idx="0">
+            <a:schemeClr val="accent1"/>
+          </a:effectRef>
+          <a:fontRef idx="minor">
+            <a:schemeClr val="lt1"/>
+          </a:fontRef>
+        </p:style>
+        <p:txBody>
+          <a:bodyPr rtlCol="0" anchor="ctr"/>
+          <a:lstStyle/>
+          <a:p>
+            <a:pPr algn="ctr"/>
+            <a:endParaRPr kumimoji="1" lang="ja-JP" altLang="en-US"/>
+          </a:p>
+        </p:txBody>
+      </p:sp>
+      <p:sp>
+        <p:nvSpPr>
+          <p:cNvPr id="7" name="吹き出し: 四角形 6">
+            <a:extLst>
+              <a:ext uri="{FF2B5EF4-FFF2-40B4-BE49-F238E27FC236}">
+                <a16:creationId xmlns:a16="http://schemas.microsoft.com/office/drawing/2014/main" id="{20D13324-13CA-4475-990B-65DF3180CE75}"/>
+              </a:ext>
+            </a:extLst>
+          </p:cNvPr>
+          <p:cNvSpPr/>
+          <p:nvPr/>
+        </p:nvSpPr>
+        <p:spPr>
+          <a:xfrm>
+            <a:off x="5735273" y="4787145"/>
+            <a:ext cx="2436824" cy="576634"/>
+          </a:xfrm>
+          <a:prstGeom prst="wedgeRectCallout">
+            <a:avLst>
+              <a:gd name="adj1" fmla="val -61108"/>
+              <a:gd name="adj2" fmla="val -208068"/>
+            </a:avLst>
+          </a:prstGeom>
+        </p:spPr>
+        <p:style>
+          <a:lnRef idx="1">
+            <a:schemeClr val="accent2"/>
+          </a:lnRef>
+          <a:fillRef idx="2">
+            <a:schemeClr val="accent2"/>
+          </a:fillRef>
+          <a:effectRef idx="1">
+            <a:schemeClr val="accent2"/>
+          </a:effectRef>
+          <a:fontRef idx="minor">
+            <a:schemeClr val="dk1"/>
+          </a:fontRef>
+        </p:style>
+        <p:txBody>
+          <a:bodyPr rtlCol="0" anchor="ctr"/>
+          <a:lstStyle/>
+          <a:p>
+            <a:pPr algn="ctr"/>
+            <a:r>
+              <a:rPr lang="ja-JP" altLang="en-US" sz="1400" dirty="0"/>
+              <a:t>どのアプリが</a:t>
+            </a:r>
+            <a:endParaRPr lang="en-US" altLang="ja-JP" sz="1400" dirty="0"/>
+          </a:p>
+          <a:p>
+            <a:pPr algn="ctr"/>
+            <a:r>
+              <a:rPr kumimoji="1" lang="ja-JP" altLang="en-US" sz="1400" dirty="0"/>
+              <a:t>何のエラーで落ちたのか？</a:t>
+            </a:r>
+          </a:p>
+        </p:txBody>
+      </p:sp>
+    </p:spTree>
+    <p:extLst>
+      <p:ext uri="{BB962C8B-B14F-4D97-AF65-F5344CB8AC3E}">
+        <p14:creationId xmlns:p14="http://schemas.microsoft.com/office/powerpoint/2010/main" val="873594622"/>
+      </p:ext>
+    </p:extLst>
+  </p:cSld>
+  <p:clrMapOvr>
+    <a:masterClrMapping/>
+  </p:clrMapOvr>
+</p:sld>
+</file>
+
+<file path=ppt/slides/slide7.xml><?xml version="1.0" encoding="utf-8"?>
+<p:sld xmlns:a="http://schemas.openxmlformats.org/drawingml/2006/main" xmlns:r="http://schemas.openxmlformats.org/officeDocument/2006/relationships" xmlns:p="http://schemas.openxmlformats.org/presentationml/2006/main">
+  <p:cSld>
+    <p:spTree>
+      <p:nvGrpSpPr>
+        <p:cNvPr id="1" name=""/>
+        <p:cNvGrpSpPr/>
+        <p:nvPr/>
+      </p:nvGrpSpPr>
+      <p:grpSpPr>
+        <a:xfrm>
+          <a:off x="0" y="0"/>
+          <a:ext cx="0" cy="0"/>
+          <a:chOff x="0" y="0"/>
+          <a:chExt cx="0" cy="0"/>
+        </a:xfrm>
+      </p:grpSpPr>
+      <p:pic>
+        <p:nvPicPr>
+          <p:cNvPr id="3" name="図 2">
+            <a:extLst>
+              <a:ext uri="{FF2B5EF4-FFF2-40B4-BE49-F238E27FC236}">
+                <a16:creationId xmlns:a16="http://schemas.microsoft.com/office/drawing/2014/main" id="{75EF5120-B1D7-47D1-B231-D0A53411A403}"/>
+              </a:ext>
+            </a:extLst>
+          </p:cNvPr>
+          <p:cNvPicPr>
+            <a:picLocks noChangeAspect="1"/>
+          </p:cNvPicPr>
+          <p:nvPr/>
+        </p:nvPicPr>
+        <p:blipFill>
+          <a:blip r:embed="rId2">
+            <a:extLst>
+              <a:ext uri="{28A0092B-C50C-407E-A947-70E740481C1C}">
+                <a14:useLocalDpi xmlns:a14="http://schemas.microsoft.com/office/drawing/2010/main" val="0"/>
+              </a:ext>
+            </a:extLst>
+          </a:blip>
+          <a:stretch>
+            <a:fillRect/>
+          </a:stretch>
+        </p:blipFill>
+        <p:spPr>
+          <a:xfrm>
+            <a:off x="1333032" y="236030"/>
+            <a:ext cx="7196864" cy="6218160"/>
+          </a:xfrm>
+          <a:prstGeom prst="rect">
+            <a:avLst/>
+          </a:prstGeom>
+        </p:spPr>
+      </p:pic>
+      <p:sp>
+        <p:nvSpPr>
+          <p:cNvPr id="4" name="楕円 3">
+            <a:extLst>
+              <a:ext uri="{FF2B5EF4-FFF2-40B4-BE49-F238E27FC236}">
+                <a16:creationId xmlns:a16="http://schemas.microsoft.com/office/drawing/2014/main" id="{9681D062-654F-44C2-818F-AE6893EB31A8}"/>
+              </a:ext>
+            </a:extLst>
+          </p:cNvPr>
+          <p:cNvSpPr/>
+          <p:nvPr/>
+        </p:nvSpPr>
+        <p:spPr>
+          <a:xfrm>
+            <a:off x="1383354" y="4767871"/>
+            <a:ext cx="907361" cy="255845"/>
+          </a:xfrm>
+          <a:prstGeom prst="ellipse">
+            <a:avLst/>
+          </a:prstGeom>
+          <a:noFill/>
+          <a:ln w="38100">
+            <a:solidFill>
+              <a:srgbClr val="FF0000"/>
+            </a:solidFill>
+          </a:ln>
+        </p:spPr>
+        <p:style>
+          <a:lnRef idx="2">
+            <a:schemeClr val="accent1">
+              <a:shade val="50000"/>
+            </a:schemeClr>
+          </a:lnRef>
+          <a:fillRef idx="1">
+            <a:schemeClr val="accent1"/>
+          </a:fillRef>
+          <a:effectRef idx="0">
+            <a:schemeClr val="accent1"/>
+          </a:effectRef>
+          <a:fontRef idx="minor">
+            <a:schemeClr val="lt1"/>
+          </a:fontRef>
+        </p:style>
+        <p:txBody>
+          <a:bodyPr rtlCol="0" anchor="ctr"/>
+          <a:lstStyle/>
+          <a:p>
+            <a:pPr algn="ctr"/>
+            <a:endParaRPr kumimoji="1" lang="ja-JP" altLang="en-US"/>
+          </a:p>
+        </p:txBody>
+      </p:sp>
+      <p:sp>
+        <p:nvSpPr>
+          <p:cNvPr id="6" name="吹き出し: 四角形 5">
+            <a:extLst>
+              <a:ext uri="{FF2B5EF4-FFF2-40B4-BE49-F238E27FC236}">
+                <a16:creationId xmlns:a16="http://schemas.microsoft.com/office/drawing/2014/main" id="{82BAE75A-3FA0-4C92-B689-6B8FA83A92B1}"/>
+              </a:ext>
+            </a:extLst>
+          </p:cNvPr>
+          <p:cNvSpPr/>
+          <p:nvPr/>
+        </p:nvSpPr>
+        <p:spPr>
+          <a:xfrm>
+            <a:off x="3713052" y="2186558"/>
+            <a:ext cx="2436824" cy="576634"/>
+          </a:xfrm>
+          <a:prstGeom prst="wedgeRectCallout">
+            <a:avLst>
+              <a:gd name="adj1" fmla="val -70747"/>
+              <a:gd name="adj2" fmla="val 49435"/>
+            </a:avLst>
+          </a:prstGeom>
+        </p:spPr>
+        <p:style>
+          <a:lnRef idx="1">
+            <a:schemeClr val="accent2"/>
+          </a:lnRef>
+          <a:fillRef idx="2">
+            <a:schemeClr val="accent2"/>
+          </a:fillRef>
+          <a:effectRef idx="1">
+            <a:schemeClr val="accent2"/>
+          </a:effectRef>
+          <a:fontRef idx="minor">
+            <a:schemeClr val="dk1"/>
+          </a:fontRef>
+        </p:style>
+        <p:txBody>
+          <a:bodyPr rtlCol="0" anchor="ctr"/>
+          <a:lstStyle/>
+          <a:p>
+            <a:pPr algn="ctr"/>
+            <a:r>
+              <a:rPr lang="ja-JP" altLang="en-US" sz="1400" dirty="0"/>
+              <a:t>リストから詳細を展開</a:t>
+            </a:r>
+            <a:endParaRPr lang="en-US" altLang="ja-JP" sz="1400" dirty="0"/>
+          </a:p>
+        </p:txBody>
+      </p:sp>
+      <p:sp>
+        <p:nvSpPr>
+          <p:cNvPr id="9" name="楕円 8">
+            <a:extLst>
+              <a:ext uri="{FF2B5EF4-FFF2-40B4-BE49-F238E27FC236}">
+                <a16:creationId xmlns:a16="http://schemas.microsoft.com/office/drawing/2014/main" id="{167C1830-121D-4DF8-A577-D4FCF2E3FA61}"/>
+              </a:ext>
+            </a:extLst>
+          </p:cNvPr>
+          <p:cNvSpPr/>
+          <p:nvPr/>
+        </p:nvSpPr>
+        <p:spPr>
+          <a:xfrm>
+            <a:off x="3248398" y="4767871"/>
+            <a:ext cx="749885" cy="361567"/>
+          </a:xfrm>
+          <a:prstGeom prst="ellipse">
+            <a:avLst/>
+          </a:prstGeom>
+          <a:noFill/>
+          <a:ln w="38100">
+            <a:solidFill>
+              <a:srgbClr val="FF0000"/>
+            </a:solidFill>
+          </a:ln>
+        </p:spPr>
+        <p:style>
+          <a:lnRef idx="2">
+            <a:schemeClr val="accent1">
+              <a:shade val="50000"/>
+            </a:schemeClr>
+          </a:lnRef>
+          <a:fillRef idx="1">
+            <a:schemeClr val="accent1"/>
+          </a:fillRef>
+          <a:effectRef idx="0">
+            <a:schemeClr val="accent1"/>
+          </a:effectRef>
+          <a:fontRef idx="minor">
+            <a:schemeClr val="lt1"/>
+          </a:fontRef>
+        </p:style>
+        <p:txBody>
+          <a:bodyPr rtlCol="0" anchor="ctr"/>
+          <a:lstStyle/>
+          <a:p>
+            <a:pPr algn="ctr"/>
+            <a:endParaRPr kumimoji="1" lang="ja-JP" altLang="en-US"/>
+          </a:p>
+        </p:txBody>
+      </p:sp>
+      <p:sp>
+        <p:nvSpPr>
+          <p:cNvPr id="11" name="楕円 10">
+            <a:extLst>
+              <a:ext uri="{FF2B5EF4-FFF2-40B4-BE49-F238E27FC236}">
+                <a16:creationId xmlns:a16="http://schemas.microsoft.com/office/drawing/2014/main" id="{6C3CB2F7-0866-4F50-8A0E-310B37F3FA3B}"/>
+              </a:ext>
+            </a:extLst>
+          </p:cNvPr>
+          <p:cNvSpPr/>
+          <p:nvPr/>
+        </p:nvSpPr>
+        <p:spPr>
+          <a:xfrm>
+            <a:off x="3248398" y="5262047"/>
+            <a:ext cx="929319" cy="361567"/>
+          </a:xfrm>
+          <a:prstGeom prst="ellipse">
+            <a:avLst/>
+          </a:prstGeom>
+          <a:noFill/>
+          <a:ln w="38100">
+            <a:solidFill>
+              <a:srgbClr val="FF0000"/>
+            </a:solidFill>
+          </a:ln>
+        </p:spPr>
+        <p:style>
+          <a:lnRef idx="2">
+            <a:schemeClr val="accent1">
+              <a:shade val="50000"/>
+            </a:schemeClr>
+          </a:lnRef>
+          <a:fillRef idx="1">
+            <a:schemeClr val="accent1"/>
+          </a:fillRef>
+          <a:effectRef idx="0">
+            <a:schemeClr val="accent1"/>
+          </a:effectRef>
+          <a:fontRef idx="minor">
+            <a:schemeClr val="lt1"/>
+          </a:fontRef>
+        </p:style>
+        <p:txBody>
+          <a:bodyPr rtlCol="0" anchor="ctr"/>
+          <a:lstStyle/>
+          <a:p>
+            <a:pPr algn="ctr"/>
+            <a:endParaRPr kumimoji="1" lang="ja-JP" altLang="en-US"/>
+          </a:p>
+        </p:txBody>
+      </p:sp>
+      <p:sp>
+        <p:nvSpPr>
+          <p:cNvPr id="12" name="吹き出し: 四角形 11">
+            <a:extLst>
+              <a:ext uri="{FF2B5EF4-FFF2-40B4-BE49-F238E27FC236}">
+                <a16:creationId xmlns:a16="http://schemas.microsoft.com/office/drawing/2014/main" id="{61B44DDB-64A7-438B-BBEA-13C6AA888332}"/>
+              </a:ext>
+            </a:extLst>
+          </p:cNvPr>
+          <p:cNvSpPr/>
+          <p:nvPr/>
+        </p:nvSpPr>
+        <p:spPr>
+          <a:xfrm>
+            <a:off x="3998283" y="4094809"/>
+            <a:ext cx="2436824" cy="576634"/>
+          </a:xfrm>
+          <a:prstGeom prst="wedgeRectCallout">
+            <a:avLst>
+              <a:gd name="adj1" fmla="val -54567"/>
+              <a:gd name="adj2" fmla="val 69803"/>
+            </a:avLst>
+          </a:prstGeom>
+        </p:spPr>
+        <p:style>
+          <a:lnRef idx="1">
+            <a:schemeClr val="accent2"/>
+          </a:lnRef>
+          <a:fillRef idx="2">
+            <a:schemeClr val="accent2"/>
+          </a:fillRef>
+          <a:effectRef idx="1">
+            <a:schemeClr val="accent2"/>
+          </a:effectRef>
+          <a:fontRef idx="minor">
+            <a:schemeClr val="dk1"/>
+          </a:fontRef>
+        </p:style>
+        <p:txBody>
+          <a:bodyPr rtlCol="0" anchor="ctr"/>
+          <a:lstStyle/>
+          <a:p>
+            <a:pPr algn="ctr"/>
+            <a:r>
+              <a:rPr lang="ja-JP" altLang="en-US" sz="1400" dirty="0"/>
+              <a:t>イベントログが持つ</a:t>
+            </a:r>
+            <a:endParaRPr lang="en-US" altLang="ja-JP" sz="1400" dirty="0"/>
+          </a:p>
+          <a:p>
+            <a:pPr algn="ctr"/>
+            <a:r>
+              <a:rPr lang="ja-JP" altLang="en-US" sz="1400" dirty="0"/>
+              <a:t>内部的な </a:t>
+            </a:r>
+            <a:r>
+              <a:rPr lang="en-US" altLang="ja-JP" sz="1400" dirty="0"/>
+              <a:t>XML</a:t>
+            </a:r>
+            <a:r>
+              <a:rPr lang="ja-JP" altLang="en-US" sz="1400" dirty="0"/>
+              <a:t> データ</a:t>
+            </a:r>
+            <a:endParaRPr lang="en-US" altLang="ja-JP" sz="1400" dirty="0"/>
+          </a:p>
+        </p:txBody>
+      </p:sp>
+      <p:sp>
+        <p:nvSpPr>
+          <p:cNvPr id="13" name="吹き出し: 四角形 12">
+            <a:extLst>
+              <a:ext uri="{FF2B5EF4-FFF2-40B4-BE49-F238E27FC236}">
+                <a16:creationId xmlns:a16="http://schemas.microsoft.com/office/drawing/2014/main" id="{F821DBBD-8169-4C24-B233-7BDB88C89A4A}"/>
+              </a:ext>
+            </a:extLst>
+          </p:cNvPr>
+          <p:cNvSpPr/>
+          <p:nvPr/>
+        </p:nvSpPr>
+        <p:spPr>
+          <a:xfrm>
+            <a:off x="4177717" y="5662620"/>
+            <a:ext cx="2436824" cy="576634"/>
+          </a:xfrm>
+          <a:prstGeom prst="wedgeRectCallout">
+            <a:avLst>
+              <a:gd name="adj1" fmla="val -52157"/>
+              <a:gd name="adj2" fmla="val -72769"/>
+            </a:avLst>
+          </a:prstGeom>
+        </p:spPr>
+        <p:style>
+          <a:lnRef idx="1">
+            <a:schemeClr val="accent2"/>
+          </a:lnRef>
+          <a:fillRef idx="2">
+            <a:schemeClr val="accent2"/>
+          </a:fillRef>
+          <a:effectRef idx="1">
+            <a:schemeClr val="accent2"/>
+          </a:effectRef>
+          <a:fontRef idx="minor">
+            <a:schemeClr val="dk1"/>
+          </a:fontRef>
+        </p:style>
+        <p:txBody>
+          <a:bodyPr rtlCol="0" anchor="ctr"/>
+          <a:lstStyle/>
+          <a:p>
+            <a:pPr algn="ctr"/>
+            <a:r>
+              <a:rPr lang="ja-JP" altLang="en-US" sz="1400" dirty="0"/>
+              <a:t>イベントビューアーに</a:t>
+            </a:r>
+            <a:endParaRPr lang="en-US" altLang="ja-JP" sz="1400" dirty="0"/>
+          </a:p>
+          <a:p>
+            <a:pPr algn="ctr"/>
+            <a:r>
+              <a:rPr lang="ja-JP" altLang="en-US" sz="1400" dirty="0"/>
+              <a:t>表示されているテキスト</a:t>
+            </a:r>
+            <a:endParaRPr lang="en-US" altLang="ja-JP" sz="1400" dirty="0"/>
+          </a:p>
+        </p:txBody>
+      </p:sp>
+    </p:spTree>
+    <p:extLst>
+      <p:ext uri="{BB962C8B-B14F-4D97-AF65-F5344CB8AC3E}">
+        <p14:creationId xmlns:p14="http://schemas.microsoft.com/office/powerpoint/2010/main" val="3705192962"/>
+      </p:ext>
+    </p:extLst>
+  </p:cSld>
+  <p:clrMapOvr>
+    <a:masterClrMapping/>
+  </p:clrMapOvr>
+</p:sld>
+</file>
+
+<file path=ppt/slides/slide8.xml><?xml version="1.0" encoding="utf-8"?>
+<p:sld xmlns:a="http://schemas.openxmlformats.org/drawingml/2006/main" xmlns:r="http://schemas.openxmlformats.org/officeDocument/2006/relationships" xmlns:p="http://schemas.openxmlformats.org/presentationml/2006/main">
+  <p:cSld>
+    <p:spTree>
+      <p:nvGrpSpPr>
+        <p:cNvPr id="1" name=""/>
+        <p:cNvGrpSpPr/>
+        <p:nvPr/>
+      </p:nvGrpSpPr>
+      <p:grpSpPr>
+        <a:xfrm>
+          <a:off x="0" y="0"/>
+          <a:ext cx="0" cy="0"/>
+          <a:chOff x="0" y="0"/>
+          <a:chExt cx="0" cy="0"/>
+        </a:xfrm>
+      </p:grpSpPr>
+      <p:pic>
+        <p:nvPicPr>
+          <p:cNvPr id="3" name="図 2">
+            <a:extLst>
+              <a:ext uri="{FF2B5EF4-FFF2-40B4-BE49-F238E27FC236}">
+                <a16:creationId xmlns:a16="http://schemas.microsoft.com/office/drawing/2014/main" id="{901B2403-C583-4B76-93A1-17B799444EA7}"/>
+              </a:ext>
+            </a:extLst>
+          </p:cNvPr>
+          <p:cNvPicPr>
+            <a:picLocks noChangeAspect="1"/>
+          </p:cNvPicPr>
+          <p:nvPr/>
+        </p:nvPicPr>
+        <p:blipFill>
+          <a:blip r:embed="rId2">
+            <a:extLst>
+              <a:ext uri="{28A0092B-C50C-407E-A947-70E740481C1C}">
+                <a14:useLocalDpi xmlns:a14="http://schemas.microsoft.com/office/drawing/2010/main" val="0"/>
+              </a:ext>
+            </a:extLst>
+          </a:blip>
+          <a:stretch>
+            <a:fillRect/>
+          </a:stretch>
+        </p:blipFill>
+        <p:spPr>
+          <a:xfrm>
+            <a:off x="2420789" y="1208560"/>
+            <a:ext cx="7350421" cy="4440879"/>
+          </a:xfrm>
+          <a:prstGeom prst="rect">
+            <a:avLst/>
+          </a:prstGeom>
+        </p:spPr>
+      </p:pic>
+    </p:spTree>
+    <p:extLst>
+      <p:ext uri="{BB962C8B-B14F-4D97-AF65-F5344CB8AC3E}">
+        <p14:creationId xmlns:p14="http://schemas.microsoft.com/office/powerpoint/2010/main" val="2288333428"/>
       </p:ext>
     </p:extLst>
   </p:cSld>

--- a/log-analysis-on-premise/images/figures.pptx
+++ b/log-analysis-on-premise/images/figures.pptx
@@ -5,7 +5,7 @@
     <p:sldMasterId id="2147483648" r:id="rId1"/>
   </p:sldMasterIdLst>
   <p:notesMasterIdLst>
-    <p:notesMasterId r:id="rId10"/>
+    <p:notesMasterId r:id="rId13"/>
   </p:notesMasterIdLst>
   <p:sldIdLst>
     <p:sldId id="256" r:id="rId2"/>
@@ -16,6 +16,9 @@
     <p:sldId id="261" r:id="rId7"/>
     <p:sldId id="262" r:id="rId8"/>
     <p:sldId id="263" r:id="rId9"/>
+    <p:sldId id="264" r:id="rId10"/>
+    <p:sldId id="265" r:id="rId11"/>
+    <p:sldId id="266" r:id="rId12"/>
   </p:sldIdLst>
   <p:sldSz cx="12192000" cy="6858000"/>
   <p:notesSz cx="6858000" cy="9144000"/>
@@ -7500,6 +7503,432 @@
 </p:sld>
 </file>
 
+<file path=ppt/slides/slide10.xml><?xml version="1.0" encoding="utf-8"?>
+<p:sld xmlns:a="http://schemas.openxmlformats.org/drawingml/2006/main" xmlns:r="http://schemas.openxmlformats.org/officeDocument/2006/relationships" xmlns:p="http://schemas.openxmlformats.org/presentationml/2006/main">
+  <p:cSld>
+    <p:spTree>
+      <p:nvGrpSpPr>
+        <p:cNvPr id="1" name=""/>
+        <p:cNvGrpSpPr/>
+        <p:nvPr/>
+      </p:nvGrpSpPr>
+      <p:grpSpPr>
+        <a:xfrm>
+          <a:off x="0" y="0"/>
+          <a:ext cx="0" cy="0"/>
+          <a:chOff x="0" y="0"/>
+          <a:chExt cx="0" cy="0"/>
+        </a:xfrm>
+      </p:grpSpPr>
+      <p:pic>
+        <p:nvPicPr>
+          <p:cNvPr id="3" name="図 2">
+            <a:extLst>
+              <a:ext uri="{FF2B5EF4-FFF2-40B4-BE49-F238E27FC236}">
+                <a16:creationId xmlns:a16="http://schemas.microsoft.com/office/drawing/2014/main" id="{6BA5B0C1-9F59-42FF-9779-8E760073D5EF}"/>
+              </a:ext>
+            </a:extLst>
+          </p:cNvPr>
+          <p:cNvPicPr>
+            <a:picLocks noChangeAspect="1"/>
+          </p:cNvPicPr>
+          <p:nvPr/>
+        </p:nvPicPr>
+        <p:blipFill>
+          <a:blip r:embed="rId2">
+            <a:extLst>
+              <a:ext uri="{28A0092B-C50C-407E-A947-70E740481C1C}">
+                <a14:useLocalDpi xmlns:a14="http://schemas.microsoft.com/office/drawing/2010/main" val="0"/>
+              </a:ext>
+            </a:extLst>
+          </a:blip>
+          <a:stretch>
+            <a:fillRect/>
+          </a:stretch>
+        </p:blipFill>
+        <p:spPr>
+          <a:xfrm>
+            <a:off x="381767" y="1521930"/>
+            <a:ext cx="11428465" cy="3814138"/>
+          </a:xfrm>
+          <a:prstGeom prst="rect">
+            <a:avLst/>
+          </a:prstGeom>
+        </p:spPr>
+      </p:pic>
+      <p:sp>
+        <p:nvSpPr>
+          <p:cNvPr id="4" name="楕円 3">
+            <a:extLst>
+              <a:ext uri="{FF2B5EF4-FFF2-40B4-BE49-F238E27FC236}">
+                <a16:creationId xmlns:a16="http://schemas.microsoft.com/office/drawing/2014/main" id="{E86CC04C-441D-4627-8A6F-D7015517054E}"/>
+              </a:ext>
+            </a:extLst>
+          </p:cNvPr>
+          <p:cNvSpPr/>
+          <p:nvPr/>
+        </p:nvSpPr>
+        <p:spPr>
+          <a:xfrm>
+            <a:off x="362703" y="3946788"/>
+            <a:ext cx="1767975" cy="340530"/>
+          </a:xfrm>
+          <a:prstGeom prst="ellipse">
+            <a:avLst/>
+          </a:prstGeom>
+          <a:noFill/>
+          <a:ln w="38100">
+            <a:solidFill>
+              <a:srgbClr val="FF0000"/>
+            </a:solidFill>
+          </a:ln>
+        </p:spPr>
+        <p:style>
+          <a:lnRef idx="2">
+            <a:schemeClr val="accent1">
+              <a:shade val="50000"/>
+            </a:schemeClr>
+          </a:lnRef>
+          <a:fillRef idx="1">
+            <a:schemeClr val="accent1"/>
+          </a:fillRef>
+          <a:effectRef idx="0">
+            <a:schemeClr val="accent1"/>
+          </a:effectRef>
+          <a:fontRef idx="minor">
+            <a:schemeClr val="lt1"/>
+          </a:fontRef>
+        </p:style>
+        <p:txBody>
+          <a:bodyPr rtlCol="0" anchor="ctr"/>
+          <a:lstStyle/>
+          <a:p>
+            <a:pPr algn="ctr"/>
+            <a:endParaRPr kumimoji="1" lang="ja-JP" altLang="en-US"/>
+          </a:p>
+        </p:txBody>
+      </p:sp>
+      <p:sp>
+        <p:nvSpPr>
+          <p:cNvPr id="5" name="楕円 4">
+            <a:extLst>
+              <a:ext uri="{FF2B5EF4-FFF2-40B4-BE49-F238E27FC236}">
+                <a16:creationId xmlns:a16="http://schemas.microsoft.com/office/drawing/2014/main" id="{EE84E0F1-7CF6-43D4-9316-8248F75C0E3D}"/>
+              </a:ext>
+            </a:extLst>
+          </p:cNvPr>
+          <p:cNvSpPr/>
+          <p:nvPr/>
+        </p:nvSpPr>
+        <p:spPr>
+          <a:xfrm>
+            <a:off x="6969981" y="2904569"/>
+            <a:ext cx="4153821" cy="340530"/>
+          </a:xfrm>
+          <a:prstGeom prst="ellipse">
+            <a:avLst/>
+          </a:prstGeom>
+          <a:noFill/>
+          <a:ln w="38100">
+            <a:solidFill>
+              <a:srgbClr val="FF0000"/>
+            </a:solidFill>
+          </a:ln>
+        </p:spPr>
+        <p:style>
+          <a:lnRef idx="2">
+            <a:schemeClr val="accent1">
+              <a:shade val="50000"/>
+            </a:schemeClr>
+          </a:lnRef>
+          <a:fillRef idx="1">
+            <a:schemeClr val="accent1"/>
+          </a:fillRef>
+          <a:effectRef idx="0">
+            <a:schemeClr val="accent1"/>
+          </a:effectRef>
+          <a:fontRef idx="minor">
+            <a:schemeClr val="lt1"/>
+          </a:fontRef>
+        </p:style>
+        <p:txBody>
+          <a:bodyPr rtlCol="0" anchor="ctr"/>
+          <a:lstStyle/>
+          <a:p>
+            <a:pPr algn="ctr"/>
+            <a:endParaRPr kumimoji="1" lang="ja-JP" altLang="en-US"/>
+          </a:p>
+        </p:txBody>
+      </p:sp>
+    </p:spTree>
+    <p:extLst>
+      <p:ext uri="{BB962C8B-B14F-4D97-AF65-F5344CB8AC3E}">
+        <p14:creationId xmlns:p14="http://schemas.microsoft.com/office/powerpoint/2010/main" val="3843891130"/>
+      </p:ext>
+    </p:extLst>
+  </p:cSld>
+  <p:clrMapOvr>
+    <a:masterClrMapping/>
+  </p:clrMapOvr>
+</p:sld>
+</file>
+
+<file path=ppt/slides/slide11.xml><?xml version="1.0" encoding="utf-8"?>
+<p:sld xmlns:a="http://schemas.openxmlformats.org/drawingml/2006/main" xmlns:r="http://schemas.openxmlformats.org/officeDocument/2006/relationships" xmlns:p="http://schemas.openxmlformats.org/presentationml/2006/main">
+  <p:cSld>
+    <p:spTree>
+      <p:nvGrpSpPr>
+        <p:cNvPr id="1" name=""/>
+        <p:cNvGrpSpPr/>
+        <p:nvPr/>
+      </p:nvGrpSpPr>
+      <p:grpSpPr>
+        <a:xfrm>
+          <a:off x="0" y="0"/>
+          <a:ext cx="0" cy="0"/>
+          <a:chOff x="0" y="0"/>
+          <a:chExt cx="0" cy="0"/>
+        </a:xfrm>
+      </p:grpSpPr>
+      <p:pic>
+        <p:nvPicPr>
+          <p:cNvPr id="3" name="図 2">
+            <a:extLst>
+              <a:ext uri="{FF2B5EF4-FFF2-40B4-BE49-F238E27FC236}">
+                <a16:creationId xmlns:a16="http://schemas.microsoft.com/office/drawing/2014/main" id="{D64372E9-4718-43D5-B826-682A80F9DADD}"/>
+              </a:ext>
+            </a:extLst>
+          </p:cNvPr>
+          <p:cNvPicPr>
+            <a:picLocks noChangeAspect="1"/>
+          </p:cNvPicPr>
+          <p:nvPr/>
+        </p:nvPicPr>
+        <p:blipFill>
+          <a:blip r:embed="rId2">
+            <a:extLst>
+              <a:ext uri="{28A0092B-C50C-407E-A947-70E740481C1C}">
+                <a14:useLocalDpi xmlns:a14="http://schemas.microsoft.com/office/drawing/2010/main" val="0"/>
+              </a:ext>
+            </a:extLst>
+          </a:blip>
+          <a:stretch>
+            <a:fillRect/>
+          </a:stretch>
+        </p:blipFill>
+        <p:spPr>
+          <a:xfrm>
+            <a:off x="529269" y="306796"/>
+            <a:ext cx="7341638" cy="3036926"/>
+          </a:xfrm>
+          <a:prstGeom prst="rect">
+            <a:avLst/>
+          </a:prstGeom>
+        </p:spPr>
+      </p:pic>
+      <p:sp>
+        <p:nvSpPr>
+          <p:cNvPr id="4" name="吹き出し: 四角形 3">
+            <a:extLst>
+              <a:ext uri="{FF2B5EF4-FFF2-40B4-BE49-F238E27FC236}">
+                <a16:creationId xmlns:a16="http://schemas.microsoft.com/office/drawing/2014/main" id="{4F3D5BC2-42AD-42AD-897A-18F78610A5FD}"/>
+              </a:ext>
+            </a:extLst>
+          </p:cNvPr>
+          <p:cNvSpPr/>
+          <p:nvPr/>
+        </p:nvSpPr>
+        <p:spPr>
+          <a:xfrm>
+            <a:off x="4200088" y="786841"/>
+            <a:ext cx="2013905" cy="576634"/>
+          </a:xfrm>
+          <a:prstGeom prst="wedgeRectCallout">
+            <a:avLst>
+              <a:gd name="adj1" fmla="val -69940"/>
+              <a:gd name="adj2" fmla="val -29000"/>
+            </a:avLst>
+          </a:prstGeom>
+        </p:spPr>
+        <p:style>
+          <a:lnRef idx="1">
+            <a:schemeClr val="accent2"/>
+          </a:lnRef>
+          <a:fillRef idx="2">
+            <a:schemeClr val="accent2"/>
+          </a:fillRef>
+          <a:effectRef idx="1">
+            <a:schemeClr val="accent2"/>
+          </a:effectRef>
+          <a:fontRef idx="minor">
+            <a:schemeClr val="dk1"/>
+          </a:fontRef>
+        </p:style>
+        <p:txBody>
+          <a:bodyPr rtlCol="0" anchor="ctr"/>
+          <a:lstStyle/>
+          <a:p>
+            <a:pPr algn="ctr"/>
+            <a:r>
+              <a:rPr lang="ja-JP" altLang="en-US" sz="1400" dirty="0"/>
+              <a:t>改めて全文検索</a:t>
+            </a:r>
+            <a:endParaRPr lang="en-US" altLang="ja-JP" sz="1400" dirty="0"/>
+          </a:p>
+        </p:txBody>
+      </p:sp>
+      <p:sp>
+        <p:nvSpPr>
+          <p:cNvPr id="5" name="吹き出し: 四角形 4">
+            <a:extLst>
+              <a:ext uri="{FF2B5EF4-FFF2-40B4-BE49-F238E27FC236}">
+                <a16:creationId xmlns:a16="http://schemas.microsoft.com/office/drawing/2014/main" id="{B5F34D84-6AB3-4DCF-979A-54113B2B6DEB}"/>
+              </a:ext>
+            </a:extLst>
+          </p:cNvPr>
+          <p:cNvSpPr/>
+          <p:nvPr/>
+        </p:nvSpPr>
+        <p:spPr>
+          <a:xfrm>
+            <a:off x="7767144" y="1536942"/>
+            <a:ext cx="2013905" cy="576634"/>
+          </a:xfrm>
+          <a:prstGeom prst="wedgeRectCallout">
+            <a:avLst>
+              <a:gd name="adj1" fmla="val -77909"/>
+              <a:gd name="adj2" fmla="val 77203"/>
+            </a:avLst>
+          </a:prstGeom>
+        </p:spPr>
+        <p:style>
+          <a:lnRef idx="1">
+            <a:schemeClr val="accent2"/>
+          </a:lnRef>
+          <a:fillRef idx="2">
+            <a:schemeClr val="accent2"/>
+          </a:fillRef>
+          <a:effectRef idx="1">
+            <a:schemeClr val="accent2"/>
+          </a:effectRef>
+          <a:fontRef idx="minor">
+            <a:schemeClr val="dk1"/>
+          </a:fontRef>
+        </p:style>
+        <p:txBody>
+          <a:bodyPr rtlCol="0" anchor="ctr"/>
+          <a:lstStyle/>
+          <a:p>
+            <a:pPr algn="ctr"/>
+            <a:r>
+              <a:rPr lang="ja-JP" altLang="en-US" sz="1400" dirty="0"/>
+              <a:t>ログが集まっている！</a:t>
+            </a:r>
+            <a:endParaRPr lang="en-US" altLang="ja-JP" sz="1400" dirty="0"/>
+          </a:p>
+        </p:txBody>
+      </p:sp>
+      <p:pic>
+        <p:nvPicPr>
+          <p:cNvPr id="10" name="図 9">
+            <a:extLst>
+              <a:ext uri="{FF2B5EF4-FFF2-40B4-BE49-F238E27FC236}">
+                <a16:creationId xmlns:a16="http://schemas.microsoft.com/office/drawing/2014/main" id="{2F420073-A693-454A-82AA-9B0CF348A8DF}"/>
+              </a:ext>
+            </a:extLst>
+          </p:cNvPr>
+          <p:cNvPicPr>
+            <a:picLocks noChangeAspect="1"/>
+          </p:cNvPicPr>
+          <p:nvPr/>
+        </p:nvPicPr>
+        <p:blipFill>
+          <a:blip r:embed="rId3">
+            <a:extLst>
+              <a:ext uri="{28A0092B-C50C-407E-A947-70E740481C1C}">
+                <a14:useLocalDpi xmlns:a14="http://schemas.microsoft.com/office/drawing/2010/main" val="0"/>
+              </a:ext>
+            </a:extLst>
+          </a:blip>
+          <a:stretch>
+            <a:fillRect/>
+          </a:stretch>
+        </p:blipFill>
+        <p:spPr>
+          <a:xfrm>
+            <a:off x="3766654" y="2593621"/>
+            <a:ext cx="7041162" cy="4126520"/>
+          </a:xfrm>
+          <a:prstGeom prst="rect">
+            <a:avLst/>
+          </a:prstGeom>
+        </p:spPr>
+      </p:pic>
+      <p:sp>
+        <p:nvSpPr>
+          <p:cNvPr id="11" name="楕円 10">
+            <a:extLst>
+              <a:ext uri="{FF2B5EF4-FFF2-40B4-BE49-F238E27FC236}">
+                <a16:creationId xmlns:a16="http://schemas.microsoft.com/office/drawing/2014/main" id="{B928C1D5-2722-407B-BA6A-6846A61F4FBC}"/>
+              </a:ext>
+            </a:extLst>
+          </p:cNvPr>
+          <p:cNvSpPr/>
+          <p:nvPr/>
+        </p:nvSpPr>
+        <p:spPr>
+          <a:xfrm>
+            <a:off x="5756824" y="5985313"/>
+            <a:ext cx="2288218" cy="658768"/>
+          </a:xfrm>
+          <a:prstGeom prst="ellipse">
+            <a:avLst/>
+          </a:prstGeom>
+          <a:noFill/>
+          <a:ln w="38100">
+            <a:solidFill>
+              <a:srgbClr val="FF0000"/>
+            </a:solidFill>
+          </a:ln>
+        </p:spPr>
+        <p:style>
+          <a:lnRef idx="2">
+            <a:schemeClr val="accent1">
+              <a:shade val="50000"/>
+            </a:schemeClr>
+          </a:lnRef>
+          <a:fillRef idx="1">
+            <a:schemeClr val="accent1"/>
+          </a:fillRef>
+          <a:effectRef idx="0">
+            <a:schemeClr val="accent1"/>
+          </a:effectRef>
+          <a:fontRef idx="minor">
+            <a:schemeClr val="lt1"/>
+          </a:fontRef>
+        </p:style>
+        <p:txBody>
+          <a:bodyPr rtlCol="0" anchor="ctr"/>
+          <a:lstStyle/>
+          <a:p>
+            <a:pPr algn="ctr"/>
+            <a:endParaRPr kumimoji="1" lang="ja-JP" altLang="en-US"/>
+          </a:p>
+        </p:txBody>
+      </p:sp>
+    </p:spTree>
+    <p:extLst>
+      <p:ext uri="{BB962C8B-B14F-4D97-AF65-F5344CB8AC3E}">
+        <p14:creationId xmlns:p14="http://schemas.microsoft.com/office/powerpoint/2010/main" val="4119604007"/>
+      </p:ext>
+    </p:extLst>
+  </p:cSld>
+  <p:clrMapOvr>
+    <a:masterClrMapping/>
+  </p:clrMapOvr>
+</p:sld>
+</file>
+
 <file path=ppt/slides/slide2.xml><?xml version="1.0" encoding="utf-8"?>
 <p:sld xmlns:a="http://schemas.openxmlformats.org/drawingml/2006/main" xmlns:r="http://schemas.openxmlformats.org/officeDocument/2006/relationships" xmlns:p="http://schemas.openxmlformats.org/presentationml/2006/main">
   <p:cSld>
@@ -8519,7 +8948,7 @@
         </p:blipFill>
         <p:spPr>
           <a:xfrm>
-            <a:off x="1333032" y="236030"/>
+            <a:off x="1333032" y="210863"/>
             <a:ext cx="7196864" cy="6218160"/>
           </a:xfrm>
           <a:prstGeom prst="rect">
@@ -8541,7 +8970,7 @@
         </p:nvSpPr>
         <p:spPr>
           <a:xfrm>
-            <a:off x="1383354" y="4767871"/>
+            <a:off x="1383354" y="4793037"/>
             <a:ext cx="907361" cy="255845"/>
           </a:xfrm>
           <a:prstGeom prst="ellipse">
@@ -8930,6 +9359,250 @@
     <p:extLst>
       <p:ext uri="{BB962C8B-B14F-4D97-AF65-F5344CB8AC3E}">
         <p14:creationId xmlns:p14="http://schemas.microsoft.com/office/powerpoint/2010/main" val="2288333428"/>
+      </p:ext>
+    </p:extLst>
+  </p:cSld>
+  <p:clrMapOvr>
+    <a:masterClrMapping/>
+  </p:clrMapOvr>
+</p:sld>
+</file>
+
+<file path=ppt/slides/slide9.xml><?xml version="1.0" encoding="utf-8"?>
+<p:sld xmlns:a="http://schemas.openxmlformats.org/drawingml/2006/main" xmlns:r="http://schemas.openxmlformats.org/officeDocument/2006/relationships" xmlns:p="http://schemas.openxmlformats.org/presentationml/2006/main">
+  <p:cSld>
+    <p:spTree>
+      <p:nvGrpSpPr>
+        <p:cNvPr id="1" name=""/>
+        <p:cNvGrpSpPr/>
+        <p:nvPr/>
+      </p:nvGrpSpPr>
+      <p:grpSpPr>
+        <a:xfrm>
+          <a:off x="0" y="0"/>
+          <a:ext cx="0" cy="0"/>
+          <a:chOff x="0" y="0"/>
+          <a:chExt cx="0" cy="0"/>
+        </a:xfrm>
+      </p:grpSpPr>
+      <p:grpSp>
+        <p:nvGrpSpPr>
+          <p:cNvPr id="10" name="グループ化 9">
+            <a:extLst>
+              <a:ext uri="{FF2B5EF4-FFF2-40B4-BE49-F238E27FC236}">
+                <a16:creationId xmlns:a16="http://schemas.microsoft.com/office/drawing/2014/main" id="{DAE0286C-4A99-4500-BE96-469E98C5C892}"/>
+              </a:ext>
+            </a:extLst>
+          </p:cNvPr>
+          <p:cNvGrpSpPr/>
+          <p:nvPr/>
+        </p:nvGrpSpPr>
+        <p:grpSpPr>
+          <a:xfrm>
+            <a:off x="1217952" y="490537"/>
+            <a:ext cx="9707223" cy="5876925"/>
+            <a:chOff x="1217952" y="490537"/>
+            <a:chExt cx="9707223" cy="5876925"/>
+          </a:xfrm>
+        </p:grpSpPr>
+        <p:pic>
+          <p:nvPicPr>
+            <p:cNvPr id="2" name="図 1">
+              <a:extLst>
+                <a:ext uri="{FF2B5EF4-FFF2-40B4-BE49-F238E27FC236}">
+                  <a16:creationId xmlns:a16="http://schemas.microsoft.com/office/drawing/2014/main" id="{E193EE68-AC71-44BC-A41F-647476CE0A18}"/>
+                </a:ext>
+              </a:extLst>
+            </p:cNvPr>
+            <p:cNvPicPr>
+              <a:picLocks noChangeAspect="1"/>
+            </p:cNvPicPr>
+            <p:nvPr/>
+          </p:nvPicPr>
+          <p:blipFill>
+            <a:blip r:embed="rId2"/>
+            <a:stretch>
+              <a:fillRect/>
+            </a:stretch>
+          </p:blipFill>
+          <p:spPr>
+            <a:xfrm>
+              <a:off x="1266825" y="490537"/>
+              <a:ext cx="9658350" cy="5876925"/>
+            </a:xfrm>
+            <a:prstGeom prst="rect">
+              <a:avLst/>
+            </a:prstGeom>
+          </p:spPr>
+        </p:pic>
+        <p:pic>
+          <p:nvPicPr>
+            <p:cNvPr id="9" name="図 8">
+              <a:extLst>
+                <a:ext uri="{FF2B5EF4-FFF2-40B4-BE49-F238E27FC236}">
+                  <a16:creationId xmlns:a16="http://schemas.microsoft.com/office/drawing/2014/main" id="{A1F7296C-EB42-4477-A0EC-7059225C88FF}"/>
+                </a:ext>
+              </a:extLst>
+            </p:cNvPr>
+            <p:cNvPicPr>
+              <a:picLocks noChangeAspect="1"/>
+            </p:cNvPicPr>
+            <p:nvPr/>
+          </p:nvPicPr>
+          <p:blipFill rotWithShape="1">
+            <a:blip r:embed="rId3"/>
+            <a:srcRect l="29429" t="13754"/>
+            <a:stretch/>
+          </p:blipFill>
+          <p:spPr>
+            <a:xfrm>
+              <a:off x="4109207" y="1298895"/>
+              <a:ext cx="6815968" cy="5068567"/>
+            </a:xfrm>
+            <a:prstGeom prst="rect">
+              <a:avLst/>
+            </a:prstGeom>
+          </p:spPr>
+        </p:pic>
+        <p:pic>
+          <p:nvPicPr>
+            <p:cNvPr id="4" name="図 3">
+              <a:extLst>
+                <a:ext uri="{FF2B5EF4-FFF2-40B4-BE49-F238E27FC236}">
+                  <a16:creationId xmlns:a16="http://schemas.microsoft.com/office/drawing/2014/main" id="{6F9145C9-901A-4A2A-82E2-FF46582F939F}"/>
+                </a:ext>
+              </a:extLst>
+            </p:cNvPr>
+            <p:cNvPicPr>
+              <a:picLocks noChangeAspect="1"/>
+            </p:cNvPicPr>
+            <p:nvPr/>
+          </p:nvPicPr>
+          <p:blipFill rotWithShape="1">
+            <a:blip r:embed="rId4">
+              <a:extLst>
+                <a:ext uri="{28A0092B-C50C-407E-A947-70E740481C1C}">
+                  <a14:useLocalDpi xmlns:a14="http://schemas.microsoft.com/office/drawing/2010/main" val="0"/>
+                </a:ext>
+              </a:extLst>
+            </a:blip>
+            <a:srcRect t="24020" b="36674"/>
+            <a:stretch/>
+          </p:blipFill>
+          <p:spPr>
+            <a:xfrm>
+              <a:off x="1341803" y="4857136"/>
+              <a:ext cx="2606854" cy="1061884"/>
+            </a:xfrm>
+            <a:prstGeom prst="rect">
+              <a:avLst/>
+            </a:prstGeom>
+          </p:spPr>
+        </p:pic>
+        <p:sp>
+          <p:nvSpPr>
+            <p:cNvPr id="6" name="矢印: 下 5">
+              <a:extLst>
+                <a:ext uri="{FF2B5EF4-FFF2-40B4-BE49-F238E27FC236}">
+                  <a16:creationId xmlns:a16="http://schemas.microsoft.com/office/drawing/2014/main" id="{E08ABB92-76BE-45CC-93D4-FC653A11B384}"/>
+                </a:ext>
+              </a:extLst>
+            </p:cNvPr>
+            <p:cNvSpPr/>
+            <p:nvPr/>
+          </p:nvSpPr>
+          <p:spPr>
+            <a:xfrm rot="21014361">
+              <a:off x="1217952" y="3649574"/>
+              <a:ext cx="528506" cy="1741412"/>
+            </a:xfrm>
+            <a:prstGeom prst="downArrow">
+              <a:avLst/>
+            </a:prstGeom>
+          </p:spPr>
+          <p:style>
+            <a:lnRef idx="1">
+              <a:schemeClr val="accent2"/>
+            </a:lnRef>
+            <a:fillRef idx="2">
+              <a:schemeClr val="accent2"/>
+            </a:fillRef>
+            <a:effectRef idx="1">
+              <a:schemeClr val="accent2"/>
+            </a:effectRef>
+            <a:fontRef idx="minor">
+              <a:schemeClr val="dk1"/>
+            </a:fontRef>
+          </p:style>
+          <p:txBody>
+            <a:bodyPr rtlCol="0" anchor="ctr"/>
+            <a:lstStyle/>
+            <a:p>
+              <a:pPr algn="ctr"/>
+              <a:r>
+                <a:rPr kumimoji="1" lang="ja-JP" altLang="en-US" sz="1400" dirty="0"/>
+                <a:t>ここまで展開</a:t>
+              </a:r>
+            </a:p>
+          </p:txBody>
+        </p:sp>
+        <p:sp>
+          <p:nvSpPr>
+            <p:cNvPr id="7" name="楕円 6">
+              <a:extLst>
+                <a:ext uri="{FF2B5EF4-FFF2-40B4-BE49-F238E27FC236}">
+                  <a16:creationId xmlns:a16="http://schemas.microsoft.com/office/drawing/2014/main" id="{A4BD0AFB-3C2E-438E-832F-081F937FF6A9}"/>
+                </a:ext>
+              </a:extLst>
+            </p:cNvPr>
+            <p:cNvSpPr/>
+            <p:nvPr/>
+          </p:nvSpPr>
+          <p:spPr>
+            <a:xfrm>
+              <a:off x="5642319" y="4264435"/>
+              <a:ext cx="2847340" cy="255845"/>
+            </a:xfrm>
+            <a:prstGeom prst="ellipse">
+              <a:avLst/>
+            </a:prstGeom>
+            <a:noFill/>
+            <a:ln w="38100">
+              <a:solidFill>
+                <a:srgbClr val="FF0000"/>
+              </a:solidFill>
+            </a:ln>
+          </p:spPr>
+          <p:style>
+            <a:lnRef idx="2">
+              <a:schemeClr val="accent1">
+                <a:shade val="50000"/>
+              </a:schemeClr>
+            </a:lnRef>
+            <a:fillRef idx="1">
+              <a:schemeClr val="accent1"/>
+            </a:fillRef>
+            <a:effectRef idx="0">
+              <a:schemeClr val="accent1"/>
+            </a:effectRef>
+            <a:fontRef idx="minor">
+              <a:schemeClr val="lt1"/>
+            </a:fontRef>
+          </p:style>
+          <p:txBody>
+            <a:bodyPr rtlCol="0" anchor="ctr"/>
+            <a:lstStyle/>
+            <a:p>
+              <a:pPr algn="ctr"/>
+              <a:endParaRPr kumimoji="1" lang="ja-JP" altLang="en-US"/>
+            </a:p>
+          </p:txBody>
+        </p:sp>
+      </p:grpSp>
+    </p:spTree>
+    <p:extLst>
+      <p:ext uri="{BB962C8B-B14F-4D97-AF65-F5344CB8AC3E}">
+        <p14:creationId xmlns:p14="http://schemas.microsoft.com/office/powerpoint/2010/main" val="342653766"/>
       </p:ext>
     </p:extLst>
   </p:cSld>
